--- a/Communal Resources/Crime_Chronicles_ppt.pptx
+++ b/Communal Resources/Crime_Chronicles_ppt.pptx
@@ -6,7 +6,7 @@
     <p:sldMasterId id="2147483775" r:id="rId2"/>
   </p:sldMasterIdLst>
   <p:notesMasterIdLst>
-    <p:notesMasterId r:id="rId13"/>
+    <p:notesMasterId r:id="rId16"/>
   </p:notesMasterIdLst>
   <p:sldIdLst>
     <p:sldId id="257" r:id="rId3"/>
@@ -15,10 +15,13 @@
     <p:sldId id="259" r:id="rId6"/>
     <p:sldId id="264" r:id="rId7"/>
     <p:sldId id="265" r:id="rId8"/>
-    <p:sldId id="266" r:id="rId9"/>
-    <p:sldId id="262" r:id="rId10"/>
-    <p:sldId id="261" r:id="rId11"/>
-    <p:sldId id="263" r:id="rId12"/>
+    <p:sldId id="268" r:id="rId9"/>
+    <p:sldId id="266" r:id="rId10"/>
+    <p:sldId id="269" r:id="rId11"/>
+    <p:sldId id="267" r:id="rId12"/>
+    <p:sldId id="262" r:id="rId13"/>
+    <p:sldId id="261" r:id="rId14"/>
+    <p:sldId id="263" r:id="rId15"/>
   </p:sldIdLst>
   <p:sldSz cx="12192000" cy="6858000"/>
   <p:notesSz cx="6858000" cy="9144000"/>
@@ -215,7 +218,7 @@
           <a:p>
             <a:fld id="{C0543E85-EFC9-4B49-87EC-63668FE0DBF7}" type="datetimeFigureOut">
               <a:rPr lang="en-US" smtClean="0"/>
-              <a:t>7/9/24</a:t>
+              <a:t>7/15/24</a:t>
             </a:fld>
             <a:endParaRPr lang="en-US"/>
           </a:p>
@@ -2829,7 +2832,7 @@
           <a:p>
             <a:fld id="{3C04E684-10F4-4CC3-A0B9-F03AA7BE37CF}" type="datetimeFigureOut">
               <a:rPr lang="en-US" smtClean="0"/>
-              <a:t>7/9/24</a:t>
+              <a:t>7/15/24</a:t>
             </a:fld>
             <a:endParaRPr lang="en-US"/>
           </a:p>
@@ -5319,7 +5322,7 @@
           <a:p>
             <a:fld id="{3C04E684-10F4-4CC3-A0B9-F03AA7BE37CF}" type="datetimeFigureOut">
               <a:rPr lang="en-US" smtClean="0"/>
-              <a:t>7/9/24</a:t>
+              <a:t>7/15/24</a:t>
             </a:fld>
             <a:endParaRPr lang="en-US"/>
           </a:p>
@@ -5517,7 +5520,7 @@
           <a:p>
             <a:fld id="{3C04E684-10F4-4CC3-A0B9-F03AA7BE37CF}" type="datetimeFigureOut">
               <a:rPr lang="en-US" smtClean="0"/>
-              <a:t>7/9/24</a:t>
+              <a:t>7/15/24</a:t>
             </a:fld>
             <a:endParaRPr lang="en-US"/>
           </a:p>
@@ -5725,7 +5728,7 @@
           <a:p>
             <a:fld id="{3C04E684-10F4-4CC3-A0B9-F03AA7BE37CF}" type="datetimeFigureOut">
               <a:rPr lang="en-US" smtClean="0"/>
-              <a:t>7/9/24</a:t>
+              <a:t>7/15/24</a:t>
             </a:fld>
             <a:endParaRPr lang="en-US"/>
           </a:p>
@@ -5945,7 +5948,7 @@
           <a:p>
             <a:fld id="{3C04E684-10F4-4CC3-A0B9-F03AA7BE37CF}" type="datetimeFigureOut">
               <a:rPr lang="en-US" smtClean="0"/>
-              <a:t>7/9/24</a:t>
+              <a:t>7/15/24</a:t>
             </a:fld>
             <a:endParaRPr lang="en-US"/>
           </a:p>
@@ -6143,7 +6146,7 @@
           <a:p>
             <a:fld id="{3C04E684-10F4-4CC3-A0B9-F03AA7BE37CF}" type="datetimeFigureOut">
               <a:rPr lang="en-US" smtClean="0"/>
-              <a:t>7/9/24</a:t>
+              <a:t>7/15/24</a:t>
             </a:fld>
             <a:endParaRPr lang="en-US"/>
           </a:p>
@@ -6418,7 +6421,7 @@
           <a:p>
             <a:fld id="{3C04E684-10F4-4CC3-A0B9-F03AA7BE37CF}" type="datetimeFigureOut">
               <a:rPr lang="en-US" smtClean="0"/>
-              <a:t>7/9/24</a:t>
+              <a:t>7/15/24</a:t>
             </a:fld>
             <a:endParaRPr lang="en-US"/>
           </a:p>
@@ -6683,7 +6686,7 @@
           <a:p>
             <a:fld id="{3C04E684-10F4-4CC3-A0B9-F03AA7BE37CF}" type="datetimeFigureOut">
               <a:rPr lang="en-US" smtClean="0"/>
-              <a:t>7/9/24</a:t>
+              <a:t>7/15/24</a:t>
             </a:fld>
             <a:endParaRPr lang="en-US"/>
           </a:p>
@@ -7095,7 +7098,7 @@
           <a:p>
             <a:fld id="{3C04E684-10F4-4CC3-A0B9-F03AA7BE37CF}" type="datetimeFigureOut">
               <a:rPr lang="en-US" smtClean="0"/>
-              <a:t>7/9/24</a:t>
+              <a:t>7/15/24</a:t>
             </a:fld>
             <a:endParaRPr lang="en-US"/>
           </a:p>
@@ -7236,7 +7239,7 @@
           <a:p>
             <a:fld id="{3C04E684-10F4-4CC3-A0B9-F03AA7BE37CF}" type="datetimeFigureOut">
               <a:rPr lang="en-US" smtClean="0"/>
-              <a:t>7/9/24</a:t>
+              <a:t>7/15/24</a:t>
             </a:fld>
             <a:endParaRPr lang="en-US"/>
           </a:p>
@@ -7349,7 +7352,7 @@
           <a:p>
             <a:fld id="{3C04E684-10F4-4CC3-A0B9-F03AA7BE37CF}" type="datetimeFigureOut">
               <a:rPr lang="en-US" smtClean="0"/>
-              <a:t>7/9/24</a:t>
+              <a:t>7/15/24</a:t>
             </a:fld>
             <a:endParaRPr lang="en-US"/>
           </a:p>
@@ -8086,7 +8089,7 @@
           <a:p>
             <a:fld id="{3C04E684-10F4-4CC3-A0B9-F03AA7BE37CF}" type="datetimeFigureOut">
               <a:rPr lang="en-US" smtClean="0"/>
-              <a:t>7/9/24</a:t>
+              <a:t>7/15/24</a:t>
             </a:fld>
             <a:endParaRPr lang="en-US"/>
           </a:p>
@@ -8397,7 +8400,7 @@
           <a:p>
             <a:fld id="{3C04E684-10F4-4CC3-A0B9-F03AA7BE37CF}" type="datetimeFigureOut">
               <a:rPr lang="en-US" smtClean="0"/>
-              <a:t>7/9/24</a:t>
+              <a:t>7/15/24</a:t>
             </a:fld>
             <a:endParaRPr lang="en-US"/>
           </a:p>
@@ -8685,7 +8688,7 @@
           <a:p>
             <a:fld id="{3C04E684-10F4-4CC3-A0B9-F03AA7BE37CF}" type="datetimeFigureOut">
               <a:rPr lang="en-US" smtClean="0"/>
-              <a:t>7/9/24</a:t>
+              <a:t>7/15/24</a:t>
             </a:fld>
             <a:endParaRPr lang="en-US"/>
           </a:p>
@@ -8883,7 +8886,7 @@
           <a:p>
             <a:fld id="{3C04E684-10F4-4CC3-A0B9-F03AA7BE37CF}" type="datetimeFigureOut">
               <a:rPr lang="en-US" smtClean="0"/>
-              <a:t>7/9/24</a:t>
+              <a:t>7/15/24</a:t>
             </a:fld>
             <a:endParaRPr lang="en-US"/>
           </a:p>
@@ -9091,7 +9094,7 @@
           <a:p>
             <a:fld id="{3C04E684-10F4-4CC3-A0B9-F03AA7BE37CF}" type="datetimeFigureOut">
               <a:rPr lang="en-US" smtClean="0"/>
-              <a:t>7/9/24</a:t>
+              <a:t>7/15/24</a:t>
             </a:fld>
             <a:endParaRPr lang="en-US"/>
           </a:p>
@@ -9733,7 +9736,7 @@
           <a:p>
             <a:fld id="{3C04E684-10F4-4CC3-A0B9-F03AA7BE37CF}" type="datetimeFigureOut">
               <a:rPr lang="en-US" smtClean="0"/>
-              <a:t>7/9/24</a:t>
+              <a:t>7/15/24</a:t>
             </a:fld>
             <a:endParaRPr lang="en-US"/>
           </a:p>
@@ -10533,7 +10536,7 @@
           <a:p>
             <a:fld id="{3C04E684-10F4-4CC3-A0B9-F03AA7BE37CF}" type="datetimeFigureOut">
               <a:rPr lang="en-US" smtClean="0"/>
-              <a:t>7/9/24</a:t>
+              <a:t>7/15/24</a:t>
             </a:fld>
             <a:endParaRPr lang="en-US"/>
           </a:p>
@@ -11484,7 +11487,7 @@
           <a:p>
             <a:fld id="{3C04E684-10F4-4CC3-A0B9-F03AA7BE37CF}" type="datetimeFigureOut">
               <a:rPr lang="en-US" smtClean="0"/>
-              <a:t>7/9/24</a:t>
+              <a:t>7/15/24</a:t>
             </a:fld>
             <a:endParaRPr lang="en-US"/>
           </a:p>
@@ -13833,7 +13836,7 @@
           <a:p>
             <a:fld id="{3C04E684-10F4-4CC3-A0B9-F03AA7BE37CF}" type="datetimeFigureOut">
               <a:rPr lang="en-US" smtClean="0"/>
-              <a:t>7/9/24</a:t>
+              <a:t>7/15/24</a:t>
             </a:fld>
             <a:endParaRPr lang="en-US"/>
           </a:p>
@@ -13946,7 +13949,7 @@
           <a:p>
             <a:fld id="{3C04E684-10F4-4CC3-A0B9-F03AA7BE37CF}" type="datetimeFigureOut">
               <a:rPr lang="en-US" smtClean="0"/>
-              <a:t>7/9/24</a:t>
+              <a:t>7/15/24</a:t>
             </a:fld>
             <a:endParaRPr lang="en-US"/>
           </a:p>
@@ -14453,7 +14456,7 @@
           <a:p>
             <a:fld id="{3C04E684-10F4-4CC3-A0B9-F03AA7BE37CF}" type="datetimeFigureOut">
               <a:rPr lang="en-US" smtClean="0"/>
-              <a:t>7/9/24</a:t>
+              <a:t>7/15/24</a:t>
             </a:fld>
             <a:endParaRPr lang="en-US"/>
           </a:p>
@@ -15756,7 +15759,7 @@
           <a:p>
             <a:fld id="{3C04E684-10F4-4CC3-A0B9-F03AA7BE37CF}" type="datetimeFigureOut">
               <a:rPr lang="en-US" smtClean="0"/>
-              <a:t>7/9/24</a:t>
+              <a:t>7/15/24</a:t>
             </a:fld>
             <a:endParaRPr lang="en-US"/>
           </a:p>
@@ -16003,7 +16006,7 @@
           <a:p>
             <a:fld id="{3C04E684-10F4-4CC3-A0B9-F03AA7BE37CF}" type="datetimeFigureOut">
               <a:rPr lang="en-US" smtClean="0"/>
-              <a:t>7/9/24</a:t>
+              <a:t>7/15/24</a:t>
             </a:fld>
             <a:endParaRPr lang="en-US"/>
           </a:p>
@@ -16572,7 +16575,7 @@
           <a:p>
             <a:fld id="{3C04E684-10F4-4CC3-A0B9-F03AA7BE37CF}" type="datetimeFigureOut">
               <a:rPr lang="en-US" smtClean="0"/>
-              <a:t>7/9/24</a:t>
+              <a:t>7/15/24</a:t>
             </a:fld>
             <a:endParaRPr lang="en-US"/>
           </a:p>
@@ -16999,7 +17002,7 @@
       </p:grpSpPr>
       <p:sp>
         <p:nvSpPr>
-          <p:cNvPr id="20" name="Rectangle 19">
+          <p:cNvPr id="33" name="Rectangle 32">
             <a:extLst>
               <a:ext uri="{FF2B5EF4-FFF2-40B4-BE49-F238E27FC236}">
                 <a16:creationId xmlns:a16="http://schemas.microsoft.com/office/drawing/2014/main" id="{6753252F-4873-4F63-801D-CC719279A7D5}"/>
@@ -17062,7 +17065,7 @@
       </p:sp>
       <p:sp>
         <p:nvSpPr>
-          <p:cNvPr id="19" name="Rectangle 18">
+          <p:cNvPr id="35" name="Rectangle 34">
             <a:extLst>
               <a:ext uri="{FF2B5EF4-FFF2-40B4-BE49-F238E27FC236}">
                 <a16:creationId xmlns:a16="http://schemas.microsoft.com/office/drawing/2014/main" id="{047C8CCB-F95D-4249-92DD-651249D3535A}"/>
@@ -17158,7 +17161,7 @@
         </p:spPr>
         <p:txBody>
           <a:bodyPr vert="horz" lIns="91440" tIns="45720" rIns="91440" bIns="45720" rtlCol="0" anchor="ctr">
-            <a:normAutofit/>
+            <a:normAutofit fontScale="90000"/>
           </a:bodyPr>
           <a:lstStyle/>
           <a:p>
@@ -17172,7 +17175,7 @@
               <a:buSzPts val="1400"/>
             </a:pPr>
             <a:r>
-              <a:rPr lang="en-US" sz="1600" kern="1200" dirty="0">
+              <a:rPr lang="en-US" sz="1400" kern="1200" dirty="0">
                 <a:solidFill>
                   <a:srgbClr val="FFFFFF"/>
                 </a:solidFill>
@@ -17183,7 +17186,7 @@
               <a:t>        </a:t>
             </a:r>
             <a:r>
-              <a:rPr lang="en-US" sz="1600" b="1" i="1" kern="1200" dirty="0">
+              <a:rPr lang="en-US" sz="1400" b="1" i="1" kern="1200" dirty="0">
                 <a:solidFill>
                   <a:srgbClr val="FFFFFF"/>
                 </a:solidFill>
@@ -17192,10 +17195,10 @@
                 <a:cs typeface="+mj-cs"/>
                 <a:sym typeface="Source Sans Pro"/>
               </a:rPr>
-              <a:t>UCB Data Analysis Bootcamp Group Project 1 </a:t>
+              <a:t>UCB Data Analysis Bootcamp </a:t>
             </a:r>
             <a:br>
-              <a:rPr lang="en-US" sz="1600" b="1" i="1" kern="1200" dirty="0">
+              <a:rPr lang="en-US" sz="1400" b="1" i="1" kern="1200" dirty="0">
                 <a:solidFill>
                   <a:srgbClr val="FFFFFF"/>
                 </a:solidFill>
@@ -17206,7 +17209,7 @@
               </a:rPr>
             </a:br>
             <a:r>
-              <a:rPr lang="en-US" sz="1600" b="1" i="1" kern="1200" dirty="0">
+              <a:rPr lang="en-US" sz="1400" b="1" i="1" kern="1200" dirty="0">
                 <a:solidFill>
                   <a:srgbClr val="FFFFFF"/>
                 </a:solidFill>
@@ -17215,10 +17218,21 @@
                 <a:cs typeface="+mj-cs"/>
                 <a:sym typeface="Source Sans Pro"/>
               </a:rPr>
-              <a:t>Dhwani, Eduardo, Johnathan, Justin  </a:t>
+              <a:t>Group Project 1 </a:t>
             </a:r>
             <a:br>
-              <a:rPr lang="en-US" sz="1600" b="1" i="1" kern="1200" dirty="0">
+              <a:rPr lang="en-US" sz="1400" b="1" i="1" kern="1200" dirty="0">
+                <a:solidFill>
+                  <a:srgbClr val="FFFFFF"/>
+                </a:solidFill>
+                <a:latin typeface="+mj-lt"/>
+                <a:ea typeface="+mj-ea"/>
+                <a:cs typeface="+mj-cs"/>
+                <a:sym typeface="Source Sans Pro"/>
+              </a:rPr>
+            </a:br>
+            <a:br>
+              <a:rPr lang="en-US" sz="1400" b="1" i="1" u="none" strike="noStrike" kern="1200" cap="none" dirty="0">
                 <a:solidFill>
                   <a:srgbClr val="FFFFFF"/>
                 </a:solidFill>
@@ -17229,7 +17243,87 @@
               </a:rPr>
             </a:br>
             <a:r>
-              <a:rPr lang="en-US" sz="1600" b="1" i="1" kern="1200" dirty="0">
+              <a:rPr lang="en-US" sz="1400" b="1" i="1" kern="1200" dirty="0">
+                <a:solidFill>
+                  <a:srgbClr val="FFFFFF"/>
+                </a:solidFill>
+                <a:latin typeface="+mj-lt"/>
+                <a:ea typeface="+mj-ea"/>
+                <a:cs typeface="+mj-cs"/>
+                <a:sym typeface="Source Sans Pro"/>
+              </a:rPr>
+              <a:t>Dhwani Shah,</a:t>
+            </a:r>
+            <a:br>
+              <a:rPr lang="en-US" sz="1400" b="1" i="1" kern="1200" dirty="0">
+                <a:solidFill>
+                  <a:srgbClr val="FFFFFF"/>
+                </a:solidFill>
+                <a:latin typeface="+mj-lt"/>
+                <a:ea typeface="+mj-ea"/>
+                <a:cs typeface="+mj-cs"/>
+                <a:sym typeface="Source Sans Pro"/>
+              </a:rPr>
+            </a:br>
+            <a:r>
+              <a:rPr lang="en-US" sz="1400" b="1" i="1" kern="1200" dirty="0">
+                <a:solidFill>
+                  <a:srgbClr val="FFFFFF"/>
+                </a:solidFill>
+                <a:latin typeface="+mj-lt"/>
+                <a:ea typeface="+mj-ea"/>
+                <a:cs typeface="+mj-cs"/>
+                <a:sym typeface="Source Sans Pro"/>
+              </a:rPr>
+              <a:t> Eduardo Gonzales, Johnathan Tran,</a:t>
+            </a:r>
+            <a:br>
+              <a:rPr lang="en-US" sz="1400" b="1" i="1" kern="1200" dirty="0">
+                <a:solidFill>
+                  <a:srgbClr val="FFFFFF"/>
+                </a:solidFill>
+                <a:latin typeface="+mj-lt"/>
+                <a:ea typeface="+mj-ea"/>
+                <a:cs typeface="+mj-cs"/>
+                <a:sym typeface="Source Sans Pro"/>
+              </a:rPr>
+            </a:br>
+            <a:r>
+              <a:rPr lang="en-US" sz="1400" b="1" i="1" kern="1200" dirty="0">
+                <a:solidFill>
+                  <a:srgbClr val="FFFFFF"/>
+                </a:solidFill>
+                <a:latin typeface="+mj-lt"/>
+                <a:ea typeface="+mj-ea"/>
+                <a:cs typeface="+mj-cs"/>
+                <a:sym typeface="Source Sans Pro"/>
+              </a:rPr>
+              <a:t> Justin Nolan</a:t>
+            </a:r>
+            <a:br>
+              <a:rPr lang="en-US" sz="1400" b="1" i="1" kern="1200" dirty="0">
+                <a:solidFill>
+                  <a:srgbClr val="FFFFFF"/>
+                </a:solidFill>
+                <a:latin typeface="+mj-lt"/>
+                <a:ea typeface="+mj-ea"/>
+                <a:cs typeface="+mj-cs"/>
+                <a:sym typeface="Source Sans Pro"/>
+              </a:rPr>
+            </a:br>
+            <a:br>
+              <a:rPr lang="en-US" sz="1400" b="1" i="1" kern="1200" dirty="0">
+                <a:solidFill>
+                  <a:srgbClr val="FFFFFF"/>
+                </a:solidFill>
+                <a:latin typeface="+mj-lt"/>
+                <a:ea typeface="+mj-ea"/>
+                <a:cs typeface="+mj-cs"/>
+                <a:sym typeface="Source Sans Pro"/>
+              </a:rPr>
+            </a:br>
+            <a:r>
+              <a:rPr lang="en-US" sz="1400" b="1" i="1" kern="1200" dirty="0">
                 <a:solidFill>
                   <a:srgbClr val="FFFFFF"/>
                 </a:solidFill>
@@ -17241,7 +17335,7 @@
               <a:t>July </a:t>
             </a:r>
             <a:r>
-              <a:rPr lang="en-US" sz="1600" b="1" i="1" u="none" strike="noStrike" kern="1200" cap="none" dirty="0">
+              <a:rPr lang="en-US" sz="1400" b="1" i="1" u="none" strike="noStrike" kern="1200" cap="none" dirty="0">
                 <a:solidFill>
                   <a:srgbClr val="FFFFFF"/>
                 </a:solidFill>
@@ -17252,18 +17346,7 @@
               </a:rPr>
               <a:t>2024</a:t>
             </a:r>
-            <a:br>
-              <a:rPr lang="en-US" sz="1600" b="1" i="1" u="none" strike="noStrike" kern="1200" cap="none" dirty="0">
-                <a:solidFill>
-                  <a:srgbClr val="FFFFFF"/>
-                </a:solidFill>
-                <a:latin typeface="+mj-lt"/>
-                <a:ea typeface="+mj-ea"/>
-                <a:cs typeface="+mj-cs"/>
-                <a:sym typeface="Source Sans Pro"/>
-              </a:rPr>
-            </a:br>
-            <a:endParaRPr lang="en-US" sz="1600" b="1" kern="1200" dirty="0">
+            <a:endParaRPr lang="en-US" sz="1400" b="1" kern="1200" dirty="0">
               <a:solidFill>
                 <a:srgbClr val="FFFFFF"/>
               </a:solidFill>
@@ -17320,6 +17403,1754 @@
 </file>
 
 <file path=ppt/slides/slide10.xml><?xml version="1.0" encoding="utf-8"?>
+<p:sld xmlns:a="http://schemas.openxmlformats.org/drawingml/2006/main" xmlns:r="http://schemas.openxmlformats.org/officeDocument/2006/relationships" xmlns:p="http://schemas.openxmlformats.org/presentationml/2006/main">
+  <p:cSld>
+    <p:spTree>
+      <p:nvGrpSpPr>
+        <p:cNvPr id="1" name=""/>
+        <p:cNvGrpSpPr/>
+        <p:nvPr/>
+      </p:nvGrpSpPr>
+      <p:grpSpPr>
+        <a:xfrm>
+          <a:off x="0" y="0"/>
+          <a:ext cx="0" cy="0"/>
+          <a:chOff x="0" y="0"/>
+          <a:chExt cx="0" cy="0"/>
+        </a:xfrm>
+      </p:grpSpPr>
+      <p:sp>
+        <p:nvSpPr>
+          <p:cNvPr id="2" name="Title 1">
+            <a:extLst>
+              <a:ext uri="{FF2B5EF4-FFF2-40B4-BE49-F238E27FC236}">
+                <a16:creationId xmlns:a16="http://schemas.microsoft.com/office/drawing/2014/main" id="{49F61A41-8946-B7FA-65CA-E6F73DC053F8}"/>
+              </a:ext>
+            </a:extLst>
+          </p:cNvPr>
+          <p:cNvSpPr>
+            <a:spLocks noGrp="1"/>
+          </p:cNvSpPr>
+          <p:nvPr>
+            <p:ph type="title"/>
+          </p:nvPr>
+        </p:nvSpPr>
+        <p:spPr/>
+        <p:txBody>
+          <a:bodyPr>
+            <a:noAutofit/>
+          </a:bodyPr>
+          <a:lstStyle/>
+          <a:p>
+            <a:br>
+              <a:rPr lang="en-US" sz="3200" b="0" i="0" dirty="0">
+                <a:solidFill>
+                  <a:srgbClr val="D1D2D3"/>
+                </a:solidFill>
+                <a:effectLst/>
+                <a:highlight>
+                  <a:srgbClr val="222529"/>
+                </a:highlight>
+                <a:latin typeface="Slack-Lato"/>
+              </a:rPr>
+            </a:br>
+            <a:endParaRPr lang="en-US" sz="3200" dirty="0"/>
+          </a:p>
+        </p:txBody>
+      </p:sp>
+      <p:sp>
+        <p:nvSpPr>
+          <p:cNvPr id="4" name="AutoShape 2">
+            <a:extLst>
+              <a:ext uri="{FF2B5EF4-FFF2-40B4-BE49-F238E27FC236}">
+                <a16:creationId xmlns:a16="http://schemas.microsoft.com/office/drawing/2014/main" id="{4CC86009-2347-049C-CF4F-AB65EA002AAA}"/>
+              </a:ext>
+            </a:extLst>
+          </p:cNvPr>
+          <p:cNvSpPr>
+            <a:spLocks noGrp="1" noChangeAspect="1" noChangeArrowheads="1"/>
+          </p:cNvSpPr>
+          <p:nvPr>
+            <p:ph idx="1"/>
+          </p:nvPr>
+        </p:nvSpPr>
+        <p:spPr bwMode="auto">
+          <a:prstGeom prst="rect">
+            <a:avLst/>
+          </a:prstGeom>
+          <a:noFill/>
+          <a:extLst>
+            <a:ext uri="{909E8E84-426E-40DD-AFC4-6F175D3DCCD1}">
+              <a14:hiddenFill xmlns:a14="http://schemas.microsoft.com/office/drawing/2010/main">
+                <a:solidFill>
+                  <a:srgbClr val="FFFFFF"/>
+                </a:solidFill>
+              </a14:hiddenFill>
+            </a:ext>
+          </a:extLst>
+        </p:spPr>
+        <p:txBody>
+          <a:bodyPr vert="horz" wrap="square" lIns="91440" tIns="45720" rIns="91440" bIns="45720" numCol="1" anchor="t" anchorCtr="0" compatLnSpc="1">
+            <a:prstTxWarp prst="textNoShape">
+              <a:avLst/>
+            </a:prstTxWarp>
+          </a:bodyPr>
+          <a:lstStyle/>
+          <a:p>
+            <a:endParaRPr lang="en-US" dirty="0"/>
+          </a:p>
+        </p:txBody>
+      </p:sp>
+      <p:pic>
+        <p:nvPicPr>
+          <p:cNvPr id="6" name="Picture 5">
+            <a:extLst>
+              <a:ext uri="{FF2B5EF4-FFF2-40B4-BE49-F238E27FC236}">
+                <a16:creationId xmlns:a16="http://schemas.microsoft.com/office/drawing/2014/main" id="{CF8C31C4-0492-9C31-CE41-87446157B75C}"/>
+              </a:ext>
+            </a:extLst>
+          </p:cNvPr>
+          <p:cNvPicPr>
+            <a:picLocks noChangeAspect="1"/>
+          </p:cNvPicPr>
+          <p:nvPr/>
+        </p:nvPicPr>
+        <p:blipFill>
+          <a:blip r:embed="rId2"/>
+          <a:stretch>
+            <a:fillRect/>
+          </a:stretch>
+        </p:blipFill>
+        <p:spPr>
+          <a:xfrm>
+            <a:off x="5486400" y="1825624"/>
+            <a:ext cx="6276109" cy="4020993"/>
+          </a:xfrm>
+          <a:prstGeom prst="rect">
+            <a:avLst/>
+          </a:prstGeom>
+        </p:spPr>
+      </p:pic>
+    </p:spTree>
+    <p:extLst>
+      <p:ext uri="{BB962C8B-B14F-4D97-AF65-F5344CB8AC3E}">
+        <p14:creationId xmlns:p14="http://schemas.microsoft.com/office/powerpoint/2010/main" val="3784115486"/>
+      </p:ext>
+    </p:extLst>
+  </p:cSld>
+  <p:clrMapOvr>
+    <a:masterClrMapping/>
+  </p:clrMapOvr>
+</p:sld>
+</file>
+
+<file path=ppt/slides/slide11.xml><?xml version="1.0" encoding="utf-8"?>
+<p:sld xmlns:a="http://schemas.openxmlformats.org/drawingml/2006/main" xmlns:r="http://schemas.openxmlformats.org/officeDocument/2006/relationships" xmlns:p="http://schemas.openxmlformats.org/presentationml/2006/main">
+  <p:cSld>
+    <p:bg>
+      <p:bgPr>
+        <a:solidFill>
+          <a:schemeClr val="bg1"/>
+        </a:solidFill>
+        <a:effectLst/>
+      </p:bgPr>
+    </p:bg>
+    <p:spTree>
+      <p:nvGrpSpPr>
+        <p:cNvPr id="1" name=""/>
+        <p:cNvGrpSpPr/>
+        <p:nvPr/>
+      </p:nvGrpSpPr>
+      <p:grpSpPr>
+        <a:xfrm>
+          <a:off x="0" y="0"/>
+          <a:ext cx="0" cy="0"/>
+          <a:chOff x="0" y="0"/>
+          <a:chExt cx="0" cy="0"/>
+        </a:xfrm>
+      </p:grpSpPr>
+      <p:sp useBgFill="1">
+        <p:nvSpPr>
+          <p:cNvPr id="8" name="Rectangle 7">
+            <a:extLst>
+              <a:ext uri="{FF2B5EF4-FFF2-40B4-BE49-F238E27FC236}">
+                <a16:creationId xmlns:a16="http://schemas.microsoft.com/office/drawing/2014/main" id="{100EDD19-6802-4EC3-95CE-CFFAB042CFD6}"/>
+              </a:ext>
+              <a:ext uri="{C183D7F6-B498-43B3-948B-1728B52AA6E4}">
+                <adec:decorative xmlns:adec="http://schemas.microsoft.com/office/drawing/2017/decorative" val="1"/>
+              </a:ext>
+            </a:extLst>
+          </p:cNvPr>
+          <p:cNvSpPr>
+            <a:spLocks noGrp="1" noRot="1" noChangeAspect="1" noMove="1" noResize="1" noEditPoints="1" noAdjustHandles="1" noChangeArrowheads="1" noChangeShapeType="1" noTextEdit="1"/>
+          </p:cNvSpPr>
+          <p:nvPr>
+            <p:extLst>
+              <p:ext uri="{386F3935-93C4-4BCD-93E2-E3B085C9AB24}">
+                <p16:designElem xmlns:p16="http://schemas.microsoft.com/office/powerpoint/2015/main" val="1"/>
+              </p:ext>
+            </p:extLst>
+          </p:nvPr>
+        </p:nvSpPr>
+        <p:spPr>
+          <a:xfrm>
+            <a:off x="0" y="0"/>
+            <a:ext cx="12188952" cy="6858000"/>
+          </a:xfrm>
+          <a:prstGeom prst="rect">
+            <a:avLst/>
+          </a:prstGeom>
+          <a:ln>
+            <a:noFill/>
+          </a:ln>
+        </p:spPr>
+        <p:style>
+          <a:lnRef idx="2">
+            <a:schemeClr val="accent1">
+              <a:shade val="50000"/>
+            </a:schemeClr>
+          </a:lnRef>
+          <a:fillRef idx="1">
+            <a:schemeClr val="accent1"/>
+          </a:fillRef>
+          <a:effectRef idx="0">
+            <a:schemeClr val="accent1"/>
+          </a:effectRef>
+          <a:fontRef idx="minor">
+            <a:schemeClr val="lt1"/>
+          </a:fontRef>
+        </p:style>
+        <p:txBody>
+          <a:bodyPr rtlCol="0" anchor="ctr"/>
+          <a:lstStyle/>
+          <a:p>
+            <a:pPr algn="ctr"/>
+            <a:endParaRPr lang="en-US"/>
+          </a:p>
+        </p:txBody>
+      </p:sp>
+      <p:sp>
+        <p:nvSpPr>
+          <p:cNvPr id="2" name="Title 1">
+            <a:extLst>
+              <a:ext uri="{FF2B5EF4-FFF2-40B4-BE49-F238E27FC236}">
+                <a16:creationId xmlns:a16="http://schemas.microsoft.com/office/drawing/2014/main" id="{C39ACF82-CDA9-726B-E481-4841B556F9BB}"/>
+              </a:ext>
+            </a:extLst>
+          </p:cNvPr>
+          <p:cNvSpPr>
+            <a:spLocks noGrp="1"/>
+          </p:cNvSpPr>
+          <p:nvPr>
+            <p:ph type="title"/>
+          </p:nvPr>
+        </p:nvSpPr>
+        <p:spPr>
+          <a:xfrm>
+            <a:off x="838200" y="365125"/>
+            <a:ext cx="10515600" cy="1325563"/>
+          </a:xfrm>
+        </p:spPr>
+        <p:txBody>
+          <a:bodyPr>
+            <a:normAutofit/>
+          </a:bodyPr>
+          <a:lstStyle/>
+          <a:p>
+            <a:r>
+              <a:rPr lang="en-US" sz="5400"/>
+              <a:t>Conclusion: </a:t>
+            </a:r>
+          </a:p>
+        </p:txBody>
+      </p:sp>
+      <p:sp>
+        <p:nvSpPr>
+          <p:cNvPr id="10" name="sketch line">
+            <a:extLst>
+              <a:ext uri="{FF2B5EF4-FFF2-40B4-BE49-F238E27FC236}">
+                <a16:creationId xmlns:a16="http://schemas.microsoft.com/office/drawing/2014/main" id="{DB17E863-922E-4C26-BD64-E8FD41D28661}"/>
+              </a:ext>
+              <a:ext uri="{C183D7F6-B498-43B3-948B-1728B52AA6E4}">
+                <adec:decorative xmlns:adec="http://schemas.microsoft.com/office/drawing/2017/decorative" val="1"/>
+              </a:ext>
+            </a:extLst>
+          </p:cNvPr>
+          <p:cNvSpPr>
+            <a:spLocks noGrp="1" noRot="1" noChangeAspect="1" noMove="1" noResize="1" noEditPoints="1" noAdjustHandles="1" noChangeArrowheads="1" noChangeShapeType="1" noTextEdit="1"/>
+          </p:cNvSpPr>
+          <p:nvPr>
+            <p:extLst>
+              <p:ext uri="{386F3935-93C4-4BCD-93E2-E3B085C9AB24}">
+                <p16:designElem xmlns:p16="http://schemas.microsoft.com/office/powerpoint/2015/main" val="1"/>
+              </p:ext>
+            </p:extLst>
+          </p:nvPr>
+        </p:nvSpPr>
+        <p:spPr>
+          <a:xfrm>
+            <a:off x="669036" y="1677373"/>
+            <a:ext cx="10853928" cy="18288"/>
+          </a:xfrm>
+          <a:custGeom>
+            <a:avLst/>
+            <a:gdLst>
+              <a:gd name="connsiteX0" fmla="*/ 0 w 10853928"/>
+              <a:gd name="connsiteY0" fmla="*/ 0 h 18288"/>
+              <a:gd name="connsiteX1" fmla="*/ 461292 w 10853928"/>
+              <a:gd name="connsiteY1" fmla="*/ 0 h 18288"/>
+              <a:gd name="connsiteX2" fmla="*/ 1139662 w 10853928"/>
+              <a:gd name="connsiteY2" fmla="*/ 0 h 18288"/>
+              <a:gd name="connsiteX3" fmla="*/ 1926572 w 10853928"/>
+              <a:gd name="connsiteY3" fmla="*/ 0 h 18288"/>
+              <a:gd name="connsiteX4" fmla="*/ 2279325 w 10853928"/>
+              <a:gd name="connsiteY4" fmla="*/ 0 h 18288"/>
+              <a:gd name="connsiteX5" fmla="*/ 2632078 w 10853928"/>
+              <a:gd name="connsiteY5" fmla="*/ 0 h 18288"/>
+              <a:gd name="connsiteX6" fmla="*/ 3527527 w 10853928"/>
+              <a:gd name="connsiteY6" fmla="*/ 0 h 18288"/>
+              <a:gd name="connsiteX7" fmla="*/ 4205897 w 10853928"/>
+              <a:gd name="connsiteY7" fmla="*/ 0 h 18288"/>
+              <a:gd name="connsiteX8" fmla="*/ 4558650 w 10853928"/>
+              <a:gd name="connsiteY8" fmla="*/ 0 h 18288"/>
+              <a:gd name="connsiteX9" fmla="*/ 5237020 w 10853928"/>
+              <a:gd name="connsiteY9" fmla="*/ 0 h 18288"/>
+              <a:gd name="connsiteX10" fmla="*/ 6132469 w 10853928"/>
+              <a:gd name="connsiteY10" fmla="*/ 0 h 18288"/>
+              <a:gd name="connsiteX11" fmla="*/ 6702301 w 10853928"/>
+              <a:gd name="connsiteY11" fmla="*/ 0 h 18288"/>
+              <a:gd name="connsiteX12" fmla="*/ 7272132 w 10853928"/>
+              <a:gd name="connsiteY12" fmla="*/ 0 h 18288"/>
+              <a:gd name="connsiteX13" fmla="*/ 7950502 w 10853928"/>
+              <a:gd name="connsiteY13" fmla="*/ 0 h 18288"/>
+              <a:gd name="connsiteX14" fmla="*/ 8737412 w 10853928"/>
+              <a:gd name="connsiteY14" fmla="*/ 0 h 18288"/>
+              <a:gd name="connsiteX15" fmla="*/ 9524322 w 10853928"/>
+              <a:gd name="connsiteY15" fmla="*/ 0 h 18288"/>
+              <a:gd name="connsiteX16" fmla="*/ 10853928 w 10853928"/>
+              <a:gd name="connsiteY16" fmla="*/ 0 h 18288"/>
+              <a:gd name="connsiteX17" fmla="*/ 10853928 w 10853928"/>
+              <a:gd name="connsiteY17" fmla="*/ 18288 h 18288"/>
+              <a:gd name="connsiteX18" fmla="*/ 10392636 w 10853928"/>
+              <a:gd name="connsiteY18" fmla="*/ 18288 h 18288"/>
+              <a:gd name="connsiteX19" fmla="*/ 9497187 w 10853928"/>
+              <a:gd name="connsiteY19" fmla="*/ 18288 h 18288"/>
+              <a:gd name="connsiteX20" fmla="*/ 8818817 w 10853928"/>
+              <a:gd name="connsiteY20" fmla="*/ 18288 h 18288"/>
+              <a:gd name="connsiteX21" fmla="*/ 8466064 w 10853928"/>
+              <a:gd name="connsiteY21" fmla="*/ 18288 h 18288"/>
+              <a:gd name="connsiteX22" fmla="*/ 7787693 w 10853928"/>
+              <a:gd name="connsiteY22" fmla="*/ 18288 h 18288"/>
+              <a:gd name="connsiteX23" fmla="*/ 7217862 w 10853928"/>
+              <a:gd name="connsiteY23" fmla="*/ 18288 h 18288"/>
+              <a:gd name="connsiteX24" fmla="*/ 6648031 w 10853928"/>
+              <a:gd name="connsiteY24" fmla="*/ 18288 h 18288"/>
+              <a:gd name="connsiteX25" fmla="*/ 6078200 w 10853928"/>
+              <a:gd name="connsiteY25" fmla="*/ 18288 h 18288"/>
+              <a:gd name="connsiteX26" fmla="*/ 5508368 w 10853928"/>
+              <a:gd name="connsiteY26" fmla="*/ 18288 h 18288"/>
+              <a:gd name="connsiteX27" fmla="*/ 4721459 w 10853928"/>
+              <a:gd name="connsiteY27" fmla="*/ 18288 h 18288"/>
+              <a:gd name="connsiteX28" fmla="*/ 4043088 w 10853928"/>
+              <a:gd name="connsiteY28" fmla="*/ 18288 h 18288"/>
+              <a:gd name="connsiteX29" fmla="*/ 3690336 w 10853928"/>
+              <a:gd name="connsiteY29" fmla="*/ 18288 h 18288"/>
+              <a:gd name="connsiteX30" fmla="*/ 3120504 w 10853928"/>
+              <a:gd name="connsiteY30" fmla="*/ 18288 h 18288"/>
+              <a:gd name="connsiteX31" fmla="*/ 2333595 w 10853928"/>
+              <a:gd name="connsiteY31" fmla="*/ 18288 h 18288"/>
+              <a:gd name="connsiteX32" fmla="*/ 1872303 w 10853928"/>
+              <a:gd name="connsiteY32" fmla="*/ 18288 h 18288"/>
+              <a:gd name="connsiteX33" fmla="*/ 976854 w 10853928"/>
+              <a:gd name="connsiteY33" fmla="*/ 18288 h 18288"/>
+              <a:gd name="connsiteX34" fmla="*/ 0 w 10853928"/>
+              <a:gd name="connsiteY34" fmla="*/ 18288 h 18288"/>
+              <a:gd name="connsiteX35" fmla="*/ 0 w 10853928"/>
+              <a:gd name="connsiteY35" fmla="*/ 0 h 18288"/>
+            </a:gdLst>
+            <a:ahLst/>
+            <a:cxnLst>
+              <a:cxn ang="0">
+                <a:pos x="connsiteX0" y="connsiteY0"/>
+              </a:cxn>
+              <a:cxn ang="0">
+                <a:pos x="connsiteX1" y="connsiteY1"/>
+              </a:cxn>
+              <a:cxn ang="0">
+                <a:pos x="connsiteX2" y="connsiteY2"/>
+              </a:cxn>
+              <a:cxn ang="0">
+                <a:pos x="connsiteX3" y="connsiteY3"/>
+              </a:cxn>
+              <a:cxn ang="0">
+                <a:pos x="connsiteX4" y="connsiteY4"/>
+              </a:cxn>
+              <a:cxn ang="0">
+                <a:pos x="connsiteX5" y="connsiteY5"/>
+              </a:cxn>
+              <a:cxn ang="0">
+                <a:pos x="connsiteX6" y="connsiteY6"/>
+              </a:cxn>
+              <a:cxn ang="0">
+                <a:pos x="connsiteX7" y="connsiteY7"/>
+              </a:cxn>
+              <a:cxn ang="0">
+                <a:pos x="connsiteX8" y="connsiteY8"/>
+              </a:cxn>
+              <a:cxn ang="0">
+                <a:pos x="connsiteX9" y="connsiteY9"/>
+              </a:cxn>
+              <a:cxn ang="0">
+                <a:pos x="connsiteX10" y="connsiteY10"/>
+              </a:cxn>
+              <a:cxn ang="0">
+                <a:pos x="connsiteX11" y="connsiteY11"/>
+              </a:cxn>
+              <a:cxn ang="0">
+                <a:pos x="connsiteX12" y="connsiteY12"/>
+              </a:cxn>
+              <a:cxn ang="0">
+                <a:pos x="connsiteX13" y="connsiteY13"/>
+              </a:cxn>
+              <a:cxn ang="0">
+                <a:pos x="connsiteX14" y="connsiteY14"/>
+              </a:cxn>
+              <a:cxn ang="0">
+                <a:pos x="connsiteX15" y="connsiteY15"/>
+              </a:cxn>
+              <a:cxn ang="0">
+                <a:pos x="connsiteX16" y="connsiteY16"/>
+              </a:cxn>
+              <a:cxn ang="0">
+                <a:pos x="connsiteX17" y="connsiteY17"/>
+              </a:cxn>
+              <a:cxn ang="0">
+                <a:pos x="connsiteX18" y="connsiteY18"/>
+              </a:cxn>
+              <a:cxn ang="0">
+                <a:pos x="connsiteX19" y="connsiteY19"/>
+              </a:cxn>
+              <a:cxn ang="0">
+                <a:pos x="connsiteX20" y="connsiteY20"/>
+              </a:cxn>
+              <a:cxn ang="0">
+                <a:pos x="connsiteX21" y="connsiteY21"/>
+              </a:cxn>
+              <a:cxn ang="0">
+                <a:pos x="connsiteX22" y="connsiteY22"/>
+              </a:cxn>
+              <a:cxn ang="0">
+                <a:pos x="connsiteX23" y="connsiteY23"/>
+              </a:cxn>
+              <a:cxn ang="0">
+                <a:pos x="connsiteX24" y="connsiteY24"/>
+              </a:cxn>
+              <a:cxn ang="0">
+                <a:pos x="connsiteX25" y="connsiteY25"/>
+              </a:cxn>
+              <a:cxn ang="0">
+                <a:pos x="connsiteX26" y="connsiteY26"/>
+              </a:cxn>
+              <a:cxn ang="0">
+                <a:pos x="connsiteX27" y="connsiteY27"/>
+              </a:cxn>
+              <a:cxn ang="0">
+                <a:pos x="connsiteX28" y="connsiteY28"/>
+              </a:cxn>
+              <a:cxn ang="0">
+                <a:pos x="connsiteX29" y="connsiteY29"/>
+              </a:cxn>
+              <a:cxn ang="0">
+                <a:pos x="connsiteX30" y="connsiteY30"/>
+              </a:cxn>
+              <a:cxn ang="0">
+                <a:pos x="connsiteX31" y="connsiteY31"/>
+              </a:cxn>
+              <a:cxn ang="0">
+                <a:pos x="connsiteX32" y="connsiteY32"/>
+              </a:cxn>
+              <a:cxn ang="0">
+                <a:pos x="connsiteX33" y="connsiteY33"/>
+              </a:cxn>
+              <a:cxn ang="0">
+                <a:pos x="connsiteX34" y="connsiteY34"/>
+              </a:cxn>
+              <a:cxn ang="0">
+                <a:pos x="connsiteX35" y="connsiteY35"/>
+              </a:cxn>
+            </a:cxnLst>
+            <a:rect l="l" t="t" r="r" b="b"/>
+            <a:pathLst>
+              <a:path w="10853928" h="18288" fill="none" extrusionOk="0">
+                <a:moveTo>
+                  <a:pt x="0" y="0"/>
+                </a:moveTo>
+                <a:cubicBezTo>
+                  <a:pt x="146993" y="-19076"/>
+                  <a:pt x="347684" y="-4790"/>
+                  <a:pt x="461292" y="0"/>
+                </a:cubicBezTo>
+                <a:cubicBezTo>
+                  <a:pt x="574900" y="4790"/>
+                  <a:pt x="808367" y="19821"/>
+                  <a:pt x="1139662" y="0"/>
+                </a:cubicBezTo>
+                <a:cubicBezTo>
+                  <a:pt x="1470957" y="-19821"/>
+                  <a:pt x="1627405" y="5721"/>
+                  <a:pt x="1926572" y="0"/>
+                </a:cubicBezTo>
+                <a:cubicBezTo>
+                  <a:pt x="2225739" y="-5721"/>
+                  <a:pt x="2137730" y="-3235"/>
+                  <a:pt x="2279325" y="0"/>
+                </a:cubicBezTo>
+                <a:cubicBezTo>
+                  <a:pt x="2420920" y="3235"/>
+                  <a:pt x="2456518" y="9685"/>
+                  <a:pt x="2632078" y="0"/>
+                </a:cubicBezTo>
+                <a:cubicBezTo>
+                  <a:pt x="2807638" y="-9685"/>
+                  <a:pt x="3211516" y="-43007"/>
+                  <a:pt x="3527527" y="0"/>
+                </a:cubicBezTo>
+                <a:cubicBezTo>
+                  <a:pt x="3843538" y="43007"/>
+                  <a:pt x="4058833" y="22042"/>
+                  <a:pt x="4205897" y="0"/>
+                </a:cubicBezTo>
+                <a:cubicBezTo>
+                  <a:pt x="4352961" y="-22042"/>
+                  <a:pt x="4474805" y="-11846"/>
+                  <a:pt x="4558650" y="0"/>
+                </a:cubicBezTo>
+                <a:cubicBezTo>
+                  <a:pt x="4642495" y="11846"/>
+                  <a:pt x="5041928" y="-6069"/>
+                  <a:pt x="5237020" y="0"/>
+                </a:cubicBezTo>
+                <a:cubicBezTo>
+                  <a:pt x="5432112" y="6069"/>
+                  <a:pt x="5943266" y="-17479"/>
+                  <a:pt x="6132469" y="0"/>
+                </a:cubicBezTo>
+                <a:cubicBezTo>
+                  <a:pt x="6321672" y="17479"/>
+                  <a:pt x="6483872" y="26234"/>
+                  <a:pt x="6702301" y="0"/>
+                </a:cubicBezTo>
+                <a:cubicBezTo>
+                  <a:pt x="6920730" y="-26234"/>
+                  <a:pt x="6991194" y="-15156"/>
+                  <a:pt x="7272132" y="0"/>
+                </a:cubicBezTo>
+                <a:cubicBezTo>
+                  <a:pt x="7553070" y="15156"/>
+                  <a:pt x="7684444" y="-32961"/>
+                  <a:pt x="7950502" y="0"/>
+                </a:cubicBezTo>
+                <a:cubicBezTo>
+                  <a:pt x="8216560" y="32961"/>
+                  <a:pt x="8493290" y="-10491"/>
+                  <a:pt x="8737412" y="0"/>
+                </a:cubicBezTo>
+                <a:cubicBezTo>
+                  <a:pt x="8981534" y="10491"/>
+                  <a:pt x="9191586" y="-13899"/>
+                  <a:pt x="9524322" y="0"/>
+                </a:cubicBezTo>
+                <a:cubicBezTo>
+                  <a:pt x="9857058" y="13899"/>
+                  <a:pt x="10297509" y="7485"/>
+                  <a:pt x="10853928" y="0"/>
+                </a:cubicBezTo>
+                <a:cubicBezTo>
+                  <a:pt x="10854574" y="4451"/>
+                  <a:pt x="10854418" y="9226"/>
+                  <a:pt x="10853928" y="18288"/>
+                </a:cubicBezTo>
+                <a:cubicBezTo>
+                  <a:pt x="10691638" y="28522"/>
+                  <a:pt x="10574319" y="29578"/>
+                  <a:pt x="10392636" y="18288"/>
+                </a:cubicBezTo>
+                <a:cubicBezTo>
+                  <a:pt x="10210953" y="6998"/>
+                  <a:pt x="9836277" y="-16742"/>
+                  <a:pt x="9497187" y="18288"/>
+                </a:cubicBezTo>
+                <a:cubicBezTo>
+                  <a:pt x="9158097" y="53318"/>
+                  <a:pt x="9119479" y="30714"/>
+                  <a:pt x="8818817" y="18288"/>
+                </a:cubicBezTo>
+                <a:cubicBezTo>
+                  <a:pt x="8518155" y="5863"/>
+                  <a:pt x="8640037" y="6483"/>
+                  <a:pt x="8466064" y="18288"/>
+                </a:cubicBezTo>
+                <a:cubicBezTo>
+                  <a:pt x="8292091" y="30093"/>
+                  <a:pt x="7997656" y="18914"/>
+                  <a:pt x="7787693" y="18288"/>
+                </a:cubicBezTo>
+                <a:cubicBezTo>
+                  <a:pt x="7577730" y="17662"/>
+                  <a:pt x="7412468" y="21416"/>
+                  <a:pt x="7217862" y="18288"/>
+                </a:cubicBezTo>
+                <a:cubicBezTo>
+                  <a:pt x="7023256" y="15160"/>
+                  <a:pt x="6898018" y="14824"/>
+                  <a:pt x="6648031" y="18288"/>
+                </a:cubicBezTo>
+                <a:cubicBezTo>
+                  <a:pt x="6398044" y="21752"/>
+                  <a:pt x="6254402" y="38625"/>
+                  <a:pt x="6078200" y="18288"/>
+                </a:cubicBezTo>
+                <a:cubicBezTo>
+                  <a:pt x="5901998" y="-2049"/>
+                  <a:pt x="5622886" y="3213"/>
+                  <a:pt x="5508368" y="18288"/>
+                </a:cubicBezTo>
+                <a:cubicBezTo>
+                  <a:pt x="5393850" y="33363"/>
+                  <a:pt x="5036260" y="26830"/>
+                  <a:pt x="4721459" y="18288"/>
+                </a:cubicBezTo>
+                <a:cubicBezTo>
+                  <a:pt x="4406658" y="9746"/>
+                  <a:pt x="4239221" y="41551"/>
+                  <a:pt x="4043088" y="18288"/>
+                </a:cubicBezTo>
+                <a:cubicBezTo>
+                  <a:pt x="3846955" y="-4975"/>
+                  <a:pt x="3818802" y="34658"/>
+                  <a:pt x="3690336" y="18288"/>
+                </a:cubicBezTo>
+                <a:cubicBezTo>
+                  <a:pt x="3561870" y="1918"/>
+                  <a:pt x="3265491" y="42194"/>
+                  <a:pt x="3120504" y="18288"/>
+                </a:cubicBezTo>
+                <a:cubicBezTo>
+                  <a:pt x="2975517" y="-5618"/>
+                  <a:pt x="2720254" y="36673"/>
+                  <a:pt x="2333595" y="18288"/>
+                </a:cubicBezTo>
+                <a:cubicBezTo>
+                  <a:pt x="1946936" y="-97"/>
+                  <a:pt x="2097241" y="5776"/>
+                  <a:pt x="1872303" y="18288"/>
+                </a:cubicBezTo>
+                <a:cubicBezTo>
+                  <a:pt x="1647365" y="30800"/>
+                  <a:pt x="1282708" y="45380"/>
+                  <a:pt x="976854" y="18288"/>
+                </a:cubicBezTo>
+                <a:cubicBezTo>
+                  <a:pt x="671000" y="-8804"/>
+                  <a:pt x="408401" y="-12775"/>
+                  <a:pt x="0" y="18288"/>
+                </a:cubicBezTo>
+                <a:cubicBezTo>
+                  <a:pt x="-213" y="9468"/>
+                  <a:pt x="187" y="4459"/>
+                  <a:pt x="0" y="0"/>
+                </a:cubicBezTo>
+                <a:close/>
+              </a:path>
+              <a:path w="10853928" h="18288" stroke="0" extrusionOk="0">
+                <a:moveTo>
+                  <a:pt x="0" y="0"/>
+                </a:moveTo>
+                <a:cubicBezTo>
+                  <a:pt x="267322" y="15284"/>
+                  <a:pt x="415388" y="-21048"/>
+                  <a:pt x="569831" y="0"/>
+                </a:cubicBezTo>
+                <a:cubicBezTo>
+                  <a:pt x="724274" y="21048"/>
+                  <a:pt x="769333" y="-2353"/>
+                  <a:pt x="922584" y="0"/>
+                </a:cubicBezTo>
+                <a:cubicBezTo>
+                  <a:pt x="1075835" y="2353"/>
+                  <a:pt x="1399490" y="-145"/>
+                  <a:pt x="1818033" y="0"/>
+                </a:cubicBezTo>
+                <a:cubicBezTo>
+                  <a:pt x="2236576" y="145"/>
+                  <a:pt x="2145330" y="5482"/>
+                  <a:pt x="2387864" y="0"/>
+                </a:cubicBezTo>
+                <a:cubicBezTo>
+                  <a:pt x="2630398" y="-5482"/>
+                  <a:pt x="2793207" y="18487"/>
+                  <a:pt x="2957695" y="0"/>
+                </a:cubicBezTo>
+                <a:cubicBezTo>
+                  <a:pt x="3122183" y="-18487"/>
+                  <a:pt x="3579141" y="19003"/>
+                  <a:pt x="3853144" y="0"/>
+                </a:cubicBezTo>
+                <a:cubicBezTo>
+                  <a:pt x="4127147" y="-19003"/>
+                  <a:pt x="4209857" y="12211"/>
+                  <a:pt x="4314436" y="0"/>
+                </a:cubicBezTo>
+                <a:cubicBezTo>
+                  <a:pt x="4419015" y="-12211"/>
+                  <a:pt x="4762459" y="-17220"/>
+                  <a:pt x="5209885" y="0"/>
+                </a:cubicBezTo>
+                <a:cubicBezTo>
+                  <a:pt x="5657311" y="17220"/>
+                  <a:pt x="5692663" y="-3290"/>
+                  <a:pt x="6105335" y="0"/>
+                </a:cubicBezTo>
+                <a:cubicBezTo>
+                  <a:pt x="6518007" y="3290"/>
+                  <a:pt x="6455516" y="-5124"/>
+                  <a:pt x="6783705" y="0"/>
+                </a:cubicBezTo>
+                <a:cubicBezTo>
+                  <a:pt x="7111894" y="5124"/>
+                  <a:pt x="7441941" y="-17829"/>
+                  <a:pt x="7679154" y="0"/>
+                </a:cubicBezTo>
+                <a:cubicBezTo>
+                  <a:pt x="7916367" y="17829"/>
+                  <a:pt x="8102967" y="-24363"/>
+                  <a:pt x="8248985" y="0"/>
+                </a:cubicBezTo>
+                <a:cubicBezTo>
+                  <a:pt x="8395003" y="24363"/>
+                  <a:pt x="8552393" y="25505"/>
+                  <a:pt x="8818817" y="0"/>
+                </a:cubicBezTo>
+                <a:cubicBezTo>
+                  <a:pt x="9085241" y="-25505"/>
+                  <a:pt x="9411308" y="38000"/>
+                  <a:pt x="9605726" y="0"/>
+                </a:cubicBezTo>
+                <a:cubicBezTo>
+                  <a:pt x="9800144" y="-38000"/>
+                  <a:pt x="10006468" y="-25741"/>
+                  <a:pt x="10175558" y="0"/>
+                </a:cubicBezTo>
+                <a:cubicBezTo>
+                  <a:pt x="10344648" y="25741"/>
+                  <a:pt x="10696282" y="695"/>
+                  <a:pt x="10853928" y="0"/>
+                </a:cubicBezTo>
+                <a:cubicBezTo>
+                  <a:pt x="10853521" y="8690"/>
+                  <a:pt x="10853774" y="14141"/>
+                  <a:pt x="10853928" y="18288"/>
+                </a:cubicBezTo>
+                <a:cubicBezTo>
+                  <a:pt x="10608124" y="24255"/>
+                  <a:pt x="10343415" y="22307"/>
+                  <a:pt x="10067018" y="18288"/>
+                </a:cubicBezTo>
+                <a:cubicBezTo>
+                  <a:pt x="9790621" y="14270"/>
+                  <a:pt x="9843266" y="3564"/>
+                  <a:pt x="9714266" y="18288"/>
+                </a:cubicBezTo>
+                <a:cubicBezTo>
+                  <a:pt x="9585266" y="33012"/>
+                  <a:pt x="9379484" y="1875"/>
+                  <a:pt x="9252974" y="18288"/>
+                </a:cubicBezTo>
+                <a:cubicBezTo>
+                  <a:pt x="9126464" y="34701"/>
+                  <a:pt x="8580678" y="-4904"/>
+                  <a:pt x="8357525" y="18288"/>
+                </a:cubicBezTo>
+                <a:cubicBezTo>
+                  <a:pt x="8134372" y="41480"/>
+                  <a:pt x="7903199" y="26458"/>
+                  <a:pt x="7679154" y="18288"/>
+                </a:cubicBezTo>
+                <a:cubicBezTo>
+                  <a:pt x="7455109" y="10118"/>
+                  <a:pt x="7435944" y="27109"/>
+                  <a:pt x="7217862" y="18288"/>
+                </a:cubicBezTo>
+                <a:cubicBezTo>
+                  <a:pt x="6999780" y="9467"/>
+                  <a:pt x="6680409" y="18985"/>
+                  <a:pt x="6539492" y="18288"/>
+                </a:cubicBezTo>
+                <a:cubicBezTo>
+                  <a:pt x="6398575" y="17592"/>
+                  <a:pt x="6312077" y="33018"/>
+                  <a:pt x="6186739" y="18288"/>
+                </a:cubicBezTo>
+                <a:cubicBezTo>
+                  <a:pt x="6061401" y="3558"/>
+                  <a:pt x="5947033" y="12075"/>
+                  <a:pt x="5833986" y="18288"/>
+                </a:cubicBezTo>
+                <a:cubicBezTo>
+                  <a:pt x="5720939" y="24501"/>
+                  <a:pt x="5482226" y="8586"/>
+                  <a:pt x="5155616" y="18288"/>
+                </a:cubicBezTo>
+                <a:cubicBezTo>
+                  <a:pt x="4829006" y="27991"/>
+                  <a:pt x="4841274" y="29316"/>
+                  <a:pt x="4694324" y="18288"/>
+                </a:cubicBezTo>
+                <a:cubicBezTo>
+                  <a:pt x="4547374" y="7260"/>
+                  <a:pt x="4077675" y="7013"/>
+                  <a:pt x="3907414" y="18288"/>
+                </a:cubicBezTo>
+                <a:cubicBezTo>
+                  <a:pt x="3737153" y="29564"/>
+                  <a:pt x="3538393" y="21630"/>
+                  <a:pt x="3446122" y="18288"/>
+                </a:cubicBezTo>
+                <a:cubicBezTo>
+                  <a:pt x="3353851" y="14946"/>
+                  <a:pt x="2990320" y="-8091"/>
+                  <a:pt x="2659212" y="18288"/>
+                </a:cubicBezTo>
+                <a:cubicBezTo>
+                  <a:pt x="2328104" y="44667"/>
+                  <a:pt x="2427653" y="9607"/>
+                  <a:pt x="2306460" y="18288"/>
+                </a:cubicBezTo>
+                <a:cubicBezTo>
+                  <a:pt x="2185267" y="26969"/>
+                  <a:pt x="1719763" y="3717"/>
+                  <a:pt x="1519550" y="18288"/>
+                </a:cubicBezTo>
+                <a:cubicBezTo>
+                  <a:pt x="1319337" y="32860"/>
+                  <a:pt x="1167371" y="17040"/>
+                  <a:pt x="1058258" y="18288"/>
+                </a:cubicBezTo>
+                <a:cubicBezTo>
+                  <a:pt x="949145" y="19536"/>
+                  <a:pt x="780234" y="31447"/>
+                  <a:pt x="705505" y="18288"/>
+                </a:cubicBezTo>
+                <a:cubicBezTo>
+                  <a:pt x="630776" y="5129"/>
+                  <a:pt x="215796" y="30056"/>
+                  <a:pt x="0" y="18288"/>
+                </a:cubicBezTo>
+                <a:cubicBezTo>
+                  <a:pt x="-53" y="11301"/>
+                  <a:pt x="-649" y="7756"/>
+                  <a:pt x="0" y="0"/>
+                </a:cubicBezTo>
+                <a:close/>
+              </a:path>
+            </a:pathLst>
+          </a:custGeom>
+          <a:solidFill>
+            <a:schemeClr val="accent2"/>
+          </a:solidFill>
+          <a:ln w="41275" cap="rnd">
+            <a:solidFill>
+              <a:schemeClr val="accent2"/>
+            </a:solidFill>
+            <a:round/>
+            <a:extLst>
+              <a:ext uri="{C807C97D-BFC1-408E-A445-0C87EB9F89A2}">
+                <ask:lineSketchStyleProps xmlns:ask="http://schemas.microsoft.com/office/drawing/2018/sketchyshapes" sd="1219033472">
+                  <a:prstGeom prst="rect">
+                    <a:avLst/>
+                  </a:prstGeom>
+                  <ask:type>
+                    <ask:lineSketchFreehand/>
+                  </ask:type>
+                </ask:lineSketchStyleProps>
+              </a:ext>
+            </a:extLst>
+          </a:ln>
+        </p:spPr>
+        <p:style>
+          <a:lnRef idx="2">
+            <a:schemeClr val="accent1">
+              <a:shade val="50000"/>
+            </a:schemeClr>
+          </a:lnRef>
+          <a:fillRef idx="1">
+            <a:schemeClr val="accent1"/>
+          </a:fillRef>
+          <a:effectRef idx="0">
+            <a:schemeClr val="accent1"/>
+          </a:effectRef>
+          <a:fontRef idx="minor">
+            <a:schemeClr val="lt1"/>
+          </a:fontRef>
+        </p:style>
+        <p:txBody>
+          <a:bodyPr rtlCol="0" anchor="ctr"/>
+          <a:lstStyle/>
+          <a:p>
+            <a:pPr algn="ctr"/>
+            <a:endParaRPr lang="en-US"/>
+          </a:p>
+        </p:txBody>
+      </p:sp>
+      <p:sp>
+        <p:nvSpPr>
+          <p:cNvPr id="3" name="Content Placeholder 2">
+            <a:extLst>
+              <a:ext uri="{FF2B5EF4-FFF2-40B4-BE49-F238E27FC236}">
+                <a16:creationId xmlns:a16="http://schemas.microsoft.com/office/drawing/2014/main" id="{866A8553-D18E-9A13-8130-10CE4DFE611B}"/>
+              </a:ext>
+            </a:extLst>
+          </p:cNvPr>
+          <p:cNvSpPr>
+            <a:spLocks noGrp="1"/>
+          </p:cNvSpPr>
+          <p:nvPr>
+            <p:ph idx="1"/>
+          </p:nvPr>
+        </p:nvSpPr>
+        <p:spPr>
+          <a:xfrm>
+            <a:off x="838200" y="1929384"/>
+            <a:ext cx="10515600" cy="4251960"/>
+          </a:xfrm>
+        </p:spPr>
+        <p:txBody>
+          <a:bodyPr>
+            <a:normAutofit/>
+          </a:bodyPr>
+          <a:lstStyle/>
+          <a:p>
+            <a:endParaRPr lang="en-US" sz="2200" dirty="0"/>
+          </a:p>
+        </p:txBody>
+      </p:sp>
+    </p:spTree>
+    <p:extLst>
+      <p:ext uri="{BB962C8B-B14F-4D97-AF65-F5344CB8AC3E}">
+        <p14:creationId xmlns:p14="http://schemas.microsoft.com/office/powerpoint/2010/main" val="979015531"/>
+      </p:ext>
+    </p:extLst>
+  </p:cSld>
+  <p:clrMapOvr>
+    <a:masterClrMapping/>
+  </p:clrMapOvr>
+</p:sld>
+</file>
+
+<file path=ppt/slides/slide12.xml><?xml version="1.0" encoding="utf-8"?>
+<p:sld xmlns:a="http://schemas.openxmlformats.org/drawingml/2006/main" xmlns:r="http://schemas.openxmlformats.org/officeDocument/2006/relationships" xmlns:p="http://schemas.openxmlformats.org/presentationml/2006/main">
+  <p:cSld>
+    <p:bg>
+      <p:bgPr>
+        <a:solidFill>
+          <a:schemeClr val="bg1"/>
+        </a:solidFill>
+        <a:effectLst/>
+      </p:bgPr>
+    </p:bg>
+    <p:spTree>
+      <p:nvGrpSpPr>
+        <p:cNvPr id="1" name=""/>
+        <p:cNvGrpSpPr/>
+        <p:nvPr/>
+      </p:nvGrpSpPr>
+      <p:grpSpPr>
+        <a:xfrm>
+          <a:off x="0" y="0"/>
+          <a:ext cx="0" cy="0"/>
+          <a:chOff x="0" y="0"/>
+          <a:chExt cx="0" cy="0"/>
+        </a:xfrm>
+      </p:grpSpPr>
+      <p:sp useBgFill="1">
+        <p:nvSpPr>
+          <p:cNvPr id="8" name="Rectangle 7">
+            <a:extLst>
+              <a:ext uri="{FF2B5EF4-FFF2-40B4-BE49-F238E27FC236}">
+                <a16:creationId xmlns:a16="http://schemas.microsoft.com/office/drawing/2014/main" id="{100EDD19-6802-4EC3-95CE-CFFAB042CFD6}"/>
+              </a:ext>
+              <a:ext uri="{C183D7F6-B498-43B3-948B-1728B52AA6E4}">
+                <adec:decorative xmlns:adec="http://schemas.microsoft.com/office/drawing/2017/decorative" val="1"/>
+              </a:ext>
+            </a:extLst>
+          </p:cNvPr>
+          <p:cNvSpPr>
+            <a:spLocks noGrp="1" noRot="1" noChangeAspect="1" noMove="1" noResize="1" noEditPoints="1" noAdjustHandles="1" noChangeArrowheads="1" noChangeShapeType="1" noTextEdit="1"/>
+          </p:cNvSpPr>
+          <p:nvPr>
+            <p:extLst>
+              <p:ext uri="{386F3935-93C4-4BCD-93E2-E3B085C9AB24}">
+                <p16:designElem xmlns:p16="http://schemas.microsoft.com/office/powerpoint/2015/main" val="1"/>
+              </p:ext>
+            </p:extLst>
+          </p:nvPr>
+        </p:nvSpPr>
+        <p:spPr>
+          <a:xfrm>
+            <a:off x="0" y="0"/>
+            <a:ext cx="12188952" cy="6858000"/>
+          </a:xfrm>
+          <a:prstGeom prst="rect">
+            <a:avLst/>
+          </a:prstGeom>
+          <a:ln>
+            <a:noFill/>
+          </a:ln>
+        </p:spPr>
+        <p:style>
+          <a:lnRef idx="2">
+            <a:schemeClr val="accent1">
+              <a:shade val="50000"/>
+            </a:schemeClr>
+          </a:lnRef>
+          <a:fillRef idx="1">
+            <a:schemeClr val="accent1"/>
+          </a:fillRef>
+          <a:effectRef idx="0">
+            <a:schemeClr val="accent1"/>
+          </a:effectRef>
+          <a:fontRef idx="minor">
+            <a:schemeClr val="lt1"/>
+          </a:fontRef>
+        </p:style>
+        <p:txBody>
+          <a:bodyPr rtlCol="0" anchor="ctr"/>
+          <a:lstStyle/>
+          <a:p>
+            <a:pPr algn="ctr"/>
+            <a:endParaRPr lang="en-US"/>
+          </a:p>
+        </p:txBody>
+      </p:sp>
+      <p:sp>
+        <p:nvSpPr>
+          <p:cNvPr id="2" name="Title 1">
+            <a:extLst>
+              <a:ext uri="{FF2B5EF4-FFF2-40B4-BE49-F238E27FC236}">
+                <a16:creationId xmlns:a16="http://schemas.microsoft.com/office/drawing/2014/main" id="{295E9274-296E-45C1-4621-62ED4770CF65}"/>
+              </a:ext>
+            </a:extLst>
+          </p:cNvPr>
+          <p:cNvSpPr>
+            <a:spLocks noGrp="1"/>
+          </p:cNvSpPr>
+          <p:nvPr>
+            <p:ph type="title"/>
+          </p:nvPr>
+        </p:nvSpPr>
+        <p:spPr>
+          <a:xfrm>
+            <a:off x="838200" y="365125"/>
+            <a:ext cx="10515600" cy="1325563"/>
+          </a:xfrm>
+        </p:spPr>
+        <p:txBody>
+          <a:bodyPr>
+            <a:normAutofit/>
+          </a:bodyPr>
+          <a:lstStyle/>
+          <a:p>
+            <a:r>
+              <a:rPr lang="en-US" sz="5400"/>
+              <a:t>Reference :</a:t>
+            </a:r>
+          </a:p>
+        </p:txBody>
+      </p:sp>
+      <p:sp>
+        <p:nvSpPr>
+          <p:cNvPr id="10" name="sketch line">
+            <a:extLst>
+              <a:ext uri="{FF2B5EF4-FFF2-40B4-BE49-F238E27FC236}">
+                <a16:creationId xmlns:a16="http://schemas.microsoft.com/office/drawing/2014/main" id="{DB17E863-922E-4C26-BD64-E8FD41D28661}"/>
+              </a:ext>
+              <a:ext uri="{C183D7F6-B498-43B3-948B-1728B52AA6E4}">
+                <adec:decorative xmlns:adec="http://schemas.microsoft.com/office/drawing/2017/decorative" val="1"/>
+              </a:ext>
+            </a:extLst>
+          </p:cNvPr>
+          <p:cNvSpPr>
+            <a:spLocks noGrp="1" noRot="1" noChangeAspect="1" noMove="1" noResize="1" noEditPoints="1" noAdjustHandles="1" noChangeArrowheads="1" noChangeShapeType="1" noTextEdit="1"/>
+          </p:cNvSpPr>
+          <p:nvPr>
+            <p:extLst>
+              <p:ext uri="{386F3935-93C4-4BCD-93E2-E3B085C9AB24}">
+                <p16:designElem xmlns:p16="http://schemas.microsoft.com/office/powerpoint/2015/main" val="1"/>
+              </p:ext>
+            </p:extLst>
+          </p:nvPr>
+        </p:nvSpPr>
+        <p:spPr>
+          <a:xfrm>
+            <a:off x="669036" y="1677373"/>
+            <a:ext cx="10853928" cy="18288"/>
+          </a:xfrm>
+          <a:custGeom>
+            <a:avLst/>
+            <a:gdLst>
+              <a:gd name="connsiteX0" fmla="*/ 0 w 10853928"/>
+              <a:gd name="connsiteY0" fmla="*/ 0 h 18288"/>
+              <a:gd name="connsiteX1" fmla="*/ 461292 w 10853928"/>
+              <a:gd name="connsiteY1" fmla="*/ 0 h 18288"/>
+              <a:gd name="connsiteX2" fmla="*/ 1139662 w 10853928"/>
+              <a:gd name="connsiteY2" fmla="*/ 0 h 18288"/>
+              <a:gd name="connsiteX3" fmla="*/ 1926572 w 10853928"/>
+              <a:gd name="connsiteY3" fmla="*/ 0 h 18288"/>
+              <a:gd name="connsiteX4" fmla="*/ 2279325 w 10853928"/>
+              <a:gd name="connsiteY4" fmla="*/ 0 h 18288"/>
+              <a:gd name="connsiteX5" fmla="*/ 2632078 w 10853928"/>
+              <a:gd name="connsiteY5" fmla="*/ 0 h 18288"/>
+              <a:gd name="connsiteX6" fmla="*/ 3527527 w 10853928"/>
+              <a:gd name="connsiteY6" fmla="*/ 0 h 18288"/>
+              <a:gd name="connsiteX7" fmla="*/ 4205897 w 10853928"/>
+              <a:gd name="connsiteY7" fmla="*/ 0 h 18288"/>
+              <a:gd name="connsiteX8" fmla="*/ 4558650 w 10853928"/>
+              <a:gd name="connsiteY8" fmla="*/ 0 h 18288"/>
+              <a:gd name="connsiteX9" fmla="*/ 5237020 w 10853928"/>
+              <a:gd name="connsiteY9" fmla="*/ 0 h 18288"/>
+              <a:gd name="connsiteX10" fmla="*/ 6132469 w 10853928"/>
+              <a:gd name="connsiteY10" fmla="*/ 0 h 18288"/>
+              <a:gd name="connsiteX11" fmla="*/ 6702301 w 10853928"/>
+              <a:gd name="connsiteY11" fmla="*/ 0 h 18288"/>
+              <a:gd name="connsiteX12" fmla="*/ 7272132 w 10853928"/>
+              <a:gd name="connsiteY12" fmla="*/ 0 h 18288"/>
+              <a:gd name="connsiteX13" fmla="*/ 7950502 w 10853928"/>
+              <a:gd name="connsiteY13" fmla="*/ 0 h 18288"/>
+              <a:gd name="connsiteX14" fmla="*/ 8737412 w 10853928"/>
+              <a:gd name="connsiteY14" fmla="*/ 0 h 18288"/>
+              <a:gd name="connsiteX15" fmla="*/ 9524322 w 10853928"/>
+              <a:gd name="connsiteY15" fmla="*/ 0 h 18288"/>
+              <a:gd name="connsiteX16" fmla="*/ 10853928 w 10853928"/>
+              <a:gd name="connsiteY16" fmla="*/ 0 h 18288"/>
+              <a:gd name="connsiteX17" fmla="*/ 10853928 w 10853928"/>
+              <a:gd name="connsiteY17" fmla="*/ 18288 h 18288"/>
+              <a:gd name="connsiteX18" fmla="*/ 10392636 w 10853928"/>
+              <a:gd name="connsiteY18" fmla="*/ 18288 h 18288"/>
+              <a:gd name="connsiteX19" fmla="*/ 9497187 w 10853928"/>
+              <a:gd name="connsiteY19" fmla="*/ 18288 h 18288"/>
+              <a:gd name="connsiteX20" fmla="*/ 8818817 w 10853928"/>
+              <a:gd name="connsiteY20" fmla="*/ 18288 h 18288"/>
+              <a:gd name="connsiteX21" fmla="*/ 8466064 w 10853928"/>
+              <a:gd name="connsiteY21" fmla="*/ 18288 h 18288"/>
+              <a:gd name="connsiteX22" fmla="*/ 7787693 w 10853928"/>
+              <a:gd name="connsiteY22" fmla="*/ 18288 h 18288"/>
+              <a:gd name="connsiteX23" fmla="*/ 7217862 w 10853928"/>
+              <a:gd name="connsiteY23" fmla="*/ 18288 h 18288"/>
+              <a:gd name="connsiteX24" fmla="*/ 6648031 w 10853928"/>
+              <a:gd name="connsiteY24" fmla="*/ 18288 h 18288"/>
+              <a:gd name="connsiteX25" fmla="*/ 6078200 w 10853928"/>
+              <a:gd name="connsiteY25" fmla="*/ 18288 h 18288"/>
+              <a:gd name="connsiteX26" fmla="*/ 5508368 w 10853928"/>
+              <a:gd name="connsiteY26" fmla="*/ 18288 h 18288"/>
+              <a:gd name="connsiteX27" fmla="*/ 4721459 w 10853928"/>
+              <a:gd name="connsiteY27" fmla="*/ 18288 h 18288"/>
+              <a:gd name="connsiteX28" fmla="*/ 4043088 w 10853928"/>
+              <a:gd name="connsiteY28" fmla="*/ 18288 h 18288"/>
+              <a:gd name="connsiteX29" fmla="*/ 3690336 w 10853928"/>
+              <a:gd name="connsiteY29" fmla="*/ 18288 h 18288"/>
+              <a:gd name="connsiteX30" fmla="*/ 3120504 w 10853928"/>
+              <a:gd name="connsiteY30" fmla="*/ 18288 h 18288"/>
+              <a:gd name="connsiteX31" fmla="*/ 2333595 w 10853928"/>
+              <a:gd name="connsiteY31" fmla="*/ 18288 h 18288"/>
+              <a:gd name="connsiteX32" fmla="*/ 1872303 w 10853928"/>
+              <a:gd name="connsiteY32" fmla="*/ 18288 h 18288"/>
+              <a:gd name="connsiteX33" fmla="*/ 976854 w 10853928"/>
+              <a:gd name="connsiteY33" fmla="*/ 18288 h 18288"/>
+              <a:gd name="connsiteX34" fmla="*/ 0 w 10853928"/>
+              <a:gd name="connsiteY34" fmla="*/ 18288 h 18288"/>
+              <a:gd name="connsiteX35" fmla="*/ 0 w 10853928"/>
+              <a:gd name="connsiteY35" fmla="*/ 0 h 18288"/>
+            </a:gdLst>
+            <a:ahLst/>
+            <a:cxnLst>
+              <a:cxn ang="0">
+                <a:pos x="connsiteX0" y="connsiteY0"/>
+              </a:cxn>
+              <a:cxn ang="0">
+                <a:pos x="connsiteX1" y="connsiteY1"/>
+              </a:cxn>
+              <a:cxn ang="0">
+                <a:pos x="connsiteX2" y="connsiteY2"/>
+              </a:cxn>
+              <a:cxn ang="0">
+                <a:pos x="connsiteX3" y="connsiteY3"/>
+              </a:cxn>
+              <a:cxn ang="0">
+                <a:pos x="connsiteX4" y="connsiteY4"/>
+              </a:cxn>
+              <a:cxn ang="0">
+                <a:pos x="connsiteX5" y="connsiteY5"/>
+              </a:cxn>
+              <a:cxn ang="0">
+                <a:pos x="connsiteX6" y="connsiteY6"/>
+              </a:cxn>
+              <a:cxn ang="0">
+                <a:pos x="connsiteX7" y="connsiteY7"/>
+              </a:cxn>
+              <a:cxn ang="0">
+                <a:pos x="connsiteX8" y="connsiteY8"/>
+              </a:cxn>
+              <a:cxn ang="0">
+                <a:pos x="connsiteX9" y="connsiteY9"/>
+              </a:cxn>
+              <a:cxn ang="0">
+                <a:pos x="connsiteX10" y="connsiteY10"/>
+              </a:cxn>
+              <a:cxn ang="0">
+                <a:pos x="connsiteX11" y="connsiteY11"/>
+              </a:cxn>
+              <a:cxn ang="0">
+                <a:pos x="connsiteX12" y="connsiteY12"/>
+              </a:cxn>
+              <a:cxn ang="0">
+                <a:pos x="connsiteX13" y="connsiteY13"/>
+              </a:cxn>
+              <a:cxn ang="0">
+                <a:pos x="connsiteX14" y="connsiteY14"/>
+              </a:cxn>
+              <a:cxn ang="0">
+                <a:pos x="connsiteX15" y="connsiteY15"/>
+              </a:cxn>
+              <a:cxn ang="0">
+                <a:pos x="connsiteX16" y="connsiteY16"/>
+              </a:cxn>
+              <a:cxn ang="0">
+                <a:pos x="connsiteX17" y="connsiteY17"/>
+              </a:cxn>
+              <a:cxn ang="0">
+                <a:pos x="connsiteX18" y="connsiteY18"/>
+              </a:cxn>
+              <a:cxn ang="0">
+                <a:pos x="connsiteX19" y="connsiteY19"/>
+              </a:cxn>
+              <a:cxn ang="0">
+                <a:pos x="connsiteX20" y="connsiteY20"/>
+              </a:cxn>
+              <a:cxn ang="0">
+                <a:pos x="connsiteX21" y="connsiteY21"/>
+              </a:cxn>
+              <a:cxn ang="0">
+                <a:pos x="connsiteX22" y="connsiteY22"/>
+              </a:cxn>
+              <a:cxn ang="0">
+                <a:pos x="connsiteX23" y="connsiteY23"/>
+              </a:cxn>
+              <a:cxn ang="0">
+                <a:pos x="connsiteX24" y="connsiteY24"/>
+              </a:cxn>
+              <a:cxn ang="0">
+                <a:pos x="connsiteX25" y="connsiteY25"/>
+              </a:cxn>
+              <a:cxn ang="0">
+                <a:pos x="connsiteX26" y="connsiteY26"/>
+              </a:cxn>
+              <a:cxn ang="0">
+                <a:pos x="connsiteX27" y="connsiteY27"/>
+              </a:cxn>
+              <a:cxn ang="0">
+                <a:pos x="connsiteX28" y="connsiteY28"/>
+              </a:cxn>
+              <a:cxn ang="0">
+                <a:pos x="connsiteX29" y="connsiteY29"/>
+              </a:cxn>
+              <a:cxn ang="0">
+                <a:pos x="connsiteX30" y="connsiteY30"/>
+              </a:cxn>
+              <a:cxn ang="0">
+                <a:pos x="connsiteX31" y="connsiteY31"/>
+              </a:cxn>
+              <a:cxn ang="0">
+                <a:pos x="connsiteX32" y="connsiteY32"/>
+              </a:cxn>
+              <a:cxn ang="0">
+                <a:pos x="connsiteX33" y="connsiteY33"/>
+              </a:cxn>
+              <a:cxn ang="0">
+                <a:pos x="connsiteX34" y="connsiteY34"/>
+              </a:cxn>
+              <a:cxn ang="0">
+                <a:pos x="connsiteX35" y="connsiteY35"/>
+              </a:cxn>
+            </a:cxnLst>
+            <a:rect l="l" t="t" r="r" b="b"/>
+            <a:pathLst>
+              <a:path w="10853928" h="18288" fill="none" extrusionOk="0">
+                <a:moveTo>
+                  <a:pt x="0" y="0"/>
+                </a:moveTo>
+                <a:cubicBezTo>
+                  <a:pt x="146993" y="-19076"/>
+                  <a:pt x="347684" y="-4790"/>
+                  <a:pt x="461292" y="0"/>
+                </a:cubicBezTo>
+                <a:cubicBezTo>
+                  <a:pt x="574900" y="4790"/>
+                  <a:pt x="808367" y="19821"/>
+                  <a:pt x="1139662" y="0"/>
+                </a:cubicBezTo>
+                <a:cubicBezTo>
+                  <a:pt x="1470957" y="-19821"/>
+                  <a:pt x="1627405" y="5721"/>
+                  <a:pt x="1926572" y="0"/>
+                </a:cubicBezTo>
+                <a:cubicBezTo>
+                  <a:pt x="2225739" y="-5721"/>
+                  <a:pt x="2137730" y="-3235"/>
+                  <a:pt x="2279325" y="0"/>
+                </a:cubicBezTo>
+                <a:cubicBezTo>
+                  <a:pt x="2420920" y="3235"/>
+                  <a:pt x="2456518" y="9685"/>
+                  <a:pt x="2632078" y="0"/>
+                </a:cubicBezTo>
+                <a:cubicBezTo>
+                  <a:pt x="2807638" y="-9685"/>
+                  <a:pt x="3211516" y="-43007"/>
+                  <a:pt x="3527527" y="0"/>
+                </a:cubicBezTo>
+                <a:cubicBezTo>
+                  <a:pt x="3843538" y="43007"/>
+                  <a:pt x="4058833" y="22042"/>
+                  <a:pt x="4205897" y="0"/>
+                </a:cubicBezTo>
+                <a:cubicBezTo>
+                  <a:pt x="4352961" y="-22042"/>
+                  <a:pt x="4474805" y="-11846"/>
+                  <a:pt x="4558650" y="0"/>
+                </a:cubicBezTo>
+                <a:cubicBezTo>
+                  <a:pt x="4642495" y="11846"/>
+                  <a:pt x="5041928" y="-6069"/>
+                  <a:pt x="5237020" y="0"/>
+                </a:cubicBezTo>
+                <a:cubicBezTo>
+                  <a:pt x="5432112" y="6069"/>
+                  <a:pt x="5943266" y="-17479"/>
+                  <a:pt x="6132469" y="0"/>
+                </a:cubicBezTo>
+                <a:cubicBezTo>
+                  <a:pt x="6321672" y="17479"/>
+                  <a:pt x="6483872" y="26234"/>
+                  <a:pt x="6702301" y="0"/>
+                </a:cubicBezTo>
+                <a:cubicBezTo>
+                  <a:pt x="6920730" y="-26234"/>
+                  <a:pt x="6991194" y="-15156"/>
+                  <a:pt x="7272132" y="0"/>
+                </a:cubicBezTo>
+                <a:cubicBezTo>
+                  <a:pt x="7553070" y="15156"/>
+                  <a:pt x="7684444" y="-32961"/>
+                  <a:pt x="7950502" y="0"/>
+                </a:cubicBezTo>
+                <a:cubicBezTo>
+                  <a:pt x="8216560" y="32961"/>
+                  <a:pt x="8493290" y="-10491"/>
+                  <a:pt x="8737412" y="0"/>
+                </a:cubicBezTo>
+                <a:cubicBezTo>
+                  <a:pt x="8981534" y="10491"/>
+                  <a:pt x="9191586" y="-13899"/>
+                  <a:pt x="9524322" y="0"/>
+                </a:cubicBezTo>
+                <a:cubicBezTo>
+                  <a:pt x="9857058" y="13899"/>
+                  <a:pt x="10297509" y="7485"/>
+                  <a:pt x="10853928" y="0"/>
+                </a:cubicBezTo>
+                <a:cubicBezTo>
+                  <a:pt x="10854574" y="4451"/>
+                  <a:pt x="10854418" y="9226"/>
+                  <a:pt x="10853928" y="18288"/>
+                </a:cubicBezTo>
+                <a:cubicBezTo>
+                  <a:pt x="10691638" y="28522"/>
+                  <a:pt x="10574319" y="29578"/>
+                  <a:pt x="10392636" y="18288"/>
+                </a:cubicBezTo>
+                <a:cubicBezTo>
+                  <a:pt x="10210953" y="6998"/>
+                  <a:pt x="9836277" y="-16742"/>
+                  <a:pt x="9497187" y="18288"/>
+                </a:cubicBezTo>
+                <a:cubicBezTo>
+                  <a:pt x="9158097" y="53318"/>
+                  <a:pt x="9119479" y="30714"/>
+                  <a:pt x="8818817" y="18288"/>
+                </a:cubicBezTo>
+                <a:cubicBezTo>
+                  <a:pt x="8518155" y="5863"/>
+                  <a:pt x="8640037" y="6483"/>
+                  <a:pt x="8466064" y="18288"/>
+                </a:cubicBezTo>
+                <a:cubicBezTo>
+                  <a:pt x="8292091" y="30093"/>
+                  <a:pt x="7997656" y="18914"/>
+                  <a:pt x="7787693" y="18288"/>
+                </a:cubicBezTo>
+                <a:cubicBezTo>
+                  <a:pt x="7577730" y="17662"/>
+                  <a:pt x="7412468" y="21416"/>
+                  <a:pt x="7217862" y="18288"/>
+                </a:cubicBezTo>
+                <a:cubicBezTo>
+                  <a:pt x="7023256" y="15160"/>
+                  <a:pt x="6898018" y="14824"/>
+                  <a:pt x="6648031" y="18288"/>
+                </a:cubicBezTo>
+                <a:cubicBezTo>
+                  <a:pt x="6398044" y="21752"/>
+                  <a:pt x="6254402" y="38625"/>
+                  <a:pt x="6078200" y="18288"/>
+                </a:cubicBezTo>
+                <a:cubicBezTo>
+                  <a:pt x="5901998" y="-2049"/>
+                  <a:pt x="5622886" y="3213"/>
+                  <a:pt x="5508368" y="18288"/>
+                </a:cubicBezTo>
+                <a:cubicBezTo>
+                  <a:pt x="5393850" y="33363"/>
+                  <a:pt x="5036260" y="26830"/>
+                  <a:pt x="4721459" y="18288"/>
+                </a:cubicBezTo>
+                <a:cubicBezTo>
+                  <a:pt x="4406658" y="9746"/>
+                  <a:pt x="4239221" y="41551"/>
+                  <a:pt x="4043088" y="18288"/>
+                </a:cubicBezTo>
+                <a:cubicBezTo>
+                  <a:pt x="3846955" y="-4975"/>
+                  <a:pt x="3818802" y="34658"/>
+                  <a:pt x="3690336" y="18288"/>
+                </a:cubicBezTo>
+                <a:cubicBezTo>
+                  <a:pt x="3561870" y="1918"/>
+                  <a:pt x="3265491" y="42194"/>
+                  <a:pt x="3120504" y="18288"/>
+                </a:cubicBezTo>
+                <a:cubicBezTo>
+                  <a:pt x="2975517" y="-5618"/>
+                  <a:pt x="2720254" y="36673"/>
+                  <a:pt x="2333595" y="18288"/>
+                </a:cubicBezTo>
+                <a:cubicBezTo>
+                  <a:pt x="1946936" y="-97"/>
+                  <a:pt x="2097241" y="5776"/>
+                  <a:pt x="1872303" y="18288"/>
+                </a:cubicBezTo>
+                <a:cubicBezTo>
+                  <a:pt x="1647365" y="30800"/>
+                  <a:pt x="1282708" y="45380"/>
+                  <a:pt x="976854" y="18288"/>
+                </a:cubicBezTo>
+                <a:cubicBezTo>
+                  <a:pt x="671000" y="-8804"/>
+                  <a:pt x="408401" y="-12775"/>
+                  <a:pt x="0" y="18288"/>
+                </a:cubicBezTo>
+                <a:cubicBezTo>
+                  <a:pt x="-213" y="9468"/>
+                  <a:pt x="187" y="4459"/>
+                  <a:pt x="0" y="0"/>
+                </a:cubicBezTo>
+                <a:close/>
+              </a:path>
+              <a:path w="10853928" h="18288" stroke="0" extrusionOk="0">
+                <a:moveTo>
+                  <a:pt x="0" y="0"/>
+                </a:moveTo>
+                <a:cubicBezTo>
+                  <a:pt x="267322" y="15284"/>
+                  <a:pt x="415388" y="-21048"/>
+                  <a:pt x="569831" y="0"/>
+                </a:cubicBezTo>
+                <a:cubicBezTo>
+                  <a:pt x="724274" y="21048"/>
+                  <a:pt x="769333" y="-2353"/>
+                  <a:pt x="922584" y="0"/>
+                </a:cubicBezTo>
+                <a:cubicBezTo>
+                  <a:pt x="1075835" y="2353"/>
+                  <a:pt x="1399490" y="-145"/>
+                  <a:pt x="1818033" y="0"/>
+                </a:cubicBezTo>
+                <a:cubicBezTo>
+                  <a:pt x="2236576" y="145"/>
+                  <a:pt x="2145330" y="5482"/>
+                  <a:pt x="2387864" y="0"/>
+                </a:cubicBezTo>
+                <a:cubicBezTo>
+                  <a:pt x="2630398" y="-5482"/>
+                  <a:pt x="2793207" y="18487"/>
+                  <a:pt x="2957695" y="0"/>
+                </a:cubicBezTo>
+                <a:cubicBezTo>
+                  <a:pt x="3122183" y="-18487"/>
+                  <a:pt x="3579141" y="19003"/>
+                  <a:pt x="3853144" y="0"/>
+                </a:cubicBezTo>
+                <a:cubicBezTo>
+                  <a:pt x="4127147" y="-19003"/>
+                  <a:pt x="4209857" y="12211"/>
+                  <a:pt x="4314436" y="0"/>
+                </a:cubicBezTo>
+                <a:cubicBezTo>
+                  <a:pt x="4419015" y="-12211"/>
+                  <a:pt x="4762459" y="-17220"/>
+                  <a:pt x="5209885" y="0"/>
+                </a:cubicBezTo>
+                <a:cubicBezTo>
+                  <a:pt x="5657311" y="17220"/>
+                  <a:pt x="5692663" y="-3290"/>
+                  <a:pt x="6105335" y="0"/>
+                </a:cubicBezTo>
+                <a:cubicBezTo>
+                  <a:pt x="6518007" y="3290"/>
+                  <a:pt x="6455516" y="-5124"/>
+                  <a:pt x="6783705" y="0"/>
+                </a:cubicBezTo>
+                <a:cubicBezTo>
+                  <a:pt x="7111894" y="5124"/>
+                  <a:pt x="7441941" y="-17829"/>
+                  <a:pt x="7679154" y="0"/>
+                </a:cubicBezTo>
+                <a:cubicBezTo>
+                  <a:pt x="7916367" y="17829"/>
+                  <a:pt x="8102967" y="-24363"/>
+                  <a:pt x="8248985" y="0"/>
+                </a:cubicBezTo>
+                <a:cubicBezTo>
+                  <a:pt x="8395003" y="24363"/>
+                  <a:pt x="8552393" y="25505"/>
+                  <a:pt x="8818817" y="0"/>
+                </a:cubicBezTo>
+                <a:cubicBezTo>
+                  <a:pt x="9085241" y="-25505"/>
+                  <a:pt x="9411308" y="38000"/>
+                  <a:pt x="9605726" y="0"/>
+                </a:cubicBezTo>
+                <a:cubicBezTo>
+                  <a:pt x="9800144" y="-38000"/>
+                  <a:pt x="10006468" y="-25741"/>
+                  <a:pt x="10175558" y="0"/>
+                </a:cubicBezTo>
+                <a:cubicBezTo>
+                  <a:pt x="10344648" y="25741"/>
+                  <a:pt x="10696282" y="695"/>
+                  <a:pt x="10853928" y="0"/>
+                </a:cubicBezTo>
+                <a:cubicBezTo>
+                  <a:pt x="10853521" y="8690"/>
+                  <a:pt x="10853774" y="14141"/>
+                  <a:pt x="10853928" y="18288"/>
+                </a:cubicBezTo>
+                <a:cubicBezTo>
+                  <a:pt x="10608124" y="24255"/>
+                  <a:pt x="10343415" y="22307"/>
+                  <a:pt x="10067018" y="18288"/>
+                </a:cubicBezTo>
+                <a:cubicBezTo>
+                  <a:pt x="9790621" y="14270"/>
+                  <a:pt x="9843266" y="3564"/>
+                  <a:pt x="9714266" y="18288"/>
+                </a:cubicBezTo>
+                <a:cubicBezTo>
+                  <a:pt x="9585266" y="33012"/>
+                  <a:pt x="9379484" y="1875"/>
+                  <a:pt x="9252974" y="18288"/>
+                </a:cubicBezTo>
+                <a:cubicBezTo>
+                  <a:pt x="9126464" y="34701"/>
+                  <a:pt x="8580678" y="-4904"/>
+                  <a:pt x="8357525" y="18288"/>
+                </a:cubicBezTo>
+                <a:cubicBezTo>
+                  <a:pt x="8134372" y="41480"/>
+                  <a:pt x="7903199" y="26458"/>
+                  <a:pt x="7679154" y="18288"/>
+                </a:cubicBezTo>
+                <a:cubicBezTo>
+                  <a:pt x="7455109" y="10118"/>
+                  <a:pt x="7435944" y="27109"/>
+                  <a:pt x="7217862" y="18288"/>
+                </a:cubicBezTo>
+                <a:cubicBezTo>
+                  <a:pt x="6999780" y="9467"/>
+                  <a:pt x="6680409" y="18985"/>
+                  <a:pt x="6539492" y="18288"/>
+                </a:cubicBezTo>
+                <a:cubicBezTo>
+                  <a:pt x="6398575" y="17592"/>
+                  <a:pt x="6312077" y="33018"/>
+                  <a:pt x="6186739" y="18288"/>
+                </a:cubicBezTo>
+                <a:cubicBezTo>
+                  <a:pt x="6061401" y="3558"/>
+                  <a:pt x="5947033" y="12075"/>
+                  <a:pt x="5833986" y="18288"/>
+                </a:cubicBezTo>
+                <a:cubicBezTo>
+                  <a:pt x="5720939" y="24501"/>
+                  <a:pt x="5482226" y="8586"/>
+                  <a:pt x="5155616" y="18288"/>
+                </a:cubicBezTo>
+                <a:cubicBezTo>
+                  <a:pt x="4829006" y="27991"/>
+                  <a:pt x="4841274" y="29316"/>
+                  <a:pt x="4694324" y="18288"/>
+                </a:cubicBezTo>
+                <a:cubicBezTo>
+                  <a:pt x="4547374" y="7260"/>
+                  <a:pt x="4077675" y="7013"/>
+                  <a:pt x="3907414" y="18288"/>
+                </a:cubicBezTo>
+                <a:cubicBezTo>
+                  <a:pt x="3737153" y="29564"/>
+                  <a:pt x="3538393" y="21630"/>
+                  <a:pt x="3446122" y="18288"/>
+                </a:cubicBezTo>
+                <a:cubicBezTo>
+                  <a:pt x="3353851" y="14946"/>
+                  <a:pt x="2990320" y="-8091"/>
+                  <a:pt x="2659212" y="18288"/>
+                </a:cubicBezTo>
+                <a:cubicBezTo>
+                  <a:pt x="2328104" y="44667"/>
+                  <a:pt x="2427653" y="9607"/>
+                  <a:pt x="2306460" y="18288"/>
+                </a:cubicBezTo>
+                <a:cubicBezTo>
+                  <a:pt x="2185267" y="26969"/>
+                  <a:pt x="1719763" y="3717"/>
+                  <a:pt x="1519550" y="18288"/>
+                </a:cubicBezTo>
+                <a:cubicBezTo>
+                  <a:pt x="1319337" y="32860"/>
+                  <a:pt x="1167371" y="17040"/>
+                  <a:pt x="1058258" y="18288"/>
+                </a:cubicBezTo>
+                <a:cubicBezTo>
+                  <a:pt x="949145" y="19536"/>
+                  <a:pt x="780234" y="31447"/>
+                  <a:pt x="705505" y="18288"/>
+                </a:cubicBezTo>
+                <a:cubicBezTo>
+                  <a:pt x="630776" y="5129"/>
+                  <a:pt x="215796" y="30056"/>
+                  <a:pt x="0" y="18288"/>
+                </a:cubicBezTo>
+                <a:cubicBezTo>
+                  <a:pt x="-53" y="11301"/>
+                  <a:pt x="-649" y="7756"/>
+                  <a:pt x="0" y="0"/>
+                </a:cubicBezTo>
+                <a:close/>
+              </a:path>
+            </a:pathLst>
+          </a:custGeom>
+          <a:solidFill>
+            <a:schemeClr val="accent2"/>
+          </a:solidFill>
+          <a:ln w="41275" cap="rnd">
+            <a:solidFill>
+              <a:schemeClr val="accent2"/>
+            </a:solidFill>
+            <a:round/>
+            <a:extLst>
+              <a:ext uri="{C807C97D-BFC1-408E-A445-0C87EB9F89A2}">
+                <ask:lineSketchStyleProps xmlns:ask="http://schemas.microsoft.com/office/drawing/2018/sketchyshapes" sd="1219033472">
+                  <a:prstGeom prst="rect">
+                    <a:avLst/>
+                  </a:prstGeom>
+                  <ask:type>
+                    <ask:lineSketchFreehand/>
+                  </ask:type>
+                </ask:lineSketchStyleProps>
+              </a:ext>
+            </a:extLst>
+          </a:ln>
+        </p:spPr>
+        <p:style>
+          <a:lnRef idx="2">
+            <a:schemeClr val="accent1">
+              <a:shade val="50000"/>
+            </a:schemeClr>
+          </a:lnRef>
+          <a:fillRef idx="1">
+            <a:schemeClr val="accent1"/>
+          </a:fillRef>
+          <a:effectRef idx="0">
+            <a:schemeClr val="accent1"/>
+          </a:effectRef>
+          <a:fontRef idx="minor">
+            <a:schemeClr val="lt1"/>
+          </a:fontRef>
+        </p:style>
+        <p:txBody>
+          <a:bodyPr rtlCol="0" anchor="ctr"/>
+          <a:lstStyle/>
+          <a:p>
+            <a:pPr algn="ctr"/>
+            <a:endParaRPr lang="en-US"/>
+          </a:p>
+        </p:txBody>
+      </p:sp>
+      <p:sp>
+        <p:nvSpPr>
+          <p:cNvPr id="3" name="Content Placeholder 2">
+            <a:extLst>
+              <a:ext uri="{FF2B5EF4-FFF2-40B4-BE49-F238E27FC236}">
+                <a16:creationId xmlns:a16="http://schemas.microsoft.com/office/drawing/2014/main" id="{32964219-170D-1748-0D1C-CA7D141F2FC7}"/>
+              </a:ext>
+            </a:extLst>
+          </p:cNvPr>
+          <p:cNvSpPr>
+            <a:spLocks noGrp="1"/>
+          </p:cNvSpPr>
+          <p:nvPr>
+            <p:ph idx="1"/>
+          </p:nvPr>
+        </p:nvSpPr>
+        <p:spPr>
+          <a:xfrm>
+            <a:off x="838200" y="1929384"/>
+            <a:ext cx="10515600" cy="4251960"/>
+          </a:xfrm>
+        </p:spPr>
+        <p:txBody>
+          <a:bodyPr>
+            <a:normAutofit/>
+          </a:bodyPr>
+          <a:lstStyle/>
+          <a:p>
+            <a:endParaRPr lang="en-US" sz="2200"/>
+          </a:p>
+        </p:txBody>
+      </p:sp>
+    </p:spTree>
+    <p:extLst>
+      <p:ext uri="{BB962C8B-B14F-4D97-AF65-F5344CB8AC3E}">
+        <p14:creationId xmlns:p14="http://schemas.microsoft.com/office/powerpoint/2010/main" val="4077544350"/>
+      </p:ext>
+    </p:extLst>
+  </p:cSld>
+  <p:clrMapOvr>
+    <a:masterClrMapping/>
+  </p:clrMapOvr>
+</p:sld>
+</file>
+
+<file path=ppt/slides/slide13.xml><?xml version="1.0" encoding="utf-8"?>
 <p:sld xmlns:a="http://schemas.openxmlformats.org/drawingml/2006/main" xmlns:r="http://schemas.openxmlformats.org/officeDocument/2006/relationships" xmlns:p="http://schemas.openxmlformats.org/presentationml/2006/main">
   <p:cSld>
     <p:bg>
@@ -27420,13 +29251,13 @@
         </p:nvSpPr>
         <p:spPr>
           <a:xfrm>
-            <a:off x="669036" y="1971090"/>
-            <a:ext cx="10853928" cy="3986226"/>
+            <a:off x="669036" y="1984248"/>
+            <a:ext cx="10853928" cy="3481578"/>
           </a:xfrm>
         </p:spPr>
         <p:txBody>
           <a:bodyPr anchor="ctr">
-            <a:normAutofit fontScale="92500" lnSpcReduction="20000"/>
+            <a:normAutofit fontScale="92500"/>
           </a:bodyPr>
           <a:lstStyle/>
           <a:p>
@@ -27435,7 +29266,7 @@
               <a:buChar char="Ø"/>
             </a:pPr>
             <a:r>
-              <a:rPr lang="en-US" sz="1500" b="0" i="0">
+              <a:rPr lang="en-US" b="0" i="0" dirty="0">
                 <a:effectLst/>
                 <a:latin typeface="Arial" panose="020B0604020202020204" pitchFamily="34" charset="0"/>
               </a:rPr>
@@ -27448,17 +29279,17 @@
               <a:buChar char="Ø"/>
             </a:pPr>
             <a:r>
-              <a:rPr lang="en-US" sz="1500" b="0" i="0">
+              <a:rPr lang="en-US" b="0" i="0" dirty="0">
                 <a:effectLst/>
                 <a:latin typeface="Arial" panose="020B0604020202020204" pitchFamily="34" charset="0"/>
               </a:rPr>
               <a:t> What are the long-term trends in different types of crime (e.g., violent </a:t>
             </a:r>
             <a:br>
-              <a:rPr lang="en-US" sz="1500"/>
+              <a:rPr lang="en-US" dirty="0"/>
             </a:br>
             <a:r>
-              <a:rPr lang="en-US" sz="1500" b="0" i="0">
+              <a:rPr lang="en-US" b="0" i="0" dirty="0">
                 <a:effectLst/>
                 <a:latin typeface="Arial" panose="020B0604020202020204" pitchFamily="34" charset="0"/>
               </a:rPr>
@@ -27471,17 +29302,17 @@
               <a:buChar char="Ø"/>
             </a:pPr>
             <a:r>
-              <a:rPr lang="en-US" sz="1500" b="0" i="0">
+              <a:rPr lang="en-US" b="0" i="0" dirty="0">
                 <a:effectLst/>
                 <a:latin typeface="Arial" panose="020B0604020202020204" pitchFamily="34" charset="0"/>
               </a:rPr>
               <a:t> Is there a correlation between annual inflation rates and overall crime </a:t>
             </a:r>
             <a:br>
-              <a:rPr lang="en-US" sz="1500"/>
+              <a:rPr lang="en-US" dirty="0"/>
             </a:br>
             <a:r>
-              <a:rPr lang="en-US" sz="1500" b="0" i="0">
+              <a:rPr lang="en-US" b="0" i="0" dirty="0">
                 <a:effectLst/>
                 <a:latin typeface="Arial" panose="020B0604020202020204" pitchFamily="34" charset="0"/>
               </a:rPr>
@@ -27494,17 +29325,17 @@
               <a:buChar char="Ø"/>
             </a:pPr>
             <a:r>
-              <a:rPr lang="en-US" sz="1500" b="0" i="0">
+              <a:rPr lang="en-US" b="0" i="0" dirty="0">
                 <a:effectLst/>
                 <a:latin typeface="Arial" panose="020B0604020202020204" pitchFamily="34" charset="0"/>
               </a:rPr>
               <a:t> How does inflation impact different types of crime (e.g., theft, burglary, </a:t>
             </a:r>
             <a:br>
-              <a:rPr lang="en-US" sz="1500"/>
+              <a:rPr lang="en-US" dirty="0"/>
             </a:br>
             <a:r>
-              <a:rPr lang="en-US" sz="1500" b="0" i="0">
+              <a:rPr lang="en-US" b="0" i="0" dirty="0">
                 <a:effectLst/>
                 <a:latin typeface="Arial" panose="020B0604020202020204" pitchFamily="34" charset="0"/>
               </a:rPr>
@@ -27512,131 +29343,11 @@
             </a:r>
           </a:p>
           <a:p>
-            <a:pPr>
-              <a:buFont typeface="Wingdings" pitchFamily="2" charset="2"/>
-              <a:buChar char="Ø"/>
+            <a:pPr marL="0" indent="0">
+              <a:buNone/>
             </a:pPr>
-            <a:r>
-              <a:rPr lang="en-US" sz="1500" b="0" i="0">
-                <a:effectLst/>
-                <a:latin typeface="Arial" panose="020B0604020202020204" pitchFamily="34" charset="0"/>
-              </a:rPr>
-              <a:t> Are there specific regions in California where the correlation between </a:t>
-            </a:r>
             <a:br>
-              <a:rPr lang="en-US" sz="1500"/>
-            </a:br>
-            <a:r>
-              <a:rPr lang="en-US" sz="1500" b="0" i="0">
-                <a:effectLst/>
-                <a:latin typeface="Arial" panose="020B0604020202020204" pitchFamily="34" charset="0"/>
-              </a:rPr>
-              <a:t>inflation and crime rates is more pronounced over the 25-year period?</a:t>
-            </a:r>
-          </a:p>
-          <a:p>
-            <a:pPr>
-              <a:buFont typeface="Wingdings" pitchFamily="2" charset="2"/>
-              <a:buChar char="Ø"/>
-            </a:pPr>
-            <a:r>
-              <a:rPr lang="en-US" sz="1500" b="0" i="0">
-                <a:effectLst/>
-                <a:latin typeface="Arial" panose="020B0604020202020204" pitchFamily="34" charset="0"/>
-              </a:rPr>
-              <a:t>How do urban and rural areas differ in terms of crime rate trends and </a:t>
-            </a:r>
-            <a:br>
-              <a:rPr lang="en-US" sz="1500"/>
-            </a:br>
-            <a:r>
-              <a:rPr lang="en-US" sz="1500" b="0" i="0">
-                <a:effectLst/>
-                <a:latin typeface="Arial" panose="020B0604020202020204" pitchFamily="34" charset="0"/>
-              </a:rPr>
-              <a:t>their correlation with inflation from 1998 to 2023?</a:t>
-            </a:r>
-          </a:p>
-          <a:p>
-            <a:pPr>
-              <a:buFont typeface="Wingdings" pitchFamily="2" charset="2"/>
-              <a:buChar char="Ø"/>
-            </a:pPr>
-            <a:r>
-              <a:rPr lang="en-US" sz="1500" b="0" i="0">
-                <a:effectLst/>
-                <a:latin typeface="Arial" panose="020B0604020202020204" pitchFamily="34" charset="0"/>
-              </a:rPr>
-              <a:t> How do other economic factors (e.g., unemployment rates, housing </a:t>
-            </a:r>
-            <a:br>
-              <a:rPr lang="en-US" sz="1500"/>
-            </a:br>
-            <a:r>
-              <a:rPr lang="en-US" sz="1500" b="0" i="0">
-                <a:effectLst/>
-                <a:latin typeface="Arial" panose="020B0604020202020204" pitchFamily="34" charset="0"/>
-              </a:rPr>
-              <a:t>costs) interact with inflation to affect crime rates over the 25-year </a:t>
-            </a:r>
-            <a:br>
-              <a:rPr lang="en-US" sz="1500"/>
-            </a:br>
-            <a:r>
-              <a:rPr lang="en-US" sz="1500" b="0" i="0">
-                <a:effectLst/>
-                <a:latin typeface="Arial" panose="020B0604020202020204" pitchFamily="34" charset="0"/>
-              </a:rPr>
-              <a:t>period?</a:t>
-            </a:r>
-          </a:p>
-          <a:p>
-            <a:pPr>
-              <a:buFont typeface="Wingdings" pitchFamily="2" charset="2"/>
-              <a:buChar char="Ø"/>
-            </a:pPr>
-            <a:r>
-              <a:rPr lang="en-US" sz="1500" b="0" i="0">
-                <a:effectLst/>
-                <a:latin typeface="Arial" panose="020B0604020202020204" pitchFamily="34" charset="0"/>
-              </a:rPr>
-              <a:t> How have policy changes aimed at controlling inflation affect crime </a:t>
-            </a:r>
-            <a:br>
-              <a:rPr lang="en-US" sz="1500"/>
-            </a:br>
-            <a:r>
-              <a:rPr lang="en-US" sz="1500" b="0" i="0">
-                <a:effectLst/>
-                <a:latin typeface="Arial" panose="020B0604020202020204" pitchFamily="34" charset="0"/>
-              </a:rPr>
-              <a:t>rates in California from 1998 to 2023?</a:t>
-            </a:r>
-          </a:p>
-          <a:p>
-            <a:pPr>
-              <a:buFont typeface="Wingdings" pitchFamily="2" charset="2"/>
-              <a:buChar char="Ø"/>
-            </a:pPr>
-            <a:r>
-              <a:rPr lang="en-US" sz="1500" b="0" i="0">
-                <a:effectLst/>
-                <a:latin typeface="Arial" panose="020B0604020202020204" pitchFamily="34" charset="0"/>
-              </a:rPr>
-              <a:t> How do California’s crime and inflation correlation trends compare with </a:t>
-            </a:r>
-            <a:br>
-              <a:rPr lang="en-US" sz="1500"/>
-            </a:br>
-            <a:r>
-              <a:rPr lang="en-US" sz="1500" b="0" i="0">
-                <a:effectLst/>
-                <a:latin typeface="Arial" panose="020B0604020202020204" pitchFamily="34" charset="0"/>
-              </a:rPr>
-              <a:t>national trends over the past 25 years. </a:t>
-            </a:r>
-            <a:br>
-              <a:rPr lang="en-US" sz="1500"/>
+              <a:rPr lang="en-US" sz="1500" dirty="0"/>
             </a:br>
             <a:endParaRPr lang="en-US" sz="1500" dirty="0"/>
           </a:p>
@@ -28450,95 +30161,6 @@
             </a:r>
           </a:p>
           <a:p>
-            <a:pPr>
-              <a:buFont typeface="Wingdings" pitchFamily="2" charset="2"/>
-              <a:buChar char="Ø"/>
-            </a:pPr>
-            <a:r>
-              <a:rPr lang="en-US" sz="2200" dirty="0"/>
-              <a:t> Federal Bureau of Investigation (FBI), Uniform Crime Reports (UCR)</a:t>
-            </a:r>
-          </a:p>
-          <a:p>
-            <a:pPr marL="0" indent="0">
-              <a:buNone/>
-            </a:pPr>
-            <a:r>
-              <a:rPr lang="en-US" sz="2200" dirty="0"/>
-              <a:t> ( </a:t>
-            </a:r>
-            <a:r>
-              <a:rPr lang="en-US" sz="2200" dirty="0">
-                <a:hlinkClick r:id="rId2"/>
-              </a:rPr>
-              <a:t>http://www.fbi.gov/about-us/cjis/ucr/ucr</a:t>
-            </a:r>
-            <a:r>
-              <a:rPr lang="en-US" sz="2200" dirty="0"/>
-              <a:t> )</a:t>
-            </a:r>
-          </a:p>
-          <a:p>
-            <a:pPr marL="0" indent="0">
-              <a:buNone/>
-            </a:pPr>
-            <a:r>
-              <a:rPr lang="en-US" sz="2200" b="1" dirty="0"/>
-              <a:t>Full Title:  </a:t>
-            </a:r>
-            <a:r>
-              <a:rPr lang="en-US" sz="2200" dirty="0"/>
-              <a:t>Number of Violent Crimes per 1,000 Population.</a:t>
-            </a:r>
-          </a:p>
-          <a:p>
-            <a:pPr marL="0" indent="0">
-              <a:buNone/>
-            </a:pPr>
-            <a:r>
-              <a:rPr lang="en-US" sz="2200" b="1" dirty="0"/>
-              <a:t>Short Title:</a:t>
-            </a:r>
-            <a:r>
-              <a:rPr lang="en-US" sz="2200" dirty="0"/>
-              <a:t> Violent Crime Rate.</a:t>
-            </a:r>
-          </a:p>
-          <a:p>
-            <a:pPr marL="0" indent="0">
-              <a:buNone/>
-            </a:pPr>
-            <a:endParaRPr lang="en-US" sz="2200" dirty="0"/>
-          </a:p>
-          <a:p>
-            <a:pPr marL="0" indent="0">
-              <a:buNone/>
-            </a:pPr>
-            <a:endParaRPr lang="en-US" sz="2200" dirty="0"/>
-          </a:p>
-          <a:p>
-            <a:pPr marL="0" indent="0">
-              <a:buNone/>
-            </a:pPr>
-            <a:endParaRPr lang="en-US" sz="2200" dirty="0"/>
-          </a:p>
-          <a:p>
-            <a:pPr marL="0" indent="0">
-              <a:buNone/>
-            </a:pPr>
-            <a:endParaRPr lang="en-US" sz="2200" dirty="0"/>
-          </a:p>
-          <a:p>
-            <a:pPr>
-              <a:buFont typeface="Wingdings" pitchFamily="2" charset="2"/>
-              <a:buChar char="Ø"/>
-            </a:pPr>
-            <a:r>
-              <a:rPr lang="en-US" sz="2200" dirty="0"/>
-              <a:t> </a:t>
-            </a:r>
-          </a:p>
-          <a:p>
             <a:pPr marL="0" indent="0">
               <a:buNone/>
             </a:pPr>
@@ -28559,421 +30181,6 @@
           </a:p>
         </p:txBody>
       </p:sp>
-      <p:graphicFrame>
-        <p:nvGraphicFramePr>
-          <p:cNvPr id="4" name="Table 3">
-            <a:extLst>
-              <a:ext uri="{FF2B5EF4-FFF2-40B4-BE49-F238E27FC236}">
-                <a16:creationId xmlns:a16="http://schemas.microsoft.com/office/drawing/2014/main" id="{296CEA61-C640-ECA5-0961-D329CDCDEE0A}"/>
-              </a:ext>
-            </a:extLst>
-          </p:cNvPr>
-          <p:cNvGraphicFramePr>
-            <a:graphicFrameLocks noGrp="1"/>
-          </p:cNvGraphicFramePr>
-          <p:nvPr>
-            <p:extLst>
-              <p:ext uri="{D42A27DB-BD31-4B8C-83A1-F6EECF244321}">
-                <p14:modId xmlns:p14="http://schemas.microsoft.com/office/powerpoint/2010/main" val="3399441059"/>
-              </p:ext>
-            </p:extLst>
-          </p:nvPr>
-        </p:nvGraphicFramePr>
-        <p:xfrm>
-          <a:off x="838200" y="4103371"/>
-          <a:ext cx="9909810" cy="1611631"/>
-        </p:xfrm>
-        <a:graphic>
-          <a:graphicData uri="http://schemas.openxmlformats.org/drawingml/2006/table">
-            <a:tbl>
-              <a:tblPr>
-                <a:tableStyleId>{5C22544A-7EE6-4342-B048-85BDC9FD1C3A}</a:tableStyleId>
-              </a:tblPr>
-              <a:tblGrid>
-                <a:gridCol w="1451032">
-                  <a:extLst>
-                    <a:ext uri="{9D8B030D-6E8A-4147-A177-3AD203B41FA5}">
-                      <a16:colId xmlns:a16="http://schemas.microsoft.com/office/drawing/2014/main" val="2412340021"/>
-                    </a:ext>
-                  </a:extLst>
-                </a:gridCol>
-                <a:gridCol w="8458778">
-                  <a:extLst>
-                    <a:ext uri="{9D8B030D-6E8A-4147-A177-3AD203B41FA5}">
-                      <a16:colId xmlns:a16="http://schemas.microsoft.com/office/drawing/2014/main" val="1815646088"/>
-                    </a:ext>
-                  </a:extLst>
-                </a:gridCol>
-              </a:tblGrid>
-              <a:tr h="249915">
-                <a:tc gridSpan="2">
-                  <a:txBody>
-                    <a:bodyPr/>
-                    <a:lstStyle/>
-                    <a:p>
-                      <a:pPr algn="l" fontAlgn="b"/>
-                      <a:r>
-                        <a:rPr lang="en-US" sz="1100" u="none" strike="noStrike" dirty="0">
-                          <a:effectLst/>
-                        </a:rPr>
-                        <a:t>Contents</a:t>
-                      </a:r>
-                      <a:endParaRPr lang="en-US" sz="1100" b="1" i="0" u="none" strike="noStrike" dirty="0">
-                        <a:solidFill>
-                          <a:srgbClr val="000000"/>
-                        </a:solidFill>
-                        <a:effectLst/>
-                        <a:latin typeface="Calibri" panose="020F0502020204030204" pitchFamily="34" charset="0"/>
-                      </a:endParaRPr>
-                    </a:p>
-                  </a:txBody>
-                  <a:tcPr marL="9525" marR="9525" marT="9525" marB="0" anchor="b"/>
-                </a:tc>
-                <a:tc hMerge="1">
-                  <a:txBody>
-                    <a:bodyPr/>
-                    <a:lstStyle/>
-                    <a:p>
-                      <a:endParaRPr lang="en-US"/>
-                    </a:p>
-                  </a:txBody>
-                  <a:tcPr/>
-                </a:tc>
-                <a:extLst>
-                  <a:ext uri="{0D108BD9-81ED-4DB2-BD59-A6C34878D82A}">
-                    <a16:rowId xmlns:a16="http://schemas.microsoft.com/office/drawing/2014/main" val="2573303298"/>
-                  </a:ext>
-                </a:extLst>
-              </a:tr>
-              <a:tr h="249915">
-                <a:tc>
-                  <a:txBody>
-                    <a:bodyPr/>
-                    <a:lstStyle/>
-                    <a:p>
-                      <a:pPr algn="l" fontAlgn="b"/>
-                      <a:r>
-                        <a:rPr lang="en-US" sz="1100" u="none" strike="noStrike" dirty="0">
-                          <a:effectLst/>
-                          <a:highlight>
-                            <a:srgbClr val="4F81BD"/>
-                          </a:highlight>
-                        </a:rPr>
-                        <a:t>Tab</a:t>
-                      </a:r>
-                      <a:endParaRPr lang="en-US" sz="1100" b="1" i="0" u="none" strike="noStrike" dirty="0">
-                        <a:solidFill>
-                          <a:srgbClr val="FFFFFF"/>
-                        </a:solidFill>
-                        <a:effectLst/>
-                        <a:highlight>
-                          <a:srgbClr val="4F81BD"/>
-                        </a:highlight>
-                        <a:latin typeface="Calibri" panose="020F0502020204030204" pitchFamily="34" charset="0"/>
-                      </a:endParaRPr>
-                    </a:p>
-                  </a:txBody>
-                  <a:tcPr marL="9525" marR="9525" marT="9525" marB="0" anchor="b"/>
-                </a:tc>
-                <a:tc>
-                  <a:txBody>
-                    <a:bodyPr/>
-                    <a:lstStyle/>
-                    <a:p>
-                      <a:pPr algn="l" fontAlgn="b"/>
-                      <a:r>
-                        <a:rPr lang="en-US" sz="1100" u="none" strike="noStrike">
-                          <a:effectLst/>
-                          <a:highlight>
-                            <a:srgbClr val="4F81BD"/>
-                          </a:highlight>
-                        </a:rPr>
-                        <a:t>Description</a:t>
-                      </a:r>
-                      <a:endParaRPr lang="en-US" sz="1100" b="1" i="0" u="none" strike="noStrike" dirty="0">
-                        <a:solidFill>
-                          <a:srgbClr val="FFFFFF"/>
-                        </a:solidFill>
-                        <a:effectLst/>
-                        <a:highlight>
-                          <a:srgbClr val="4F81BD"/>
-                        </a:highlight>
-                        <a:latin typeface="Calibri" panose="020F0502020204030204" pitchFamily="34" charset="0"/>
-                      </a:endParaRPr>
-                    </a:p>
-                  </a:txBody>
-                  <a:tcPr marL="9525" marR="9525" marT="9525" marB="0" anchor="b"/>
-                </a:tc>
-                <a:extLst>
-                  <a:ext uri="{0D108BD9-81ED-4DB2-BD59-A6C34878D82A}">
-                    <a16:rowId xmlns:a16="http://schemas.microsoft.com/office/drawing/2014/main" val="2680218789"/>
-                  </a:ext>
-                </a:extLst>
-              </a:tr>
-              <a:tr h="249915">
-                <a:tc>
-                  <a:txBody>
-                    <a:bodyPr/>
-                    <a:lstStyle/>
-                    <a:p>
-                      <a:pPr algn="l" fontAlgn="b"/>
-                      <a:r>
-                        <a:rPr lang="en-US" sz="1100" u="none" strike="noStrike" dirty="0" err="1">
-                          <a:effectLst/>
-                          <a:highlight>
-                            <a:srgbClr val="B8CCE4"/>
-                          </a:highlight>
-                        </a:rPr>
-                        <a:t>ViolentCrime</a:t>
-                      </a:r>
-                      <a:endParaRPr lang="en-US" sz="1100" b="0" i="0" u="none" strike="noStrike" dirty="0">
-                        <a:solidFill>
-                          <a:srgbClr val="000000"/>
-                        </a:solidFill>
-                        <a:effectLst/>
-                        <a:highlight>
-                          <a:srgbClr val="B8CCE4"/>
-                        </a:highlight>
-                        <a:latin typeface="Calibri" panose="020F0502020204030204" pitchFamily="34" charset="0"/>
-                      </a:endParaRPr>
-                    </a:p>
-                  </a:txBody>
-                  <a:tcPr marL="9525" marR="9525" marT="9525" marB="0" anchor="b"/>
-                </a:tc>
-                <a:tc>
-                  <a:txBody>
-                    <a:bodyPr/>
-                    <a:lstStyle/>
-                    <a:p>
-                      <a:pPr algn="l" fontAlgn="b"/>
-                      <a:r>
-                        <a:rPr lang="en-US" sz="1100" u="none" strike="noStrike" dirty="0">
-                          <a:effectLst/>
-                          <a:highlight>
-                            <a:srgbClr val="B8CCE4"/>
-                          </a:highlight>
-                        </a:rPr>
-                        <a:t>Data on the violent crime rate for California at multiple geographical levels: city (PL), county (CO), region (RE), and state (CA)</a:t>
-                      </a:r>
-                      <a:endParaRPr lang="en-US" sz="1100" b="0" i="0" u="none" strike="noStrike" dirty="0">
-                        <a:solidFill>
-                          <a:srgbClr val="000000"/>
-                        </a:solidFill>
-                        <a:effectLst/>
-                        <a:highlight>
-                          <a:srgbClr val="B8CCE4"/>
-                        </a:highlight>
-                        <a:latin typeface="Calibri" panose="020F0502020204030204" pitchFamily="34" charset="0"/>
-                      </a:endParaRPr>
-                    </a:p>
-                  </a:txBody>
-                  <a:tcPr marL="9525" marR="9525" marT="9525" marB="0" anchor="b"/>
-                </a:tc>
-                <a:extLst>
-                  <a:ext uri="{0D108BD9-81ED-4DB2-BD59-A6C34878D82A}">
-                    <a16:rowId xmlns:a16="http://schemas.microsoft.com/office/drawing/2014/main" val="4128275005"/>
-                  </a:ext>
-                </a:extLst>
-              </a:tr>
-              <a:tr h="249915">
-                <a:tc>
-                  <a:txBody>
-                    <a:bodyPr/>
-                    <a:lstStyle/>
-                    <a:p>
-                      <a:pPr algn="l" fontAlgn="b"/>
-                      <a:r>
-                        <a:rPr lang="en-US" sz="1100" u="none" strike="noStrike">
-                          <a:effectLst/>
-                          <a:highlight>
-                            <a:srgbClr val="DCE6F1"/>
-                          </a:highlight>
-                        </a:rPr>
-                        <a:t>DataDictionary</a:t>
-                      </a:r>
-                      <a:endParaRPr lang="en-US" sz="1100" b="0" i="0" u="none" strike="noStrike">
-                        <a:solidFill>
-                          <a:srgbClr val="000000"/>
-                        </a:solidFill>
-                        <a:effectLst/>
-                        <a:highlight>
-                          <a:srgbClr val="DCE6F1"/>
-                        </a:highlight>
-                        <a:latin typeface="Calibri" panose="020F0502020204030204" pitchFamily="34" charset="0"/>
-                      </a:endParaRPr>
-                    </a:p>
-                  </a:txBody>
-                  <a:tcPr marL="9525" marR="9525" marT="9525" marB="0" anchor="b"/>
-                </a:tc>
-                <a:tc>
-                  <a:txBody>
-                    <a:bodyPr/>
-                    <a:lstStyle/>
-                    <a:p>
-                      <a:pPr algn="l" fontAlgn="b"/>
-                      <a:r>
-                        <a:rPr lang="en-US" sz="1100" u="none" strike="noStrike" dirty="0">
-                          <a:effectLst/>
-                          <a:highlight>
-                            <a:srgbClr val="DCE6F1"/>
-                          </a:highlight>
-                        </a:rPr>
-                        <a:t>Description of all of the variables in the Violent Crime tab</a:t>
-                      </a:r>
-                      <a:endParaRPr lang="en-US" sz="1100" b="0" i="0" u="none" strike="noStrike" dirty="0">
-                        <a:solidFill>
-                          <a:srgbClr val="000000"/>
-                        </a:solidFill>
-                        <a:effectLst/>
-                        <a:highlight>
-                          <a:srgbClr val="DCE6F1"/>
-                        </a:highlight>
-                        <a:latin typeface="Calibri" panose="020F0502020204030204" pitchFamily="34" charset="0"/>
-                      </a:endParaRPr>
-                    </a:p>
-                  </a:txBody>
-                  <a:tcPr marL="9525" marR="9525" marT="9525" marB="0" anchor="b"/>
-                </a:tc>
-                <a:extLst>
-                  <a:ext uri="{0D108BD9-81ED-4DB2-BD59-A6C34878D82A}">
-                    <a16:rowId xmlns:a16="http://schemas.microsoft.com/office/drawing/2014/main" val="863825421"/>
-                  </a:ext>
-                </a:extLst>
-              </a:tr>
-              <a:tr h="249915">
-                <a:tc>
-                  <a:txBody>
-                    <a:bodyPr/>
-                    <a:lstStyle/>
-                    <a:p>
-                      <a:pPr algn="l" fontAlgn="b"/>
-                      <a:r>
-                        <a:rPr lang="en-US" sz="1100" u="none" strike="noStrike">
-                          <a:effectLst/>
-                          <a:highlight>
-                            <a:srgbClr val="B8CCE4"/>
-                          </a:highlight>
-                        </a:rPr>
-                        <a:t>MPO_CountyList</a:t>
-                      </a:r>
-                      <a:endParaRPr lang="en-US" sz="1100" b="0" i="0" u="none" strike="noStrike">
-                        <a:solidFill>
-                          <a:srgbClr val="000000"/>
-                        </a:solidFill>
-                        <a:effectLst/>
-                        <a:highlight>
-                          <a:srgbClr val="B8CCE4"/>
-                        </a:highlight>
-                        <a:latin typeface="Calibri" panose="020F0502020204030204" pitchFamily="34" charset="0"/>
-                      </a:endParaRPr>
-                    </a:p>
-                  </a:txBody>
-                  <a:tcPr marL="9525" marR="9525" marT="9525" marB="0" anchor="b"/>
-                </a:tc>
-                <a:tc>
-                  <a:txBody>
-                    <a:bodyPr/>
-                    <a:lstStyle/>
-                    <a:p>
-                      <a:pPr algn="l" fontAlgn="b"/>
-                      <a:r>
-                        <a:rPr lang="en-US" sz="1100" u="none" strike="noStrike">
-                          <a:effectLst/>
-                          <a:highlight>
-                            <a:srgbClr val="B8CCE4"/>
-                          </a:highlight>
-                        </a:rPr>
-                        <a:t>Description of the counties included in each of the Metropolitan Planning Organization regions (RE)</a:t>
-                      </a:r>
-                      <a:endParaRPr lang="en-US" sz="1100" b="0" i="0" u="none" strike="noStrike" dirty="0">
-                        <a:solidFill>
-                          <a:srgbClr val="000000"/>
-                        </a:solidFill>
-                        <a:effectLst/>
-                        <a:highlight>
-                          <a:srgbClr val="B8CCE4"/>
-                        </a:highlight>
-                        <a:latin typeface="Calibri" panose="020F0502020204030204" pitchFamily="34" charset="0"/>
-                      </a:endParaRPr>
-                    </a:p>
-                  </a:txBody>
-                  <a:tcPr marL="9525" marR="9525" marT="9525" marB="0" anchor="b"/>
-                </a:tc>
-                <a:extLst>
-                  <a:ext uri="{0D108BD9-81ED-4DB2-BD59-A6C34878D82A}">
-                    <a16:rowId xmlns:a16="http://schemas.microsoft.com/office/drawing/2014/main" val="926351037"/>
-                  </a:ext>
-                </a:extLst>
-              </a:tr>
-              <a:tr h="362056">
-                <a:tc>
-                  <a:txBody>
-                    <a:bodyPr/>
-                    <a:lstStyle/>
-                    <a:p>
-                      <a:pPr algn="l" fontAlgn="b"/>
-                      <a:r>
-                        <a:rPr lang="en-US" sz="1100" u="none" strike="noStrike">
-                          <a:effectLst/>
-                          <a:highlight>
-                            <a:srgbClr val="DCE6F1"/>
-                          </a:highlight>
-                        </a:rPr>
-                        <a:t>DataFilteringInstructions</a:t>
-                      </a:r>
-                      <a:endParaRPr lang="en-US" sz="1100" b="0" i="0" u="none" strike="noStrike">
-                        <a:solidFill>
-                          <a:srgbClr val="000000"/>
-                        </a:solidFill>
-                        <a:effectLst/>
-                        <a:highlight>
-                          <a:srgbClr val="DCE6F1"/>
-                        </a:highlight>
-                        <a:latin typeface="Calibri" panose="020F0502020204030204" pitchFamily="34" charset="0"/>
-                      </a:endParaRPr>
-                    </a:p>
-                  </a:txBody>
-                  <a:tcPr marL="9525" marR="9525" marT="9525" marB="0" anchor="b"/>
-                </a:tc>
-                <a:tc>
-                  <a:txBody>
-                    <a:bodyPr/>
-                    <a:lstStyle/>
-                    <a:p>
-                      <a:pPr algn="l" fontAlgn="b"/>
-                      <a:r>
-                        <a:rPr lang="en-US" sz="1100" u="none" strike="noStrike" dirty="0">
-                          <a:effectLst/>
-                          <a:highlight>
-                            <a:srgbClr val="DCE6F1"/>
-                          </a:highlight>
-                        </a:rPr>
-                        <a:t>Instructions on how to apply filters to navigate the data in the file</a:t>
-                      </a:r>
-                      <a:endParaRPr lang="en-US" sz="1100" b="0" i="0" u="none" strike="noStrike" dirty="0">
-                        <a:solidFill>
-                          <a:srgbClr val="000000"/>
-                        </a:solidFill>
-                        <a:effectLst/>
-                        <a:highlight>
-                          <a:srgbClr val="DCE6F1"/>
-                        </a:highlight>
-                        <a:latin typeface="Calibri" panose="020F0502020204030204" pitchFamily="34" charset="0"/>
-                      </a:endParaRPr>
-                    </a:p>
-                  </a:txBody>
-                  <a:tcPr marL="9525" marR="9525" marT="9525" marB="0" anchor="b"/>
-                </a:tc>
-                <a:extLst>
-                  <a:ext uri="{0D108BD9-81ED-4DB2-BD59-A6C34878D82A}">
-                    <a16:rowId xmlns:a16="http://schemas.microsoft.com/office/drawing/2014/main" val="490180832"/>
-                  </a:ext>
-                </a:extLst>
-              </a:tr>
-            </a:tbl>
-          </a:graphicData>
-        </a:graphic>
-      </p:graphicFrame>
     </p:spTree>
     <p:extLst>
       <p:ext uri="{BB962C8B-B14F-4D97-AF65-F5344CB8AC3E}">
@@ -30701,6 +31908,997 @@
 </file>
 
 <file path=ppt/slides/slide7.xml><?xml version="1.0" encoding="utf-8"?>
+<p:sld xmlns:a="http://schemas.openxmlformats.org/drawingml/2006/main" xmlns:r="http://schemas.openxmlformats.org/officeDocument/2006/relationships" xmlns:p="http://schemas.openxmlformats.org/presentationml/2006/main">
+  <p:cSld>
+    <p:bg>
+      <p:bgPr>
+        <a:solidFill>
+          <a:schemeClr val="bg1"/>
+        </a:solidFill>
+        <a:effectLst/>
+      </p:bgPr>
+    </p:bg>
+    <p:spTree>
+      <p:nvGrpSpPr>
+        <p:cNvPr id="1" name=""/>
+        <p:cNvGrpSpPr/>
+        <p:nvPr/>
+      </p:nvGrpSpPr>
+      <p:grpSpPr>
+        <a:xfrm>
+          <a:off x="0" y="0"/>
+          <a:ext cx="0" cy="0"/>
+          <a:chOff x="0" y="0"/>
+          <a:chExt cx="0" cy="0"/>
+        </a:xfrm>
+      </p:grpSpPr>
+      <p:sp useBgFill="1">
+        <p:nvSpPr>
+          <p:cNvPr id="10" name="Rectangle 9">
+            <a:extLst>
+              <a:ext uri="{FF2B5EF4-FFF2-40B4-BE49-F238E27FC236}">
+                <a16:creationId xmlns:a16="http://schemas.microsoft.com/office/drawing/2014/main" id="{45D37F4E-DDB4-456B-97E0-9937730A039F}"/>
+              </a:ext>
+              <a:ext uri="{C183D7F6-B498-43B3-948B-1728B52AA6E4}">
+                <adec:decorative xmlns:adec="http://schemas.microsoft.com/office/drawing/2017/decorative" val="1"/>
+              </a:ext>
+            </a:extLst>
+          </p:cNvPr>
+          <p:cNvSpPr>
+            <a:spLocks noGrp="1" noRot="1" noChangeAspect="1" noMove="1" noResize="1" noEditPoints="1" noAdjustHandles="1" noChangeArrowheads="1" noChangeShapeType="1" noTextEdit="1"/>
+          </p:cNvSpPr>
+          <p:nvPr>
+            <p:extLst>
+              <p:ext uri="{386F3935-93C4-4BCD-93E2-E3B085C9AB24}">
+                <p16:designElem xmlns:p16="http://schemas.microsoft.com/office/powerpoint/2015/main" val="1"/>
+              </p:ext>
+            </p:extLst>
+          </p:nvPr>
+        </p:nvSpPr>
+        <p:spPr>
+          <a:xfrm>
+            <a:off x="0" y="0"/>
+            <a:ext cx="12188952" cy="6858000"/>
+          </a:xfrm>
+          <a:prstGeom prst="rect">
+            <a:avLst/>
+          </a:prstGeom>
+          <a:ln>
+            <a:noFill/>
+          </a:ln>
+        </p:spPr>
+        <p:style>
+          <a:lnRef idx="2">
+            <a:schemeClr val="accent1">
+              <a:shade val="50000"/>
+            </a:schemeClr>
+          </a:lnRef>
+          <a:fillRef idx="1">
+            <a:schemeClr val="accent1"/>
+          </a:fillRef>
+          <a:effectRef idx="0">
+            <a:schemeClr val="accent1"/>
+          </a:effectRef>
+          <a:fontRef idx="minor">
+            <a:schemeClr val="lt1"/>
+          </a:fontRef>
+        </p:style>
+        <p:txBody>
+          <a:bodyPr rtlCol="0" anchor="ctr"/>
+          <a:lstStyle/>
+          <a:p>
+            <a:pPr algn="ctr"/>
+            <a:endParaRPr lang="en-US"/>
+          </a:p>
+        </p:txBody>
+      </p:sp>
+      <p:sp>
+        <p:nvSpPr>
+          <p:cNvPr id="2" name="Title 1">
+            <a:extLst>
+              <a:ext uri="{FF2B5EF4-FFF2-40B4-BE49-F238E27FC236}">
+                <a16:creationId xmlns:a16="http://schemas.microsoft.com/office/drawing/2014/main" id="{D24780E9-DD46-1494-D6C3-1FE0B7F070EC}"/>
+              </a:ext>
+            </a:extLst>
+          </p:cNvPr>
+          <p:cNvSpPr>
+            <a:spLocks noGrp="1"/>
+          </p:cNvSpPr>
+          <p:nvPr>
+            <p:ph type="title"/>
+          </p:nvPr>
+        </p:nvSpPr>
+        <p:spPr>
+          <a:xfrm>
+            <a:off x="572493" y="238539"/>
+            <a:ext cx="11018520" cy="1434415"/>
+          </a:xfrm>
+        </p:spPr>
+        <p:txBody>
+          <a:bodyPr anchor="b">
+            <a:normAutofit/>
+          </a:bodyPr>
+          <a:lstStyle/>
+          <a:p>
+            <a:pPr marL="571500" indent="-571500">
+              <a:buFont typeface="Wingdings" pitchFamily="2" charset="2"/>
+              <a:buChar char="Ø"/>
+            </a:pPr>
+            <a:r>
+              <a:rPr lang="en-US" sz="4600"/>
+              <a:t>HOW HAVE CRIME RATES IN CALIFORNIA CHANGED FROM 1998 TO 2023 ?</a:t>
+            </a:r>
+          </a:p>
+        </p:txBody>
+      </p:sp>
+      <p:sp>
+        <p:nvSpPr>
+          <p:cNvPr id="12" name="sketchy line">
+            <a:extLst>
+              <a:ext uri="{FF2B5EF4-FFF2-40B4-BE49-F238E27FC236}">
+                <a16:creationId xmlns:a16="http://schemas.microsoft.com/office/drawing/2014/main" id="{B2DD41CD-8F47-4F56-AD12-4E2FF7696987}"/>
+              </a:ext>
+              <a:ext uri="{C183D7F6-B498-43B3-948B-1728B52AA6E4}">
+                <adec:decorative xmlns:adec="http://schemas.microsoft.com/office/drawing/2017/decorative" val="1"/>
+              </a:ext>
+            </a:extLst>
+          </p:cNvPr>
+          <p:cNvSpPr>
+            <a:spLocks noGrp="1" noRot="1" noChangeAspect="1" noMove="1" noResize="1" noEditPoints="1" noAdjustHandles="1" noChangeArrowheads="1" noChangeShapeType="1" noTextEdit="1"/>
+          </p:cNvSpPr>
+          <p:nvPr>
+            <p:extLst>
+              <p:ext uri="{386F3935-93C4-4BCD-93E2-E3B085C9AB24}">
+                <p16:designElem xmlns:p16="http://schemas.microsoft.com/office/powerpoint/2015/main" val="1"/>
+              </p:ext>
+            </p:extLst>
+          </p:nvPr>
+        </p:nvSpPr>
+        <p:spPr>
+          <a:xfrm>
+            <a:off x="572493" y="1681544"/>
+            <a:ext cx="10972800" cy="18288"/>
+          </a:xfrm>
+          <a:custGeom>
+            <a:avLst/>
+            <a:gdLst>
+              <a:gd name="connsiteX0" fmla="*/ 0 w 10972800"/>
+              <a:gd name="connsiteY0" fmla="*/ 0 h 18288"/>
+              <a:gd name="connsiteX1" fmla="*/ 356616 w 10972800"/>
+              <a:gd name="connsiteY1" fmla="*/ 0 h 18288"/>
+              <a:gd name="connsiteX2" fmla="*/ 1042416 w 10972800"/>
+              <a:gd name="connsiteY2" fmla="*/ 0 h 18288"/>
+              <a:gd name="connsiteX3" fmla="*/ 1947672 w 10972800"/>
+              <a:gd name="connsiteY3" fmla="*/ 0 h 18288"/>
+              <a:gd name="connsiteX4" fmla="*/ 2633472 w 10972800"/>
+              <a:gd name="connsiteY4" fmla="*/ 0 h 18288"/>
+              <a:gd name="connsiteX5" fmla="*/ 2990088 w 10972800"/>
+              <a:gd name="connsiteY5" fmla="*/ 0 h 18288"/>
+              <a:gd name="connsiteX6" fmla="*/ 3456432 w 10972800"/>
+              <a:gd name="connsiteY6" fmla="*/ 0 h 18288"/>
+              <a:gd name="connsiteX7" fmla="*/ 4361688 w 10972800"/>
+              <a:gd name="connsiteY7" fmla="*/ 0 h 18288"/>
+              <a:gd name="connsiteX8" fmla="*/ 5266944 w 10972800"/>
+              <a:gd name="connsiteY8" fmla="*/ 0 h 18288"/>
+              <a:gd name="connsiteX9" fmla="*/ 6172200 w 10972800"/>
+              <a:gd name="connsiteY9" fmla="*/ 0 h 18288"/>
+              <a:gd name="connsiteX10" fmla="*/ 6528816 w 10972800"/>
+              <a:gd name="connsiteY10" fmla="*/ 0 h 18288"/>
+              <a:gd name="connsiteX11" fmla="*/ 7214616 w 10972800"/>
+              <a:gd name="connsiteY11" fmla="*/ 0 h 18288"/>
+              <a:gd name="connsiteX12" fmla="*/ 7790688 w 10972800"/>
+              <a:gd name="connsiteY12" fmla="*/ 0 h 18288"/>
+              <a:gd name="connsiteX13" fmla="*/ 8147304 w 10972800"/>
+              <a:gd name="connsiteY13" fmla="*/ 0 h 18288"/>
+              <a:gd name="connsiteX14" fmla="*/ 9052560 w 10972800"/>
+              <a:gd name="connsiteY14" fmla="*/ 0 h 18288"/>
+              <a:gd name="connsiteX15" fmla="*/ 9409176 w 10972800"/>
+              <a:gd name="connsiteY15" fmla="*/ 0 h 18288"/>
+              <a:gd name="connsiteX16" fmla="*/ 9765792 w 10972800"/>
+              <a:gd name="connsiteY16" fmla="*/ 0 h 18288"/>
+              <a:gd name="connsiteX17" fmla="*/ 10341864 w 10972800"/>
+              <a:gd name="connsiteY17" fmla="*/ 0 h 18288"/>
+              <a:gd name="connsiteX18" fmla="*/ 10972800 w 10972800"/>
+              <a:gd name="connsiteY18" fmla="*/ 0 h 18288"/>
+              <a:gd name="connsiteX19" fmla="*/ 10972800 w 10972800"/>
+              <a:gd name="connsiteY19" fmla="*/ 18288 h 18288"/>
+              <a:gd name="connsiteX20" fmla="*/ 10177272 w 10972800"/>
+              <a:gd name="connsiteY20" fmla="*/ 18288 h 18288"/>
+              <a:gd name="connsiteX21" fmla="*/ 9820656 w 10972800"/>
+              <a:gd name="connsiteY21" fmla="*/ 18288 h 18288"/>
+              <a:gd name="connsiteX22" fmla="*/ 9464040 w 10972800"/>
+              <a:gd name="connsiteY22" fmla="*/ 18288 h 18288"/>
+              <a:gd name="connsiteX23" fmla="*/ 8778240 w 10972800"/>
+              <a:gd name="connsiteY23" fmla="*/ 18288 h 18288"/>
+              <a:gd name="connsiteX24" fmla="*/ 8421624 w 10972800"/>
+              <a:gd name="connsiteY24" fmla="*/ 18288 h 18288"/>
+              <a:gd name="connsiteX25" fmla="*/ 7735824 w 10972800"/>
+              <a:gd name="connsiteY25" fmla="*/ 18288 h 18288"/>
+              <a:gd name="connsiteX26" fmla="*/ 6940296 w 10972800"/>
+              <a:gd name="connsiteY26" fmla="*/ 18288 h 18288"/>
+              <a:gd name="connsiteX27" fmla="*/ 6254496 w 10972800"/>
+              <a:gd name="connsiteY27" fmla="*/ 18288 h 18288"/>
+              <a:gd name="connsiteX28" fmla="*/ 5458968 w 10972800"/>
+              <a:gd name="connsiteY28" fmla="*/ 18288 h 18288"/>
+              <a:gd name="connsiteX29" fmla="*/ 4663440 w 10972800"/>
+              <a:gd name="connsiteY29" fmla="*/ 18288 h 18288"/>
+              <a:gd name="connsiteX30" fmla="*/ 4306824 w 10972800"/>
+              <a:gd name="connsiteY30" fmla="*/ 18288 h 18288"/>
+              <a:gd name="connsiteX31" fmla="*/ 3840480 w 10972800"/>
+              <a:gd name="connsiteY31" fmla="*/ 18288 h 18288"/>
+              <a:gd name="connsiteX32" fmla="*/ 3264408 w 10972800"/>
+              <a:gd name="connsiteY32" fmla="*/ 18288 h 18288"/>
+              <a:gd name="connsiteX33" fmla="*/ 2578608 w 10972800"/>
+              <a:gd name="connsiteY33" fmla="*/ 18288 h 18288"/>
+              <a:gd name="connsiteX34" fmla="*/ 1673352 w 10972800"/>
+              <a:gd name="connsiteY34" fmla="*/ 18288 h 18288"/>
+              <a:gd name="connsiteX35" fmla="*/ 877824 w 10972800"/>
+              <a:gd name="connsiteY35" fmla="*/ 18288 h 18288"/>
+              <a:gd name="connsiteX36" fmla="*/ 0 w 10972800"/>
+              <a:gd name="connsiteY36" fmla="*/ 18288 h 18288"/>
+              <a:gd name="connsiteX37" fmla="*/ 0 w 10972800"/>
+              <a:gd name="connsiteY37" fmla="*/ 0 h 18288"/>
+            </a:gdLst>
+            <a:ahLst/>
+            <a:cxnLst>
+              <a:cxn ang="0">
+                <a:pos x="connsiteX0" y="connsiteY0"/>
+              </a:cxn>
+              <a:cxn ang="0">
+                <a:pos x="connsiteX1" y="connsiteY1"/>
+              </a:cxn>
+              <a:cxn ang="0">
+                <a:pos x="connsiteX2" y="connsiteY2"/>
+              </a:cxn>
+              <a:cxn ang="0">
+                <a:pos x="connsiteX3" y="connsiteY3"/>
+              </a:cxn>
+              <a:cxn ang="0">
+                <a:pos x="connsiteX4" y="connsiteY4"/>
+              </a:cxn>
+              <a:cxn ang="0">
+                <a:pos x="connsiteX5" y="connsiteY5"/>
+              </a:cxn>
+              <a:cxn ang="0">
+                <a:pos x="connsiteX6" y="connsiteY6"/>
+              </a:cxn>
+              <a:cxn ang="0">
+                <a:pos x="connsiteX7" y="connsiteY7"/>
+              </a:cxn>
+              <a:cxn ang="0">
+                <a:pos x="connsiteX8" y="connsiteY8"/>
+              </a:cxn>
+              <a:cxn ang="0">
+                <a:pos x="connsiteX9" y="connsiteY9"/>
+              </a:cxn>
+              <a:cxn ang="0">
+                <a:pos x="connsiteX10" y="connsiteY10"/>
+              </a:cxn>
+              <a:cxn ang="0">
+                <a:pos x="connsiteX11" y="connsiteY11"/>
+              </a:cxn>
+              <a:cxn ang="0">
+                <a:pos x="connsiteX12" y="connsiteY12"/>
+              </a:cxn>
+              <a:cxn ang="0">
+                <a:pos x="connsiteX13" y="connsiteY13"/>
+              </a:cxn>
+              <a:cxn ang="0">
+                <a:pos x="connsiteX14" y="connsiteY14"/>
+              </a:cxn>
+              <a:cxn ang="0">
+                <a:pos x="connsiteX15" y="connsiteY15"/>
+              </a:cxn>
+              <a:cxn ang="0">
+                <a:pos x="connsiteX16" y="connsiteY16"/>
+              </a:cxn>
+              <a:cxn ang="0">
+                <a:pos x="connsiteX17" y="connsiteY17"/>
+              </a:cxn>
+              <a:cxn ang="0">
+                <a:pos x="connsiteX18" y="connsiteY18"/>
+              </a:cxn>
+              <a:cxn ang="0">
+                <a:pos x="connsiteX19" y="connsiteY19"/>
+              </a:cxn>
+              <a:cxn ang="0">
+                <a:pos x="connsiteX20" y="connsiteY20"/>
+              </a:cxn>
+              <a:cxn ang="0">
+                <a:pos x="connsiteX21" y="connsiteY21"/>
+              </a:cxn>
+              <a:cxn ang="0">
+                <a:pos x="connsiteX22" y="connsiteY22"/>
+              </a:cxn>
+              <a:cxn ang="0">
+                <a:pos x="connsiteX23" y="connsiteY23"/>
+              </a:cxn>
+              <a:cxn ang="0">
+                <a:pos x="connsiteX24" y="connsiteY24"/>
+              </a:cxn>
+              <a:cxn ang="0">
+                <a:pos x="connsiteX25" y="connsiteY25"/>
+              </a:cxn>
+              <a:cxn ang="0">
+                <a:pos x="connsiteX26" y="connsiteY26"/>
+              </a:cxn>
+              <a:cxn ang="0">
+                <a:pos x="connsiteX27" y="connsiteY27"/>
+              </a:cxn>
+              <a:cxn ang="0">
+                <a:pos x="connsiteX28" y="connsiteY28"/>
+              </a:cxn>
+              <a:cxn ang="0">
+                <a:pos x="connsiteX29" y="connsiteY29"/>
+              </a:cxn>
+              <a:cxn ang="0">
+                <a:pos x="connsiteX30" y="connsiteY30"/>
+              </a:cxn>
+              <a:cxn ang="0">
+                <a:pos x="connsiteX31" y="connsiteY31"/>
+              </a:cxn>
+              <a:cxn ang="0">
+                <a:pos x="connsiteX32" y="connsiteY32"/>
+              </a:cxn>
+              <a:cxn ang="0">
+                <a:pos x="connsiteX33" y="connsiteY33"/>
+              </a:cxn>
+              <a:cxn ang="0">
+                <a:pos x="connsiteX34" y="connsiteY34"/>
+              </a:cxn>
+              <a:cxn ang="0">
+                <a:pos x="connsiteX35" y="connsiteY35"/>
+              </a:cxn>
+              <a:cxn ang="0">
+                <a:pos x="connsiteX36" y="connsiteY36"/>
+              </a:cxn>
+              <a:cxn ang="0">
+                <a:pos x="connsiteX37" y="connsiteY37"/>
+              </a:cxn>
+            </a:cxnLst>
+            <a:rect l="l" t="t" r="r" b="b"/>
+            <a:pathLst>
+              <a:path w="10972800" h="18288" fill="none" extrusionOk="0">
+                <a:moveTo>
+                  <a:pt x="0" y="0"/>
+                </a:moveTo>
+                <a:cubicBezTo>
+                  <a:pt x="165916" y="-1866"/>
+                  <a:pt x="188720" y="13756"/>
+                  <a:pt x="356616" y="0"/>
+                </a:cubicBezTo>
+                <a:cubicBezTo>
+                  <a:pt x="524512" y="-13756"/>
+                  <a:pt x="734781" y="8922"/>
+                  <a:pt x="1042416" y="0"/>
+                </a:cubicBezTo>
+                <a:cubicBezTo>
+                  <a:pt x="1350051" y="-8922"/>
+                  <a:pt x="1595982" y="-26315"/>
+                  <a:pt x="1947672" y="0"/>
+                </a:cubicBezTo>
+                <a:cubicBezTo>
+                  <a:pt x="2299362" y="26315"/>
+                  <a:pt x="2292691" y="-19526"/>
+                  <a:pt x="2633472" y="0"/>
+                </a:cubicBezTo>
+                <a:cubicBezTo>
+                  <a:pt x="2974253" y="19526"/>
+                  <a:pt x="2857309" y="10773"/>
+                  <a:pt x="2990088" y="0"/>
+                </a:cubicBezTo>
+                <a:cubicBezTo>
+                  <a:pt x="3122867" y="-10773"/>
+                  <a:pt x="3359343" y="7194"/>
+                  <a:pt x="3456432" y="0"/>
+                </a:cubicBezTo>
+                <a:cubicBezTo>
+                  <a:pt x="3553521" y="-7194"/>
+                  <a:pt x="4136258" y="5108"/>
+                  <a:pt x="4361688" y="0"/>
+                </a:cubicBezTo>
+                <a:cubicBezTo>
+                  <a:pt x="4587118" y="-5108"/>
+                  <a:pt x="4992424" y="-42958"/>
+                  <a:pt x="5266944" y="0"/>
+                </a:cubicBezTo>
+                <a:cubicBezTo>
+                  <a:pt x="5541464" y="42958"/>
+                  <a:pt x="5882966" y="-3430"/>
+                  <a:pt x="6172200" y="0"/>
+                </a:cubicBezTo>
+                <a:cubicBezTo>
+                  <a:pt x="6461434" y="3430"/>
+                  <a:pt x="6432127" y="6688"/>
+                  <a:pt x="6528816" y="0"/>
+                </a:cubicBezTo>
+                <a:cubicBezTo>
+                  <a:pt x="6625505" y="-6688"/>
+                  <a:pt x="6916805" y="-436"/>
+                  <a:pt x="7214616" y="0"/>
+                </a:cubicBezTo>
+                <a:cubicBezTo>
+                  <a:pt x="7512427" y="436"/>
+                  <a:pt x="7626159" y="-6909"/>
+                  <a:pt x="7790688" y="0"/>
+                </a:cubicBezTo>
+                <a:cubicBezTo>
+                  <a:pt x="7955217" y="6909"/>
+                  <a:pt x="8048891" y="15307"/>
+                  <a:pt x="8147304" y="0"/>
+                </a:cubicBezTo>
+                <a:cubicBezTo>
+                  <a:pt x="8245717" y="-15307"/>
+                  <a:pt x="8645618" y="-11734"/>
+                  <a:pt x="9052560" y="0"/>
+                </a:cubicBezTo>
+                <a:cubicBezTo>
+                  <a:pt x="9459502" y="11734"/>
+                  <a:pt x="9320584" y="8388"/>
+                  <a:pt x="9409176" y="0"/>
+                </a:cubicBezTo>
+                <a:cubicBezTo>
+                  <a:pt x="9497768" y="-8388"/>
+                  <a:pt x="9644192" y="8379"/>
+                  <a:pt x="9765792" y="0"/>
+                </a:cubicBezTo>
+                <a:cubicBezTo>
+                  <a:pt x="9887392" y="-8379"/>
+                  <a:pt x="10105220" y="-12663"/>
+                  <a:pt x="10341864" y="0"/>
+                </a:cubicBezTo>
+                <a:cubicBezTo>
+                  <a:pt x="10578508" y="12663"/>
+                  <a:pt x="10773103" y="-5786"/>
+                  <a:pt x="10972800" y="0"/>
+                </a:cubicBezTo>
+                <a:cubicBezTo>
+                  <a:pt x="10972146" y="8818"/>
+                  <a:pt x="10972240" y="13823"/>
+                  <a:pt x="10972800" y="18288"/>
+                </a:cubicBezTo>
+                <a:cubicBezTo>
+                  <a:pt x="10588778" y="31598"/>
+                  <a:pt x="10543381" y="-12698"/>
+                  <a:pt x="10177272" y="18288"/>
+                </a:cubicBezTo>
+                <a:cubicBezTo>
+                  <a:pt x="9811163" y="49274"/>
+                  <a:pt x="9996817" y="25662"/>
+                  <a:pt x="9820656" y="18288"/>
+                </a:cubicBezTo>
+                <a:cubicBezTo>
+                  <a:pt x="9644495" y="10914"/>
+                  <a:pt x="9607007" y="31631"/>
+                  <a:pt x="9464040" y="18288"/>
+                </a:cubicBezTo>
+                <a:cubicBezTo>
+                  <a:pt x="9321073" y="4945"/>
+                  <a:pt x="9114189" y="28940"/>
+                  <a:pt x="8778240" y="18288"/>
+                </a:cubicBezTo>
+                <a:cubicBezTo>
+                  <a:pt x="8442291" y="7636"/>
+                  <a:pt x="8594763" y="987"/>
+                  <a:pt x="8421624" y="18288"/>
+                </a:cubicBezTo>
+                <a:cubicBezTo>
+                  <a:pt x="8248485" y="35589"/>
+                  <a:pt x="7929515" y="37573"/>
+                  <a:pt x="7735824" y="18288"/>
+                </a:cubicBezTo>
+                <a:cubicBezTo>
+                  <a:pt x="7542133" y="-997"/>
+                  <a:pt x="7252504" y="33858"/>
+                  <a:pt x="6940296" y="18288"/>
+                </a:cubicBezTo>
+                <a:cubicBezTo>
+                  <a:pt x="6628088" y="2718"/>
+                  <a:pt x="6528503" y="48389"/>
+                  <a:pt x="6254496" y="18288"/>
+                </a:cubicBezTo>
+                <a:cubicBezTo>
+                  <a:pt x="5980489" y="-11813"/>
+                  <a:pt x="5695784" y="-3740"/>
+                  <a:pt x="5458968" y="18288"/>
+                </a:cubicBezTo>
+                <a:cubicBezTo>
+                  <a:pt x="5222152" y="40316"/>
+                  <a:pt x="5010751" y="19095"/>
+                  <a:pt x="4663440" y="18288"/>
+                </a:cubicBezTo>
+                <a:cubicBezTo>
+                  <a:pt x="4316129" y="17481"/>
+                  <a:pt x="4425552" y="1606"/>
+                  <a:pt x="4306824" y="18288"/>
+                </a:cubicBezTo>
+                <a:cubicBezTo>
+                  <a:pt x="4188096" y="34970"/>
+                  <a:pt x="3941535" y="7481"/>
+                  <a:pt x="3840480" y="18288"/>
+                </a:cubicBezTo>
+                <a:cubicBezTo>
+                  <a:pt x="3739425" y="29095"/>
+                  <a:pt x="3402388" y="17641"/>
+                  <a:pt x="3264408" y="18288"/>
+                </a:cubicBezTo>
+                <a:cubicBezTo>
+                  <a:pt x="3126428" y="18935"/>
+                  <a:pt x="2776779" y="9983"/>
+                  <a:pt x="2578608" y="18288"/>
+                </a:cubicBezTo>
+                <a:cubicBezTo>
+                  <a:pt x="2380437" y="26593"/>
+                  <a:pt x="1909468" y="25818"/>
+                  <a:pt x="1673352" y="18288"/>
+                </a:cubicBezTo>
+                <a:cubicBezTo>
+                  <a:pt x="1437236" y="10758"/>
+                  <a:pt x="1131180" y="49884"/>
+                  <a:pt x="877824" y="18288"/>
+                </a:cubicBezTo>
+                <a:cubicBezTo>
+                  <a:pt x="624468" y="-13308"/>
+                  <a:pt x="206753" y="2195"/>
+                  <a:pt x="0" y="18288"/>
+                </a:cubicBezTo>
+                <a:cubicBezTo>
+                  <a:pt x="313" y="10654"/>
+                  <a:pt x="-263" y="4056"/>
+                  <a:pt x="0" y="0"/>
+                </a:cubicBezTo>
+                <a:close/>
+              </a:path>
+              <a:path w="10972800" h="18288" stroke="0" extrusionOk="0">
+                <a:moveTo>
+                  <a:pt x="0" y="0"/>
+                </a:moveTo>
+                <a:cubicBezTo>
+                  <a:pt x="164017" y="-17675"/>
+                  <a:pt x="309425" y="9913"/>
+                  <a:pt x="466344" y="0"/>
+                </a:cubicBezTo>
+                <a:cubicBezTo>
+                  <a:pt x="623263" y="-9913"/>
+                  <a:pt x="659300" y="-14524"/>
+                  <a:pt x="822960" y="0"/>
+                </a:cubicBezTo>
+                <a:cubicBezTo>
+                  <a:pt x="986620" y="14524"/>
+                  <a:pt x="1105222" y="-16481"/>
+                  <a:pt x="1289304" y="0"/>
+                </a:cubicBezTo>
+                <a:cubicBezTo>
+                  <a:pt x="1473386" y="16481"/>
+                  <a:pt x="1693223" y="26161"/>
+                  <a:pt x="1975104" y="0"/>
+                </a:cubicBezTo>
+                <a:cubicBezTo>
+                  <a:pt x="2256985" y="-26161"/>
+                  <a:pt x="2435781" y="23061"/>
+                  <a:pt x="2770632" y="0"/>
+                </a:cubicBezTo>
+                <a:cubicBezTo>
+                  <a:pt x="3105483" y="-23061"/>
+                  <a:pt x="3247479" y="-44011"/>
+                  <a:pt x="3675888" y="0"/>
+                </a:cubicBezTo>
+                <a:cubicBezTo>
+                  <a:pt x="4104297" y="44011"/>
+                  <a:pt x="4280918" y="4017"/>
+                  <a:pt x="4581144" y="0"/>
+                </a:cubicBezTo>
+                <a:cubicBezTo>
+                  <a:pt x="4881370" y="-4017"/>
+                  <a:pt x="5021699" y="-11889"/>
+                  <a:pt x="5157216" y="0"/>
+                </a:cubicBezTo>
+                <a:cubicBezTo>
+                  <a:pt x="5292733" y="11889"/>
+                  <a:pt x="5603398" y="-17698"/>
+                  <a:pt x="5952744" y="0"/>
+                </a:cubicBezTo>
+                <a:cubicBezTo>
+                  <a:pt x="6302090" y="17698"/>
+                  <a:pt x="6353093" y="-11909"/>
+                  <a:pt x="6638544" y="0"/>
+                </a:cubicBezTo>
+                <a:cubicBezTo>
+                  <a:pt x="6923995" y="11909"/>
+                  <a:pt x="7053404" y="21630"/>
+                  <a:pt x="7214616" y="0"/>
+                </a:cubicBezTo>
+                <a:cubicBezTo>
+                  <a:pt x="7375828" y="-21630"/>
+                  <a:pt x="7837963" y="3886"/>
+                  <a:pt x="8010144" y="0"/>
+                </a:cubicBezTo>
+                <a:cubicBezTo>
+                  <a:pt x="8182325" y="-3886"/>
+                  <a:pt x="8224183" y="16009"/>
+                  <a:pt x="8366760" y="0"/>
+                </a:cubicBezTo>
+                <a:cubicBezTo>
+                  <a:pt x="8509337" y="-16009"/>
+                  <a:pt x="8687920" y="-5720"/>
+                  <a:pt x="8942832" y="0"/>
+                </a:cubicBezTo>
+                <a:cubicBezTo>
+                  <a:pt x="9197744" y="5720"/>
+                  <a:pt x="9368437" y="20479"/>
+                  <a:pt x="9628632" y="0"/>
+                </a:cubicBezTo>
+                <a:cubicBezTo>
+                  <a:pt x="9888827" y="-20479"/>
+                  <a:pt x="10560858" y="-20746"/>
+                  <a:pt x="10972800" y="0"/>
+                </a:cubicBezTo>
+                <a:cubicBezTo>
+                  <a:pt x="10972186" y="5722"/>
+                  <a:pt x="10972980" y="12495"/>
+                  <a:pt x="10972800" y="18288"/>
+                </a:cubicBezTo>
+                <a:cubicBezTo>
+                  <a:pt x="10786146" y="12536"/>
+                  <a:pt x="10623717" y="14033"/>
+                  <a:pt x="10506456" y="18288"/>
+                </a:cubicBezTo>
+                <a:cubicBezTo>
+                  <a:pt x="10389195" y="22543"/>
+                  <a:pt x="10296178" y="20107"/>
+                  <a:pt x="10149840" y="18288"/>
+                </a:cubicBezTo>
+                <a:cubicBezTo>
+                  <a:pt x="10003502" y="16469"/>
+                  <a:pt x="9767530" y="28891"/>
+                  <a:pt x="9464040" y="18288"/>
+                </a:cubicBezTo>
+                <a:cubicBezTo>
+                  <a:pt x="9160550" y="7685"/>
+                  <a:pt x="9229050" y="2659"/>
+                  <a:pt x="8997696" y="18288"/>
+                </a:cubicBezTo>
+                <a:cubicBezTo>
+                  <a:pt x="8766342" y="33917"/>
+                  <a:pt x="8340136" y="34864"/>
+                  <a:pt x="8092440" y="18288"/>
+                </a:cubicBezTo>
+                <a:cubicBezTo>
+                  <a:pt x="7844744" y="1712"/>
+                  <a:pt x="7863720" y="27405"/>
+                  <a:pt x="7735824" y="18288"/>
+                </a:cubicBezTo>
+                <a:cubicBezTo>
+                  <a:pt x="7607928" y="9171"/>
+                  <a:pt x="7323619" y="461"/>
+                  <a:pt x="7050024" y="18288"/>
+                </a:cubicBezTo>
+                <a:cubicBezTo>
+                  <a:pt x="6776429" y="36115"/>
+                  <a:pt x="6787899" y="28206"/>
+                  <a:pt x="6693408" y="18288"/>
+                </a:cubicBezTo>
+                <a:cubicBezTo>
+                  <a:pt x="6598917" y="8370"/>
+                  <a:pt x="6395231" y="19114"/>
+                  <a:pt x="6227064" y="18288"/>
+                </a:cubicBezTo>
+                <a:cubicBezTo>
+                  <a:pt x="6058897" y="17462"/>
+                  <a:pt x="5618582" y="1091"/>
+                  <a:pt x="5431536" y="18288"/>
+                </a:cubicBezTo>
+                <a:cubicBezTo>
+                  <a:pt x="5244490" y="35485"/>
+                  <a:pt x="4729797" y="-9650"/>
+                  <a:pt x="4526280" y="18288"/>
+                </a:cubicBezTo>
+                <a:cubicBezTo>
+                  <a:pt x="4322763" y="46226"/>
+                  <a:pt x="4216797" y="756"/>
+                  <a:pt x="4059936" y="18288"/>
+                </a:cubicBezTo>
+                <a:cubicBezTo>
+                  <a:pt x="3903075" y="35820"/>
+                  <a:pt x="3537912" y="42098"/>
+                  <a:pt x="3374136" y="18288"/>
+                </a:cubicBezTo>
+                <a:cubicBezTo>
+                  <a:pt x="3210360" y="-5522"/>
+                  <a:pt x="3126842" y="39135"/>
+                  <a:pt x="2907792" y="18288"/>
+                </a:cubicBezTo>
+                <a:cubicBezTo>
+                  <a:pt x="2688742" y="-2559"/>
+                  <a:pt x="2490436" y="34100"/>
+                  <a:pt x="2112264" y="18288"/>
+                </a:cubicBezTo>
+                <a:cubicBezTo>
+                  <a:pt x="1734092" y="2476"/>
+                  <a:pt x="1744622" y="-7274"/>
+                  <a:pt x="1536192" y="18288"/>
+                </a:cubicBezTo>
+                <a:cubicBezTo>
+                  <a:pt x="1327762" y="43850"/>
+                  <a:pt x="1189025" y="6435"/>
+                  <a:pt x="1069848" y="18288"/>
+                </a:cubicBezTo>
+                <a:cubicBezTo>
+                  <a:pt x="950671" y="30141"/>
+                  <a:pt x="858345" y="33684"/>
+                  <a:pt x="713232" y="18288"/>
+                </a:cubicBezTo>
+                <a:cubicBezTo>
+                  <a:pt x="568119" y="2892"/>
+                  <a:pt x="250292" y="5410"/>
+                  <a:pt x="0" y="18288"/>
+                </a:cubicBezTo>
+                <a:cubicBezTo>
+                  <a:pt x="465" y="13062"/>
+                  <a:pt x="-894" y="9029"/>
+                  <a:pt x="0" y="0"/>
+                </a:cubicBezTo>
+                <a:close/>
+              </a:path>
+            </a:pathLst>
+          </a:custGeom>
+          <a:solidFill>
+            <a:schemeClr val="accent2">
+              <a:alpha val="75000"/>
+            </a:schemeClr>
+          </a:solidFill>
+          <a:ln w="44450" cap="rnd">
+            <a:solidFill>
+              <a:schemeClr val="accent2">
+                <a:alpha val="75000"/>
+              </a:schemeClr>
+            </a:solidFill>
+            <a:round/>
+            <a:extLst>
+              <a:ext uri="{C807C97D-BFC1-408E-A445-0C87EB9F89A2}">
+                <ask:lineSketchStyleProps xmlns:ask="http://schemas.microsoft.com/office/drawing/2018/sketchyshapes" sd="2727557108">
+                  <a:prstGeom prst="rect">
+                    <a:avLst/>
+                  </a:prstGeom>
+                  <ask:type>
+                    <ask:lineSketchFreehand/>
+                  </ask:type>
+                </ask:lineSketchStyleProps>
+              </a:ext>
+            </a:extLst>
+          </a:ln>
+        </p:spPr>
+        <p:style>
+          <a:lnRef idx="2">
+            <a:schemeClr val="accent1">
+              <a:shade val="50000"/>
+            </a:schemeClr>
+          </a:lnRef>
+          <a:fillRef idx="1">
+            <a:schemeClr val="accent1"/>
+          </a:fillRef>
+          <a:effectRef idx="0">
+            <a:schemeClr val="accent1"/>
+          </a:effectRef>
+          <a:fontRef idx="minor">
+            <a:schemeClr val="lt1"/>
+          </a:fontRef>
+        </p:style>
+        <p:txBody>
+          <a:bodyPr rtlCol="0" anchor="ctr"/>
+          <a:lstStyle/>
+          <a:p>
+            <a:pPr algn="ctr"/>
+            <a:endParaRPr lang="en-US"/>
+          </a:p>
+        </p:txBody>
+      </p:sp>
+      <p:sp>
+        <p:nvSpPr>
+          <p:cNvPr id="3" name="Content Placeholder 2">
+            <a:extLst>
+              <a:ext uri="{FF2B5EF4-FFF2-40B4-BE49-F238E27FC236}">
+                <a16:creationId xmlns:a16="http://schemas.microsoft.com/office/drawing/2014/main" id="{D7A62477-A2D7-A8F1-CB7B-F13FF442B2C4}"/>
+              </a:ext>
+            </a:extLst>
+          </p:cNvPr>
+          <p:cNvSpPr>
+            <a:spLocks noGrp="1"/>
+          </p:cNvSpPr>
+          <p:nvPr>
+            <p:ph idx="1"/>
+          </p:nvPr>
+        </p:nvSpPr>
+        <p:spPr>
+          <a:xfrm>
+            <a:off x="572493" y="2071316"/>
+            <a:ext cx="4744604" cy="4119172"/>
+          </a:xfrm>
+        </p:spPr>
+        <p:txBody>
+          <a:bodyPr anchor="t">
+            <a:normAutofit fontScale="92500" lnSpcReduction="20000"/>
+          </a:bodyPr>
+          <a:lstStyle/>
+          <a:p>
+            <a:pPr marL="0" indent="0">
+              <a:buNone/>
+            </a:pPr>
+            <a:endParaRPr lang="en-US" sz="1600" kern="0" dirty="0">
+              <a:effectLst/>
+              <a:latin typeface="Times New Roman" panose="02020603050405020304" pitchFamily="18" charset="0"/>
+              <a:ea typeface="Times New Roman" panose="02020603050405020304" pitchFamily="18" charset="0"/>
+            </a:endParaRPr>
+          </a:p>
+          <a:p>
+            <a:pPr marL="0" indent="0">
+              <a:buNone/>
+            </a:pPr>
+            <a:r>
+              <a:rPr kumimoji="0" lang="en-US" altLang="en-US" sz="1600" b="1" i="0" u="none" strike="noStrike" cap="none" normalizeH="0" baseline="0" dirty="0">
+                <a:ln>
+                  <a:noFill/>
+                </a:ln>
+                <a:effectLst/>
+                <a:latin typeface="Aptos" panose="020B0004020202020204" pitchFamily="34" charset="0"/>
+                <a:ea typeface="Times New Roman" panose="02020603050405020304" pitchFamily="18" charset="0"/>
+                <a:cs typeface="Times New Roman" panose="02020603050405020304" pitchFamily="18" charset="0"/>
+              </a:rPr>
+              <a:t>Summary Analysis:</a:t>
+            </a:r>
+          </a:p>
+          <a:p>
+            <a:pPr marL="0" indent="0">
+              <a:buNone/>
+            </a:pPr>
+            <a:r>
+              <a:rPr lang="en-US" sz="1600" kern="0" dirty="0">
+                <a:effectLst/>
+                <a:latin typeface="Times New Roman" panose="02020603050405020304" pitchFamily="18" charset="0"/>
+                <a:ea typeface="Times New Roman" panose="02020603050405020304" pitchFamily="18" charset="0"/>
+              </a:rPr>
+              <a:t>It shows the crime count in California from </a:t>
+            </a:r>
+            <a:r>
+              <a:rPr lang="en-US" sz="1600" kern="0" dirty="0">
+                <a:latin typeface="Times New Roman" panose="02020603050405020304" pitchFamily="18" charset="0"/>
+                <a:ea typeface="Times New Roman" panose="02020603050405020304" pitchFamily="18" charset="0"/>
+              </a:rPr>
+              <a:t>1998</a:t>
+            </a:r>
+            <a:r>
+              <a:rPr lang="en-US" sz="1600" kern="0" dirty="0">
+                <a:effectLst/>
+                <a:latin typeface="Times New Roman" panose="02020603050405020304" pitchFamily="18" charset="0"/>
+                <a:ea typeface="Times New Roman" panose="02020603050405020304" pitchFamily="18" charset="0"/>
+              </a:rPr>
+              <a:t> to 2023. The y-axis is the scaled count of crimes, and the x-axis is the year. The three lines represent violent crimes, property crimes, and larceny-theft.</a:t>
+            </a:r>
+          </a:p>
+          <a:p>
+            <a:pPr marL="0" indent="0">
+              <a:buNone/>
+            </a:pPr>
+            <a:r>
+              <a:rPr lang="en-US" sz="1600" b="1" kern="0" dirty="0">
+                <a:effectLst/>
+                <a:latin typeface="Times New Roman" panose="02020603050405020304" pitchFamily="18" charset="0"/>
+                <a:ea typeface="Times New Roman" panose="02020603050405020304" pitchFamily="18" charset="0"/>
+                <a:cs typeface="Times New Roman" panose="02020603050405020304" pitchFamily="18" charset="0"/>
+              </a:rPr>
+              <a:t>General Trends</a:t>
+            </a:r>
+            <a:r>
+              <a:rPr lang="en-US" sz="1600" kern="0" dirty="0">
+                <a:effectLst/>
+                <a:latin typeface="Times New Roman" panose="02020603050405020304" pitchFamily="18" charset="0"/>
+                <a:ea typeface="Times New Roman" panose="02020603050405020304" pitchFamily="18" charset="0"/>
+                <a:cs typeface="Times New Roman" panose="02020603050405020304" pitchFamily="18" charset="0"/>
+              </a:rPr>
+              <a:t>: </a:t>
+            </a:r>
+          </a:p>
+          <a:p>
+            <a:pPr marL="0" indent="0">
+              <a:buNone/>
+            </a:pPr>
+            <a:r>
+              <a:rPr lang="en-US" sz="1600" kern="0" dirty="0">
+                <a:effectLst/>
+                <a:latin typeface="Times New Roman" panose="02020603050405020304" pitchFamily="18" charset="0"/>
+                <a:ea typeface="Times New Roman" panose="02020603050405020304" pitchFamily="18" charset="0"/>
+                <a:cs typeface="Times New Roman" panose="02020603050405020304" pitchFamily="18" charset="0"/>
+              </a:rPr>
+              <a:t>From 2000 to 2005, the crime rate in California increased for all three categories. From 2005 to 2010, the crime rate decreased for all three categories. From 2010 to 2015, the crime rate increased for violent crimes and property crimes, but decreased for larceny-theft. From 2015 to 2020, the crime rate decreased for all three categories.</a:t>
+            </a:r>
+          </a:p>
+          <a:p>
+            <a:pPr marL="0" indent="0">
+              <a:buNone/>
+            </a:pPr>
+            <a:r>
+              <a:rPr lang="en-US" sz="1600" b="1" kern="0" dirty="0">
+                <a:latin typeface="Times New Roman" panose="02020603050405020304" pitchFamily="18" charset="0"/>
+                <a:ea typeface="Aptos" panose="020B0004020202020204" pitchFamily="34" charset="0"/>
+                <a:cs typeface="Times New Roman" panose="02020603050405020304" pitchFamily="18" charset="0"/>
+              </a:rPr>
+              <a:t>Conclusion: </a:t>
+            </a:r>
+          </a:p>
+          <a:p>
+            <a:pPr marL="0" indent="0">
+              <a:buNone/>
+            </a:pPr>
+            <a:r>
+              <a:rPr lang="en-US" sz="1600" kern="0" dirty="0">
+                <a:effectLst/>
+                <a:latin typeface="Times New Roman" panose="02020603050405020304" pitchFamily="18" charset="0"/>
+                <a:ea typeface="Times New Roman" panose="02020603050405020304" pitchFamily="18" charset="0"/>
+              </a:rPr>
+              <a:t>Overall, the crime rate in California has decreased from 1998 to 2023. However, there are some fluctuations in the data. For example, the crime rate increased from 2000 to 2005, then decreased from 2005 to 2010. This could be due to a number of factors, such as changes in the economy, law enforcement, or demographics</a:t>
+            </a:r>
+            <a:r>
+              <a:rPr lang="en-US" sz="1600" kern="0" dirty="0">
+                <a:latin typeface="Times New Roman" panose="02020603050405020304" pitchFamily="18" charset="0"/>
+                <a:ea typeface="Times New Roman" panose="02020603050405020304" pitchFamily="18" charset="0"/>
+              </a:rPr>
+              <a:t>.</a:t>
+            </a:r>
+            <a:endParaRPr lang="en-US" sz="1600" kern="100" dirty="0">
+              <a:effectLst/>
+              <a:latin typeface="Aptos" panose="020B0004020202020204" pitchFamily="34" charset="0"/>
+              <a:ea typeface="Aptos" panose="020B0004020202020204" pitchFamily="34" charset="0"/>
+              <a:cs typeface="Times New Roman" panose="02020603050405020304" pitchFamily="18" charset="0"/>
+            </a:endParaRPr>
+          </a:p>
+          <a:p>
+            <a:endParaRPr lang="en-US" sz="2200" dirty="0"/>
+          </a:p>
+        </p:txBody>
+      </p:sp>
+      <p:pic>
+        <p:nvPicPr>
+          <p:cNvPr id="5" name="Picture 4">
+            <a:extLst>
+              <a:ext uri="{FF2B5EF4-FFF2-40B4-BE49-F238E27FC236}">
+                <a16:creationId xmlns:a16="http://schemas.microsoft.com/office/drawing/2014/main" id="{C0D1E435-4F9F-0A1A-88F0-A26A7F68CCBF}"/>
+              </a:ext>
+            </a:extLst>
+          </p:cNvPr>
+          <p:cNvPicPr>
+            <a:picLocks noChangeAspect="1"/>
+          </p:cNvPicPr>
+          <p:nvPr/>
+        </p:nvPicPr>
+        <p:blipFill rotWithShape="1">
+          <a:blip r:embed="rId2"/>
+          <a:srcRect l="-1343" t="-3576" r="3" b="6048"/>
+          <a:stretch/>
+        </p:blipFill>
+        <p:spPr>
+          <a:xfrm>
+            <a:off x="5320144" y="2217620"/>
+            <a:ext cx="6871855" cy="3972868"/>
+          </a:xfrm>
+          <a:prstGeom prst="rect">
+            <a:avLst/>
+          </a:prstGeom>
+        </p:spPr>
+      </p:pic>
+    </p:spTree>
+    <p:extLst>
+      <p:ext uri="{BB962C8B-B14F-4D97-AF65-F5344CB8AC3E}">
+        <p14:creationId xmlns:p14="http://schemas.microsoft.com/office/powerpoint/2010/main" val="4245527970"/>
+      </p:ext>
+    </p:extLst>
+  </p:cSld>
+  <p:clrMapOvr>
+    <a:masterClrMapping/>
+  </p:clrMapOvr>
+</p:sld>
+</file>
+
+<file path=ppt/slides/slide8.xml><?xml version="1.0" encoding="utf-8"?>
 <p:sld xmlns:a="http://schemas.openxmlformats.org/drawingml/2006/main" xmlns:r="http://schemas.openxmlformats.org/officeDocument/2006/relationships" xmlns:p="http://schemas.openxmlformats.org/presentationml/2006/main">
   <p:cSld>
     <p:bg>
@@ -32078,7 +34276,7 @@
 </p:sld>
 </file>
 
-<file path=ppt/slides/slide8.xml><?xml version="1.0" encoding="utf-8"?>
+<file path=ppt/slides/slide9.xml><?xml version="1.0" encoding="utf-8"?>
 <p:sld xmlns:a="http://schemas.openxmlformats.org/drawingml/2006/main" xmlns:r="http://schemas.openxmlformats.org/officeDocument/2006/relationships" xmlns:p="http://schemas.openxmlformats.org/presentationml/2006/main">
   <p:cSld>
     <p:bg>
@@ -32105,10 +34303,10 @@
       </p:grpSpPr>
       <p:sp useBgFill="1">
         <p:nvSpPr>
-          <p:cNvPr id="8" name="Rectangle 7">
+          <p:cNvPr id="10" name="Rectangle 9">
             <a:extLst>
               <a:ext uri="{FF2B5EF4-FFF2-40B4-BE49-F238E27FC236}">
-                <a16:creationId xmlns:a16="http://schemas.microsoft.com/office/drawing/2014/main" id="{100EDD19-6802-4EC3-95CE-CFFAB042CFD6}"/>
+                <a16:creationId xmlns:a16="http://schemas.microsoft.com/office/drawing/2014/main" id="{45D37F4E-DDB4-456B-97E0-9937730A039F}"/>
               </a:ext>
               <a:ext uri="{C183D7F6-B498-43B3-948B-1728B52AA6E4}">
                 <adec:decorative xmlns:adec="http://schemas.microsoft.com/office/drawing/2017/decorative" val="1"/>
@@ -32168,7 +34366,7 @@
           <p:cNvPr id="2" name="Title 1">
             <a:extLst>
               <a:ext uri="{FF2B5EF4-FFF2-40B4-BE49-F238E27FC236}">
-                <a16:creationId xmlns:a16="http://schemas.microsoft.com/office/drawing/2014/main" id="{C39ACF82-CDA9-726B-E481-4841B556F9BB}"/>
+                <a16:creationId xmlns:a16="http://schemas.microsoft.com/office/drawing/2014/main" id="{003AFD64-FF08-1F7E-D7AC-E6D2C55403FE}"/>
               </a:ext>
             </a:extLst>
           </p:cNvPr>
@@ -32181,29 +34379,33 @@
         </p:nvSpPr>
         <p:spPr>
           <a:xfrm>
-            <a:off x="838200" y="365125"/>
-            <a:ext cx="10515600" cy="1325563"/>
+            <a:off x="516336" y="116251"/>
+            <a:ext cx="11018520" cy="1434415"/>
           </a:xfrm>
         </p:spPr>
         <p:txBody>
-          <a:bodyPr>
+          <a:bodyPr anchor="b">
             <a:normAutofit/>
           </a:bodyPr>
           <a:lstStyle/>
           <a:p>
+            <a:pPr marL="342900" indent="-342900">
+              <a:buFont typeface="Wingdings" pitchFamily="2" charset="2"/>
+              <a:buChar char="Ø"/>
+            </a:pPr>
             <a:r>
-              <a:rPr lang="en-US" sz="5400"/>
-              <a:t>Conclusion: </a:t>
+              <a:rPr lang="en-US" sz="3600" dirty="0"/>
+              <a:t>Is there a significant difference in the number of crimes at residences and non-residences during the day and night?</a:t>
             </a:r>
           </a:p>
         </p:txBody>
       </p:sp>
       <p:sp>
         <p:nvSpPr>
-          <p:cNvPr id="10" name="sketch line">
+          <p:cNvPr id="12" name="sketchy line">
             <a:extLst>
               <a:ext uri="{FF2B5EF4-FFF2-40B4-BE49-F238E27FC236}">
-                <a16:creationId xmlns:a16="http://schemas.microsoft.com/office/drawing/2014/main" id="{DB17E863-922E-4C26-BD64-E8FD41D28661}"/>
+                <a16:creationId xmlns:a16="http://schemas.microsoft.com/office/drawing/2014/main" id="{B2DD41CD-8F47-4F56-AD12-4E2FF7696987}"/>
               </a:ext>
               <a:ext uri="{C183D7F6-B498-43B3-948B-1728B52AA6E4}">
                 <adec:decorative xmlns:adec="http://schemas.microsoft.com/office/drawing/2017/decorative" val="1"/>
@@ -32223,84 +34425,88 @@
         </p:nvSpPr>
         <p:spPr>
           <a:xfrm>
-            <a:off x="669036" y="1677373"/>
-            <a:ext cx="10853928" cy="18288"/>
+            <a:off x="572493" y="1681544"/>
+            <a:ext cx="10972800" cy="18288"/>
           </a:xfrm>
           <a:custGeom>
             <a:avLst/>
             <a:gdLst>
-              <a:gd name="connsiteX0" fmla="*/ 0 w 10853928"/>
+              <a:gd name="connsiteX0" fmla="*/ 0 w 10972800"/>
               <a:gd name="connsiteY0" fmla="*/ 0 h 18288"/>
-              <a:gd name="connsiteX1" fmla="*/ 461292 w 10853928"/>
+              <a:gd name="connsiteX1" fmla="*/ 356616 w 10972800"/>
               <a:gd name="connsiteY1" fmla="*/ 0 h 18288"/>
-              <a:gd name="connsiteX2" fmla="*/ 1139662 w 10853928"/>
+              <a:gd name="connsiteX2" fmla="*/ 1042416 w 10972800"/>
               <a:gd name="connsiteY2" fmla="*/ 0 h 18288"/>
-              <a:gd name="connsiteX3" fmla="*/ 1926572 w 10853928"/>
+              <a:gd name="connsiteX3" fmla="*/ 1947672 w 10972800"/>
               <a:gd name="connsiteY3" fmla="*/ 0 h 18288"/>
-              <a:gd name="connsiteX4" fmla="*/ 2279325 w 10853928"/>
+              <a:gd name="connsiteX4" fmla="*/ 2633472 w 10972800"/>
               <a:gd name="connsiteY4" fmla="*/ 0 h 18288"/>
-              <a:gd name="connsiteX5" fmla="*/ 2632078 w 10853928"/>
+              <a:gd name="connsiteX5" fmla="*/ 2990088 w 10972800"/>
               <a:gd name="connsiteY5" fmla="*/ 0 h 18288"/>
-              <a:gd name="connsiteX6" fmla="*/ 3527527 w 10853928"/>
+              <a:gd name="connsiteX6" fmla="*/ 3456432 w 10972800"/>
               <a:gd name="connsiteY6" fmla="*/ 0 h 18288"/>
-              <a:gd name="connsiteX7" fmla="*/ 4205897 w 10853928"/>
+              <a:gd name="connsiteX7" fmla="*/ 4361688 w 10972800"/>
               <a:gd name="connsiteY7" fmla="*/ 0 h 18288"/>
-              <a:gd name="connsiteX8" fmla="*/ 4558650 w 10853928"/>
+              <a:gd name="connsiteX8" fmla="*/ 5266944 w 10972800"/>
               <a:gd name="connsiteY8" fmla="*/ 0 h 18288"/>
-              <a:gd name="connsiteX9" fmla="*/ 5237020 w 10853928"/>
+              <a:gd name="connsiteX9" fmla="*/ 6172200 w 10972800"/>
               <a:gd name="connsiteY9" fmla="*/ 0 h 18288"/>
-              <a:gd name="connsiteX10" fmla="*/ 6132469 w 10853928"/>
+              <a:gd name="connsiteX10" fmla="*/ 6528816 w 10972800"/>
               <a:gd name="connsiteY10" fmla="*/ 0 h 18288"/>
-              <a:gd name="connsiteX11" fmla="*/ 6702301 w 10853928"/>
+              <a:gd name="connsiteX11" fmla="*/ 7214616 w 10972800"/>
               <a:gd name="connsiteY11" fmla="*/ 0 h 18288"/>
-              <a:gd name="connsiteX12" fmla="*/ 7272132 w 10853928"/>
+              <a:gd name="connsiteX12" fmla="*/ 7790688 w 10972800"/>
               <a:gd name="connsiteY12" fmla="*/ 0 h 18288"/>
-              <a:gd name="connsiteX13" fmla="*/ 7950502 w 10853928"/>
+              <a:gd name="connsiteX13" fmla="*/ 8147304 w 10972800"/>
               <a:gd name="connsiteY13" fmla="*/ 0 h 18288"/>
-              <a:gd name="connsiteX14" fmla="*/ 8737412 w 10853928"/>
+              <a:gd name="connsiteX14" fmla="*/ 9052560 w 10972800"/>
               <a:gd name="connsiteY14" fmla="*/ 0 h 18288"/>
-              <a:gd name="connsiteX15" fmla="*/ 9524322 w 10853928"/>
+              <a:gd name="connsiteX15" fmla="*/ 9409176 w 10972800"/>
               <a:gd name="connsiteY15" fmla="*/ 0 h 18288"/>
-              <a:gd name="connsiteX16" fmla="*/ 10853928 w 10853928"/>
+              <a:gd name="connsiteX16" fmla="*/ 9765792 w 10972800"/>
               <a:gd name="connsiteY16" fmla="*/ 0 h 18288"/>
-              <a:gd name="connsiteX17" fmla="*/ 10853928 w 10853928"/>
-              <a:gd name="connsiteY17" fmla="*/ 18288 h 18288"/>
-              <a:gd name="connsiteX18" fmla="*/ 10392636 w 10853928"/>
-              <a:gd name="connsiteY18" fmla="*/ 18288 h 18288"/>
-              <a:gd name="connsiteX19" fmla="*/ 9497187 w 10853928"/>
+              <a:gd name="connsiteX17" fmla="*/ 10341864 w 10972800"/>
+              <a:gd name="connsiteY17" fmla="*/ 0 h 18288"/>
+              <a:gd name="connsiteX18" fmla="*/ 10972800 w 10972800"/>
+              <a:gd name="connsiteY18" fmla="*/ 0 h 18288"/>
+              <a:gd name="connsiteX19" fmla="*/ 10972800 w 10972800"/>
               <a:gd name="connsiteY19" fmla="*/ 18288 h 18288"/>
-              <a:gd name="connsiteX20" fmla="*/ 8818817 w 10853928"/>
+              <a:gd name="connsiteX20" fmla="*/ 10177272 w 10972800"/>
               <a:gd name="connsiteY20" fmla="*/ 18288 h 18288"/>
-              <a:gd name="connsiteX21" fmla="*/ 8466064 w 10853928"/>
+              <a:gd name="connsiteX21" fmla="*/ 9820656 w 10972800"/>
               <a:gd name="connsiteY21" fmla="*/ 18288 h 18288"/>
-              <a:gd name="connsiteX22" fmla="*/ 7787693 w 10853928"/>
+              <a:gd name="connsiteX22" fmla="*/ 9464040 w 10972800"/>
               <a:gd name="connsiteY22" fmla="*/ 18288 h 18288"/>
-              <a:gd name="connsiteX23" fmla="*/ 7217862 w 10853928"/>
+              <a:gd name="connsiteX23" fmla="*/ 8778240 w 10972800"/>
               <a:gd name="connsiteY23" fmla="*/ 18288 h 18288"/>
-              <a:gd name="connsiteX24" fmla="*/ 6648031 w 10853928"/>
+              <a:gd name="connsiteX24" fmla="*/ 8421624 w 10972800"/>
               <a:gd name="connsiteY24" fmla="*/ 18288 h 18288"/>
-              <a:gd name="connsiteX25" fmla="*/ 6078200 w 10853928"/>
+              <a:gd name="connsiteX25" fmla="*/ 7735824 w 10972800"/>
               <a:gd name="connsiteY25" fmla="*/ 18288 h 18288"/>
-              <a:gd name="connsiteX26" fmla="*/ 5508368 w 10853928"/>
+              <a:gd name="connsiteX26" fmla="*/ 6940296 w 10972800"/>
               <a:gd name="connsiteY26" fmla="*/ 18288 h 18288"/>
-              <a:gd name="connsiteX27" fmla="*/ 4721459 w 10853928"/>
+              <a:gd name="connsiteX27" fmla="*/ 6254496 w 10972800"/>
               <a:gd name="connsiteY27" fmla="*/ 18288 h 18288"/>
-              <a:gd name="connsiteX28" fmla="*/ 4043088 w 10853928"/>
+              <a:gd name="connsiteX28" fmla="*/ 5458968 w 10972800"/>
               <a:gd name="connsiteY28" fmla="*/ 18288 h 18288"/>
-              <a:gd name="connsiteX29" fmla="*/ 3690336 w 10853928"/>
+              <a:gd name="connsiteX29" fmla="*/ 4663440 w 10972800"/>
               <a:gd name="connsiteY29" fmla="*/ 18288 h 18288"/>
-              <a:gd name="connsiteX30" fmla="*/ 3120504 w 10853928"/>
+              <a:gd name="connsiteX30" fmla="*/ 4306824 w 10972800"/>
               <a:gd name="connsiteY30" fmla="*/ 18288 h 18288"/>
-              <a:gd name="connsiteX31" fmla="*/ 2333595 w 10853928"/>
+              <a:gd name="connsiteX31" fmla="*/ 3840480 w 10972800"/>
               <a:gd name="connsiteY31" fmla="*/ 18288 h 18288"/>
-              <a:gd name="connsiteX32" fmla="*/ 1872303 w 10853928"/>
+              <a:gd name="connsiteX32" fmla="*/ 3264408 w 10972800"/>
               <a:gd name="connsiteY32" fmla="*/ 18288 h 18288"/>
-              <a:gd name="connsiteX33" fmla="*/ 976854 w 10853928"/>
+              <a:gd name="connsiteX33" fmla="*/ 2578608 w 10972800"/>
               <a:gd name="connsiteY33" fmla="*/ 18288 h 18288"/>
-              <a:gd name="connsiteX34" fmla="*/ 0 w 10853928"/>
+              <a:gd name="connsiteX34" fmla="*/ 1673352 w 10972800"/>
               <a:gd name="connsiteY34" fmla="*/ 18288 h 18288"/>
-              <a:gd name="connsiteX35" fmla="*/ 0 w 10853928"/>
-              <a:gd name="connsiteY35" fmla="*/ 0 h 18288"/>
+              <a:gd name="connsiteX35" fmla="*/ 877824 w 10972800"/>
+              <a:gd name="connsiteY35" fmla="*/ 18288 h 18288"/>
+              <a:gd name="connsiteX36" fmla="*/ 0 w 10972800"/>
+              <a:gd name="connsiteY36" fmla="*/ 18288 h 18288"/>
+              <a:gd name="connsiteX37" fmla="*/ 0 w 10972800"/>
+              <a:gd name="connsiteY37" fmla="*/ 0 h 18288"/>
             </a:gdLst>
             <a:ahLst/>
             <a:cxnLst>
@@ -32412,377 +34618,393 @@
               <a:cxn ang="0">
                 <a:pos x="connsiteX35" y="connsiteY35"/>
               </a:cxn>
+              <a:cxn ang="0">
+                <a:pos x="connsiteX36" y="connsiteY36"/>
+              </a:cxn>
+              <a:cxn ang="0">
+                <a:pos x="connsiteX37" y="connsiteY37"/>
+              </a:cxn>
             </a:cxnLst>
             <a:rect l="l" t="t" r="r" b="b"/>
             <a:pathLst>
-              <a:path w="10853928" h="18288" fill="none" extrusionOk="0">
+              <a:path w="10972800" h="18288" fill="none" extrusionOk="0">
                 <a:moveTo>
                   <a:pt x="0" y="0"/>
                 </a:moveTo>
                 <a:cubicBezTo>
-                  <a:pt x="146993" y="-19076"/>
-                  <a:pt x="347684" y="-4790"/>
-                  <a:pt x="461292" y="0"/>
-                </a:cubicBezTo>
-                <a:cubicBezTo>
-                  <a:pt x="574900" y="4790"/>
-                  <a:pt x="808367" y="19821"/>
-                  <a:pt x="1139662" y="0"/>
-                </a:cubicBezTo>
-                <a:cubicBezTo>
-                  <a:pt x="1470957" y="-19821"/>
-                  <a:pt x="1627405" y="5721"/>
-                  <a:pt x="1926572" y="0"/>
-                </a:cubicBezTo>
-                <a:cubicBezTo>
-                  <a:pt x="2225739" y="-5721"/>
-                  <a:pt x="2137730" y="-3235"/>
-                  <a:pt x="2279325" y="0"/>
-                </a:cubicBezTo>
-                <a:cubicBezTo>
-                  <a:pt x="2420920" y="3235"/>
-                  <a:pt x="2456518" y="9685"/>
-                  <a:pt x="2632078" y="0"/>
-                </a:cubicBezTo>
-                <a:cubicBezTo>
-                  <a:pt x="2807638" y="-9685"/>
-                  <a:pt x="3211516" y="-43007"/>
-                  <a:pt x="3527527" y="0"/>
-                </a:cubicBezTo>
-                <a:cubicBezTo>
-                  <a:pt x="3843538" y="43007"/>
-                  <a:pt x="4058833" y="22042"/>
-                  <a:pt x="4205897" y="0"/>
-                </a:cubicBezTo>
-                <a:cubicBezTo>
-                  <a:pt x="4352961" y="-22042"/>
-                  <a:pt x="4474805" y="-11846"/>
-                  <a:pt x="4558650" y="0"/>
-                </a:cubicBezTo>
-                <a:cubicBezTo>
-                  <a:pt x="4642495" y="11846"/>
-                  <a:pt x="5041928" y="-6069"/>
-                  <a:pt x="5237020" y="0"/>
-                </a:cubicBezTo>
-                <a:cubicBezTo>
-                  <a:pt x="5432112" y="6069"/>
-                  <a:pt x="5943266" y="-17479"/>
-                  <a:pt x="6132469" y="0"/>
-                </a:cubicBezTo>
-                <a:cubicBezTo>
-                  <a:pt x="6321672" y="17479"/>
-                  <a:pt x="6483872" y="26234"/>
-                  <a:pt x="6702301" y="0"/>
-                </a:cubicBezTo>
-                <a:cubicBezTo>
-                  <a:pt x="6920730" y="-26234"/>
-                  <a:pt x="6991194" y="-15156"/>
-                  <a:pt x="7272132" y="0"/>
-                </a:cubicBezTo>
-                <a:cubicBezTo>
-                  <a:pt x="7553070" y="15156"/>
-                  <a:pt x="7684444" y="-32961"/>
-                  <a:pt x="7950502" y="0"/>
-                </a:cubicBezTo>
-                <a:cubicBezTo>
-                  <a:pt x="8216560" y="32961"/>
-                  <a:pt x="8493290" y="-10491"/>
-                  <a:pt x="8737412" y="0"/>
-                </a:cubicBezTo>
-                <a:cubicBezTo>
-                  <a:pt x="8981534" y="10491"/>
-                  <a:pt x="9191586" y="-13899"/>
-                  <a:pt x="9524322" y="0"/>
-                </a:cubicBezTo>
-                <a:cubicBezTo>
-                  <a:pt x="9857058" y="13899"/>
-                  <a:pt x="10297509" y="7485"/>
-                  <a:pt x="10853928" y="0"/>
-                </a:cubicBezTo>
-                <a:cubicBezTo>
-                  <a:pt x="10854574" y="4451"/>
-                  <a:pt x="10854418" y="9226"/>
-                  <a:pt x="10853928" y="18288"/>
-                </a:cubicBezTo>
-                <a:cubicBezTo>
-                  <a:pt x="10691638" y="28522"/>
-                  <a:pt x="10574319" y="29578"/>
-                  <a:pt x="10392636" y="18288"/>
-                </a:cubicBezTo>
-                <a:cubicBezTo>
-                  <a:pt x="10210953" y="6998"/>
-                  <a:pt x="9836277" y="-16742"/>
-                  <a:pt x="9497187" y="18288"/>
-                </a:cubicBezTo>
-                <a:cubicBezTo>
-                  <a:pt x="9158097" y="53318"/>
-                  <a:pt x="9119479" y="30714"/>
-                  <a:pt x="8818817" y="18288"/>
-                </a:cubicBezTo>
-                <a:cubicBezTo>
-                  <a:pt x="8518155" y="5863"/>
-                  <a:pt x="8640037" y="6483"/>
-                  <a:pt x="8466064" y="18288"/>
-                </a:cubicBezTo>
-                <a:cubicBezTo>
-                  <a:pt x="8292091" y="30093"/>
-                  <a:pt x="7997656" y="18914"/>
-                  <a:pt x="7787693" y="18288"/>
-                </a:cubicBezTo>
-                <a:cubicBezTo>
-                  <a:pt x="7577730" y="17662"/>
-                  <a:pt x="7412468" y="21416"/>
-                  <a:pt x="7217862" y="18288"/>
-                </a:cubicBezTo>
-                <a:cubicBezTo>
-                  <a:pt x="7023256" y="15160"/>
-                  <a:pt x="6898018" y="14824"/>
-                  <a:pt x="6648031" y="18288"/>
-                </a:cubicBezTo>
-                <a:cubicBezTo>
-                  <a:pt x="6398044" y="21752"/>
-                  <a:pt x="6254402" y="38625"/>
-                  <a:pt x="6078200" y="18288"/>
-                </a:cubicBezTo>
-                <a:cubicBezTo>
-                  <a:pt x="5901998" y="-2049"/>
-                  <a:pt x="5622886" y="3213"/>
-                  <a:pt x="5508368" y="18288"/>
-                </a:cubicBezTo>
-                <a:cubicBezTo>
-                  <a:pt x="5393850" y="33363"/>
-                  <a:pt x="5036260" y="26830"/>
-                  <a:pt x="4721459" y="18288"/>
-                </a:cubicBezTo>
-                <a:cubicBezTo>
-                  <a:pt x="4406658" y="9746"/>
-                  <a:pt x="4239221" y="41551"/>
-                  <a:pt x="4043088" y="18288"/>
-                </a:cubicBezTo>
-                <a:cubicBezTo>
-                  <a:pt x="3846955" y="-4975"/>
-                  <a:pt x="3818802" y="34658"/>
-                  <a:pt x="3690336" y="18288"/>
-                </a:cubicBezTo>
-                <a:cubicBezTo>
-                  <a:pt x="3561870" y="1918"/>
-                  <a:pt x="3265491" y="42194"/>
-                  <a:pt x="3120504" y="18288"/>
-                </a:cubicBezTo>
-                <a:cubicBezTo>
-                  <a:pt x="2975517" y="-5618"/>
-                  <a:pt x="2720254" y="36673"/>
-                  <a:pt x="2333595" y="18288"/>
-                </a:cubicBezTo>
-                <a:cubicBezTo>
-                  <a:pt x="1946936" y="-97"/>
-                  <a:pt x="2097241" y="5776"/>
-                  <a:pt x="1872303" y="18288"/>
-                </a:cubicBezTo>
-                <a:cubicBezTo>
-                  <a:pt x="1647365" y="30800"/>
-                  <a:pt x="1282708" y="45380"/>
-                  <a:pt x="976854" y="18288"/>
-                </a:cubicBezTo>
-                <a:cubicBezTo>
-                  <a:pt x="671000" y="-8804"/>
-                  <a:pt x="408401" y="-12775"/>
+                  <a:pt x="165916" y="-1866"/>
+                  <a:pt x="188720" y="13756"/>
+                  <a:pt x="356616" y="0"/>
+                </a:cubicBezTo>
+                <a:cubicBezTo>
+                  <a:pt x="524512" y="-13756"/>
+                  <a:pt x="734781" y="8922"/>
+                  <a:pt x="1042416" y="0"/>
+                </a:cubicBezTo>
+                <a:cubicBezTo>
+                  <a:pt x="1350051" y="-8922"/>
+                  <a:pt x="1595982" y="-26315"/>
+                  <a:pt x="1947672" y="0"/>
+                </a:cubicBezTo>
+                <a:cubicBezTo>
+                  <a:pt x="2299362" y="26315"/>
+                  <a:pt x="2292691" y="-19526"/>
+                  <a:pt x="2633472" y="0"/>
+                </a:cubicBezTo>
+                <a:cubicBezTo>
+                  <a:pt x="2974253" y="19526"/>
+                  <a:pt x="2857309" y="10773"/>
+                  <a:pt x="2990088" y="0"/>
+                </a:cubicBezTo>
+                <a:cubicBezTo>
+                  <a:pt x="3122867" y="-10773"/>
+                  <a:pt x="3359343" y="7194"/>
+                  <a:pt x="3456432" y="0"/>
+                </a:cubicBezTo>
+                <a:cubicBezTo>
+                  <a:pt x="3553521" y="-7194"/>
+                  <a:pt x="4136258" y="5108"/>
+                  <a:pt x="4361688" y="0"/>
+                </a:cubicBezTo>
+                <a:cubicBezTo>
+                  <a:pt x="4587118" y="-5108"/>
+                  <a:pt x="4992424" y="-42958"/>
+                  <a:pt x="5266944" y="0"/>
+                </a:cubicBezTo>
+                <a:cubicBezTo>
+                  <a:pt x="5541464" y="42958"/>
+                  <a:pt x="5882966" y="-3430"/>
+                  <a:pt x="6172200" y="0"/>
+                </a:cubicBezTo>
+                <a:cubicBezTo>
+                  <a:pt x="6461434" y="3430"/>
+                  <a:pt x="6432127" y="6688"/>
+                  <a:pt x="6528816" y="0"/>
+                </a:cubicBezTo>
+                <a:cubicBezTo>
+                  <a:pt x="6625505" y="-6688"/>
+                  <a:pt x="6916805" y="-436"/>
+                  <a:pt x="7214616" y="0"/>
+                </a:cubicBezTo>
+                <a:cubicBezTo>
+                  <a:pt x="7512427" y="436"/>
+                  <a:pt x="7626159" y="-6909"/>
+                  <a:pt x="7790688" y="0"/>
+                </a:cubicBezTo>
+                <a:cubicBezTo>
+                  <a:pt x="7955217" y="6909"/>
+                  <a:pt x="8048891" y="15307"/>
+                  <a:pt x="8147304" y="0"/>
+                </a:cubicBezTo>
+                <a:cubicBezTo>
+                  <a:pt x="8245717" y="-15307"/>
+                  <a:pt x="8645618" y="-11734"/>
+                  <a:pt x="9052560" y="0"/>
+                </a:cubicBezTo>
+                <a:cubicBezTo>
+                  <a:pt x="9459502" y="11734"/>
+                  <a:pt x="9320584" y="8388"/>
+                  <a:pt x="9409176" y="0"/>
+                </a:cubicBezTo>
+                <a:cubicBezTo>
+                  <a:pt x="9497768" y="-8388"/>
+                  <a:pt x="9644192" y="8379"/>
+                  <a:pt x="9765792" y="0"/>
+                </a:cubicBezTo>
+                <a:cubicBezTo>
+                  <a:pt x="9887392" y="-8379"/>
+                  <a:pt x="10105220" y="-12663"/>
+                  <a:pt x="10341864" y="0"/>
+                </a:cubicBezTo>
+                <a:cubicBezTo>
+                  <a:pt x="10578508" y="12663"/>
+                  <a:pt x="10773103" y="-5786"/>
+                  <a:pt x="10972800" y="0"/>
+                </a:cubicBezTo>
+                <a:cubicBezTo>
+                  <a:pt x="10972146" y="8818"/>
+                  <a:pt x="10972240" y="13823"/>
+                  <a:pt x="10972800" y="18288"/>
+                </a:cubicBezTo>
+                <a:cubicBezTo>
+                  <a:pt x="10588778" y="31598"/>
+                  <a:pt x="10543381" y="-12698"/>
+                  <a:pt x="10177272" y="18288"/>
+                </a:cubicBezTo>
+                <a:cubicBezTo>
+                  <a:pt x="9811163" y="49274"/>
+                  <a:pt x="9996817" y="25662"/>
+                  <a:pt x="9820656" y="18288"/>
+                </a:cubicBezTo>
+                <a:cubicBezTo>
+                  <a:pt x="9644495" y="10914"/>
+                  <a:pt x="9607007" y="31631"/>
+                  <a:pt x="9464040" y="18288"/>
+                </a:cubicBezTo>
+                <a:cubicBezTo>
+                  <a:pt x="9321073" y="4945"/>
+                  <a:pt x="9114189" y="28940"/>
+                  <a:pt x="8778240" y="18288"/>
+                </a:cubicBezTo>
+                <a:cubicBezTo>
+                  <a:pt x="8442291" y="7636"/>
+                  <a:pt x="8594763" y="987"/>
+                  <a:pt x="8421624" y="18288"/>
+                </a:cubicBezTo>
+                <a:cubicBezTo>
+                  <a:pt x="8248485" y="35589"/>
+                  <a:pt x="7929515" y="37573"/>
+                  <a:pt x="7735824" y="18288"/>
+                </a:cubicBezTo>
+                <a:cubicBezTo>
+                  <a:pt x="7542133" y="-997"/>
+                  <a:pt x="7252504" y="33858"/>
+                  <a:pt x="6940296" y="18288"/>
+                </a:cubicBezTo>
+                <a:cubicBezTo>
+                  <a:pt x="6628088" y="2718"/>
+                  <a:pt x="6528503" y="48389"/>
+                  <a:pt x="6254496" y="18288"/>
+                </a:cubicBezTo>
+                <a:cubicBezTo>
+                  <a:pt x="5980489" y="-11813"/>
+                  <a:pt x="5695784" y="-3740"/>
+                  <a:pt x="5458968" y="18288"/>
+                </a:cubicBezTo>
+                <a:cubicBezTo>
+                  <a:pt x="5222152" y="40316"/>
+                  <a:pt x="5010751" y="19095"/>
+                  <a:pt x="4663440" y="18288"/>
+                </a:cubicBezTo>
+                <a:cubicBezTo>
+                  <a:pt x="4316129" y="17481"/>
+                  <a:pt x="4425552" y="1606"/>
+                  <a:pt x="4306824" y="18288"/>
+                </a:cubicBezTo>
+                <a:cubicBezTo>
+                  <a:pt x="4188096" y="34970"/>
+                  <a:pt x="3941535" y="7481"/>
+                  <a:pt x="3840480" y="18288"/>
+                </a:cubicBezTo>
+                <a:cubicBezTo>
+                  <a:pt x="3739425" y="29095"/>
+                  <a:pt x="3402388" y="17641"/>
+                  <a:pt x="3264408" y="18288"/>
+                </a:cubicBezTo>
+                <a:cubicBezTo>
+                  <a:pt x="3126428" y="18935"/>
+                  <a:pt x="2776779" y="9983"/>
+                  <a:pt x="2578608" y="18288"/>
+                </a:cubicBezTo>
+                <a:cubicBezTo>
+                  <a:pt x="2380437" y="26593"/>
+                  <a:pt x="1909468" y="25818"/>
+                  <a:pt x="1673352" y="18288"/>
+                </a:cubicBezTo>
+                <a:cubicBezTo>
+                  <a:pt x="1437236" y="10758"/>
+                  <a:pt x="1131180" y="49884"/>
+                  <a:pt x="877824" y="18288"/>
+                </a:cubicBezTo>
+                <a:cubicBezTo>
+                  <a:pt x="624468" y="-13308"/>
+                  <a:pt x="206753" y="2195"/>
                   <a:pt x="0" y="18288"/>
                 </a:cubicBezTo>
                 <a:cubicBezTo>
-                  <a:pt x="-213" y="9468"/>
-                  <a:pt x="187" y="4459"/>
+                  <a:pt x="313" y="10654"/>
+                  <a:pt x="-263" y="4056"/>
                   <a:pt x="0" y="0"/>
                 </a:cubicBezTo>
                 <a:close/>
               </a:path>
-              <a:path w="10853928" h="18288" stroke="0" extrusionOk="0">
+              <a:path w="10972800" h="18288" stroke="0" extrusionOk="0">
                 <a:moveTo>
                   <a:pt x="0" y="0"/>
                 </a:moveTo>
                 <a:cubicBezTo>
-                  <a:pt x="267322" y="15284"/>
-                  <a:pt x="415388" y="-21048"/>
-                  <a:pt x="569831" y="0"/>
-                </a:cubicBezTo>
-                <a:cubicBezTo>
-                  <a:pt x="724274" y="21048"/>
-                  <a:pt x="769333" y="-2353"/>
-                  <a:pt x="922584" y="0"/>
-                </a:cubicBezTo>
-                <a:cubicBezTo>
-                  <a:pt x="1075835" y="2353"/>
-                  <a:pt x="1399490" y="-145"/>
-                  <a:pt x="1818033" y="0"/>
-                </a:cubicBezTo>
-                <a:cubicBezTo>
-                  <a:pt x="2236576" y="145"/>
-                  <a:pt x="2145330" y="5482"/>
-                  <a:pt x="2387864" y="0"/>
-                </a:cubicBezTo>
-                <a:cubicBezTo>
-                  <a:pt x="2630398" y="-5482"/>
-                  <a:pt x="2793207" y="18487"/>
-                  <a:pt x="2957695" y="0"/>
-                </a:cubicBezTo>
-                <a:cubicBezTo>
-                  <a:pt x="3122183" y="-18487"/>
-                  <a:pt x="3579141" y="19003"/>
-                  <a:pt x="3853144" y="0"/>
-                </a:cubicBezTo>
-                <a:cubicBezTo>
-                  <a:pt x="4127147" y="-19003"/>
-                  <a:pt x="4209857" y="12211"/>
-                  <a:pt x="4314436" y="0"/>
-                </a:cubicBezTo>
-                <a:cubicBezTo>
-                  <a:pt x="4419015" y="-12211"/>
-                  <a:pt x="4762459" y="-17220"/>
-                  <a:pt x="5209885" y="0"/>
-                </a:cubicBezTo>
-                <a:cubicBezTo>
-                  <a:pt x="5657311" y="17220"/>
-                  <a:pt x="5692663" y="-3290"/>
-                  <a:pt x="6105335" y="0"/>
-                </a:cubicBezTo>
-                <a:cubicBezTo>
-                  <a:pt x="6518007" y="3290"/>
-                  <a:pt x="6455516" y="-5124"/>
-                  <a:pt x="6783705" y="0"/>
-                </a:cubicBezTo>
-                <a:cubicBezTo>
-                  <a:pt x="7111894" y="5124"/>
-                  <a:pt x="7441941" y="-17829"/>
-                  <a:pt x="7679154" y="0"/>
-                </a:cubicBezTo>
-                <a:cubicBezTo>
-                  <a:pt x="7916367" y="17829"/>
-                  <a:pt x="8102967" y="-24363"/>
-                  <a:pt x="8248985" y="0"/>
-                </a:cubicBezTo>
-                <a:cubicBezTo>
-                  <a:pt x="8395003" y="24363"/>
-                  <a:pt x="8552393" y="25505"/>
-                  <a:pt x="8818817" y="0"/>
-                </a:cubicBezTo>
-                <a:cubicBezTo>
-                  <a:pt x="9085241" y="-25505"/>
-                  <a:pt x="9411308" y="38000"/>
-                  <a:pt x="9605726" y="0"/>
-                </a:cubicBezTo>
-                <a:cubicBezTo>
-                  <a:pt x="9800144" y="-38000"/>
-                  <a:pt x="10006468" y="-25741"/>
-                  <a:pt x="10175558" y="0"/>
-                </a:cubicBezTo>
-                <a:cubicBezTo>
-                  <a:pt x="10344648" y="25741"/>
-                  <a:pt x="10696282" y="695"/>
-                  <a:pt x="10853928" y="0"/>
-                </a:cubicBezTo>
-                <a:cubicBezTo>
-                  <a:pt x="10853521" y="8690"/>
-                  <a:pt x="10853774" y="14141"/>
-                  <a:pt x="10853928" y="18288"/>
-                </a:cubicBezTo>
-                <a:cubicBezTo>
-                  <a:pt x="10608124" y="24255"/>
-                  <a:pt x="10343415" y="22307"/>
-                  <a:pt x="10067018" y="18288"/>
-                </a:cubicBezTo>
-                <a:cubicBezTo>
-                  <a:pt x="9790621" y="14270"/>
-                  <a:pt x="9843266" y="3564"/>
-                  <a:pt x="9714266" y="18288"/>
-                </a:cubicBezTo>
-                <a:cubicBezTo>
-                  <a:pt x="9585266" y="33012"/>
-                  <a:pt x="9379484" y="1875"/>
-                  <a:pt x="9252974" y="18288"/>
-                </a:cubicBezTo>
-                <a:cubicBezTo>
-                  <a:pt x="9126464" y="34701"/>
-                  <a:pt x="8580678" y="-4904"/>
-                  <a:pt x="8357525" y="18288"/>
-                </a:cubicBezTo>
-                <a:cubicBezTo>
-                  <a:pt x="8134372" y="41480"/>
-                  <a:pt x="7903199" y="26458"/>
-                  <a:pt x="7679154" y="18288"/>
-                </a:cubicBezTo>
-                <a:cubicBezTo>
-                  <a:pt x="7455109" y="10118"/>
-                  <a:pt x="7435944" y="27109"/>
-                  <a:pt x="7217862" y="18288"/>
-                </a:cubicBezTo>
-                <a:cubicBezTo>
-                  <a:pt x="6999780" y="9467"/>
-                  <a:pt x="6680409" y="18985"/>
-                  <a:pt x="6539492" y="18288"/>
-                </a:cubicBezTo>
-                <a:cubicBezTo>
-                  <a:pt x="6398575" y="17592"/>
-                  <a:pt x="6312077" y="33018"/>
-                  <a:pt x="6186739" y="18288"/>
-                </a:cubicBezTo>
-                <a:cubicBezTo>
-                  <a:pt x="6061401" y="3558"/>
-                  <a:pt x="5947033" y="12075"/>
-                  <a:pt x="5833986" y="18288"/>
-                </a:cubicBezTo>
-                <a:cubicBezTo>
-                  <a:pt x="5720939" y="24501"/>
-                  <a:pt x="5482226" y="8586"/>
-                  <a:pt x="5155616" y="18288"/>
-                </a:cubicBezTo>
-                <a:cubicBezTo>
-                  <a:pt x="4829006" y="27991"/>
-                  <a:pt x="4841274" y="29316"/>
-                  <a:pt x="4694324" y="18288"/>
-                </a:cubicBezTo>
-                <a:cubicBezTo>
-                  <a:pt x="4547374" y="7260"/>
-                  <a:pt x="4077675" y="7013"/>
-                  <a:pt x="3907414" y="18288"/>
-                </a:cubicBezTo>
-                <a:cubicBezTo>
-                  <a:pt x="3737153" y="29564"/>
-                  <a:pt x="3538393" y="21630"/>
-                  <a:pt x="3446122" y="18288"/>
-                </a:cubicBezTo>
-                <a:cubicBezTo>
-                  <a:pt x="3353851" y="14946"/>
-                  <a:pt x="2990320" y="-8091"/>
-                  <a:pt x="2659212" y="18288"/>
-                </a:cubicBezTo>
-                <a:cubicBezTo>
-                  <a:pt x="2328104" y="44667"/>
-                  <a:pt x="2427653" y="9607"/>
-                  <a:pt x="2306460" y="18288"/>
-                </a:cubicBezTo>
-                <a:cubicBezTo>
-                  <a:pt x="2185267" y="26969"/>
-                  <a:pt x="1719763" y="3717"/>
-                  <a:pt x="1519550" y="18288"/>
-                </a:cubicBezTo>
-                <a:cubicBezTo>
-                  <a:pt x="1319337" y="32860"/>
-                  <a:pt x="1167371" y="17040"/>
-                  <a:pt x="1058258" y="18288"/>
-                </a:cubicBezTo>
-                <a:cubicBezTo>
-                  <a:pt x="949145" y="19536"/>
-                  <a:pt x="780234" y="31447"/>
-                  <a:pt x="705505" y="18288"/>
-                </a:cubicBezTo>
-                <a:cubicBezTo>
-                  <a:pt x="630776" y="5129"/>
-                  <a:pt x="215796" y="30056"/>
+                  <a:pt x="164017" y="-17675"/>
+                  <a:pt x="309425" y="9913"/>
+                  <a:pt x="466344" y="0"/>
+                </a:cubicBezTo>
+                <a:cubicBezTo>
+                  <a:pt x="623263" y="-9913"/>
+                  <a:pt x="659300" y="-14524"/>
+                  <a:pt x="822960" y="0"/>
+                </a:cubicBezTo>
+                <a:cubicBezTo>
+                  <a:pt x="986620" y="14524"/>
+                  <a:pt x="1105222" y="-16481"/>
+                  <a:pt x="1289304" y="0"/>
+                </a:cubicBezTo>
+                <a:cubicBezTo>
+                  <a:pt x="1473386" y="16481"/>
+                  <a:pt x="1693223" y="26161"/>
+                  <a:pt x="1975104" y="0"/>
+                </a:cubicBezTo>
+                <a:cubicBezTo>
+                  <a:pt x="2256985" y="-26161"/>
+                  <a:pt x="2435781" y="23061"/>
+                  <a:pt x="2770632" y="0"/>
+                </a:cubicBezTo>
+                <a:cubicBezTo>
+                  <a:pt x="3105483" y="-23061"/>
+                  <a:pt x="3247479" y="-44011"/>
+                  <a:pt x="3675888" y="0"/>
+                </a:cubicBezTo>
+                <a:cubicBezTo>
+                  <a:pt x="4104297" y="44011"/>
+                  <a:pt x="4280918" y="4017"/>
+                  <a:pt x="4581144" y="0"/>
+                </a:cubicBezTo>
+                <a:cubicBezTo>
+                  <a:pt x="4881370" y="-4017"/>
+                  <a:pt x="5021699" y="-11889"/>
+                  <a:pt x="5157216" y="0"/>
+                </a:cubicBezTo>
+                <a:cubicBezTo>
+                  <a:pt x="5292733" y="11889"/>
+                  <a:pt x="5603398" y="-17698"/>
+                  <a:pt x="5952744" y="0"/>
+                </a:cubicBezTo>
+                <a:cubicBezTo>
+                  <a:pt x="6302090" y="17698"/>
+                  <a:pt x="6353093" y="-11909"/>
+                  <a:pt x="6638544" y="0"/>
+                </a:cubicBezTo>
+                <a:cubicBezTo>
+                  <a:pt x="6923995" y="11909"/>
+                  <a:pt x="7053404" y="21630"/>
+                  <a:pt x="7214616" y="0"/>
+                </a:cubicBezTo>
+                <a:cubicBezTo>
+                  <a:pt x="7375828" y="-21630"/>
+                  <a:pt x="7837963" y="3886"/>
+                  <a:pt x="8010144" y="0"/>
+                </a:cubicBezTo>
+                <a:cubicBezTo>
+                  <a:pt x="8182325" y="-3886"/>
+                  <a:pt x="8224183" y="16009"/>
+                  <a:pt x="8366760" y="0"/>
+                </a:cubicBezTo>
+                <a:cubicBezTo>
+                  <a:pt x="8509337" y="-16009"/>
+                  <a:pt x="8687920" y="-5720"/>
+                  <a:pt x="8942832" y="0"/>
+                </a:cubicBezTo>
+                <a:cubicBezTo>
+                  <a:pt x="9197744" y="5720"/>
+                  <a:pt x="9368437" y="20479"/>
+                  <a:pt x="9628632" y="0"/>
+                </a:cubicBezTo>
+                <a:cubicBezTo>
+                  <a:pt x="9888827" y="-20479"/>
+                  <a:pt x="10560858" y="-20746"/>
+                  <a:pt x="10972800" y="0"/>
+                </a:cubicBezTo>
+                <a:cubicBezTo>
+                  <a:pt x="10972186" y="5722"/>
+                  <a:pt x="10972980" y="12495"/>
+                  <a:pt x="10972800" y="18288"/>
+                </a:cubicBezTo>
+                <a:cubicBezTo>
+                  <a:pt x="10786146" y="12536"/>
+                  <a:pt x="10623717" y="14033"/>
+                  <a:pt x="10506456" y="18288"/>
+                </a:cubicBezTo>
+                <a:cubicBezTo>
+                  <a:pt x="10389195" y="22543"/>
+                  <a:pt x="10296178" y="20107"/>
+                  <a:pt x="10149840" y="18288"/>
+                </a:cubicBezTo>
+                <a:cubicBezTo>
+                  <a:pt x="10003502" y="16469"/>
+                  <a:pt x="9767530" y="28891"/>
+                  <a:pt x="9464040" y="18288"/>
+                </a:cubicBezTo>
+                <a:cubicBezTo>
+                  <a:pt x="9160550" y="7685"/>
+                  <a:pt x="9229050" y="2659"/>
+                  <a:pt x="8997696" y="18288"/>
+                </a:cubicBezTo>
+                <a:cubicBezTo>
+                  <a:pt x="8766342" y="33917"/>
+                  <a:pt x="8340136" y="34864"/>
+                  <a:pt x="8092440" y="18288"/>
+                </a:cubicBezTo>
+                <a:cubicBezTo>
+                  <a:pt x="7844744" y="1712"/>
+                  <a:pt x="7863720" y="27405"/>
+                  <a:pt x="7735824" y="18288"/>
+                </a:cubicBezTo>
+                <a:cubicBezTo>
+                  <a:pt x="7607928" y="9171"/>
+                  <a:pt x="7323619" y="461"/>
+                  <a:pt x="7050024" y="18288"/>
+                </a:cubicBezTo>
+                <a:cubicBezTo>
+                  <a:pt x="6776429" y="36115"/>
+                  <a:pt x="6787899" y="28206"/>
+                  <a:pt x="6693408" y="18288"/>
+                </a:cubicBezTo>
+                <a:cubicBezTo>
+                  <a:pt x="6598917" y="8370"/>
+                  <a:pt x="6395231" y="19114"/>
+                  <a:pt x="6227064" y="18288"/>
+                </a:cubicBezTo>
+                <a:cubicBezTo>
+                  <a:pt x="6058897" y="17462"/>
+                  <a:pt x="5618582" y="1091"/>
+                  <a:pt x="5431536" y="18288"/>
+                </a:cubicBezTo>
+                <a:cubicBezTo>
+                  <a:pt x="5244490" y="35485"/>
+                  <a:pt x="4729797" y="-9650"/>
+                  <a:pt x="4526280" y="18288"/>
+                </a:cubicBezTo>
+                <a:cubicBezTo>
+                  <a:pt x="4322763" y="46226"/>
+                  <a:pt x="4216797" y="756"/>
+                  <a:pt x="4059936" y="18288"/>
+                </a:cubicBezTo>
+                <a:cubicBezTo>
+                  <a:pt x="3903075" y="35820"/>
+                  <a:pt x="3537912" y="42098"/>
+                  <a:pt x="3374136" y="18288"/>
+                </a:cubicBezTo>
+                <a:cubicBezTo>
+                  <a:pt x="3210360" y="-5522"/>
+                  <a:pt x="3126842" y="39135"/>
+                  <a:pt x="2907792" y="18288"/>
+                </a:cubicBezTo>
+                <a:cubicBezTo>
+                  <a:pt x="2688742" y="-2559"/>
+                  <a:pt x="2490436" y="34100"/>
+                  <a:pt x="2112264" y="18288"/>
+                </a:cubicBezTo>
+                <a:cubicBezTo>
+                  <a:pt x="1734092" y="2476"/>
+                  <a:pt x="1744622" y="-7274"/>
+                  <a:pt x="1536192" y="18288"/>
+                </a:cubicBezTo>
+                <a:cubicBezTo>
+                  <a:pt x="1327762" y="43850"/>
+                  <a:pt x="1189025" y="6435"/>
+                  <a:pt x="1069848" y="18288"/>
+                </a:cubicBezTo>
+                <a:cubicBezTo>
+                  <a:pt x="950671" y="30141"/>
+                  <a:pt x="858345" y="33684"/>
+                  <a:pt x="713232" y="18288"/>
+                </a:cubicBezTo>
+                <a:cubicBezTo>
+                  <a:pt x="568119" y="2892"/>
+                  <a:pt x="250292" y="5410"/>
                   <a:pt x="0" y="18288"/>
                 </a:cubicBezTo>
                 <a:cubicBezTo>
-                  <a:pt x="-53" y="11301"/>
-                  <a:pt x="-649" y="7756"/>
+                  <a:pt x="465" y="13062"/>
+                  <a:pt x="-894" y="9029"/>
                   <a:pt x="0" y="0"/>
                 </a:cubicBezTo>
                 <a:close/>
@@ -32790,16 +35012,20 @@
             </a:pathLst>
           </a:custGeom>
           <a:solidFill>
-            <a:schemeClr val="accent2"/>
+            <a:schemeClr val="accent2">
+              <a:alpha val="75000"/>
+            </a:schemeClr>
           </a:solidFill>
-          <a:ln w="41275" cap="rnd">
+          <a:ln w="44450" cap="rnd">
             <a:solidFill>
-              <a:schemeClr val="accent2"/>
+              <a:schemeClr val="accent2">
+                <a:alpha val="75000"/>
+              </a:schemeClr>
             </a:solidFill>
             <a:round/>
             <a:extLst>
               <a:ext uri="{C807C97D-BFC1-408E-A445-0C87EB9F89A2}">
-                <ask:lineSketchStyleProps xmlns:ask="http://schemas.microsoft.com/office/drawing/2018/sketchyshapes" sd="1219033472">
+                <ask:lineSketchStyleProps xmlns:ask="http://schemas.microsoft.com/office/drawing/2018/sketchyshapes" sd="2727557108">
                   <a:prstGeom prst="rect">
                     <a:avLst/>
                   </a:prstGeom>
@@ -32841,7 +35067,7 @@
           <p:cNvPr id="3" name="Content Placeholder 2">
             <a:extLst>
               <a:ext uri="{FF2B5EF4-FFF2-40B4-BE49-F238E27FC236}">
-                <a16:creationId xmlns:a16="http://schemas.microsoft.com/office/drawing/2014/main" id="{866A8553-D18E-9A13-8130-10CE4DFE611B}"/>
+                <a16:creationId xmlns:a16="http://schemas.microsoft.com/office/drawing/2014/main" id="{F269BDF4-4981-EAD4-3397-D2575673DCE2}"/>
               </a:ext>
             </a:extLst>
           </p:cNvPr>
@@ -32854,12 +35080,12 @@
         </p:nvSpPr>
         <p:spPr>
           <a:xfrm>
-            <a:off x="838200" y="1929384"/>
-            <a:ext cx="10515600" cy="4251960"/>
+            <a:off x="572493" y="2071316"/>
+            <a:ext cx="5703616" cy="4119172"/>
           </a:xfrm>
         </p:spPr>
         <p:txBody>
-          <a:bodyPr>
+          <a:bodyPr anchor="t">
             <a:normAutofit/>
           </a:bodyPr>
           <a:lstStyle/>
@@ -32868,813 +35094,39 @@
           </a:p>
         </p:txBody>
       </p:sp>
-    </p:spTree>
-    <p:extLst>
-      <p:ext uri="{BB962C8B-B14F-4D97-AF65-F5344CB8AC3E}">
-        <p14:creationId xmlns:p14="http://schemas.microsoft.com/office/powerpoint/2010/main" val="979015531"/>
-      </p:ext>
-    </p:extLst>
-  </p:cSld>
-  <p:clrMapOvr>
-    <a:masterClrMapping/>
-  </p:clrMapOvr>
-</p:sld>
-</file>
-
-<file path=ppt/slides/slide9.xml><?xml version="1.0" encoding="utf-8"?>
-<p:sld xmlns:a="http://schemas.openxmlformats.org/drawingml/2006/main" xmlns:r="http://schemas.openxmlformats.org/officeDocument/2006/relationships" xmlns:p="http://schemas.openxmlformats.org/presentationml/2006/main">
-  <p:cSld>
-    <p:bg>
-      <p:bgPr>
-        <a:solidFill>
-          <a:schemeClr val="bg1"/>
-        </a:solidFill>
-        <a:effectLst/>
-      </p:bgPr>
-    </p:bg>
-    <p:spTree>
-      <p:nvGrpSpPr>
-        <p:cNvPr id="1" name=""/>
-        <p:cNvGrpSpPr/>
-        <p:nvPr/>
-      </p:nvGrpSpPr>
-      <p:grpSpPr>
-        <a:xfrm>
-          <a:off x="0" y="0"/>
-          <a:ext cx="0" cy="0"/>
-          <a:chOff x="0" y="0"/>
-          <a:chExt cx="0" cy="0"/>
-        </a:xfrm>
-      </p:grpSpPr>
-      <p:sp useBgFill="1">
-        <p:nvSpPr>
-          <p:cNvPr id="8" name="Rectangle 7">
+      <p:pic>
+        <p:nvPicPr>
+          <p:cNvPr id="5" name="Picture 4">
             <a:extLst>
               <a:ext uri="{FF2B5EF4-FFF2-40B4-BE49-F238E27FC236}">
-                <a16:creationId xmlns:a16="http://schemas.microsoft.com/office/drawing/2014/main" id="{100EDD19-6802-4EC3-95CE-CFFAB042CFD6}"/>
-              </a:ext>
-              <a:ext uri="{C183D7F6-B498-43B3-948B-1728B52AA6E4}">
-                <adec:decorative xmlns:adec="http://schemas.microsoft.com/office/drawing/2017/decorative" val="1"/>
+                <a16:creationId xmlns:a16="http://schemas.microsoft.com/office/drawing/2014/main" id="{BB1BF77D-5160-0300-F67F-77F3A7DD3466}"/>
               </a:ext>
             </a:extLst>
           </p:cNvPr>
-          <p:cNvSpPr>
-            <a:spLocks noGrp="1" noRot="1" noChangeAspect="1" noMove="1" noResize="1" noEditPoints="1" noAdjustHandles="1" noChangeArrowheads="1" noChangeShapeType="1" noTextEdit="1"/>
-          </p:cNvSpPr>
-          <p:nvPr>
-            <p:extLst>
-              <p:ext uri="{386F3935-93C4-4BCD-93E2-E3B085C9AB24}">
-                <p16:designElem xmlns:p16="http://schemas.microsoft.com/office/powerpoint/2015/main" val="1"/>
-              </p:ext>
-            </p:extLst>
-          </p:nvPr>
-        </p:nvSpPr>
+          <p:cNvPicPr>
+            <a:picLocks noChangeAspect="1"/>
+          </p:cNvPicPr>
+          <p:nvPr/>
+        </p:nvPicPr>
+        <p:blipFill rotWithShape="1">
+          <a:blip r:embed="rId2"/>
+          <a:srcRect l="448" t="-6410" r="1740" b="-5871"/>
+          <a:stretch/>
+        </p:blipFill>
         <p:spPr>
           <a:xfrm>
-            <a:off x="0" y="0"/>
-            <a:ext cx="12188952" cy="6858000"/>
+            <a:off x="6428508" y="1736408"/>
+            <a:ext cx="5703617" cy="4681885"/>
           </a:xfrm>
           <a:prstGeom prst="rect">
             <a:avLst/>
           </a:prstGeom>
-          <a:ln>
-            <a:noFill/>
-          </a:ln>
         </p:spPr>
-        <p:style>
-          <a:lnRef idx="2">
-            <a:schemeClr val="accent1">
-              <a:shade val="50000"/>
-            </a:schemeClr>
-          </a:lnRef>
-          <a:fillRef idx="1">
-            <a:schemeClr val="accent1"/>
-          </a:fillRef>
-          <a:effectRef idx="0">
-            <a:schemeClr val="accent1"/>
-          </a:effectRef>
-          <a:fontRef idx="minor">
-            <a:schemeClr val="lt1"/>
-          </a:fontRef>
-        </p:style>
-        <p:txBody>
-          <a:bodyPr rtlCol="0" anchor="ctr"/>
-          <a:lstStyle/>
-          <a:p>
-            <a:pPr algn="ctr"/>
-            <a:endParaRPr lang="en-US"/>
-          </a:p>
-        </p:txBody>
-      </p:sp>
-      <p:sp>
-        <p:nvSpPr>
-          <p:cNvPr id="2" name="Title 1">
-            <a:extLst>
-              <a:ext uri="{FF2B5EF4-FFF2-40B4-BE49-F238E27FC236}">
-                <a16:creationId xmlns:a16="http://schemas.microsoft.com/office/drawing/2014/main" id="{295E9274-296E-45C1-4621-62ED4770CF65}"/>
-              </a:ext>
-            </a:extLst>
-          </p:cNvPr>
-          <p:cNvSpPr>
-            <a:spLocks noGrp="1"/>
-          </p:cNvSpPr>
-          <p:nvPr>
-            <p:ph type="title"/>
-          </p:nvPr>
-        </p:nvSpPr>
-        <p:spPr>
-          <a:xfrm>
-            <a:off x="838200" y="365125"/>
-            <a:ext cx="10515600" cy="1325563"/>
-          </a:xfrm>
-        </p:spPr>
-        <p:txBody>
-          <a:bodyPr>
-            <a:normAutofit/>
-          </a:bodyPr>
-          <a:lstStyle/>
-          <a:p>
-            <a:r>
-              <a:rPr lang="en-US" sz="5400"/>
-              <a:t>Reference :</a:t>
-            </a:r>
-          </a:p>
-        </p:txBody>
-      </p:sp>
-      <p:sp>
-        <p:nvSpPr>
-          <p:cNvPr id="10" name="sketch line">
-            <a:extLst>
-              <a:ext uri="{FF2B5EF4-FFF2-40B4-BE49-F238E27FC236}">
-                <a16:creationId xmlns:a16="http://schemas.microsoft.com/office/drawing/2014/main" id="{DB17E863-922E-4C26-BD64-E8FD41D28661}"/>
-              </a:ext>
-              <a:ext uri="{C183D7F6-B498-43B3-948B-1728B52AA6E4}">
-                <adec:decorative xmlns:adec="http://schemas.microsoft.com/office/drawing/2017/decorative" val="1"/>
-              </a:ext>
-            </a:extLst>
-          </p:cNvPr>
-          <p:cNvSpPr>
-            <a:spLocks noGrp="1" noRot="1" noChangeAspect="1" noMove="1" noResize="1" noEditPoints="1" noAdjustHandles="1" noChangeArrowheads="1" noChangeShapeType="1" noTextEdit="1"/>
-          </p:cNvSpPr>
-          <p:nvPr>
-            <p:extLst>
-              <p:ext uri="{386F3935-93C4-4BCD-93E2-E3B085C9AB24}">
-                <p16:designElem xmlns:p16="http://schemas.microsoft.com/office/powerpoint/2015/main" val="1"/>
-              </p:ext>
-            </p:extLst>
-          </p:nvPr>
-        </p:nvSpPr>
-        <p:spPr>
-          <a:xfrm>
-            <a:off x="669036" y="1677373"/>
-            <a:ext cx="10853928" cy="18288"/>
-          </a:xfrm>
-          <a:custGeom>
-            <a:avLst/>
-            <a:gdLst>
-              <a:gd name="connsiteX0" fmla="*/ 0 w 10853928"/>
-              <a:gd name="connsiteY0" fmla="*/ 0 h 18288"/>
-              <a:gd name="connsiteX1" fmla="*/ 461292 w 10853928"/>
-              <a:gd name="connsiteY1" fmla="*/ 0 h 18288"/>
-              <a:gd name="connsiteX2" fmla="*/ 1139662 w 10853928"/>
-              <a:gd name="connsiteY2" fmla="*/ 0 h 18288"/>
-              <a:gd name="connsiteX3" fmla="*/ 1926572 w 10853928"/>
-              <a:gd name="connsiteY3" fmla="*/ 0 h 18288"/>
-              <a:gd name="connsiteX4" fmla="*/ 2279325 w 10853928"/>
-              <a:gd name="connsiteY4" fmla="*/ 0 h 18288"/>
-              <a:gd name="connsiteX5" fmla="*/ 2632078 w 10853928"/>
-              <a:gd name="connsiteY5" fmla="*/ 0 h 18288"/>
-              <a:gd name="connsiteX6" fmla="*/ 3527527 w 10853928"/>
-              <a:gd name="connsiteY6" fmla="*/ 0 h 18288"/>
-              <a:gd name="connsiteX7" fmla="*/ 4205897 w 10853928"/>
-              <a:gd name="connsiteY7" fmla="*/ 0 h 18288"/>
-              <a:gd name="connsiteX8" fmla="*/ 4558650 w 10853928"/>
-              <a:gd name="connsiteY8" fmla="*/ 0 h 18288"/>
-              <a:gd name="connsiteX9" fmla="*/ 5237020 w 10853928"/>
-              <a:gd name="connsiteY9" fmla="*/ 0 h 18288"/>
-              <a:gd name="connsiteX10" fmla="*/ 6132469 w 10853928"/>
-              <a:gd name="connsiteY10" fmla="*/ 0 h 18288"/>
-              <a:gd name="connsiteX11" fmla="*/ 6702301 w 10853928"/>
-              <a:gd name="connsiteY11" fmla="*/ 0 h 18288"/>
-              <a:gd name="connsiteX12" fmla="*/ 7272132 w 10853928"/>
-              <a:gd name="connsiteY12" fmla="*/ 0 h 18288"/>
-              <a:gd name="connsiteX13" fmla="*/ 7950502 w 10853928"/>
-              <a:gd name="connsiteY13" fmla="*/ 0 h 18288"/>
-              <a:gd name="connsiteX14" fmla="*/ 8737412 w 10853928"/>
-              <a:gd name="connsiteY14" fmla="*/ 0 h 18288"/>
-              <a:gd name="connsiteX15" fmla="*/ 9524322 w 10853928"/>
-              <a:gd name="connsiteY15" fmla="*/ 0 h 18288"/>
-              <a:gd name="connsiteX16" fmla="*/ 10853928 w 10853928"/>
-              <a:gd name="connsiteY16" fmla="*/ 0 h 18288"/>
-              <a:gd name="connsiteX17" fmla="*/ 10853928 w 10853928"/>
-              <a:gd name="connsiteY17" fmla="*/ 18288 h 18288"/>
-              <a:gd name="connsiteX18" fmla="*/ 10392636 w 10853928"/>
-              <a:gd name="connsiteY18" fmla="*/ 18288 h 18288"/>
-              <a:gd name="connsiteX19" fmla="*/ 9497187 w 10853928"/>
-              <a:gd name="connsiteY19" fmla="*/ 18288 h 18288"/>
-              <a:gd name="connsiteX20" fmla="*/ 8818817 w 10853928"/>
-              <a:gd name="connsiteY20" fmla="*/ 18288 h 18288"/>
-              <a:gd name="connsiteX21" fmla="*/ 8466064 w 10853928"/>
-              <a:gd name="connsiteY21" fmla="*/ 18288 h 18288"/>
-              <a:gd name="connsiteX22" fmla="*/ 7787693 w 10853928"/>
-              <a:gd name="connsiteY22" fmla="*/ 18288 h 18288"/>
-              <a:gd name="connsiteX23" fmla="*/ 7217862 w 10853928"/>
-              <a:gd name="connsiteY23" fmla="*/ 18288 h 18288"/>
-              <a:gd name="connsiteX24" fmla="*/ 6648031 w 10853928"/>
-              <a:gd name="connsiteY24" fmla="*/ 18288 h 18288"/>
-              <a:gd name="connsiteX25" fmla="*/ 6078200 w 10853928"/>
-              <a:gd name="connsiteY25" fmla="*/ 18288 h 18288"/>
-              <a:gd name="connsiteX26" fmla="*/ 5508368 w 10853928"/>
-              <a:gd name="connsiteY26" fmla="*/ 18288 h 18288"/>
-              <a:gd name="connsiteX27" fmla="*/ 4721459 w 10853928"/>
-              <a:gd name="connsiteY27" fmla="*/ 18288 h 18288"/>
-              <a:gd name="connsiteX28" fmla="*/ 4043088 w 10853928"/>
-              <a:gd name="connsiteY28" fmla="*/ 18288 h 18288"/>
-              <a:gd name="connsiteX29" fmla="*/ 3690336 w 10853928"/>
-              <a:gd name="connsiteY29" fmla="*/ 18288 h 18288"/>
-              <a:gd name="connsiteX30" fmla="*/ 3120504 w 10853928"/>
-              <a:gd name="connsiteY30" fmla="*/ 18288 h 18288"/>
-              <a:gd name="connsiteX31" fmla="*/ 2333595 w 10853928"/>
-              <a:gd name="connsiteY31" fmla="*/ 18288 h 18288"/>
-              <a:gd name="connsiteX32" fmla="*/ 1872303 w 10853928"/>
-              <a:gd name="connsiteY32" fmla="*/ 18288 h 18288"/>
-              <a:gd name="connsiteX33" fmla="*/ 976854 w 10853928"/>
-              <a:gd name="connsiteY33" fmla="*/ 18288 h 18288"/>
-              <a:gd name="connsiteX34" fmla="*/ 0 w 10853928"/>
-              <a:gd name="connsiteY34" fmla="*/ 18288 h 18288"/>
-              <a:gd name="connsiteX35" fmla="*/ 0 w 10853928"/>
-              <a:gd name="connsiteY35" fmla="*/ 0 h 18288"/>
-            </a:gdLst>
-            <a:ahLst/>
-            <a:cxnLst>
-              <a:cxn ang="0">
-                <a:pos x="connsiteX0" y="connsiteY0"/>
-              </a:cxn>
-              <a:cxn ang="0">
-                <a:pos x="connsiteX1" y="connsiteY1"/>
-              </a:cxn>
-              <a:cxn ang="0">
-                <a:pos x="connsiteX2" y="connsiteY2"/>
-              </a:cxn>
-              <a:cxn ang="0">
-                <a:pos x="connsiteX3" y="connsiteY3"/>
-              </a:cxn>
-              <a:cxn ang="0">
-                <a:pos x="connsiteX4" y="connsiteY4"/>
-              </a:cxn>
-              <a:cxn ang="0">
-                <a:pos x="connsiteX5" y="connsiteY5"/>
-              </a:cxn>
-              <a:cxn ang="0">
-                <a:pos x="connsiteX6" y="connsiteY6"/>
-              </a:cxn>
-              <a:cxn ang="0">
-                <a:pos x="connsiteX7" y="connsiteY7"/>
-              </a:cxn>
-              <a:cxn ang="0">
-                <a:pos x="connsiteX8" y="connsiteY8"/>
-              </a:cxn>
-              <a:cxn ang="0">
-                <a:pos x="connsiteX9" y="connsiteY9"/>
-              </a:cxn>
-              <a:cxn ang="0">
-                <a:pos x="connsiteX10" y="connsiteY10"/>
-              </a:cxn>
-              <a:cxn ang="0">
-                <a:pos x="connsiteX11" y="connsiteY11"/>
-              </a:cxn>
-              <a:cxn ang="0">
-                <a:pos x="connsiteX12" y="connsiteY12"/>
-              </a:cxn>
-              <a:cxn ang="0">
-                <a:pos x="connsiteX13" y="connsiteY13"/>
-              </a:cxn>
-              <a:cxn ang="0">
-                <a:pos x="connsiteX14" y="connsiteY14"/>
-              </a:cxn>
-              <a:cxn ang="0">
-                <a:pos x="connsiteX15" y="connsiteY15"/>
-              </a:cxn>
-              <a:cxn ang="0">
-                <a:pos x="connsiteX16" y="connsiteY16"/>
-              </a:cxn>
-              <a:cxn ang="0">
-                <a:pos x="connsiteX17" y="connsiteY17"/>
-              </a:cxn>
-              <a:cxn ang="0">
-                <a:pos x="connsiteX18" y="connsiteY18"/>
-              </a:cxn>
-              <a:cxn ang="0">
-                <a:pos x="connsiteX19" y="connsiteY19"/>
-              </a:cxn>
-              <a:cxn ang="0">
-                <a:pos x="connsiteX20" y="connsiteY20"/>
-              </a:cxn>
-              <a:cxn ang="0">
-                <a:pos x="connsiteX21" y="connsiteY21"/>
-              </a:cxn>
-              <a:cxn ang="0">
-                <a:pos x="connsiteX22" y="connsiteY22"/>
-              </a:cxn>
-              <a:cxn ang="0">
-                <a:pos x="connsiteX23" y="connsiteY23"/>
-              </a:cxn>
-              <a:cxn ang="0">
-                <a:pos x="connsiteX24" y="connsiteY24"/>
-              </a:cxn>
-              <a:cxn ang="0">
-                <a:pos x="connsiteX25" y="connsiteY25"/>
-              </a:cxn>
-              <a:cxn ang="0">
-                <a:pos x="connsiteX26" y="connsiteY26"/>
-              </a:cxn>
-              <a:cxn ang="0">
-                <a:pos x="connsiteX27" y="connsiteY27"/>
-              </a:cxn>
-              <a:cxn ang="0">
-                <a:pos x="connsiteX28" y="connsiteY28"/>
-              </a:cxn>
-              <a:cxn ang="0">
-                <a:pos x="connsiteX29" y="connsiteY29"/>
-              </a:cxn>
-              <a:cxn ang="0">
-                <a:pos x="connsiteX30" y="connsiteY30"/>
-              </a:cxn>
-              <a:cxn ang="0">
-                <a:pos x="connsiteX31" y="connsiteY31"/>
-              </a:cxn>
-              <a:cxn ang="0">
-                <a:pos x="connsiteX32" y="connsiteY32"/>
-              </a:cxn>
-              <a:cxn ang="0">
-                <a:pos x="connsiteX33" y="connsiteY33"/>
-              </a:cxn>
-              <a:cxn ang="0">
-                <a:pos x="connsiteX34" y="connsiteY34"/>
-              </a:cxn>
-              <a:cxn ang="0">
-                <a:pos x="connsiteX35" y="connsiteY35"/>
-              </a:cxn>
-            </a:cxnLst>
-            <a:rect l="l" t="t" r="r" b="b"/>
-            <a:pathLst>
-              <a:path w="10853928" h="18288" fill="none" extrusionOk="0">
-                <a:moveTo>
-                  <a:pt x="0" y="0"/>
-                </a:moveTo>
-                <a:cubicBezTo>
-                  <a:pt x="146993" y="-19076"/>
-                  <a:pt x="347684" y="-4790"/>
-                  <a:pt x="461292" y="0"/>
-                </a:cubicBezTo>
-                <a:cubicBezTo>
-                  <a:pt x="574900" y="4790"/>
-                  <a:pt x="808367" y="19821"/>
-                  <a:pt x="1139662" y="0"/>
-                </a:cubicBezTo>
-                <a:cubicBezTo>
-                  <a:pt x="1470957" y="-19821"/>
-                  <a:pt x="1627405" y="5721"/>
-                  <a:pt x="1926572" y="0"/>
-                </a:cubicBezTo>
-                <a:cubicBezTo>
-                  <a:pt x="2225739" y="-5721"/>
-                  <a:pt x="2137730" y="-3235"/>
-                  <a:pt x="2279325" y="0"/>
-                </a:cubicBezTo>
-                <a:cubicBezTo>
-                  <a:pt x="2420920" y="3235"/>
-                  <a:pt x="2456518" y="9685"/>
-                  <a:pt x="2632078" y="0"/>
-                </a:cubicBezTo>
-                <a:cubicBezTo>
-                  <a:pt x="2807638" y="-9685"/>
-                  <a:pt x="3211516" y="-43007"/>
-                  <a:pt x="3527527" y="0"/>
-                </a:cubicBezTo>
-                <a:cubicBezTo>
-                  <a:pt x="3843538" y="43007"/>
-                  <a:pt x="4058833" y="22042"/>
-                  <a:pt x="4205897" y="0"/>
-                </a:cubicBezTo>
-                <a:cubicBezTo>
-                  <a:pt x="4352961" y="-22042"/>
-                  <a:pt x="4474805" y="-11846"/>
-                  <a:pt x="4558650" y="0"/>
-                </a:cubicBezTo>
-                <a:cubicBezTo>
-                  <a:pt x="4642495" y="11846"/>
-                  <a:pt x="5041928" y="-6069"/>
-                  <a:pt x="5237020" y="0"/>
-                </a:cubicBezTo>
-                <a:cubicBezTo>
-                  <a:pt x="5432112" y="6069"/>
-                  <a:pt x="5943266" y="-17479"/>
-                  <a:pt x="6132469" y="0"/>
-                </a:cubicBezTo>
-                <a:cubicBezTo>
-                  <a:pt x="6321672" y="17479"/>
-                  <a:pt x="6483872" y="26234"/>
-                  <a:pt x="6702301" y="0"/>
-                </a:cubicBezTo>
-                <a:cubicBezTo>
-                  <a:pt x="6920730" y="-26234"/>
-                  <a:pt x="6991194" y="-15156"/>
-                  <a:pt x="7272132" y="0"/>
-                </a:cubicBezTo>
-                <a:cubicBezTo>
-                  <a:pt x="7553070" y="15156"/>
-                  <a:pt x="7684444" y="-32961"/>
-                  <a:pt x="7950502" y="0"/>
-                </a:cubicBezTo>
-                <a:cubicBezTo>
-                  <a:pt x="8216560" y="32961"/>
-                  <a:pt x="8493290" y="-10491"/>
-                  <a:pt x="8737412" y="0"/>
-                </a:cubicBezTo>
-                <a:cubicBezTo>
-                  <a:pt x="8981534" y="10491"/>
-                  <a:pt x="9191586" y="-13899"/>
-                  <a:pt x="9524322" y="0"/>
-                </a:cubicBezTo>
-                <a:cubicBezTo>
-                  <a:pt x="9857058" y="13899"/>
-                  <a:pt x="10297509" y="7485"/>
-                  <a:pt x="10853928" y="0"/>
-                </a:cubicBezTo>
-                <a:cubicBezTo>
-                  <a:pt x="10854574" y="4451"/>
-                  <a:pt x="10854418" y="9226"/>
-                  <a:pt x="10853928" y="18288"/>
-                </a:cubicBezTo>
-                <a:cubicBezTo>
-                  <a:pt x="10691638" y="28522"/>
-                  <a:pt x="10574319" y="29578"/>
-                  <a:pt x="10392636" y="18288"/>
-                </a:cubicBezTo>
-                <a:cubicBezTo>
-                  <a:pt x="10210953" y="6998"/>
-                  <a:pt x="9836277" y="-16742"/>
-                  <a:pt x="9497187" y="18288"/>
-                </a:cubicBezTo>
-                <a:cubicBezTo>
-                  <a:pt x="9158097" y="53318"/>
-                  <a:pt x="9119479" y="30714"/>
-                  <a:pt x="8818817" y="18288"/>
-                </a:cubicBezTo>
-                <a:cubicBezTo>
-                  <a:pt x="8518155" y="5863"/>
-                  <a:pt x="8640037" y="6483"/>
-                  <a:pt x="8466064" y="18288"/>
-                </a:cubicBezTo>
-                <a:cubicBezTo>
-                  <a:pt x="8292091" y="30093"/>
-                  <a:pt x="7997656" y="18914"/>
-                  <a:pt x="7787693" y="18288"/>
-                </a:cubicBezTo>
-                <a:cubicBezTo>
-                  <a:pt x="7577730" y="17662"/>
-                  <a:pt x="7412468" y="21416"/>
-                  <a:pt x="7217862" y="18288"/>
-                </a:cubicBezTo>
-                <a:cubicBezTo>
-                  <a:pt x="7023256" y="15160"/>
-                  <a:pt x="6898018" y="14824"/>
-                  <a:pt x="6648031" y="18288"/>
-                </a:cubicBezTo>
-                <a:cubicBezTo>
-                  <a:pt x="6398044" y="21752"/>
-                  <a:pt x="6254402" y="38625"/>
-                  <a:pt x="6078200" y="18288"/>
-                </a:cubicBezTo>
-                <a:cubicBezTo>
-                  <a:pt x="5901998" y="-2049"/>
-                  <a:pt x="5622886" y="3213"/>
-                  <a:pt x="5508368" y="18288"/>
-                </a:cubicBezTo>
-                <a:cubicBezTo>
-                  <a:pt x="5393850" y="33363"/>
-                  <a:pt x="5036260" y="26830"/>
-                  <a:pt x="4721459" y="18288"/>
-                </a:cubicBezTo>
-                <a:cubicBezTo>
-                  <a:pt x="4406658" y="9746"/>
-                  <a:pt x="4239221" y="41551"/>
-                  <a:pt x="4043088" y="18288"/>
-                </a:cubicBezTo>
-                <a:cubicBezTo>
-                  <a:pt x="3846955" y="-4975"/>
-                  <a:pt x="3818802" y="34658"/>
-                  <a:pt x="3690336" y="18288"/>
-                </a:cubicBezTo>
-                <a:cubicBezTo>
-                  <a:pt x="3561870" y="1918"/>
-                  <a:pt x="3265491" y="42194"/>
-                  <a:pt x="3120504" y="18288"/>
-                </a:cubicBezTo>
-                <a:cubicBezTo>
-                  <a:pt x="2975517" y="-5618"/>
-                  <a:pt x="2720254" y="36673"/>
-                  <a:pt x="2333595" y="18288"/>
-                </a:cubicBezTo>
-                <a:cubicBezTo>
-                  <a:pt x="1946936" y="-97"/>
-                  <a:pt x="2097241" y="5776"/>
-                  <a:pt x="1872303" y="18288"/>
-                </a:cubicBezTo>
-                <a:cubicBezTo>
-                  <a:pt x="1647365" y="30800"/>
-                  <a:pt x="1282708" y="45380"/>
-                  <a:pt x="976854" y="18288"/>
-                </a:cubicBezTo>
-                <a:cubicBezTo>
-                  <a:pt x="671000" y="-8804"/>
-                  <a:pt x="408401" y="-12775"/>
-                  <a:pt x="0" y="18288"/>
-                </a:cubicBezTo>
-                <a:cubicBezTo>
-                  <a:pt x="-213" y="9468"/>
-                  <a:pt x="187" y="4459"/>
-                  <a:pt x="0" y="0"/>
-                </a:cubicBezTo>
-                <a:close/>
-              </a:path>
-              <a:path w="10853928" h="18288" stroke="0" extrusionOk="0">
-                <a:moveTo>
-                  <a:pt x="0" y="0"/>
-                </a:moveTo>
-                <a:cubicBezTo>
-                  <a:pt x="267322" y="15284"/>
-                  <a:pt x="415388" y="-21048"/>
-                  <a:pt x="569831" y="0"/>
-                </a:cubicBezTo>
-                <a:cubicBezTo>
-                  <a:pt x="724274" y="21048"/>
-                  <a:pt x="769333" y="-2353"/>
-                  <a:pt x="922584" y="0"/>
-                </a:cubicBezTo>
-                <a:cubicBezTo>
-                  <a:pt x="1075835" y="2353"/>
-                  <a:pt x="1399490" y="-145"/>
-                  <a:pt x="1818033" y="0"/>
-                </a:cubicBezTo>
-                <a:cubicBezTo>
-                  <a:pt x="2236576" y="145"/>
-                  <a:pt x="2145330" y="5482"/>
-                  <a:pt x="2387864" y="0"/>
-                </a:cubicBezTo>
-                <a:cubicBezTo>
-                  <a:pt x="2630398" y="-5482"/>
-                  <a:pt x="2793207" y="18487"/>
-                  <a:pt x="2957695" y="0"/>
-                </a:cubicBezTo>
-                <a:cubicBezTo>
-                  <a:pt x="3122183" y="-18487"/>
-                  <a:pt x="3579141" y="19003"/>
-                  <a:pt x="3853144" y="0"/>
-                </a:cubicBezTo>
-                <a:cubicBezTo>
-                  <a:pt x="4127147" y="-19003"/>
-                  <a:pt x="4209857" y="12211"/>
-                  <a:pt x="4314436" y="0"/>
-                </a:cubicBezTo>
-                <a:cubicBezTo>
-                  <a:pt x="4419015" y="-12211"/>
-                  <a:pt x="4762459" y="-17220"/>
-                  <a:pt x="5209885" y="0"/>
-                </a:cubicBezTo>
-                <a:cubicBezTo>
-                  <a:pt x="5657311" y="17220"/>
-                  <a:pt x="5692663" y="-3290"/>
-                  <a:pt x="6105335" y="0"/>
-                </a:cubicBezTo>
-                <a:cubicBezTo>
-                  <a:pt x="6518007" y="3290"/>
-                  <a:pt x="6455516" y="-5124"/>
-                  <a:pt x="6783705" y="0"/>
-                </a:cubicBezTo>
-                <a:cubicBezTo>
-                  <a:pt x="7111894" y="5124"/>
-                  <a:pt x="7441941" y="-17829"/>
-                  <a:pt x="7679154" y="0"/>
-                </a:cubicBezTo>
-                <a:cubicBezTo>
-                  <a:pt x="7916367" y="17829"/>
-                  <a:pt x="8102967" y="-24363"/>
-                  <a:pt x="8248985" y="0"/>
-                </a:cubicBezTo>
-                <a:cubicBezTo>
-                  <a:pt x="8395003" y="24363"/>
-                  <a:pt x="8552393" y="25505"/>
-                  <a:pt x="8818817" y="0"/>
-                </a:cubicBezTo>
-                <a:cubicBezTo>
-                  <a:pt x="9085241" y="-25505"/>
-                  <a:pt x="9411308" y="38000"/>
-                  <a:pt x="9605726" y="0"/>
-                </a:cubicBezTo>
-                <a:cubicBezTo>
-                  <a:pt x="9800144" y="-38000"/>
-                  <a:pt x="10006468" y="-25741"/>
-                  <a:pt x="10175558" y="0"/>
-                </a:cubicBezTo>
-                <a:cubicBezTo>
-                  <a:pt x="10344648" y="25741"/>
-                  <a:pt x="10696282" y="695"/>
-                  <a:pt x="10853928" y="0"/>
-                </a:cubicBezTo>
-                <a:cubicBezTo>
-                  <a:pt x="10853521" y="8690"/>
-                  <a:pt x="10853774" y="14141"/>
-                  <a:pt x="10853928" y="18288"/>
-                </a:cubicBezTo>
-                <a:cubicBezTo>
-                  <a:pt x="10608124" y="24255"/>
-                  <a:pt x="10343415" y="22307"/>
-                  <a:pt x="10067018" y="18288"/>
-                </a:cubicBezTo>
-                <a:cubicBezTo>
-                  <a:pt x="9790621" y="14270"/>
-                  <a:pt x="9843266" y="3564"/>
-                  <a:pt x="9714266" y="18288"/>
-                </a:cubicBezTo>
-                <a:cubicBezTo>
-                  <a:pt x="9585266" y="33012"/>
-                  <a:pt x="9379484" y="1875"/>
-                  <a:pt x="9252974" y="18288"/>
-                </a:cubicBezTo>
-                <a:cubicBezTo>
-                  <a:pt x="9126464" y="34701"/>
-                  <a:pt x="8580678" y="-4904"/>
-                  <a:pt x="8357525" y="18288"/>
-                </a:cubicBezTo>
-                <a:cubicBezTo>
-                  <a:pt x="8134372" y="41480"/>
-                  <a:pt x="7903199" y="26458"/>
-                  <a:pt x="7679154" y="18288"/>
-                </a:cubicBezTo>
-                <a:cubicBezTo>
-                  <a:pt x="7455109" y="10118"/>
-                  <a:pt x="7435944" y="27109"/>
-                  <a:pt x="7217862" y="18288"/>
-                </a:cubicBezTo>
-                <a:cubicBezTo>
-                  <a:pt x="6999780" y="9467"/>
-                  <a:pt x="6680409" y="18985"/>
-                  <a:pt x="6539492" y="18288"/>
-                </a:cubicBezTo>
-                <a:cubicBezTo>
-                  <a:pt x="6398575" y="17592"/>
-                  <a:pt x="6312077" y="33018"/>
-                  <a:pt x="6186739" y="18288"/>
-                </a:cubicBezTo>
-                <a:cubicBezTo>
-                  <a:pt x="6061401" y="3558"/>
-                  <a:pt x="5947033" y="12075"/>
-                  <a:pt x="5833986" y="18288"/>
-                </a:cubicBezTo>
-                <a:cubicBezTo>
-                  <a:pt x="5720939" y="24501"/>
-                  <a:pt x="5482226" y="8586"/>
-                  <a:pt x="5155616" y="18288"/>
-                </a:cubicBezTo>
-                <a:cubicBezTo>
-                  <a:pt x="4829006" y="27991"/>
-                  <a:pt x="4841274" y="29316"/>
-                  <a:pt x="4694324" y="18288"/>
-                </a:cubicBezTo>
-                <a:cubicBezTo>
-                  <a:pt x="4547374" y="7260"/>
-                  <a:pt x="4077675" y="7013"/>
-                  <a:pt x="3907414" y="18288"/>
-                </a:cubicBezTo>
-                <a:cubicBezTo>
-                  <a:pt x="3737153" y="29564"/>
-                  <a:pt x="3538393" y="21630"/>
-                  <a:pt x="3446122" y="18288"/>
-                </a:cubicBezTo>
-                <a:cubicBezTo>
-                  <a:pt x="3353851" y="14946"/>
-                  <a:pt x="2990320" y="-8091"/>
-                  <a:pt x="2659212" y="18288"/>
-                </a:cubicBezTo>
-                <a:cubicBezTo>
-                  <a:pt x="2328104" y="44667"/>
-                  <a:pt x="2427653" y="9607"/>
-                  <a:pt x="2306460" y="18288"/>
-                </a:cubicBezTo>
-                <a:cubicBezTo>
-                  <a:pt x="2185267" y="26969"/>
-                  <a:pt x="1719763" y="3717"/>
-                  <a:pt x="1519550" y="18288"/>
-                </a:cubicBezTo>
-                <a:cubicBezTo>
-                  <a:pt x="1319337" y="32860"/>
-                  <a:pt x="1167371" y="17040"/>
-                  <a:pt x="1058258" y="18288"/>
-                </a:cubicBezTo>
-                <a:cubicBezTo>
-                  <a:pt x="949145" y="19536"/>
-                  <a:pt x="780234" y="31447"/>
-                  <a:pt x="705505" y="18288"/>
-                </a:cubicBezTo>
-                <a:cubicBezTo>
-                  <a:pt x="630776" y="5129"/>
-                  <a:pt x="215796" y="30056"/>
-                  <a:pt x="0" y="18288"/>
-                </a:cubicBezTo>
-                <a:cubicBezTo>
-                  <a:pt x="-53" y="11301"/>
-                  <a:pt x="-649" y="7756"/>
-                  <a:pt x="0" y="0"/>
-                </a:cubicBezTo>
-                <a:close/>
-              </a:path>
-            </a:pathLst>
-          </a:custGeom>
-          <a:solidFill>
-            <a:schemeClr val="accent2"/>
-          </a:solidFill>
-          <a:ln w="41275" cap="rnd">
-            <a:solidFill>
-              <a:schemeClr val="accent2"/>
-            </a:solidFill>
-            <a:round/>
-            <a:extLst>
-              <a:ext uri="{C807C97D-BFC1-408E-A445-0C87EB9F89A2}">
-                <ask:lineSketchStyleProps xmlns:ask="http://schemas.microsoft.com/office/drawing/2018/sketchyshapes" sd="1219033472">
-                  <a:prstGeom prst="rect">
-                    <a:avLst/>
-                  </a:prstGeom>
-                  <ask:type>
-                    <ask:lineSketchFreehand/>
-                  </ask:type>
-                </ask:lineSketchStyleProps>
-              </a:ext>
-            </a:extLst>
-          </a:ln>
-        </p:spPr>
-        <p:style>
-          <a:lnRef idx="2">
-            <a:schemeClr val="accent1">
-              <a:shade val="50000"/>
-            </a:schemeClr>
-          </a:lnRef>
-          <a:fillRef idx="1">
-            <a:schemeClr val="accent1"/>
-          </a:fillRef>
-          <a:effectRef idx="0">
-            <a:schemeClr val="accent1"/>
-          </a:effectRef>
-          <a:fontRef idx="minor">
-            <a:schemeClr val="lt1"/>
-          </a:fontRef>
-        </p:style>
-        <p:txBody>
-          <a:bodyPr rtlCol="0" anchor="ctr"/>
-          <a:lstStyle/>
-          <a:p>
-            <a:pPr algn="ctr"/>
-            <a:endParaRPr lang="en-US"/>
-          </a:p>
-        </p:txBody>
-      </p:sp>
-      <p:sp>
-        <p:nvSpPr>
-          <p:cNvPr id="3" name="Content Placeholder 2">
-            <a:extLst>
-              <a:ext uri="{FF2B5EF4-FFF2-40B4-BE49-F238E27FC236}">
-                <a16:creationId xmlns:a16="http://schemas.microsoft.com/office/drawing/2014/main" id="{32964219-170D-1748-0D1C-CA7D141F2FC7}"/>
-              </a:ext>
-            </a:extLst>
-          </p:cNvPr>
-          <p:cNvSpPr>
-            <a:spLocks noGrp="1"/>
-          </p:cNvSpPr>
-          <p:nvPr>
-            <p:ph idx="1"/>
-          </p:nvPr>
-        </p:nvSpPr>
-        <p:spPr>
-          <a:xfrm>
-            <a:off x="838200" y="1929384"/>
-            <a:ext cx="10515600" cy="4251960"/>
-          </a:xfrm>
-        </p:spPr>
-        <p:txBody>
-          <a:bodyPr>
-            <a:normAutofit/>
-          </a:bodyPr>
-          <a:lstStyle/>
-          <a:p>
-            <a:endParaRPr lang="en-US" sz="2200"/>
-          </a:p>
-        </p:txBody>
-      </p:sp>
+      </p:pic>
     </p:spTree>
     <p:extLst>
       <p:ext uri="{BB962C8B-B14F-4D97-AF65-F5344CB8AC3E}">
-        <p14:creationId xmlns:p14="http://schemas.microsoft.com/office/powerpoint/2010/main" val="4077544350"/>
+        <p14:creationId xmlns:p14="http://schemas.microsoft.com/office/powerpoint/2010/main" val="3953094778"/>
       </p:ext>
     </p:extLst>
   </p:cSld>

--- a/Communal Resources/Crime_Chronicles_ppt.pptx
+++ b/Communal Resources/Crime_Chronicles_ppt.pptx
@@ -6,7 +6,7 @@
     <p:sldMasterId id="2147483775" r:id="rId2"/>
   </p:sldMasterIdLst>
   <p:notesMasterIdLst>
-    <p:notesMasterId r:id="rId16"/>
+    <p:notesMasterId r:id="rId17"/>
   </p:notesMasterIdLst>
   <p:sldIdLst>
     <p:sldId id="257" r:id="rId3"/>
@@ -15,13 +15,14 @@
     <p:sldId id="259" r:id="rId6"/>
     <p:sldId id="264" r:id="rId7"/>
     <p:sldId id="265" r:id="rId8"/>
-    <p:sldId id="268" r:id="rId9"/>
-    <p:sldId id="266" r:id="rId10"/>
-    <p:sldId id="269" r:id="rId11"/>
-    <p:sldId id="267" r:id="rId12"/>
-    <p:sldId id="262" r:id="rId13"/>
-    <p:sldId id="261" r:id="rId14"/>
-    <p:sldId id="263" r:id="rId15"/>
+    <p:sldId id="271" r:id="rId9"/>
+    <p:sldId id="268" r:id="rId10"/>
+    <p:sldId id="270" r:id="rId11"/>
+    <p:sldId id="272" r:id="rId12"/>
+    <p:sldId id="267" r:id="rId13"/>
+    <p:sldId id="273" r:id="rId14"/>
+    <p:sldId id="261" r:id="rId15"/>
+    <p:sldId id="263" r:id="rId16"/>
   </p:sldIdLst>
   <p:sldSz cx="12192000" cy="6858000"/>
   <p:notesSz cx="6858000" cy="9144000"/>
@@ -218,7 +219,7 @@
           <a:p>
             <a:fld id="{C0543E85-EFC9-4B49-87EC-63668FE0DBF7}" type="datetimeFigureOut">
               <a:rPr lang="en-US" smtClean="0"/>
-              <a:t>7/15/24</a:t>
+              <a:t>7/16/24</a:t>
             </a:fld>
             <a:endParaRPr lang="en-US"/>
           </a:p>
@@ -483,6 +484,90 @@
     </a:lvl9pPr>
   </p:notesStyle>
 </p:notesMaster>
+</file>
+
+<file path=ppt/notesSlides/notesSlide1.xml><?xml version="1.0" encoding="utf-8"?>
+<p:notes xmlns:a="http://schemas.openxmlformats.org/drawingml/2006/main" xmlns:r="http://schemas.openxmlformats.org/officeDocument/2006/relationships" xmlns:p="http://schemas.openxmlformats.org/presentationml/2006/main">
+  <p:cSld>
+    <p:spTree>
+      <p:nvGrpSpPr>
+        <p:cNvPr id="1" name=""/>
+        <p:cNvGrpSpPr/>
+        <p:nvPr/>
+      </p:nvGrpSpPr>
+      <p:grpSpPr>
+        <a:xfrm>
+          <a:off x="0" y="0"/>
+          <a:ext cx="0" cy="0"/>
+          <a:chOff x="0" y="0"/>
+          <a:chExt cx="0" cy="0"/>
+        </a:xfrm>
+      </p:grpSpPr>
+      <p:sp>
+        <p:nvSpPr>
+          <p:cNvPr id="2" name="Slide Image Placeholder 1"/>
+          <p:cNvSpPr>
+            <a:spLocks noGrp="1" noRot="1" noChangeAspect="1"/>
+          </p:cNvSpPr>
+          <p:nvPr>
+            <p:ph type="sldImg"/>
+          </p:nvPr>
+        </p:nvSpPr>
+        <p:spPr/>
+      </p:sp>
+      <p:sp>
+        <p:nvSpPr>
+          <p:cNvPr id="3" name="Notes Placeholder 2"/>
+          <p:cNvSpPr>
+            <a:spLocks noGrp="1"/>
+          </p:cNvSpPr>
+          <p:nvPr>
+            <p:ph type="body" idx="1"/>
+          </p:nvPr>
+        </p:nvSpPr>
+        <p:spPr/>
+        <p:txBody>
+          <a:bodyPr/>
+          <a:lstStyle/>
+          <a:p>
+            <a:endParaRPr lang="en-US" dirty="0"/>
+          </a:p>
+        </p:txBody>
+      </p:sp>
+      <p:sp>
+        <p:nvSpPr>
+          <p:cNvPr id="4" name="Slide Number Placeholder 3"/>
+          <p:cNvSpPr>
+            <a:spLocks noGrp="1"/>
+          </p:cNvSpPr>
+          <p:nvPr>
+            <p:ph type="sldNum" sz="quarter" idx="5"/>
+          </p:nvPr>
+        </p:nvSpPr>
+        <p:spPr/>
+        <p:txBody>
+          <a:bodyPr/>
+          <a:lstStyle/>
+          <a:p>
+            <a:fld id="{50C21334-4096-B743-B003-343EB492DAB2}" type="slidenum">
+              <a:rPr lang="en-US" smtClean="0"/>
+              <a:t>9</a:t>
+            </a:fld>
+            <a:endParaRPr lang="en-US"/>
+          </a:p>
+        </p:txBody>
+      </p:sp>
+    </p:spTree>
+    <p:extLst>
+      <p:ext uri="{BB962C8B-B14F-4D97-AF65-F5344CB8AC3E}">
+        <p14:creationId xmlns:p14="http://schemas.microsoft.com/office/powerpoint/2010/main" val="672770355"/>
+      </p:ext>
+    </p:extLst>
+  </p:cSld>
+  <p:clrMapOvr>
+    <a:masterClrMapping/>
+  </p:clrMapOvr>
+</p:notes>
 </file>
 
 <file path=ppt/slideLayouts/slideLayout1.xml><?xml version="1.0" encoding="utf-8"?>
@@ -2832,7 +2917,7 @@
           <a:p>
             <a:fld id="{3C04E684-10F4-4CC3-A0B9-F03AA7BE37CF}" type="datetimeFigureOut">
               <a:rPr lang="en-US" smtClean="0"/>
-              <a:t>7/15/24</a:t>
+              <a:t>7/16/24</a:t>
             </a:fld>
             <a:endParaRPr lang="en-US"/>
           </a:p>
@@ -5322,7 +5407,7 @@
           <a:p>
             <a:fld id="{3C04E684-10F4-4CC3-A0B9-F03AA7BE37CF}" type="datetimeFigureOut">
               <a:rPr lang="en-US" smtClean="0"/>
-              <a:t>7/15/24</a:t>
+              <a:t>7/16/24</a:t>
             </a:fld>
             <a:endParaRPr lang="en-US"/>
           </a:p>
@@ -5520,7 +5605,7 @@
           <a:p>
             <a:fld id="{3C04E684-10F4-4CC3-A0B9-F03AA7BE37CF}" type="datetimeFigureOut">
               <a:rPr lang="en-US" smtClean="0"/>
-              <a:t>7/15/24</a:t>
+              <a:t>7/16/24</a:t>
             </a:fld>
             <a:endParaRPr lang="en-US"/>
           </a:p>
@@ -5728,7 +5813,7 @@
           <a:p>
             <a:fld id="{3C04E684-10F4-4CC3-A0B9-F03AA7BE37CF}" type="datetimeFigureOut">
               <a:rPr lang="en-US" smtClean="0"/>
-              <a:t>7/15/24</a:t>
+              <a:t>7/16/24</a:t>
             </a:fld>
             <a:endParaRPr lang="en-US"/>
           </a:p>
@@ -5948,7 +6033,7 @@
           <a:p>
             <a:fld id="{3C04E684-10F4-4CC3-A0B9-F03AA7BE37CF}" type="datetimeFigureOut">
               <a:rPr lang="en-US" smtClean="0"/>
-              <a:t>7/15/24</a:t>
+              <a:t>7/16/24</a:t>
             </a:fld>
             <a:endParaRPr lang="en-US"/>
           </a:p>
@@ -6146,7 +6231,7 @@
           <a:p>
             <a:fld id="{3C04E684-10F4-4CC3-A0B9-F03AA7BE37CF}" type="datetimeFigureOut">
               <a:rPr lang="en-US" smtClean="0"/>
-              <a:t>7/15/24</a:t>
+              <a:t>7/16/24</a:t>
             </a:fld>
             <a:endParaRPr lang="en-US"/>
           </a:p>
@@ -6421,7 +6506,7 @@
           <a:p>
             <a:fld id="{3C04E684-10F4-4CC3-A0B9-F03AA7BE37CF}" type="datetimeFigureOut">
               <a:rPr lang="en-US" smtClean="0"/>
-              <a:t>7/15/24</a:t>
+              <a:t>7/16/24</a:t>
             </a:fld>
             <a:endParaRPr lang="en-US"/>
           </a:p>
@@ -6686,7 +6771,7 @@
           <a:p>
             <a:fld id="{3C04E684-10F4-4CC3-A0B9-F03AA7BE37CF}" type="datetimeFigureOut">
               <a:rPr lang="en-US" smtClean="0"/>
-              <a:t>7/15/24</a:t>
+              <a:t>7/16/24</a:t>
             </a:fld>
             <a:endParaRPr lang="en-US"/>
           </a:p>
@@ -7098,7 +7183,7 @@
           <a:p>
             <a:fld id="{3C04E684-10F4-4CC3-A0B9-F03AA7BE37CF}" type="datetimeFigureOut">
               <a:rPr lang="en-US" smtClean="0"/>
-              <a:t>7/15/24</a:t>
+              <a:t>7/16/24</a:t>
             </a:fld>
             <a:endParaRPr lang="en-US"/>
           </a:p>
@@ -7239,7 +7324,7 @@
           <a:p>
             <a:fld id="{3C04E684-10F4-4CC3-A0B9-F03AA7BE37CF}" type="datetimeFigureOut">
               <a:rPr lang="en-US" smtClean="0"/>
-              <a:t>7/15/24</a:t>
+              <a:t>7/16/24</a:t>
             </a:fld>
             <a:endParaRPr lang="en-US"/>
           </a:p>
@@ -7352,7 +7437,7 @@
           <a:p>
             <a:fld id="{3C04E684-10F4-4CC3-A0B9-F03AA7BE37CF}" type="datetimeFigureOut">
               <a:rPr lang="en-US" smtClean="0"/>
-              <a:t>7/15/24</a:t>
+              <a:t>7/16/24</a:t>
             </a:fld>
             <a:endParaRPr lang="en-US"/>
           </a:p>
@@ -8089,7 +8174,7 @@
           <a:p>
             <a:fld id="{3C04E684-10F4-4CC3-A0B9-F03AA7BE37CF}" type="datetimeFigureOut">
               <a:rPr lang="en-US" smtClean="0"/>
-              <a:t>7/15/24</a:t>
+              <a:t>7/16/24</a:t>
             </a:fld>
             <a:endParaRPr lang="en-US"/>
           </a:p>
@@ -8400,7 +8485,7 @@
           <a:p>
             <a:fld id="{3C04E684-10F4-4CC3-A0B9-F03AA7BE37CF}" type="datetimeFigureOut">
               <a:rPr lang="en-US" smtClean="0"/>
-              <a:t>7/15/24</a:t>
+              <a:t>7/16/24</a:t>
             </a:fld>
             <a:endParaRPr lang="en-US"/>
           </a:p>
@@ -8688,7 +8773,7 @@
           <a:p>
             <a:fld id="{3C04E684-10F4-4CC3-A0B9-F03AA7BE37CF}" type="datetimeFigureOut">
               <a:rPr lang="en-US" smtClean="0"/>
-              <a:t>7/15/24</a:t>
+              <a:t>7/16/24</a:t>
             </a:fld>
             <a:endParaRPr lang="en-US"/>
           </a:p>
@@ -8886,7 +8971,7 @@
           <a:p>
             <a:fld id="{3C04E684-10F4-4CC3-A0B9-F03AA7BE37CF}" type="datetimeFigureOut">
               <a:rPr lang="en-US" smtClean="0"/>
-              <a:t>7/15/24</a:t>
+              <a:t>7/16/24</a:t>
             </a:fld>
             <a:endParaRPr lang="en-US"/>
           </a:p>
@@ -9094,7 +9179,7 @@
           <a:p>
             <a:fld id="{3C04E684-10F4-4CC3-A0B9-F03AA7BE37CF}" type="datetimeFigureOut">
               <a:rPr lang="en-US" smtClean="0"/>
-              <a:t>7/15/24</a:t>
+              <a:t>7/16/24</a:t>
             </a:fld>
             <a:endParaRPr lang="en-US"/>
           </a:p>
@@ -9736,7 +9821,7 @@
           <a:p>
             <a:fld id="{3C04E684-10F4-4CC3-A0B9-F03AA7BE37CF}" type="datetimeFigureOut">
               <a:rPr lang="en-US" smtClean="0"/>
-              <a:t>7/15/24</a:t>
+              <a:t>7/16/24</a:t>
             </a:fld>
             <a:endParaRPr lang="en-US"/>
           </a:p>
@@ -10536,7 +10621,7 @@
           <a:p>
             <a:fld id="{3C04E684-10F4-4CC3-A0B9-F03AA7BE37CF}" type="datetimeFigureOut">
               <a:rPr lang="en-US" smtClean="0"/>
-              <a:t>7/15/24</a:t>
+              <a:t>7/16/24</a:t>
             </a:fld>
             <a:endParaRPr lang="en-US"/>
           </a:p>
@@ -11487,7 +11572,7 @@
           <a:p>
             <a:fld id="{3C04E684-10F4-4CC3-A0B9-F03AA7BE37CF}" type="datetimeFigureOut">
               <a:rPr lang="en-US" smtClean="0"/>
-              <a:t>7/15/24</a:t>
+              <a:t>7/16/24</a:t>
             </a:fld>
             <a:endParaRPr lang="en-US"/>
           </a:p>
@@ -13836,7 +13921,7 @@
           <a:p>
             <a:fld id="{3C04E684-10F4-4CC3-A0B9-F03AA7BE37CF}" type="datetimeFigureOut">
               <a:rPr lang="en-US" smtClean="0"/>
-              <a:t>7/15/24</a:t>
+              <a:t>7/16/24</a:t>
             </a:fld>
             <a:endParaRPr lang="en-US"/>
           </a:p>
@@ -13949,7 +14034,7 @@
           <a:p>
             <a:fld id="{3C04E684-10F4-4CC3-A0B9-F03AA7BE37CF}" type="datetimeFigureOut">
               <a:rPr lang="en-US" smtClean="0"/>
-              <a:t>7/15/24</a:t>
+              <a:t>7/16/24</a:t>
             </a:fld>
             <a:endParaRPr lang="en-US"/>
           </a:p>
@@ -14456,7 +14541,7 @@
           <a:p>
             <a:fld id="{3C04E684-10F4-4CC3-A0B9-F03AA7BE37CF}" type="datetimeFigureOut">
               <a:rPr lang="en-US" smtClean="0"/>
-              <a:t>7/15/24</a:t>
+              <a:t>7/16/24</a:t>
             </a:fld>
             <a:endParaRPr lang="en-US"/>
           </a:p>
@@ -15759,7 +15844,7 @@
           <a:p>
             <a:fld id="{3C04E684-10F4-4CC3-A0B9-F03AA7BE37CF}" type="datetimeFigureOut">
               <a:rPr lang="en-US" smtClean="0"/>
-              <a:t>7/15/24</a:t>
+              <a:t>7/16/24</a:t>
             </a:fld>
             <a:endParaRPr lang="en-US"/>
           </a:p>
@@ -16006,7 +16091,7 @@
           <a:p>
             <a:fld id="{3C04E684-10F4-4CC3-A0B9-F03AA7BE37CF}" type="datetimeFigureOut">
               <a:rPr lang="en-US" smtClean="0"/>
-              <a:t>7/15/24</a:t>
+              <a:t>7/16/24</a:t>
             </a:fld>
             <a:endParaRPr lang="en-US"/>
           </a:p>
@@ -16575,7 +16660,7 @@
           <a:p>
             <a:fld id="{3C04E684-10F4-4CC3-A0B9-F03AA7BE37CF}" type="datetimeFigureOut">
               <a:rPr lang="en-US" smtClean="0"/>
-              <a:t>7/15/24</a:t>
+              <a:t>7/16/24</a:t>
             </a:fld>
             <a:endParaRPr lang="en-US"/>
           </a:p>
@@ -17405,6 +17490,14 @@
 <file path=ppt/slides/slide10.xml><?xml version="1.0" encoding="utf-8"?>
 <p:sld xmlns:a="http://schemas.openxmlformats.org/drawingml/2006/main" xmlns:r="http://schemas.openxmlformats.org/officeDocument/2006/relationships" xmlns:p="http://schemas.openxmlformats.org/presentationml/2006/main">
   <p:cSld>
+    <p:bg>
+      <p:bgPr>
+        <a:solidFill>
+          <a:schemeClr val="bg1"/>
+        </a:solidFill>
+        <a:effectLst/>
+      </p:bgPr>
+    </p:bg>
     <p:spTree>
       <p:nvGrpSpPr>
         <p:cNvPr id="1" name=""/>
@@ -17419,6 +17512,1026 @@
           <a:chExt cx="0" cy="0"/>
         </a:xfrm>
       </p:grpSpPr>
+      <p:sp useBgFill="1">
+        <p:nvSpPr>
+          <p:cNvPr id="10" name="Rectangle 9">
+            <a:extLst>
+              <a:ext uri="{FF2B5EF4-FFF2-40B4-BE49-F238E27FC236}">
+                <a16:creationId xmlns:a16="http://schemas.microsoft.com/office/drawing/2014/main" id="{45D37F4E-DDB4-456B-97E0-9937730A039F}"/>
+              </a:ext>
+              <a:ext uri="{C183D7F6-B498-43B3-948B-1728B52AA6E4}">
+                <adec:decorative xmlns:adec="http://schemas.microsoft.com/office/drawing/2017/decorative" val="1"/>
+              </a:ext>
+            </a:extLst>
+          </p:cNvPr>
+          <p:cNvSpPr>
+            <a:spLocks noGrp="1" noRot="1" noChangeAspect="1" noMove="1" noResize="1" noEditPoints="1" noAdjustHandles="1" noChangeArrowheads="1" noChangeShapeType="1" noTextEdit="1"/>
+          </p:cNvSpPr>
+          <p:nvPr>
+            <p:extLst>
+              <p:ext uri="{386F3935-93C4-4BCD-93E2-E3B085C9AB24}">
+                <p16:designElem xmlns:p16="http://schemas.microsoft.com/office/powerpoint/2015/main" val="1"/>
+              </p:ext>
+            </p:extLst>
+          </p:nvPr>
+        </p:nvSpPr>
+        <p:spPr>
+          <a:xfrm>
+            <a:off x="0" y="0"/>
+            <a:ext cx="12188952" cy="6858000"/>
+          </a:xfrm>
+          <a:prstGeom prst="rect">
+            <a:avLst/>
+          </a:prstGeom>
+          <a:ln>
+            <a:noFill/>
+          </a:ln>
+        </p:spPr>
+        <p:style>
+          <a:lnRef idx="2">
+            <a:schemeClr val="accent1">
+              <a:shade val="50000"/>
+            </a:schemeClr>
+          </a:lnRef>
+          <a:fillRef idx="1">
+            <a:schemeClr val="accent1"/>
+          </a:fillRef>
+          <a:effectRef idx="0">
+            <a:schemeClr val="accent1"/>
+          </a:effectRef>
+          <a:fontRef idx="minor">
+            <a:schemeClr val="lt1"/>
+          </a:fontRef>
+        </p:style>
+        <p:txBody>
+          <a:bodyPr rtlCol="0" anchor="ctr"/>
+          <a:lstStyle/>
+          <a:p>
+            <a:pPr algn="ctr"/>
+            <a:endParaRPr lang="en-US"/>
+          </a:p>
+        </p:txBody>
+      </p:sp>
+      <p:sp>
+        <p:nvSpPr>
+          <p:cNvPr id="2" name="Title 1">
+            <a:extLst>
+              <a:ext uri="{FF2B5EF4-FFF2-40B4-BE49-F238E27FC236}">
+                <a16:creationId xmlns:a16="http://schemas.microsoft.com/office/drawing/2014/main" id="{30B463E9-A257-7F7A-3115-E0167688E803}"/>
+              </a:ext>
+            </a:extLst>
+          </p:cNvPr>
+          <p:cNvSpPr>
+            <a:spLocks noGrp="1"/>
+          </p:cNvSpPr>
+          <p:nvPr>
+            <p:ph type="title"/>
+          </p:nvPr>
+        </p:nvSpPr>
+        <p:spPr>
+          <a:xfrm>
+            <a:off x="572493" y="238539"/>
+            <a:ext cx="11018520" cy="1434415"/>
+          </a:xfrm>
+        </p:spPr>
+        <p:txBody>
+          <a:bodyPr anchor="b">
+            <a:normAutofit/>
+          </a:bodyPr>
+          <a:lstStyle/>
+          <a:p>
+            <a:pPr marL="571500" indent="-571500">
+              <a:buFont typeface="Wingdings" pitchFamily="2" charset="2"/>
+              <a:buChar char="Ø"/>
+            </a:pPr>
+            <a:r>
+              <a:rPr lang="en-US" sz="4600" dirty="0"/>
+              <a:t>The box plot analysis of inflation rate from 1998 to 2023</a:t>
+            </a:r>
+          </a:p>
+        </p:txBody>
+      </p:sp>
+      <p:sp>
+        <p:nvSpPr>
+          <p:cNvPr id="12" name="sketchy line">
+            <a:extLst>
+              <a:ext uri="{FF2B5EF4-FFF2-40B4-BE49-F238E27FC236}">
+                <a16:creationId xmlns:a16="http://schemas.microsoft.com/office/drawing/2014/main" id="{B2DD41CD-8F47-4F56-AD12-4E2FF7696987}"/>
+              </a:ext>
+              <a:ext uri="{C183D7F6-B498-43B3-948B-1728B52AA6E4}">
+                <adec:decorative xmlns:adec="http://schemas.microsoft.com/office/drawing/2017/decorative" val="1"/>
+              </a:ext>
+            </a:extLst>
+          </p:cNvPr>
+          <p:cNvSpPr>
+            <a:spLocks noGrp="1" noRot="1" noChangeAspect="1" noMove="1" noResize="1" noEditPoints="1" noAdjustHandles="1" noChangeArrowheads="1" noChangeShapeType="1" noTextEdit="1"/>
+          </p:cNvSpPr>
+          <p:nvPr>
+            <p:extLst>
+              <p:ext uri="{386F3935-93C4-4BCD-93E2-E3B085C9AB24}">
+                <p16:designElem xmlns:p16="http://schemas.microsoft.com/office/powerpoint/2015/main" val="1"/>
+              </p:ext>
+            </p:extLst>
+          </p:nvPr>
+        </p:nvSpPr>
+        <p:spPr>
+          <a:xfrm>
+            <a:off x="572493" y="1681544"/>
+            <a:ext cx="10972800" cy="18288"/>
+          </a:xfrm>
+          <a:custGeom>
+            <a:avLst/>
+            <a:gdLst>
+              <a:gd name="connsiteX0" fmla="*/ 0 w 10972800"/>
+              <a:gd name="connsiteY0" fmla="*/ 0 h 18288"/>
+              <a:gd name="connsiteX1" fmla="*/ 356616 w 10972800"/>
+              <a:gd name="connsiteY1" fmla="*/ 0 h 18288"/>
+              <a:gd name="connsiteX2" fmla="*/ 1042416 w 10972800"/>
+              <a:gd name="connsiteY2" fmla="*/ 0 h 18288"/>
+              <a:gd name="connsiteX3" fmla="*/ 1947672 w 10972800"/>
+              <a:gd name="connsiteY3" fmla="*/ 0 h 18288"/>
+              <a:gd name="connsiteX4" fmla="*/ 2633472 w 10972800"/>
+              <a:gd name="connsiteY4" fmla="*/ 0 h 18288"/>
+              <a:gd name="connsiteX5" fmla="*/ 2990088 w 10972800"/>
+              <a:gd name="connsiteY5" fmla="*/ 0 h 18288"/>
+              <a:gd name="connsiteX6" fmla="*/ 3456432 w 10972800"/>
+              <a:gd name="connsiteY6" fmla="*/ 0 h 18288"/>
+              <a:gd name="connsiteX7" fmla="*/ 4361688 w 10972800"/>
+              <a:gd name="connsiteY7" fmla="*/ 0 h 18288"/>
+              <a:gd name="connsiteX8" fmla="*/ 5266944 w 10972800"/>
+              <a:gd name="connsiteY8" fmla="*/ 0 h 18288"/>
+              <a:gd name="connsiteX9" fmla="*/ 6172200 w 10972800"/>
+              <a:gd name="connsiteY9" fmla="*/ 0 h 18288"/>
+              <a:gd name="connsiteX10" fmla="*/ 6528816 w 10972800"/>
+              <a:gd name="connsiteY10" fmla="*/ 0 h 18288"/>
+              <a:gd name="connsiteX11" fmla="*/ 7214616 w 10972800"/>
+              <a:gd name="connsiteY11" fmla="*/ 0 h 18288"/>
+              <a:gd name="connsiteX12" fmla="*/ 7790688 w 10972800"/>
+              <a:gd name="connsiteY12" fmla="*/ 0 h 18288"/>
+              <a:gd name="connsiteX13" fmla="*/ 8147304 w 10972800"/>
+              <a:gd name="connsiteY13" fmla="*/ 0 h 18288"/>
+              <a:gd name="connsiteX14" fmla="*/ 9052560 w 10972800"/>
+              <a:gd name="connsiteY14" fmla="*/ 0 h 18288"/>
+              <a:gd name="connsiteX15" fmla="*/ 9409176 w 10972800"/>
+              <a:gd name="connsiteY15" fmla="*/ 0 h 18288"/>
+              <a:gd name="connsiteX16" fmla="*/ 9765792 w 10972800"/>
+              <a:gd name="connsiteY16" fmla="*/ 0 h 18288"/>
+              <a:gd name="connsiteX17" fmla="*/ 10341864 w 10972800"/>
+              <a:gd name="connsiteY17" fmla="*/ 0 h 18288"/>
+              <a:gd name="connsiteX18" fmla="*/ 10972800 w 10972800"/>
+              <a:gd name="connsiteY18" fmla="*/ 0 h 18288"/>
+              <a:gd name="connsiteX19" fmla="*/ 10972800 w 10972800"/>
+              <a:gd name="connsiteY19" fmla="*/ 18288 h 18288"/>
+              <a:gd name="connsiteX20" fmla="*/ 10177272 w 10972800"/>
+              <a:gd name="connsiteY20" fmla="*/ 18288 h 18288"/>
+              <a:gd name="connsiteX21" fmla="*/ 9820656 w 10972800"/>
+              <a:gd name="connsiteY21" fmla="*/ 18288 h 18288"/>
+              <a:gd name="connsiteX22" fmla="*/ 9464040 w 10972800"/>
+              <a:gd name="connsiteY22" fmla="*/ 18288 h 18288"/>
+              <a:gd name="connsiteX23" fmla="*/ 8778240 w 10972800"/>
+              <a:gd name="connsiteY23" fmla="*/ 18288 h 18288"/>
+              <a:gd name="connsiteX24" fmla="*/ 8421624 w 10972800"/>
+              <a:gd name="connsiteY24" fmla="*/ 18288 h 18288"/>
+              <a:gd name="connsiteX25" fmla="*/ 7735824 w 10972800"/>
+              <a:gd name="connsiteY25" fmla="*/ 18288 h 18288"/>
+              <a:gd name="connsiteX26" fmla="*/ 6940296 w 10972800"/>
+              <a:gd name="connsiteY26" fmla="*/ 18288 h 18288"/>
+              <a:gd name="connsiteX27" fmla="*/ 6254496 w 10972800"/>
+              <a:gd name="connsiteY27" fmla="*/ 18288 h 18288"/>
+              <a:gd name="connsiteX28" fmla="*/ 5458968 w 10972800"/>
+              <a:gd name="connsiteY28" fmla="*/ 18288 h 18288"/>
+              <a:gd name="connsiteX29" fmla="*/ 4663440 w 10972800"/>
+              <a:gd name="connsiteY29" fmla="*/ 18288 h 18288"/>
+              <a:gd name="connsiteX30" fmla="*/ 4306824 w 10972800"/>
+              <a:gd name="connsiteY30" fmla="*/ 18288 h 18288"/>
+              <a:gd name="connsiteX31" fmla="*/ 3840480 w 10972800"/>
+              <a:gd name="connsiteY31" fmla="*/ 18288 h 18288"/>
+              <a:gd name="connsiteX32" fmla="*/ 3264408 w 10972800"/>
+              <a:gd name="connsiteY32" fmla="*/ 18288 h 18288"/>
+              <a:gd name="connsiteX33" fmla="*/ 2578608 w 10972800"/>
+              <a:gd name="connsiteY33" fmla="*/ 18288 h 18288"/>
+              <a:gd name="connsiteX34" fmla="*/ 1673352 w 10972800"/>
+              <a:gd name="connsiteY34" fmla="*/ 18288 h 18288"/>
+              <a:gd name="connsiteX35" fmla="*/ 877824 w 10972800"/>
+              <a:gd name="connsiteY35" fmla="*/ 18288 h 18288"/>
+              <a:gd name="connsiteX36" fmla="*/ 0 w 10972800"/>
+              <a:gd name="connsiteY36" fmla="*/ 18288 h 18288"/>
+              <a:gd name="connsiteX37" fmla="*/ 0 w 10972800"/>
+              <a:gd name="connsiteY37" fmla="*/ 0 h 18288"/>
+            </a:gdLst>
+            <a:ahLst/>
+            <a:cxnLst>
+              <a:cxn ang="0">
+                <a:pos x="connsiteX0" y="connsiteY0"/>
+              </a:cxn>
+              <a:cxn ang="0">
+                <a:pos x="connsiteX1" y="connsiteY1"/>
+              </a:cxn>
+              <a:cxn ang="0">
+                <a:pos x="connsiteX2" y="connsiteY2"/>
+              </a:cxn>
+              <a:cxn ang="0">
+                <a:pos x="connsiteX3" y="connsiteY3"/>
+              </a:cxn>
+              <a:cxn ang="0">
+                <a:pos x="connsiteX4" y="connsiteY4"/>
+              </a:cxn>
+              <a:cxn ang="0">
+                <a:pos x="connsiteX5" y="connsiteY5"/>
+              </a:cxn>
+              <a:cxn ang="0">
+                <a:pos x="connsiteX6" y="connsiteY6"/>
+              </a:cxn>
+              <a:cxn ang="0">
+                <a:pos x="connsiteX7" y="connsiteY7"/>
+              </a:cxn>
+              <a:cxn ang="0">
+                <a:pos x="connsiteX8" y="connsiteY8"/>
+              </a:cxn>
+              <a:cxn ang="0">
+                <a:pos x="connsiteX9" y="connsiteY9"/>
+              </a:cxn>
+              <a:cxn ang="0">
+                <a:pos x="connsiteX10" y="connsiteY10"/>
+              </a:cxn>
+              <a:cxn ang="0">
+                <a:pos x="connsiteX11" y="connsiteY11"/>
+              </a:cxn>
+              <a:cxn ang="0">
+                <a:pos x="connsiteX12" y="connsiteY12"/>
+              </a:cxn>
+              <a:cxn ang="0">
+                <a:pos x="connsiteX13" y="connsiteY13"/>
+              </a:cxn>
+              <a:cxn ang="0">
+                <a:pos x="connsiteX14" y="connsiteY14"/>
+              </a:cxn>
+              <a:cxn ang="0">
+                <a:pos x="connsiteX15" y="connsiteY15"/>
+              </a:cxn>
+              <a:cxn ang="0">
+                <a:pos x="connsiteX16" y="connsiteY16"/>
+              </a:cxn>
+              <a:cxn ang="0">
+                <a:pos x="connsiteX17" y="connsiteY17"/>
+              </a:cxn>
+              <a:cxn ang="0">
+                <a:pos x="connsiteX18" y="connsiteY18"/>
+              </a:cxn>
+              <a:cxn ang="0">
+                <a:pos x="connsiteX19" y="connsiteY19"/>
+              </a:cxn>
+              <a:cxn ang="0">
+                <a:pos x="connsiteX20" y="connsiteY20"/>
+              </a:cxn>
+              <a:cxn ang="0">
+                <a:pos x="connsiteX21" y="connsiteY21"/>
+              </a:cxn>
+              <a:cxn ang="0">
+                <a:pos x="connsiteX22" y="connsiteY22"/>
+              </a:cxn>
+              <a:cxn ang="0">
+                <a:pos x="connsiteX23" y="connsiteY23"/>
+              </a:cxn>
+              <a:cxn ang="0">
+                <a:pos x="connsiteX24" y="connsiteY24"/>
+              </a:cxn>
+              <a:cxn ang="0">
+                <a:pos x="connsiteX25" y="connsiteY25"/>
+              </a:cxn>
+              <a:cxn ang="0">
+                <a:pos x="connsiteX26" y="connsiteY26"/>
+              </a:cxn>
+              <a:cxn ang="0">
+                <a:pos x="connsiteX27" y="connsiteY27"/>
+              </a:cxn>
+              <a:cxn ang="0">
+                <a:pos x="connsiteX28" y="connsiteY28"/>
+              </a:cxn>
+              <a:cxn ang="0">
+                <a:pos x="connsiteX29" y="connsiteY29"/>
+              </a:cxn>
+              <a:cxn ang="0">
+                <a:pos x="connsiteX30" y="connsiteY30"/>
+              </a:cxn>
+              <a:cxn ang="0">
+                <a:pos x="connsiteX31" y="connsiteY31"/>
+              </a:cxn>
+              <a:cxn ang="0">
+                <a:pos x="connsiteX32" y="connsiteY32"/>
+              </a:cxn>
+              <a:cxn ang="0">
+                <a:pos x="connsiteX33" y="connsiteY33"/>
+              </a:cxn>
+              <a:cxn ang="0">
+                <a:pos x="connsiteX34" y="connsiteY34"/>
+              </a:cxn>
+              <a:cxn ang="0">
+                <a:pos x="connsiteX35" y="connsiteY35"/>
+              </a:cxn>
+              <a:cxn ang="0">
+                <a:pos x="connsiteX36" y="connsiteY36"/>
+              </a:cxn>
+              <a:cxn ang="0">
+                <a:pos x="connsiteX37" y="connsiteY37"/>
+              </a:cxn>
+            </a:cxnLst>
+            <a:rect l="l" t="t" r="r" b="b"/>
+            <a:pathLst>
+              <a:path w="10972800" h="18288" fill="none" extrusionOk="0">
+                <a:moveTo>
+                  <a:pt x="0" y="0"/>
+                </a:moveTo>
+                <a:cubicBezTo>
+                  <a:pt x="165916" y="-1866"/>
+                  <a:pt x="188720" y="13756"/>
+                  <a:pt x="356616" y="0"/>
+                </a:cubicBezTo>
+                <a:cubicBezTo>
+                  <a:pt x="524512" y="-13756"/>
+                  <a:pt x="734781" y="8922"/>
+                  <a:pt x="1042416" y="0"/>
+                </a:cubicBezTo>
+                <a:cubicBezTo>
+                  <a:pt x="1350051" y="-8922"/>
+                  <a:pt x="1595982" y="-26315"/>
+                  <a:pt x="1947672" y="0"/>
+                </a:cubicBezTo>
+                <a:cubicBezTo>
+                  <a:pt x="2299362" y="26315"/>
+                  <a:pt x="2292691" y="-19526"/>
+                  <a:pt x="2633472" y="0"/>
+                </a:cubicBezTo>
+                <a:cubicBezTo>
+                  <a:pt x="2974253" y="19526"/>
+                  <a:pt x="2857309" y="10773"/>
+                  <a:pt x="2990088" y="0"/>
+                </a:cubicBezTo>
+                <a:cubicBezTo>
+                  <a:pt x="3122867" y="-10773"/>
+                  <a:pt x="3359343" y="7194"/>
+                  <a:pt x="3456432" y="0"/>
+                </a:cubicBezTo>
+                <a:cubicBezTo>
+                  <a:pt x="3553521" y="-7194"/>
+                  <a:pt x="4136258" y="5108"/>
+                  <a:pt x="4361688" y="0"/>
+                </a:cubicBezTo>
+                <a:cubicBezTo>
+                  <a:pt x="4587118" y="-5108"/>
+                  <a:pt x="4992424" y="-42958"/>
+                  <a:pt x="5266944" y="0"/>
+                </a:cubicBezTo>
+                <a:cubicBezTo>
+                  <a:pt x="5541464" y="42958"/>
+                  <a:pt x="5882966" y="-3430"/>
+                  <a:pt x="6172200" y="0"/>
+                </a:cubicBezTo>
+                <a:cubicBezTo>
+                  <a:pt x="6461434" y="3430"/>
+                  <a:pt x="6432127" y="6688"/>
+                  <a:pt x="6528816" y="0"/>
+                </a:cubicBezTo>
+                <a:cubicBezTo>
+                  <a:pt x="6625505" y="-6688"/>
+                  <a:pt x="6916805" y="-436"/>
+                  <a:pt x="7214616" y="0"/>
+                </a:cubicBezTo>
+                <a:cubicBezTo>
+                  <a:pt x="7512427" y="436"/>
+                  <a:pt x="7626159" y="-6909"/>
+                  <a:pt x="7790688" y="0"/>
+                </a:cubicBezTo>
+                <a:cubicBezTo>
+                  <a:pt x="7955217" y="6909"/>
+                  <a:pt x="8048891" y="15307"/>
+                  <a:pt x="8147304" y="0"/>
+                </a:cubicBezTo>
+                <a:cubicBezTo>
+                  <a:pt x="8245717" y="-15307"/>
+                  <a:pt x="8645618" y="-11734"/>
+                  <a:pt x="9052560" y="0"/>
+                </a:cubicBezTo>
+                <a:cubicBezTo>
+                  <a:pt x="9459502" y="11734"/>
+                  <a:pt x="9320584" y="8388"/>
+                  <a:pt x="9409176" y="0"/>
+                </a:cubicBezTo>
+                <a:cubicBezTo>
+                  <a:pt x="9497768" y="-8388"/>
+                  <a:pt x="9644192" y="8379"/>
+                  <a:pt x="9765792" y="0"/>
+                </a:cubicBezTo>
+                <a:cubicBezTo>
+                  <a:pt x="9887392" y="-8379"/>
+                  <a:pt x="10105220" y="-12663"/>
+                  <a:pt x="10341864" y="0"/>
+                </a:cubicBezTo>
+                <a:cubicBezTo>
+                  <a:pt x="10578508" y="12663"/>
+                  <a:pt x="10773103" y="-5786"/>
+                  <a:pt x="10972800" y="0"/>
+                </a:cubicBezTo>
+                <a:cubicBezTo>
+                  <a:pt x="10972146" y="8818"/>
+                  <a:pt x="10972240" y="13823"/>
+                  <a:pt x="10972800" y="18288"/>
+                </a:cubicBezTo>
+                <a:cubicBezTo>
+                  <a:pt x="10588778" y="31598"/>
+                  <a:pt x="10543381" y="-12698"/>
+                  <a:pt x="10177272" y="18288"/>
+                </a:cubicBezTo>
+                <a:cubicBezTo>
+                  <a:pt x="9811163" y="49274"/>
+                  <a:pt x="9996817" y="25662"/>
+                  <a:pt x="9820656" y="18288"/>
+                </a:cubicBezTo>
+                <a:cubicBezTo>
+                  <a:pt x="9644495" y="10914"/>
+                  <a:pt x="9607007" y="31631"/>
+                  <a:pt x="9464040" y="18288"/>
+                </a:cubicBezTo>
+                <a:cubicBezTo>
+                  <a:pt x="9321073" y="4945"/>
+                  <a:pt x="9114189" y="28940"/>
+                  <a:pt x="8778240" y="18288"/>
+                </a:cubicBezTo>
+                <a:cubicBezTo>
+                  <a:pt x="8442291" y="7636"/>
+                  <a:pt x="8594763" y="987"/>
+                  <a:pt x="8421624" y="18288"/>
+                </a:cubicBezTo>
+                <a:cubicBezTo>
+                  <a:pt x="8248485" y="35589"/>
+                  <a:pt x="7929515" y="37573"/>
+                  <a:pt x="7735824" y="18288"/>
+                </a:cubicBezTo>
+                <a:cubicBezTo>
+                  <a:pt x="7542133" y="-997"/>
+                  <a:pt x="7252504" y="33858"/>
+                  <a:pt x="6940296" y="18288"/>
+                </a:cubicBezTo>
+                <a:cubicBezTo>
+                  <a:pt x="6628088" y="2718"/>
+                  <a:pt x="6528503" y="48389"/>
+                  <a:pt x="6254496" y="18288"/>
+                </a:cubicBezTo>
+                <a:cubicBezTo>
+                  <a:pt x="5980489" y="-11813"/>
+                  <a:pt x="5695784" y="-3740"/>
+                  <a:pt x="5458968" y="18288"/>
+                </a:cubicBezTo>
+                <a:cubicBezTo>
+                  <a:pt x="5222152" y="40316"/>
+                  <a:pt x="5010751" y="19095"/>
+                  <a:pt x="4663440" y="18288"/>
+                </a:cubicBezTo>
+                <a:cubicBezTo>
+                  <a:pt x="4316129" y="17481"/>
+                  <a:pt x="4425552" y="1606"/>
+                  <a:pt x="4306824" y="18288"/>
+                </a:cubicBezTo>
+                <a:cubicBezTo>
+                  <a:pt x="4188096" y="34970"/>
+                  <a:pt x="3941535" y="7481"/>
+                  <a:pt x="3840480" y="18288"/>
+                </a:cubicBezTo>
+                <a:cubicBezTo>
+                  <a:pt x="3739425" y="29095"/>
+                  <a:pt x="3402388" y="17641"/>
+                  <a:pt x="3264408" y="18288"/>
+                </a:cubicBezTo>
+                <a:cubicBezTo>
+                  <a:pt x="3126428" y="18935"/>
+                  <a:pt x="2776779" y="9983"/>
+                  <a:pt x="2578608" y="18288"/>
+                </a:cubicBezTo>
+                <a:cubicBezTo>
+                  <a:pt x="2380437" y="26593"/>
+                  <a:pt x="1909468" y="25818"/>
+                  <a:pt x="1673352" y="18288"/>
+                </a:cubicBezTo>
+                <a:cubicBezTo>
+                  <a:pt x="1437236" y="10758"/>
+                  <a:pt x="1131180" y="49884"/>
+                  <a:pt x="877824" y="18288"/>
+                </a:cubicBezTo>
+                <a:cubicBezTo>
+                  <a:pt x="624468" y="-13308"/>
+                  <a:pt x="206753" y="2195"/>
+                  <a:pt x="0" y="18288"/>
+                </a:cubicBezTo>
+                <a:cubicBezTo>
+                  <a:pt x="313" y="10654"/>
+                  <a:pt x="-263" y="4056"/>
+                  <a:pt x="0" y="0"/>
+                </a:cubicBezTo>
+                <a:close/>
+              </a:path>
+              <a:path w="10972800" h="18288" stroke="0" extrusionOk="0">
+                <a:moveTo>
+                  <a:pt x="0" y="0"/>
+                </a:moveTo>
+                <a:cubicBezTo>
+                  <a:pt x="164017" y="-17675"/>
+                  <a:pt x="309425" y="9913"/>
+                  <a:pt x="466344" y="0"/>
+                </a:cubicBezTo>
+                <a:cubicBezTo>
+                  <a:pt x="623263" y="-9913"/>
+                  <a:pt x="659300" y="-14524"/>
+                  <a:pt x="822960" y="0"/>
+                </a:cubicBezTo>
+                <a:cubicBezTo>
+                  <a:pt x="986620" y="14524"/>
+                  <a:pt x="1105222" y="-16481"/>
+                  <a:pt x="1289304" y="0"/>
+                </a:cubicBezTo>
+                <a:cubicBezTo>
+                  <a:pt x="1473386" y="16481"/>
+                  <a:pt x="1693223" y="26161"/>
+                  <a:pt x="1975104" y="0"/>
+                </a:cubicBezTo>
+                <a:cubicBezTo>
+                  <a:pt x="2256985" y="-26161"/>
+                  <a:pt x="2435781" y="23061"/>
+                  <a:pt x="2770632" y="0"/>
+                </a:cubicBezTo>
+                <a:cubicBezTo>
+                  <a:pt x="3105483" y="-23061"/>
+                  <a:pt x="3247479" y="-44011"/>
+                  <a:pt x="3675888" y="0"/>
+                </a:cubicBezTo>
+                <a:cubicBezTo>
+                  <a:pt x="4104297" y="44011"/>
+                  <a:pt x="4280918" y="4017"/>
+                  <a:pt x="4581144" y="0"/>
+                </a:cubicBezTo>
+                <a:cubicBezTo>
+                  <a:pt x="4881370" y="-4017"/>
+                  <a:pt x="5021699" y="-11889"/>
+                  <a:pt x="5157216" y="0"/>
+                </a:cubicBezTo>
+                <a:cubicBezTo>
+                  <a:pt x="5292733" y="11889"/>
+                  <a:pt x="5603398" y="-17698"/>
+                  <a:pt x="5952744" y="0"/>
+                </a:cubicBezTo>
+                <a:cubicBezTo>
+                  <a:pt x="6302090" y="17698"/>
+                  <a:pt x="6353093" y="-11909"/>
+                  <a:pt x="6638544" y="0"/>
+                </a:cubicBezTo>
+                <a:cubicBezTo>
+                  <a:pt x="6923995" y="11909"/>
+                  <a:pt x="7053404" y="21630"/>
+                  <a:pt x="7214616" y="0"/>
+                </a:cubicBezTo>
+                <a:cubicBezTo>
+                  <a:pt x="7375828" y="-21630"/>
+                  <a:pt x="7837963" y="3886"/>
+                  <a:pt x="8010144" y="0"/>
+                </a:cubicBezTo>
+                <a:cubicBezTo>
+                  <a:pt x="8182325" y="-3886"/>
+                  <a:pt x="8224183" y="16009"/>
+                  <a:pt x="8366760" y="0"/>
+                </a:cubicBezTo>
+                <a:cubicBezTo>
+                  <a:pt x="8509337" y="-16009"/>
+                  <a:pt x="8687920" y="-5720"/>
+                  <a:pt x="8942832" y="0"/>
+                </a:cubicBezTo>
+                <a:cubicBezTo>
+                  <a:pt x="9197744" y="5720"/>
+                  <a:pt x="9368437" y="20479"/>
+                  <a:pt x="9628632" y="0"/>
+                </a:cubicBezTo>
+                <a:cubicBezTo>
+                  <a:pt x="9888827" y="-20479"/>
+                  <a:pt x="10560858" y="-20746"/>
+                  <a:pt x="10972800" y="0"/>
+                </a:cubicBezTo>
+                <a:cubicBezTo>
+                  <a:pt x="10972186" y="5722"/>
+                  <a:pt x="10972980" y="12495"/>
+                  <a:pt x="10972800" y="18288"/>
+                </a:cubicBezTo>
+                <a:cubicBezTo>
+                  <a:pt x="10786146" y="12536"/>
+                  <a:pt x="10623717" y="14033"/>
+                  <a:pt x="10506456" y="18288"/>
+                </a:cubicBezTo>
+                <a:cubicBezTo>
+                  <a:pt x="10389195" y="22543"/>
+                  <a:pt x="10296178" y="20107"/>
+                  <a:pt x="10149840" y="18288"/>
+                </a:cubicBezTo>
+                <a:cubicBezTo>
+                  <a:pt x="10003502" y="16469"/>
+                  <a:pt x="9767530" y="28891"/>
+                  <a:pt x="9464040" y="18288"/>
+                </a:cubicBezTo>
+                <a:cubicBezTo>
+                  <a:pt x="9160550" y="7685"/>
+                  <a:pt x="9229050" y="2659"/>
+                  <a:pt x="8997696" y="18288"/>
+                </a:cubicBezTo>
+                <a:cubicBezTo>
+                  <a:pt x="8766342" y="33917"/>
+                  <a:pt x="8340136" y="34864"/>
+                  <a:pt x="8092440" y="18288"/>
+                </a:cubicBezTo>
+                <a:cubicBezTo>
+                  <a:pt x="7844744" y="1712"/>
+                  <a:pt x="7863720" y="27405"/>
+                  <a:pt x="7735824" y="18288"/>
+                </a:cubicBezTo>
+                <a:cubicBezTo>
+                  <a:pt x="7607928" y="9171"/>
+                  <a:pt x="7323619" y="461"/>
+                  <a:pt x="7050024" y="18288"/>
+                </a:cubicBezTo>
+                <a:cubicBezTo>
+                  <a:pt x="6776429" y="36115"/>
+                  <a:pt x="6787899" y="28206"/>
+                  <a:pt x="6693408" y="18288"/>
+                </a:cubicBezTo>
+                <a:cubicBezTo>
+                  <a:pt x="6598917" y="8370"/>
+                  <a:pt x="6395231" y="19114"/>
+                  <a:pt x="6227064" y="18288"/>
+                </a:cubicBezTo>
+                <a:cubicBezTo>
+                  <a:pt x="6058897" y="17462"/>
+                  <a:pt x="5618582" y="1091"/>
+                  <a:pt x="5431536" y="18288"/>
+                </a:cubicBezTo>
+                <a:cubicBezTo>
+                  <a:pt x="5244490" y="35485"/>
+                  <a:pt x="4729797" y="-9650"/>
+                  <a:pt x="4526280" y="18288"/>
+                </a:cubicBezTo>
+                <a:cubicBezTo>
+                  <a:pt x="4322763" y="46226"/>
+                  <a:pt x="4216797" y="756"/>
+                  <a:pt x="4059936" y="18288"/>
+                </a:cubicBezTo>
+                <a:cubicBezTo>
+                  <a:pt x="3903075" y="35820"/>
+                  <a:pt x="3537912" y="42098"/>
+                  <a:pt x="3374136" y="18288"/>
+                </a:cubicBezTo>
+                <a:cubicBezTo>
+                  <a:pt x="3210360" y="-5522"/>
+                  <a:pt x="3126842" y="39135"/>
+                  <a:pt x="2907792" y="18288"/>
+                </a:cubicBezTo>
+                <a:cubicBezTo>
+                  <a:pt x="2688742" y="-2559"/>
+                  <a:pt x="2490436" y="34100"/>
+                  <a:pt x="2112264" y="18288"/>
+                </a:cubicBezTo>
+                <a:cubicBezTo>
+                  <a:pt x="1734092" y="2476"/>
+                  <a:pt x="1744622" y="-7274"/>
+                  <a:pt x="1536192" y="18288"/>
+                </a:cubicBezTo>
+                <a:cubicBezTo>
+                  <a:pt x="1327762" y="43850"/>
+                  <a:pt x="1189025" y="6435"/>
+                  <a:pt x="1069848" y="18288"/>
+                </a:cubicBezTo>
+                <a:cubicBezTo>
+                  <a:pt x="950671" y="30141"/>
+                  <a:pt x="858345" y="33684"/>
+                  <a:pt x="713232" y="18288"/>
+                </a:cubicBezTo>
+                <a:cubicBezTo>
+                  <a:pt x="568119" y="2892"/>
+                  <a:pt x="250292" y="5410"/>
+                  <a:pt x="0" y="18288"/>
+                </a:cubicBezTo>
+                <a:cubicBezTo>
+                  <a:pt x="465" y="13062"/>
+                  <a:pt x="-894" y="9029"/>
+                  <a:pt x="0" y="0"/>
+                </a:cubicBezTo>
+                <a:close/>
+              </a:path>
+            </a:pathLst>
+          </a:custGeom>
+          <a:solidFill>
+            <a:schemeClr val="accent2">
+              <a:alpha val="75000"/>
+            </a:schemeClr>
+          </a:solidFill>
+          <a:ln w="44450" cap="rnd">
+            <a:solidFill>
+              <a:schemeClr val="accent2">
+                <a:alpha val="75000"/>
+              </a:schemeClr>
+            </a:solidFill>
+            <a:round/>
+            <a:extLst>
+              <a:ext uri="{C807C97D-BFC1-408E-A445-0C87EB9F89A2}">
+                <ask:lineSketchStyleProps xmlns:ask="http://schemas.microsoft.com/office/drawing/2018/sketchyshapes" sd="2727557108">
+                  <a:prstGeom prst="rect">
+                    <a:avLst/>
+                  </a:prstGeom>
+                  <ask:type>
+                    <ask:lineSketchFreehand/>
+                  </ask:type>
+                </ask:lineSketchStyleProps>
+              </a:ext>
+            </a:extLst>
+          </a:ln>
+        </p:spPr>
+        <p:style>
+          <a:lnRef idx="2">
+            <a:schemeClr val="accent1">
+              <a:shade val="50000"/>
+            </a:schemeClr>
+          </a:lnRef>
+          <a:fillRef idx="1">
+            <a:schemeClr val="accent1"/>
+          </a:fillRef>
+          <a:effectRef idx="0">
+            <a:schemeClr val="accent1"/>
+          </a:effectRef>
+          <a:fontRef idx="minor">
+            <a:schemeClr val="lt1"/>
+          </a:fontRef>
+        </p:style>
+        <p:txBody>
+          <a:bodyPr rtlCol="0" anchor="ctr"/>
+          <a:lstStyle/>
+          <a:p>
+            <a:pPr algn="ctr"/>
+            <a:endParaRPr lang="en-US"/>
+          </a:p>
+        </p:txBody>
+      </p:sp>
+      <p:sp>
+        <p:nvSpPr>
+          <p:cNvPr id="3" name="Content Placeholder 2">
+            <a:extLst>
+              <a:ext uri="{FF2B5EF4-FFF2-40B4-BE49-F238E27FC236}">
+                <a16:creationId xmlns:a16="http://schemas.microsoft.com/office/drawing/2014/main" id="{23343D2F-0580-F923-837C-603D69A765B3}"/>
+              </a:ext>
+            </a:extLst>
+          </p:cNvPr>
+          <p:cNvSpPr>
+            <a:spLocks noGrp="1"/>
+          </p:cNvSpPr>
+          <p:nvPr>
+            <p:ph idx="1"/>
+          </p:nvPr>
+        </p:nvSpPr>
+        <p:spPr>
+          <a:xfrm>
+            <a:off x="572493" y="2071316"/>
+            <a:ext cx="6332002" cy="4119172"/>
+          </a:xfrm>
+        </p:spPr>
+        <p:txBody>
+          <a:bodyPr anchor="t">
+            <a:normAutofit/>
+          </a:bodyPr>
+          <a:lstStyle/>
+          <a:p>
+            <a:pPr marL="0" indent="0">
+              <a:buNone/>
+            </a:pPr>
+            <a:r>
+              <a:rPr lang="en-US" sz="1600" dirty="0"/>
+              <a:t>Summary:</a:t>
+            </a:r>
+          </a:p>
+          <a:p>
+            <a:pPr marL="0" indent="0">
+              <a:buNone/>
+            </a:pPr>
+            <a:r>
+              <a:rPr lang="en-US" sz="1200" dirty="0"/>
+              <a:t>The box plot visually represents the distribution of inflation rates  from 1998 to 2023. Key statistical measures such as the median, quartiles, and outliers are depicted, providing insights into the variability and central tendency of inflation rates over this period.</a:t>
+            </a:r>
+          </a:p>
+          <a:p>
+            <a:pPr marL="0" indent="0">
+              <a:buNone/>
+            </a:pPr>
+            <a:r>
+              <a:rPr lang="en-US" sz="1200" b="1" dirty="0"/>
+              <a:t>Median (Q2)</a:t>
+            </a:r>
+            <a:r>
+              <a:rPr lang="en-US" sz="1200" dirty="0"/>
+              <a:t>: The median inflation rate appears to be around 2%.</a:t>
+            </a:r>
+          </a:p>
+          <a:p>
+            <a:pPr marL="0" indent="0">
+              <a:buNone/>
+            </a:pPr>
+            <a:r>
+              <a:rPr lang="en-US" sz="1200" b="1" dirty="0"/>
+              <a:t>Outlier </a:t>
+            </a:r>
+            <a:r>
+              <a:rPr lang="en-US" sz="1200" dirty="0"/>
+              <a:t>: The outlier year (likely with a significantly higher inflation rate) stands out from the rest of the data. This could be a year of economic significance where external factors like economic crises or policy changes might have influenced inflation rates.</a:t>
+            </a:r>
+          </a:p>
+          <a:p>
+            <a:pPr marL="0" indent="0">
+              <a:buNone/>
+            </a:pPr>
+            <a:r>
+              <a:rPr lang="en-US" sz="1200" b="1" dirty="0"/>
+              <a:t>Temporal Analysis</a:t>
+            </a:r>
+            <a:r>
+              <a:rPr lang="en-US" sz="1200" dirty="0"/>
+              <a:t>: Considering the years plotted, the box plot doesn't show a significant trend over time but rather captures the variability and outlier years.</a:t>
+            </a:r>
+          </a:p>
+          <a:p>
+            <a:pPr marL="0" indent="0">
+              <a:buNone/>
+            </a:pPr>
+            <a:r>
+              <a:rPr lang="en-US" sz="1200" dirty="0"/>
+              <a:t>To find correlation, identifying outlier years is crucial as they can provide insights into periods of economic stress or unusual policy interventions affecting inflation.</a:t>
+            </a:r>
+          </a:p>
+          <a:p>
+            <a:pPr marL="0" indent="0">
+              <a:buNone/>
+            </a:pPr>
+            <a:r>
+              <a:rPr lang="en-US" sz="1200" b="1" dirty="0"/>
+              <a:t> Conclusion:</a:t>
+            </a:r>
+            <a:endParaRPr lang="en-US" sz="1200" dirty="0"/>
+          </a:p>
+          <a:p>
+            <a:pPr marL="0" indent="0">
+              <a:buNone/>
+            </a:pPr>
+            <a:r>
+              <a:rPr lang="en-US" sz="1200" dirty="0"/>
+              <a:t> The box plot analysis provides a clear visual representation of the distribution and outlier in inflation rates, offering valuable insights into economic stability, policy impacts, and historical trends. Further investigation into the outlier year can provide deeper understanding and inform strategic decisions in economic policy and forecasting.</a:t>
+            </a:r>
+          </a:p>
+          <a:p>
+            <a:pPr marL="0" indent="0">
+              <a:buNone/>
+            </a:pPr>
+            <a:endParaRPr lang="en-US" sz="1200" dirty="0"/>
+          </a:p>
+          <a:p>
+            <a:pPr marL="0" indent="0">
+              <a:buNone/>
+            </a:pPr>
+            <a:endParaRPr lang="en-US" sz="1050" dirty="0"/>
+          </a:p>
+          <a:p>
+            <a:pPr marL="0" indent="0">
+              <a:buNone/>
+            </a:pPr>
+            <a:endParaRPr lang="en-US" sz="1400" dirty="0"/>
+          </a:p>
+        </p:txBody>
+      </p:sp>
+      <p:pic>
+        <p:nvPicPr>
+          <p:cNvPr id="5" name="Picture 4">
+            <a:extLst>
+              <a:ext uri="{FF2B5EF4-FFF2-40B4-BE49-F238E27FC236}">
+                <a16:creationId xmlns:a16="http://schemas.microsoft.com/office/drawing/2014/main" id="{D55D30A1-2074-F62C-2F70-9D0ABCBD5308}"/>
+              </a:ext>
+            </a:extLst>
+          </p:cNvPr>
+          <p:cNvPicPr>
+            <a:picLocks noChangeAspect="1"/>
+          </p:cNvPicPr>
+          <p:nvPr/>
+        </p:nvPicPr>
+        <p:blipFill rotWithShape="1">
+          <a:blip r:embed="rId2"/>
+          <a:srcRect l="-26" t="-1207" r="-156" b="1209"/>
+          <a:stretch/>
+        </p:blipFill>
+        <p:spPr>
+          <a:xfrm>
+            <a:off x="7030120" y="2013442"/>
+            <a:ext cx="4880327" cy="4096512"/>
+          </a:xfrm>
+          <a:prstGeom prst="rect">
+            <a:avLst/>
+          </a:prstGeom>
+        </p:spPr>
+      </p:pic>
+    </p:spTree>
+    <p:extLst>
+      <p:ext uri="{BB962C8B-B14F-4D97-AF65-F5344CB8AC3E}">
+        <p14:creationId xmlns:p14="http://schemas.microsoft.com/office/powerpoint/2010/main" val="4086545631"/>
+      </p:ext>
+    </p:extLst>
+  </p:cSld>
+  <p:clrMapOvr>
+    <a:masterClrMapping/>
+  </p:clrMapOvr>
+</p:sld>
+</file>
+
+<file path=ppt/slides/slide11.xml><?xml version="1.0" encoding="utf-8"?>
+<p:sld xmlns:a="http://schemas.openxmlformats.org/drawingml/2006/main" xmlns:r="http://schemas.openxmlformats.org/officeDocument/2006/relationships" xmlns:p="http://schemas.openxmlformats.org/presentationml/2006/main">
+  <p:cSld>
+    <p:bg>
+      <p:bgPr>
+        <a:solidFill>
+          <a:schemeClr val="bg1"/>
+        </a:solidFill>
+        <a:effectLst/>
+      </p:bgPr>
+    </p:bg>
+    <p:spTree>
+      <p:nvGrpSpPr>
+        <p:cNvPr id="1" name=""/>
+        <p:cNvGrpSpPr/>
+        <p:nvPr/>
+      </p:nvGrpSpPr>
+      <p:grpSpPr>
+        <a:xfrm>
+          <a:off x="0" y="0"/>
+          <a:ext cx="0" cy="0"/>
+          <a:chOff x="0" y="0"/>
+          <a:chExt cx="0" cy="0"/>
+        </a:xfrm>
+      </p:grpSpPr>
+      <p:sp useBgFill="1">
+        <p:nvSpPr>
+          <p:cNvPr id="22" name="Rectangle 21">
+            <a:extLst>
+              <a:ext uri="{FF2B5EF4-FFF2-40B4-BE49-F238E27FC236}">
+                <a16:creationId xmlns:a16="http://schemas.microsoft.com/office/drawing/2014/main" id="{53B475F8-50AE-46A0-9943-B2B63183D50C}"/>
+              </a:ext>
+              <a:ext uri="{C183D7F6-B498-43B3-948B-1728B52AA6E4}">
+                <adec:decorative xmlns:adec="http://schemas.microsoft.com/office/drawing/2017/decorative" val="1"/>
+              </a:ext>
+            </a:extLst>
+          </p:cNvPr>
+          <p:cNvSpPr>
+            <a:spLocks noGrp="1" noRot="1" noChangeAspect="1" noMove="1" noResize="1" noEditPoints="1" noAdjustHandles="1" noChangeArrowheads="1" noChangeShapeType="1" noTextEdit="1"/>
+          </p:cNvSpPr>
+          <p:nvPr>
+            <p:extLst>
+              <p:ext uri="{386F3935-93C4-4BCD-93E2-E3B085C9AB24}">
+                <p16:designElem xmlns:p16="http://schemas.microsoft.com/office/powerpoint/2015/main" val="1"/>
+              </p:ext>
+            </p:extLst>
+          </p:nvPr>
+        </p:nvSpPr>
+        <p:spPr>
+          <a:xfrm>
+            <a:off x="0" y="0"/>
+            <a:ext cx="12188952" cy="6858000"/>
+          </a:xfrm>
+          <a:prstGeom prst="rect">
+            <a:avLst/>
+          </a:prstGeom>
+          <a:ln>
+            <a:noFill/>
+          </a:ln>
+        </p:spPr>
+        <p:style>
+          <a:lnRef idx="2">
+            <a:schemeClr val="accent1">
+              <a:shade val="50000"/>
+            </a:schemeClr>
+          </a:lnRef>
+          <a:fillRef idx="1">
+            <a:schemeClr val="accent1"/>
+          </a:fillRef>
+          <a:effectRef idx="0">
+            <a:schemeClr val="accent1"/>
+          </a:effectRef>
+          <a:fontRef idx="minor">
+            <a:schemeClr val="lt1"/>
+          </a:fontRef>
+        </p:style>
+        <p:txBody>
+          <a:bodyPr rtlCol="0" anchor="ctr"/>
+          <a:lstStyle/>
+          <a:p>
+            <a:pPr algn="ctr"/>
+            <a:endParaRPr lang="en-US"/>
+          </a:p>
+        </p:txBody>
+      </p:sp>
       <p:sp>
         <p:nvSpPr>
           <p:cNvPr id="2" name="Title 1">
@@ -17435,18 +18548,20 @@
             <p:ph type="title"/>
           </p:nvPr>
         </p:nvSpPr>
-        <p:spPr/>
+        <p:spPr>
+          <a:xfrm>
+            <a:off x="612648" y="365125"/>
+            <a:ext cx="6986015" cy="1580561"/>
+          </a:xfrm>
+        </p:spPr>
         <p:txBody>
-          <a:bodyPr>
-            <a:noAutofit/>
+          <a:bodyPr anchor="b">
+            <a:normAutofit/>
           </a:bodyPr>
           <a:lstStyle/>
           <a:p>
             <a:br>
-              <a:rPr lang="en-US" sz="3200" b="0" i="0" dirty="0">
-                <a:solidFill>
-                  <a:srgbClr val="D1D2D3"/>
-                </a:solidFill>
+              <a:rPr lang="en-US" sz="5400" b="0" i="0">
                 <a:effectLst/>
                 <a:highlight>
                   <a:srgbClr val="222529"/>
@@ -17454,7 +18569,380 @@
                 <a:latin typeface="Slack-Lato"/>
               </a:rPr>
             </a:br>
-            <a:endParaRPr lang="en-US" sz="3200" dirty="0"/>
+            <a:endParaRPr lang="en-US" sz="5400"/>
+          </a:p>
+        </p:txBody>
+      </p:sp>
+      <p:pic>
+        <p:nvPicPr>
+          <p:cNvPr id="5" name="Picture 4">
+            <a:extLst>
+              <a:ext uri="{FF2B5EF4-FFF2-40B4-BE49-F238E27FC236}">
+                <a16:creationId xmlns:a16="http://schemas.microsoft.com/office/drawing/2014/main" id="{18C1068A-DF90-5CFE-C280-D60E203C4658}"/>
+              </a:ext>
+            </a:extLst>
+          </p:cNvPr>
+          <p:cNvPicPr>
+            <a:picLocks noChangeAspect="1"/>
+          </p:cNvPicPr>
+          <p:nvPr/>
+        </p:nvPicPr>
+        <p:blipFill>
+          <a:blip r:embed="rId2"/>
+          <a:stretch>
+            <a:fillRect/>
+          </a:stretch>
+        </p:blipFill>
+        <p:spPr>
+          <a:xfrm>
+            <a:off x="7038109" y="4368783"/>
+            <a:ext cx="4832949" cy="2141609"/>
+          </a:xfrm>
+          <a:prstGeom prst="rect">
+            <a:avLst/>
+          </a:prstGeom>
+        </p:spPr>
+      </p:pic>
+      <p:sp>
+        <p:nvSpPr>
+          <p:cNvPr id="24" name="sketch line">
+            <a:extLst>
+              <a:ext uri="{FF2B5EF4-FFF2-40B4-BE49-F238E27FC236}">
+                <a16:creationId xmlns:a16="http://schemas.microsoft.com/office/drawing/2014/main" id="{75F6FDB4-2351-48C2-A863-2364A02343C0}"/>
+              </a:ext>
+              <a:ext uri="{C183D7F6-B498-43B3-948B-1728B52AA6E4}">
+                <adec:decorative xmlns:adec="http://schemas.microsoft.com/office/drawing/2017/decorative" val="1"/>
+              </a:ext>
+            </a:extLst>
+          </p:cNvPr>
+          <p:cNvSpPr>
+            <a:spLocks noGrp="1" noRot="1" noChangeAspect="1" noMove="1" noResize="1" noEditPoints="1" noAdjustHandles="1" noChangeArrowheads="1" noChangeShapeType="1" noTextEdit="1"/>
+          </p:cNvSpPr>
+          <p:nvPr>
+            <p:extLst>
+              <p:ext uri="{386F3935-93C4-4BCD-93E2-E3B085C9AB24}">
+                <p16:designElem xmlns:p16="http://schemas.microsoft.com/office/powerpoint/2015/main" val="1"/>
+              </p:ext>
+            </p:extLst>
+          </p:nvPr>
+        </p:nvSpPr>
+        <p:spPr>
+          <a:xfrm>
+            <a:off x="838200" y="2315691"/>
+            <a:ext cx="4343400" cy="18288"/>
+          </a:xfrm>
+          <a:custGeom>
+            <a:avLst/>
+            <a:gdLst>
+              <a:gd name="connsiteX0" fmla="*/ 0 w 4343400"/>
+              <a:gd name="connsiteY0" fmla="*/ 0 h 18288"/>
+              <a:gd name="connsiteX1" fmla="*/ 577052 w 4343400"/>
+              <a:gd name="connsiteY1" fmla="*/ 0 h 18288"/>
+              <a:gd name="connsiteX2" fmla="*/ 1067235 w 4343400"/>
+              <a:gd name="connsiteY2" fmla="*/ 0 h 18288"/>
+              <a:gd name="connsiteX3" fmla="*/ 1600853 w 4343400"/>
+              <a:gd name="connsiteY3" fmla="*/ 0 h 18288"/>
+              <a:gd name="connsiteX4" fmla="*/ 2264773 w 4343400"/>
+              <a:gd name="connsiteY4" fmla="*/ 0 h 18288"/>
+              <a:gd name="connsiteX5" fmla="*/ 2841825 w 4343400"/>
+              <a:gd name="connsiteY5" fmla="*/ 0 h 18288"/>
+              <a:gd name="connsiteX6" fmla="*/ 3375442 w 4343400"/>
+              <a:gd name="connsiteY6" fmla="*/ 0 h 18288"/>
+              <a:gd name="connsiteX7" fmla="*/ 4343400 w 4343400"/>
+              <a:gd name="connsiteY7" fmla="*/ 0 h 18288"/>
+              <a:gd name="connsiteX8" fmla="*/ 4343400 w 4343400"/>
+              <a:gd name="connsiteY8" fmla="*/ 18288 h 18288"/>
+              <a:gd name="connsiteX9" fmla="*/ 3722914 w 4343400"/>
+              <a:gd name="connsiteY9" fmla="*/ 18288 h 18288"/>
+              <a:gd name="connsiteX10" fmla="*/ 3189297 w 4343400"/>
+              <a:gd name="connsiteY10" fmla="*/ 18288 h 18288"/>
+              <a:gd name="connsiteX11" fmla="*/ 2481943 w 4343400"/>
+              <a:gd name="connsiteY11" fmla="*/ 18288 h 18288"/>
+              <a:gd name="connsiteX12" fmla="*/ 1904891 w 4343400"/>
+              <a:gd name="connsiteY12" fmla="*/ 18288 h 18288"/>
+              <a:gd name="connsiteX13" fmla="*/ 1414707 w 4343400"/>
+              <a:gd name="connsiteY13" fmla="*/ 18288 h 18288"/>
+              <a:gd name="connsiteX14" fmla="*/ 750788 w 4343400"/>
+              <a:gd name="connsiteY14" fmla="*/ 18288 h 18288"/>
+              <a:gd name="connsiteX15" fmla="*/ 0 w 4343400"/>
+              <a:gd name="connsiteY15" fmla="*/ 18288 h 18288"/>
+              <a:gd name="connsiteX16" fmla="*/ 0 w 4343400"/>
+              <a:gd name="connsiteY16" fmla="*/ 0 h 18288"/>
+            </a:gdLst>
+            <a:ahLst/>
+            <a:cxnLst>
+              <a:cxn ang="0">
+                <a:pos x="connsiteX0" y="connsiteY0"/>
+              </a:cxn>
+              <a:cxn ang="0">
+                <a:pos x="connsiteX1" y="connsiteY1"/>
+              </a:cxn>
+              <a:cxn ang="0">
+                <a:pos x="connsiteX2" y="connsiteY2"/>
+              </a:cxn>
+              <a:cxn ang="0">
+                <a:pos x="connsiteX3" y="connsiteY3"/>
+              </a:cxn>
+              <a:cxn ang="0">
+                <a:pos x="connsiteX4" y="connsiteY4"/>
+              </a:cxn>
+              <a:cxn ang="0">
+                <a:pos x="connsiteX5" y="connsiteY5"/>
+              </a:cxn>
+              <a:cxn ang="0">
+                <a:pos x="connsiteX6" y="connsiteY6"/>
+              </a:cxn>
+              <a:cxn ang="0">
+                <a:pos x="connsiteX7" y="connsiteY7"/>
+              </a:cxn>
+              <a:cxn ang="0">
+                <a:pos x="connsiteX8" y="connsiteY8"/>
+              </a:cxn>
+              <a:cxn ang="0">
+                <a:pos x="connsiteX9" y="connsiteY9"/>
+              </a:cxn>
+              <a:cxn ang="0">
+                <a:pos x="connsiteX10" y="connsiteY10"/>
+              </a:cxn>
+              <a:cxn ang="0">
+                <a:pos x="connsiteX11" y="connsiteY11"/>
+              </a:cxn>
+              <a:cxn ang="0">
+                <a:pos x="connsiteX12" y="connsiteY12"/>
+              </a:cxn>
+              <a:cxn ang="0">
+                <a:pos x="connsiteX13" y="connsiteY13"/>
+              </a:cxn>
+              <a:cxn ang="0">
+                <a:pos x="connsiteX14" y="connsiteY14"/>
+              </a:cxn>
+              <a:cxn ang="0">
+                <a:pos x="connsiteX15" y="connsiteY15"/>
+              </a:cxn>
+              <a:cxn ang="0">
+                <a:pos x="connsiteX16" y="connsiteY16"/>
+              </a:cxn>
+            </a:cxnLst>
+            <a:rect l="l" t="t" r="r" b="b"/>
+            <a:pathLst>
+              <a:path w="4343400" h="18288" fill="none" extrusionOk="0">
+                <a:moveTo>
+                  <a:pt x="0" y="0"/>
+                </a:moveTo>
+                <a:cubicBezTo>
+                  <a:pt x="233209" y="-19550"/>
+                  <a:pt x="330816" y="19068"/>
+                  <a:pt x="577052" y="0"/>
+                </a:cubicBezTo>
+                <a:cubicBezTo>
+                  <a:pt x="823288" y="-19068"/>
+                  <a:pt x="875077" y="10360"/>
+                  <a:pt x="1067235" y="0"/>
+                </a:cubicBezTo>
+                <a:cubicBezTo>
+                  <a:pt x="1259393" y="-10360"/>
+                  <a:pt x="1410699" y="2939"/>
+                  <a:pt x="1600853" y="0"/>
+                </a:cubicBezTo>
+                <a:cubicBezTo>
+                  <a:pt x="1791007" y="-2939"/>
+                  <a:pt x="2101644" y="-26225"/>
+                  <a:pt x="2264773" y="0"/>
+                </a:cubicBezTo>
+                <a:cubicBezTo>
+                  <a:pt x="2427902" y="26225"/>
+                  <a:pt x="2690426" y="-27726"/>
+                  <a:pt x="2841825" y="0"/>
+                </a:cubicBezTo>
+                <a:cubicBezTo>
+                  <a:pt x="2993224" y="27726"/>
+                  <a:pt x="3172320" y="-18569"/>
+                  <a:pt x="3375442" y="0"/>
+                </a:cubicBezTo>
+                <a:cubicBezTo>
+                  <a:pt x="3578564" y="18569"/>
+                  <a:pt x="4003119" y="21909"/>
+                  <a:pt x="4343400" y="0"/>
+                </a:cubicBezTo>
+                <a:cubicBezTo>
+                  <a:pt x="4343798" y="7429"/>
+                  <a:pt x="4343380" y="10822"/>
+                  <a:pt x="4343400" y="18288"/>
+                </a:cubicBezTo>
+                <a:cubicBezTo>
+                  <a:pt x="4109047" y="14709"/>
+                  <a:pt x="3996986" y="7919"/>
+                  <a:pt x="3722914" y="18288"/>
+                </a:cubicBezTo>
+                <a:cubicBezTo>
+                  <a:pt x="3448842" y="28657"/>
+                  <a:pt x="3340973" y="29252"/>
+                  <a:pt x="3189297" y="18288"/>
+                </a:cubicBezTo>
+                <a:cubicBezTo>
+                  <a:pt x="3037621" y="7324"/>
+                  <a:pt x="2636891" y="-9539"/>
+                  <a:pt x="2481943" y="18288"/>
+                </a:cubicBezTo>
+                <a:cubicBezTo>
+                  <a:pt x="2326995" y="46115"/>
+                  <a:pt x="2131632" y="740"/>
+                  <a:pt x="1904891" y="18288"/>
+                </a:cubicBezTo>
+                <a:cubicBezTo>
+                  <a:pt x="1678150" y="35836"/>
+                  <a:pt x="1575362" y="-3381"/>
+                  <a:pt x="1414707" y="18288"/>
+                </a:cubicBezTo>
+                <a:cubicBezTo>
+                  <a:pt x="1254052" y="39957"/>
+                  <a:pt x="1051093" y="-335"/>
+                  <a:pt x="750788" y="18288"/>
+                </a:cubicBezTo>
+                <a:cubicBezTo>
+                  <a:pt x="450483" y="36911"/>
+                  <a:pt x="293781" y="22900"/>
+                  <a:pt x="0" y="18288"/>
+                </a:cubicBezTo>
+                <a:cubicBezTo>
+                  <a:pt x="-591" y="13205"/>
+                  <a:pt x="-663" y="6329"/>
+                  <a:pt x="0" y="0"/>
+                </a:cubicBezTo>
+                <a:close/>
+              </a:path>
+              <a:path w="4343400" h="18288" stroke="0" extrusionOk="0">
+                <a:moveTo>
+                  <a:pt x="0" y="0"/>
+                </a:moveTo>
+                <a:cubicBezTo>
+                  <a:pt x="212719" y="-28531"/>
+                  <a:pt x="340561" y="-1164"/>
+                  <a:pt x="577052" y="0"/>
+                </a:cubicBezTo>
+                <a:cubicBezTo>
+                  <a:pt x="813543" y="1164"/>
+                  <a:pt x="866967" y="-9376"/>
+                  <a:pt x="1067235" y="0"/>
+                </a:cubicBezTo>
+                <a:cubicBezTo>
+                  <a:pt x="1267503" y="9376"/>
+                  <a:pt x="1485778" y="-20470"/>
+                  <a:pt x="1774589" y="0"/>
+                </a:cubicBezTo>
+                <a:cubicBezTo>
+                  <a:pt x="2063400" y="20470"/>
+                  <a:pt x="2090152" y="-14502"/>
+                  <a:pt x="2351641" y="0"/>
+                </a:cubicBezTo>
+                <a:cubicBezTo>
+                  <a:pt x="2613130" y="14502"/>
+                  <a:pt x="2802864" y="19125"/>
+                  <a:pt x="2928693" y="0"/>
+                </a:cubicBezTo>
+                <a:cubicBezTo>
+                  <a:pt x="3054522" y="-19125"/>
+                  <a:pt x="3482611" y="-2038"/>
+                  <a:pt x="3636046" y="0"/>
+                </a:cubicBezTo>
+                <a:cubicBezTo>
+                  <a:pt x="3789481" y="2038"/>
+                  <a:pt x="4012363" y="973"/>
+                  <a:pt x="4343400" y="0"/>
+                </a:cubicBezTo>
+                <a:cubicBezTo>
+                  <a:pt x="4342514" y="5429"/>
+                  <a:pt x="4344221" y="14046"/>
+                  <a:pt x="4343400" y="18288"/>
+                </a:cubicBezTo>
+                <a:cubicBezTo>
+                  <a:pt x="4078870" y="-6138"/>
+                  <a:pt x="4015967" y="29658"/>
+                  <a:pt x="3809782" y="18288"/>
+                </a:cubicBezTo>
+                <a:cubicBezTo>
+                  <a:pt x="3603597" y="6918"/>
+                  <a:pt x="3495552" y="24439"/>
+                  <a:pt x="3189297" y="18288"/>
+                </a:cubicBezTo>
+                <a:cubicBezTo>
+                  <a:pt x="2883042" y="12137"/>
+                  <a:pt x="2850610" y="32583"/>
+                  <a:pt x="2568811" y="18288"/>
+                </a:cubicBezTo>
+                <a:cubicBezTo>
+                  <a:pt x="2287012" y="3993"/>
+                  <a:pt x="2279820" y="23580"/>
+                  <a:pt x="1991759" y="18288"/>
+                </a:cubicBezTo>
+                <a:cubicBezTo>
+                  <a:pt x="1703698" y="12996"/>
+                  <a:pt x="1616455" y="23157"/>
+                  <a:pt x="1284405" y="18288"/>
+                </a:cubicBezTo>
+                <a:cubicBezTo>
+                  <a:pt x="952355" y="13419"/>
+                  <a:pt x="783530" y="16053"/>
+                  <a:pt x="577052" y="18288"/>
+                </a:cubicBezTo>
+                <a:cubicBezTo>
+                  <a:pt x="370574" y="20523"/>
+                  <a:pt x="173929" y="5195"/>
+                  <a:pt x="0" y="18288"/>
+                </a:cubicBezTo>
+                <a:cubicBezTo>
+                  <a:pt x="668" y="13665"/>
+                  <a:pt x="578" y="5675"/>
+                  <a:pt x="0" y="0"/>
+                </a:cubicBezTo>
+                <a:close/>
+              </a:path>
+            </a:pathLst>
+          </a:custGeom>
+          <a:solidFill>
+            <a:schemeClr val="accent2"/>
+          </a:solidFill>
+          <a:ln w="41275" cap="rnd">
+            <a:solidFill>
+              <a:schemeClr val="accent2"/>
+            </a:solidFill>
+            <a:round/>
+            <a:extLst>
+              <a:ext uri="{C807C97D-BFC1-408E-A445-0C87EB9F89A2}">
+                <ask:lineSketchStyleProps xmlns:ask="http://schemas.microsoft.com/office/drawing/2018/sketchyshapes" sd="1219033472">
+                  <a:prstGeom prst="rect">
+                    <a:avLst/>
+                  </a:prstGeom>
+                  <ask:type>
+                    <ask:lineSketchFreehand/>
+                  </ask:type>
+                </ask:lineSketchStyleProps>
+              </a:ext>
+            </a:extLst>
+          </a:ln>
+        </p:spPr>
+        <p:style>
+          <a:lnRef idx="2">
+            <a:schemeClr val="accent1">
+              <a:shade val="50000"/>
+            </a:schemeClr>
+          </a:lnRef>
+          <a:fillRef idx="1">
+            <a:schemeClr val="accent1"/>
+          </a:fillRef>
+          <a:effectRef idx="0">
+            <a:schemeClr val="accent1"/>
+          </a:effectRef>
+          <a:fontRef idx="minor">
+            <a:schemeClr val="lt1"/>
+          </a:fontRef>
+        </p:style>
+        <p:txBody>
+          <a:bodyPr rtlCol="0" anchor="ctr"/>
+          <a:lstStyle/>
+          <a:p>
+            <a:pPr algn="ctr"/>
+            <a:endParaRPr lang="en-US"/>
           </a:p>
         </p:txBody>
       </p:sp>
@@ -17475,10 +18963,13 @@
           </p:nvPr>
         </p:nvSpPr>
         <p:spPr bwMode="auto">
+          <a:xfrm>
+            <a:off x="584941" y="2442542"/>
+            <a:ext cx="6425461" cy="3755426"/>
+          </a:xfrm>
           <a:prstGeom prst="rect">
             <a:avLst/>
           </a:prstGeom>
-          <a:noFill/>
           <a:extLst>
             <a:ext uri="{909E8E84-426E-40DD-AFC4-6F175D3DCCD1}">
               <a14:hiddenFill xmlns:a14="http://schemas.microsoft.com/office/drawing/2010/main">
@@ -17490,23 +18981,612 @@
           </a:extLst>
         </p:spPr>
         <p:txBody>
-          <a:bodyPr vert="horz" wrap="square" lIns="91440" tIns="45720" rIns="91440" bIns="45720" numCol="1" anchor="t" anchorCtr="0" compatLnSpc="1">
+          <a:bodyPr vert="horz" lIns="91440" tIns="45720" rIns="91440" bIns="45720" numCol="1" anchorCtr="0" compatLnSpc="1">
             <a:prstTxWarp prst="textNoShape">
               <a:avLst/>
             </a:prstTxWarp>
+            <a:normAutofit fontScale="47500" lnSpcReduction="20000"/>
           </a:bodyPr>
           <a:lstStyle/>
           <a:p>
-            <a:endParaRPr lang="en-US" dirty="0"/>
+            <a:pPr marL="0" indent="0">
+              <a:buNone/>
+            </a:pPr>
+            <a:r>
+              <a:rPr lang="en-US" sz="2400" b="1" kern="0" dirty="0">
+                <a:solidFill>
+                  <a:srgbClr val="000000"/>
+                </a:solidFill>
+                <a:effectLst/>
+                <a:latin typeface="Times New Roman" panose="02020603050405020304" pitchFamily="18" charset="0"/>
+                <a:ea typeface="Times New Roman" panose="02020603050405020304" pitchFamily="18" charset="0"/>
+                <a:cs typeface="Times New Roman" panose="02020603050405020304" pitchFamily="18" charset="0"/>
+              </a:rPr>
+              <a:t>Summary Analysis:</a:t>
+            </a:r>
+          </a:p>
+          <a:p>
+            <a:pPr marL="0" indent="0">
+              <a:buNone/>
+            </a:pPr>
+            <a:r>
+              <a:rPr lang="en-US" sz="2400" kern="0" dirty="0">
+                <a:solidFill>
+                  <a:srgbClr val="000000"/>
+                </a:solidFill>
+                <a:effectLst/>
+                <a:latin typeface="Times New Roman" panose="02020603050405020304" pitchFamily="18" charset="0"/>
+                <a:ea typeface="Times New Roman" panose="02020603050405020304" pitchFamily="18" charset="0"/>
+                <a:cs typeface="Times New Roman" panose="02020603050405020304" pitchFamily="18" charset="0"/>
+              </a:rPr>
+              <a:t>After removing the outlier years (2008, 2009, 2021, 2022), the correlation coefficients between the inflation rate and different crime types are as follows:</a:t>
+            </a:r>
+          </a:p>
+          <a:p>
+            <a:pPr marL="0" indent="0">
+              <a:buNone/>
+            </a:pPr>
+            <a:endParaRPr lang="en-US" sz="2400" kern="100" dirty="0">
+              <a:effectLst/>
+              <a:latin typeface="Aptos" panose="020B0004020202020204" pitchFamily="34" charset="0"/>
+              <a:ea typeface="Aptos" panose="020B0004020202020204" pitchFamily="34" charset="0"/>
+              <a:cs typeface="Times New Roman" panose="02020603050405020304" pitchFamily="18" charset="0"/>
+            </a:endParaRPr>
+          </a:p>
+          <a:p>
+            <a:pPr marL="0" marR="0" lvl="0" indent="0">
+              <a:spcBef>
+                <a:spcPts val="0"/>
+              </a:spcBef>
+              <a:spcAft>
+                <a:spcPts val="0"/>
+              </a:spcAft>
+              <a:buNone/>
+              <a:tabLst>
+                <a:tab pos="457200" algn="l"/>
+              </a:tabLst>
+            </a:pPr>
+            <a:r>
+              <a:rPr lang="en-US" sz="2400" b="1" kern="0" dirty="0">
+                <a:solidFill>
+                  <a:srgbClr val="000000"/>
+                </a:solidFill>
+                <a:latin typeface="Times New Roman" panose="02020603050405020304" pitchFamily="18" charset="0"/>
+                <a:ea typeface="Times New Roman" panose="02020603050405020304" pitchFamily="18" charset="0"/>
+                <a:cs typeface="Times New Roman" panose="02020603050405020304" pitchFamily="18" charset="0"/>
+              </a:rPr>
+              <a:t>	</a:t>
+            </a:r>
+            <a:r>
+              <a:rPr lang="en-US" sz="2400" b="1" kern="0" dirty="0">
+                <a:solidFill>
+                  <a:srgbClr val="000000"/>
+                </a:solidFill>
+                <a:effectLst/>
+                <a:latin typeface="Times New Roman" panose="02020603050405020304" pitchFamily="18" charset="0"/>
+                <a:ea typeface="Times New Roman" panose="02020603050405020304" pitchFamily="18" charset="0"/>
+                <a:cs typeface="Times New Roman" panose="02020603050405020304" pitchFamily="18" charset="0"/>
+              </a:rPr>
+              <a:t>Inflation Rate and Violent Crimes:</a:t>
+            </a:r>
+            <a:endParaRPr lang="en-US" sz="2400" kern="100" dirty="0">
+              <a:solidFill>
+                <a:srgbClr val="000000"/>
+              </a:solidFill>
+              <a:effectLst/>
+              <a:latin typeface="Aptos" panose="020B0004020202020204" pitchFamily="34" charset="0"/>
+              <a:ea typeface="Aptos" panose="020B0004020202020204" pitchFamily="34" charset="0"/>
+              <a:cs typeface="Times New Roman" panose="02020603050405020304" pitchFamily="18" charset="0"/>
+            </a:endParaRPr>
+          </a:p>
+          <a:p>
+            <a:pPr marL="742950" marR="0" lvl="1" indent="-285750">
+              <a:spcBef>
+                <a:spcPts val="0"/>
+              </a:spcBef>
+              <a:spcAft>
+                <a:spcPts val="0"/>
+              </a:spcAft>
+              <a:buSzPts val="1000"/>
+              <a:buFont typeface="Courier New" panose="02070309020205020404" pitchFamily="49" charset="0"/>
+              <a:buChar char="o"/>
+              <a:tabLst>
+                <a:tab pos="914400" algn="l"/>
+              </a:tabLst>
+            </a:pPr>
+            <a:r>
+              <a:rPr lang="en-US" b="1" kern="0" dirty="0">
+                <a:solidFill>
+                  <a:srgbClr val="000000"/>
+                </a:solidFill>
+                <a:effectLst/>
+                <a:latin typeface="Times New Roman" panose="02020603050405020304" pitchFamily="18" charset="0"/>
+                <a:ea typeface="Times New Roman" panose="02020603050405020304" pitchFamily="18" charset="0"/>
+                <a:cs typeface="Times New Roman" panose="02020603050405020304" pitchFamily="18" charset="0"/>
+              </a:rPr>
+              <a:t>Correlation Coefficient:</a:t>
+            </a:r>
+            <a:r>
+              <a:rPr lang="en-US" kern="0" dirty="0">
+                <a:solidFill>
+                  <a:srgbClr val="000000"/>
+                </a:solidFill>
+                <a:effectLst/>
+                <a:latin typeface="Times New Roman" panose="02020603050405020304" pitchFamily="18" charset="0"/>
+                <a:ea typeface="Times New Roman" panose="02020603050405020304" pitchFamily="18" charset="0"/>
+                <a:cs typeface="Times New Roman" panose="02020603050405020304" pitchFamily="18" charset="0"/>
+              </a:rPr>
+              <a:t> </a:t>
+            </a:r>
+            <a:r>
+              <a:rPr lang="en-US" dirty="0"/>
+              <a:t>0.331</a:t>
+            </a:r>
+            <a:endParaRPr lang="en-US" kern="100" dirty="0">
+              <a:solidFill>
+                <a:srgbClr val="000000"/>
+              </a:solidFill>
+              <a:effectLst/>
+              <a:latin typeface="Aptos" panose="020B0004020202020204" pitchFamily="34" charset="0"/>
+              <a:ea typeface="Aptos" panose="020B0004020202020204" pitchFamily="34" charset="0"/>
+              <a:cs typeface="Times New Roman" panose="02020603050405020304" pitchFamily="18" charset="0"/>
+            </a:endParaRPr>
+          </a:p>
+          <a:p>
+            <a:pPr marL="742950" marR="0" lvl="1" indent="-285750">
+              <a:spcBef>
+                <a:spcPts val="0"/>
+              </a:spcBef>
+              <a:spcAft>
+                <a:spcPts val="0"/>
+              </a:spcAft>
+              <a:buSzPts val="1000"/>
+              <a:buFont typeface="Courier New" panose="02070309020205020404" pitchFamily="49" charset="0"/>
+              <a:buChar char="o"/>
+              <a:tabLst>
+                <a:tab pos="914400" algn="l"/>
+              </a:tabLst>
+            </a:pPr>
+            <a:r>
+              <a:rPr lang="en-US" b="1" kern="0" dirty="0">
+                <a:solidFill>
+                  <a:srgbClr val="000000"/>
+                </a:solidFill>
+                <a:effectLst/>
+                <a:latin typeface="Times New Roman" panose="02020603050405020304" pitchFamily="18" charset="0"/>
+                <a:ea typeface="Times New Roman" panose="02020603050405020304" pitchFamily="18" charset="0"/>
+                <a:cs typeface="Times New Roman" panose="02020603050405020304" pitchFamily="18" charset="0"/>
+              </a:rPr>
+              <a:t>Interpretation:</a:t>
+            </a:r>
+            <a:r>
+              <a:rPr lang="en-US" kern="0" dirty="0">
+                <a:solidFill>
+                  <a:srgbClr val="000000"/>
+                </a:solidFill>
+                <a:effectLst/>
+                <a:latin typeface="Times New Roman" panose="02020603050405020304" pitchFamily="18" charset="0"/>
+                <a:ea typeface="Times New Roman" panose="02020603050405020304" pitchFamily="18" charset="0"/>
+                <a:cs typeface="Times New Roman" panose="02020603050405020304" pitchFamily="18" charset="0"/>
+              </a:rPr>
+              <a:t> There is a weak positive correlation, suggesting that an increase in the inflation rate is slightly associated with an increase in violent crimes.</a:t>
+            </a:r>
+          </a:p>
+          <a:p>
+            <a:pPr marL="742950" marR="0" lvl="1" indent="-285750">
+              <a:spcBef>
+                <a:spcPts val="0"/>
+              </a:spcBef>
+              <a:spcAft>
+                <a:spcPts val="0"/>
+              </a:spcAft>
+              <a:buSzPts val="1000"/>
+              <a:buFont typeface="Courier New" panose="02070309020205020404" pitchFamily="49" charset="0"/>
+              <a:buChar char="o"/>
+              <a:tabLst>
+                <a:tab pos="914400" algn="l"/>
+              </a:tabLst>
+            </a:pPr>
+            <a:endParaRPr lang="en-US" kern="100" dirty="0">
+              <a:solidFill>
+                <a:srgbClr val="000000"/>
+              </a:solidFill>
+              <a:effectLst/>
+              <a:latin typeface="Aptos" panose="020B0004020202020204" pitchFamily="34" charset="0"/>
+              <a:ea typeface="Aptos" panose="020B0004020202020204" pitchFamily="34" charset="0"/>
+              <a:cs typeface="Times New Roman" panose="02020603050405020304" pitchFamily="18" charset="0"/>
+            </a:endParaRPr>
+          </a:p>
+          <a:p>
+            <a:pPr marL="0" marR="0" lvl="0" indent="0">
+              <a:spcBef>
+                <a:spcPts val="0"/>
+              </a:spcBef>
+              <a:spcAft>
+                <a:spcPts val="0"/>
+              </a:spcAft>
+              <a:buNone/>
+              <a:tabLst>
+                <a:tab pos="457200" algn="l"/>
+              </a:tabLst>
+            </a:pPr>
+            <a:r>
+              <a:rPr lang="en-US" sz="2400" b="1" kern="0" dirty="0">
+                <a:solidFill>
+                  <a:srgbClr val="000000"/>
+                </a:solidFill>
+                <a:effectLst/>
+                <a:latin typeface="Times New Roman" panose="02020603050405020304" pitchFamily="18" charset="0"/>
+                <a:ea typeface="Times New Roman" panose="02020603050405020304" pitchFamily="18" charset="0"/>
+                <a:cs typeface="Times New Roman" panose="02020603050405020304" pitchFamily="18" charset="0"/>
+              </a:rPr>
+              <a:t>	Inflation Rate and Property Crimes:</a:t>
+            </a:r>
+            <a:endParaRPr lang="en-US" sz="2400" kern="100" dirty="0">
+              <a:solidFill>
+                <a:srgbClr val="000000"/>
+              </a:solidFill>
+              <a:effectLst/>
+              <a:latin typeface="Aptos" panose="020B0004020202020204" pitchFamily="34" charset="0"/>
+              <a:ea typeface="Aptos" panose="020B0004020202020204" pitchFamily="34" charset="0"/>
+              <a:cs typeface="Times New Roman" panose="02020603050405020304" pitchFamily="18" charset="0"/>
+            </a:endParaRPr>
+          </a:p>
+          <a:p>
+            <a:pPr marL="742950" marR="0" lvl="1" indent="-285750">
+              <a:spcBef>
+                <a:spcPts val="0"/>
+              </a:spcBef>
+              <a:spcAft>
+                <a:spcPts val="0"/>
+              </a:spcAft>
+              <a:buSzPts val="1000"/>
+              <a:buFont typeface="Courier New" panose="02070309020205020404" pitchFamily="49" charset="0"/>
+              <a:buChar char="o"/>
+              <a:tabLst>
+                <a:tab pos="914400" algn="l"/>
+              </a:tabLst>
+            </a:pPr>
+            <a:r>
+              <a:rPr lang="en-US" b="1" kern="0" dirty="0">
+                <a:solidFill>
+                  <a:srgbClr val="000000"/>
+                </a:solidFill>
+                <a:effectLst/>
+                <a:latin typeface="Times New Roman" panose="02020603050405020304" pitchFamily="18" charset="0"/>
+                <a:ea typeface="Times New Roman" panose="02020603050405020304" pitchFamily="18" charset="0"/>
+                <a:cs typeface="Times New Roman" panose="02020603050405020304" pitchFamily="18" charset="0"/>
+              </a:rPr>
+              <a:t>Correlation Coefficient:</a:t>
+            </a:r>
+            <a:r>
+              <a:rPr lang="en-US" kern="0" dirty="0">
+                <a:solidFill>
+                  <a:srgbClr val="000000"/>
+                </a:solidFill>
+                <a:effectLst/>
+                <a:latin typeface="Times New Roman" panose="02020603050405020304" pitchFamily="18" charset="0"/>
+                <a:ea typeface="Times New Roman" panose="02020603050405020304" pitchFamily="18" charset="0"/>
+                <a:cs typeface="Times New Roman" panose="02020603050405020304" pitchFamily="18" charset="0"/>
+              </a:rPr>
+              <a:t> </a:t>
+            </a:r>
+            <a:r>
+              <a:rPr lang="en-US" dirty="0"/>
+              <a:t>0.202</a:t>
+            </a:r>
+            <a:endParaRPr lang="en-US" kern="100" dirty="0">
+              <a:solidFill>
+                <a:srgbClr val="000000"/>
+              </a:solidFill>
+              <a:effectLst/>
+              <a:latin typeface="Aptos" panose="020B0004020202020204" pitchFamily="34" charset="0"/>
+              <a:ea typeface="Aptos" panose="020B0004020202020204" pitchFamily="34" charset="0"/>
+              <a:cs typeface="Times New Roman" panose="02020603050405020304" pitchFamily="18" charset="0"/>
+            </a:endParaRPr>
+          </a:p>
+          <a:p>
+            <a:pPr marL="742950" marR="0" lvl="1" indent="-285750">
+              <a:spcBef>
+                <a:spcPts val="0"/>
+              </a:spcBef>
+              <a:spcAft>
+                <a:spcPts val="0"/>
+              </a:spcAft>
+              <a:buSzPts val="1000"/>
+              <a:buFont typeface="Courier New" panose="02070309020205020404" pitchFamily="49" charset="0"/>
+              <a:buChar char="o"/>
+              <a:tabLst>
+                <a:tab pos="914400" algn="l"/>
+              </a:tabLst>
+            </a:pPr>
+            <a:r>
+              <a:rPr lang="en-US" b="1" kern="0" dirty="0">
+                <a:solidFill>
+                  <a:srgbClr val="000000"/>
+                </a:solidFill>
+                <a:effectLst/>
+                <a:latin typeface="Times New Roman" panose="02020603050405020304" pitchFamily="18" charset="0"/>
+                <a:ea typeface="Times New Roman" panose="02020603050405020304" pitchFamily="18" charset="0"/>
+                <a:cs typeface="Times New Roman" panose="02020603050405020304" pitchFamily="18" charset="0"/>
+              </a:rPr>
+              <a:t>Interpretation:</a:t>
+            </a:r>
+            <a:r>
+              <a:rPr lang="en-US" kern="0" dirty="0">
+                <a:solidFill>
+                  <a:srgbClr val="000000"/>
+                </a:solidFill>
+                <a:effectLst/>
+                <a:latin typeface="Times New Roman" panose="02020603050405020304" pitchFamily="18" charset="0"/>
+                <a:ea typeface="Times New Roman" panose="02020603050405020304" pitchFamily="18" charset="0"/>
+                <a:cs typeface="Times New Roman" panose="02020603050405020304" pitchFamily="18" charset="0"/>
+              </a:rPr>
+              <a:t> There is a very weak positive correlation, indicating that changes in inflation rate have a minimal effect on property crime rates.</a:t>
+            </a:r>
+          </a:p>
+          <a:p>
+            <a:pPr marL="742950" marR="0" lvl="1" indent="-285750">
+              <a:spcBef>
+                <a:spcPts val="0"/>
+              </a:spcBef>
+              <a:spcAft>
+                <a:spcPts val="0"/>
+              </a:spcAft>
+              <a:buSzPts val="1000"/>
+              <a:buFont typeface="Courier New" panose="02070309020205020404" pitchFamily="49" charset="0"/>
+              <a:buChar char="o"/>
+              <a:tabLst>
+                <a:tab pos="914400" algn="l"/>
+              </a:tabLst>
+            </a:pPr>
+            <a:endParaRPr lang="en-US" kern="0" dirty="0">
+              <a:solidFill>
+                <a:srgbClr val="000000"/>
+              </a:solidFill>
+              <a:effectLst/>
+              <a:latin typeface="Times New Roman" panose="02020603050405020304" pitchFamily="18" charset="0"/>
+              <a:ea typeface="Times New Roman" panose="02020603050405020304" pitchFamily="18" charset="0"/>
+              <a:cs typeface="Times New Roman" panose="02020603050405020304" pitchFamily="18" charset="0"/>
+            </a:endParaRPr>
+          </a:p>
+          <a:p>
+            <a:pPr marL="0" marR="0" lvl="0" indent="0">
+              <a:spcBef>
+                <a:spcPts val="0"/>
+              </a:spcBef>
+              <a:spcAft>
+                <a:spcPts val="0"/>
+              </a:spcAft>
+              <a:buNone/>
+              <a:tabLst>
+                <a:tab pos="457200" algn="l"/>
+              </a:tabLst>
+            </a:pPr>
+            <a:r>
+              <a:rPr lang="en-US" sz="2400" b="1" kern="0" dirty="0">
+                <a:solidFill>
+                  <a:srgbClr val="000000"/>
+                </a:solidFill>
+                <a:effectLst/>
+                <a:latin typeface="Times New Roman" panose="02020603050405020304" pitchFamily="18" charset="0"/>
+                <a:ea typeface="Times New Roman" panose="02020603050405020304" pitchFamily="18" charset="0"/>
+                <a:cs typeface="Times New Roman" panose="02020603050405020304" pitchFamily="18" charset="0"/>
+              </a:rPr>
+              <a:t> 	Inflation Rate and Robbery:</a:t>
+            </a:r>
+            <a:endParaRPr lang="en-US" sz="2400" kern="100" dirty="0">
+              <a:solidFill>
+                <a:srgbClr val="000000"/>
+              </a:solidFill>
+              <a:effectLst/>
+              <a:latin typeface="Aptos" panose="020B0004020202020204" pitchFamily="34" charset="0"/>
+              <a:ea typeface="Aptos" panose="020B0004020202020204" pitchFamily="34" charset="0"/>
+              <a:cs typeface="Times New Roman" panose="02020603050405020304" pitchFamily="18" charset="0"/>
+            </a:endParaRPr>
+          </a:p>
+          <a:p>
+            <a:pPr marL="742950" marR="0" lvl="1" indent="-285750">
+              <a:spcBef>
+                <a:spcPts val="0"/>
+              </a:spcBef>
+              <a:spcAft>
+                <a:spcPts val="0"/>
+              </a:spcAft>
+              <a:buSzPts val="1000"/>
+              <a:buFont typeface="Courier New" panose="02070309020205020404" pitchFamily="49" charset="0"/>
+              <a:buChar char="o"/>
+              <a:tabLst>
+                <a:tab pos="914400" algn="l"/>
+              </a:tabLst>
+            </a:pPr>
+            <a:r>
+              <a:rPr lang="en-US" b="1" kern="0" dirty="0">
+                <a:solidFill>
+                  <a:srgbClr val="000000"/>
+                </a:solidFill>
+                <a:effectLst/>
+                <a:latin typeface="Times New Roman" panose="02020603050405020304" pitchFamily="18" charset="0"/>
+                <a:ea typeface="Times New Roman" panose="02020603050405020304" pitchFamily="18" charset="0"/>
+                <a:cs typeface="Times New Roman" panose="02020603050405020304" pitchFamily="18" charset="0"/>
+              </a:rPr>
+              <a:t>Correlation Coefficient:</a:t>
+            </a:r>
+            <a:r>
+              <a:rPr lang="en-US" kern="0" dirty="0">
+                <a:solidFill>
+                  <a:srgbClr val="000000"/>
+                </a:solidFill>
+                <a:effectLst/>
+                <a:latin typeface="Times New Roman" panose="02020603050405020304" pitchFamily="18" charset="0"/>
+                <a:ea typeface="Times New Roman" panose="02020603050405020304" pitchFamily="18" charset="0"/>
+                <a:cs typeface="Times New Roman" panose="02020603050405020304" pitchFamily="18" charset="0"/>
+              </a:rPr>
+              <a:t> </a:t>
+            </a:r>
+            <a:r>
+              <a:rPr lang="en-US" dirty="0"/>
+              <a:t>0.214</a:t>
+            </a:r>
+            <a:endParaRPr lang="en-US" kern="100" dirty="0">
+              <a:solidFill>
+                <a:srgbClr val="000000"/>
+              </a:solidFill>
+              <a:effectLst/>
+              <a:latin typeface="Aptos" panose="020B0004020202020204" pitchFamily="34" charset="0"/>
+              <a:ea typeface="Aptos" panose="020B0004020202020204" pitchFamily="34" charset="0"/>
+              <a:cs typeface="Times New Roman" panose="02020603050405020304" pitchFamily="18" charset="0"/>
+            </a:endParaRPr>
+          </a:p>
+          <a:p>
+            <a:pPr marL="742950" marR="0" lvl="1" indent="-285750">
+              <a:spcBef>
+                <a:spcPts val="0"/>
+              </a:spcBef>
+              <a:spcAft>
+                <a:spcPts val="0"/>
+              </a:spcAft>
+              <a:buSzPts val="1000"/>
+              <a:buFont typeface="Courier New" panose="02070309020205020404" pitchFamily="49" charset="0"/>
+              <a:buChar char="o"/>
+              <a:tabLst>
+                <a:tab pos="914400" algn="l"/>
+              </a:tabLst>
+            </a:pPr>
+            <a:r>
+              <a:rPr lang="en-US" b="1" kern="0" dirty="0">
+                <a:solidFill>
+                  <a:srgbClr val="000000"/>
+                </a:solidFill>
+                <a:effectLst/>
+                <a:latin typeface="Times New Roman" panose="02020603050405020304" pitchFamily="18" charset="0"/>
+                <a:ea typeface="Times New Roman" panose="02020603050405020304" pitchFamily="18" charset="0"/>
+                <a:cs typeface="Times New Roman" panose="02020603050405020304" pitchFamily="18" charset="0"/>
+              </a:rPr>
+              <a:t>Interpretation:</a:t>
+            </a:r>
+            <a:r>
+              <a:rPr lang="en-US" kern="0" dirty="0">
+                <a:solidFill>
+                  <a:srgbClr val="000000"/>
+                </a:solidFill>
+                <a:effectLst/>
+                <a:latin typeface="Times New Roman" panose="02020603050405020304" pitchFamily="18" charset="0"/>
+                <a:ea typeface="Times New Roman" panose="02020603050405020304" pitchFamily="18" charset="0"/>
+                <a:cs typeface="Times New Roman" panose="02020603050405020304" pitchFamily="18" charset="0"/>
+              </a:rPr>
+              <a:t> There is a weak positive correlation, indicating that higher inflation rates are somewhat associated with an increase in robbery counts.</a:t>
+            </a:r>
+            <a:endParaRPr lang="en-US" kern="100" dirty="0">
+              <a:solidFill>
+                <a:srgbClr val="000000"/>
+              </a:solidFill>
+              <a:latin typeface="Aptos" panose="020B0004020202020204" pitchFamily="34" charset="0"/>
+              <a:ea typeface="Times New Roman" panose="02020603050405020304" pitchFamily="18" charset="0"/>
+              <a:cs typeface="Times New Roman" panose="02020603050405020304" pitchFamily="18" charset="0"/>
+            </a:endParaRPr>
+          </a:p>
+          <a:p>
+            <a:pPr marL="742950" marR="0" lvl="1" indent="-285750">
+              <a:spcBef>
+                <a:spcPts val="0"/>
+              </a:spcBef>
+              <a:spcAft>
+                <a:spcPts val="0"/>
+              </a:spcAft>
+              <a:buSzPts val="1000"/>
+              <a:buFont typeface="Courier New" panose="02070309020205020404" pitchFamily="49" charset="0"/>
+              <a:buChar char="o"/>
+              <a:tabLst>
+                <a:tab pos="914400" algn="l"/>
+              </a:tabLst>
+            </a:pPr>
+            <a:endParaRPr lang="en-US" b="1" kern="100" dirty="0">
+              <a:solidFill>
+                <a:srgbClr val="000000"/>
+              </a:solidFill>
+              <a:effectLst/>
+              <a:latin typeface="Aptos" panose="020B0004020202020204" pitchFamily="34" charset="0"/>
+              <a:ea typeface="Aptos" panose="020B0004020202020204" pitchFamily="34" charset="0"/>
+              <a:cs typeface="Times New Roman" panose="02020603050405020304" pitchFamily="18" charset="0"/>
+            </a:endParaRPr>
+          </a:p>
+          <a:p>
+            <a:pPr marL="457200" marR="0" lvl="1" indent="0">
+              <a:spcBef>
+                <a:spcPts val="0"/>
+              </a:spcBef>
+              <a:spcAft>
+                <a:spcPts val="0"/>
+              </a:spcAft>
+              <a:buSzPts val="1000"/>
+              <a:buNone/>
+              <a:tabLst>
+                <a:tab pos="914400" algn="l"/>
+              </a:tabLst>
+            </a:pPr>
+            <a:r>
+              <a:rPr lang="en-US" b="1" kern="100" dirty="0">
+                <a:solidFill>
+                  <a:srgbClr val="000000"/>
+                </a:solidFill>
+                <a:effectLst/>
+                <a:latin typeface="Aptos" panose="020B0004020202020204" pitchFamily="34" charset="0"/>
+                <a:ea typeface="Aptos" panose="020B0004020202020204" pitchFamily="34" charset="0"/>
+                <a:cs typeface="Times New Roman" panose="02020603050405020304" pitchFamily="18" charset="0"/>
+              </a:rPr>
+              <a:t>Conclusion:</a:t>
+            </a:r>
+          </a:p>
+          <a:p>
+            <a:pPr marL="0" indent="0">
+              <a:buNone/>
+            </a:pPr>
+            <a:r>
+              <a:rPr lang="en-US" sz="2400" kern="0" dirty="0">
+                <a:solidFill>
+                  <a:srgbClr val="000000"/>
+                </a:solidFill>
+                <a:effectLst/>
+                <a:latin typeface="Times New Roman" panose="02020603050405020304" pitchFamily="18" charset="0"/>
+                <a:ea typeface="Times New Roman" panose="02020603050405020304" pitchFamily="18" charset="0"/>
+                <a:cs typeface="Times New Roman" panose="02020603050405020304" pitchFamily="18" charset="0"/>
+              </a:rPr>
+              <a:t>Even after removing the outliers, the correlations between the inflation rate and different crime types remain weak. This suggests that while there may be a slight relationship between inflation and crime rates, other factors likely have a more significant impact on crime trends. The weak positive correlations indicate that higher inflation rates might be associated with increases in crime rates, but the relationship is not strong enough to draw definitive conclusions without considering additional variables</a:t>
+            </a:r>
+            <a:r>
+              <a:rPr lang="en-US" sz="1800" kern="0" dirty="0">
+                <a:solidFill>
+                  <a:srgbClr val="000000"/>
+                </a:solidFill>
+                <a:effectLst/>
+                <a:latin typeface="Times New Roman" panose="02020603050405020304" pitchFamily="18" charset="0"/>
+                <a:ea typeface="Times New Roman" panose="02020603050405020304" pitchFamily="18" charset="0"/>
+                <a:cs typeface="Times New Roman" panose="02020603050405020304" pitchFamily="18" charset="0"/>
+              </a:rPr>
+              <a:t>.</a:t>
+            </a:r>
+            <a:endParaRPr lang="en-US" sz="1800" kern="100" dirty="0">
+              <a:effectLst/>
+              <a:latin typeface="Aptos" panose="020B0004020202020204" pitchFamily="34" charset="0"/>
+              <a:ea typeface="Aptos" panose="020B0004020202020204" pitchFamily="34" charset="0"/>
+              <a:cs typeface="Times New Roman" panose="02020603050405020304" pitchFamily="18" charset="0"/>
+            </a:endParaRPr>
+          </a:p>
+          <a:p>
+            <a:pPr marL="0" indent="0">
+              <a:buNone/>
+            </a:pPr>
+            <a:endParaRPr lang="en-US" sz="2200" dirty="0"/>
           </a:p>
         </p:txBody>
       </p:sp>
       <p:pic>
         <p:nvPicPr>
-          <p:cNvPr id="6" name="Picture 5">
+          <p:cNvPr id="10" name="Picture 9">
             <a:extLst>
               <a:ext uri="{FF2B5EF4-FFF2-40B4-BE49-F238E27FC236}">
-                <a16:creationId xmlns:a16="http://schemas.microsoft.com/office/drawing/2014/main" id="{CF8C31C4-0492-9C31-CE41-87446157B75C}"/>
+                <a16:creationId xmlns:a16="http://schemas.microsoft.com/office/drawing/2014/main" id="{4A45F107-FBB9-2BDB-885E-B3D460FA605D}"/>
               </a:ext>
             </a:extLst>
           </p:cNvPr>
@@ -17515,22 +19595,109 @@
           </p:cNvPicPr>
           <p:nvPr/>
         </p:nvPicPr>
-        <p:blipFill>
-          <a:blip r:embed="rId2"/>
-          <a:stretch>
-            <a:fillRect/>
-          </a:stretch>
+        <p:blipFill rotWithShape="1">
+          <a:blip r:embed="rId3"/>
+          <a:srcRect b="18390"/>
+          <a:stretch/>
         </p:blipFill>
         <p:spPr>
           <a:xfrm>
-            <a:off x="5486400" y="1825624"/>
-            <a:ext cx="6276109" cy="4020993"/>
+            <a:off x="7038109" y="2396522"/>
+            <a:ext cx="4453533" cy="1890220"/>
           </a:xfrm>
           <a:prstGeom prst="rect">
             <a:avLst/>
           </a:prstGeom>
         </p:spPr>
       </p:pic>
+      <p:pic>
+        <p:nvPicPr>
+          <p:cNvPr id="8" name="Picture 7">
+            <a:extLst>
+              <a:ext uri="{FF2B5EF4-FFF2-40B4-BE49-F238E27FC236}">
+                <a16:creationId xmlns:a16="http://schemas.microsoft.com/office/drawing/2014/main" id="{6C83BA09-CCB0-B937-52F4-CB7F797438B3}"/>
+              </a:ext>
+            </a:extLst>
+          </p:cNvPr>
+          <p:cNvPicPr>
+            <a:picLocks noChangeAspect="1"/>
+          </p:cNvPicPr>
+          <p:nvPr/>
+        </p:nvPicPr>
+        <p:blipFill rotWithShape="1">
+          <a:blip r:embed="rId4"/>
+          <a:srcRect b="13525"/>
+          <a:stretch/>
+        </p:blipFill>
+        <p:spPr>
+          <a:xfrm>
+            <a:off x="7038109" y="209932"/>
+            <a:ext cx="4541243" cy="2104549"/>
+          </a:xfrm>
+          <a:prstGeom prst="rect">
+            <a:avLst/>
+          </a:prstGeom>
+        </p:spPr>
+      </p:pic>
+      <p:sp>
+        <p:nvSpPr>
+          <p:cNvPr id="12" name="TextBox 11">
+            <a:extLst>
+              <a:ext uri="{FF2B5EF4-FFF2-40B4-BE49-F238E27FC236}">
+                <a16:creationId xmlns:a16="http://schemas.microsoft.com/office/drawing/2014/main" id="{C9EE3A81-C193-3696-904B-23D86CB43DCD}"/>
+              </a:ext>
+            </a:extLst>
+          </p:cNvPr>
+          <p:cNvSpPr txBox="1"/>
+          <p:nvPr/>
+        </p:nvSpPr>
+        <p:spPr>
+          <a:xfrm>
+            <a:off x="430669" y="1155405"/>
+            <a:ext cx="6176771" cy="954107"/>
+          </a:xfrm>
+          <a:prstGeom prst="rect">
+            <a:avLst/>
+          </a:prstGeom>
+          <a:noFill/>
+        </p:spPr>
+        <p:txBody>
+          <a:bodyPr wrap="square">
+            <a:spAutoFit/>
+          </a:bodyPr>
+          <a:lstStyle/>
+          <a:p>
+            <a:pPr marL="457200" marR="0" indent="-457200">
+              <a:spcBef>
+                <a:spcPts val="0"/>
+              </a:spcBef>
+              <a:spcAft>
+                <a:spcPts val="0"/>
+              </a:spcAft>
+              <a:buFont typeface="Wingdings" pitchFamily="2" charset="2"/>
+              <a:buChar char="Ø"/>
+            </a:pPr>
+            <a:r>
+              <a:rPr lang="en-US" sz="2800" b="1" kern="0" dirty="0">
+                <a:solidFill>
+                  <a:srgbClr val="000000"/>
+                </a:solidFill>
+                <a:effectLst/>
+                <a:latin typeface="Times New Roman" panose="02020603050405020304" pitchFamily="18" charset="0"/>
+                <a:ea typeface="Times New Roman" panose="02020603050405020304" pitchFamily="18" charset="0"/>
+                <a:cs typeface="Times New Roman" panose="02020603050405020304" pitchFamily="18" charset="0"/>
+              </a:rPr>
+              <a:t>Correlation Analysis After Removing Outliers.</a:t>
+            </a:r>
+            <a:endParaRPr lang="en-US" sz="2800" kern="100" dirty="0">
+              <a:effectLst/>
+              <a:latin typeface="Aptos" panose="020B0004020202020204" pitchFamily="34" charset="0"/>
+              <a:ea typeface="Aptos" panose="020B0004020202020204" pitchFamily="34" charset="0"/>
+              <a:cs typeface="Times New Roman" panose="02020603050405020304" pitchFamily="18" charset="0"/>
+            </a:endParaRPr>
+          </a:p>
+        </p:txBody>
+      </p:sp>
     </p:spTree>
     <p:extLst>
       <p:ext uri="{BB962C8B-B14F-4D97-AF65-F5344CB8AC3E}">
@@ -17544,7 +19711,7 @@
 </p:sld>
 </file>
 
-<file path=ppt/slides/slide11.xml><?xml version="1.0" encoding="utf-8"?>
+<file path=ppt/slides/slide12.xml><?xml version="1.0" encoding="utf-8"?>
 <p:sld xmlns:a="http://schemas.openxmlformats.org/drawingml/2006/main" xmlns:r="http://schemas.openxmlformats.org/officeDocument/2006/relationships" xmlns:p="http://schemas.openxmlformats.org/presentationml/2006/main">
   <p:cSld>
     <p:bg>
@@ -18337,7 +20504,7 @@
     </p:spTree>
     <p:extLst>
       <p:ext uri="{BB962C8B-B14F-4D97-AF65-F5344CB8AC3E}">
-        <p14:creationId xmlns:p14="http://schemas.microsoft.com/office/powerpoint/2010/main" val="979015531"/>
+        <p14:creationId xmlns:p14="http://schemas.microsoft.com/office/powerpoint/2010/main" val="3924775320"/>
       </p:ext>
     </p:extLst>
   </p:cSld>
@@ -18347,7 +20514,7 @@
 </p:sld>
 </file>
 
-<file path=ppt/slides/slide12.xml><?xml version="1.0" encoding="utf-8"?>
+<file path=ppt/slides/slide13.xml><?xml version="1.0" encoding="utf-8"?>
 <p:sld xmlns:a="http://schemas.openxmlformats.org/drawingml/2006/main" xmlns:r="http://schemas.openxmlformats.org/officeDocument/2006/relationships" xmlns:p="http://schemas.openxmlformats.org/presentationml/2006/main">
   <p:cSld>
     <p:bg>
@@ -19150,7 +21317,7 @@
 </p:sld>
 </file>
 
-<file path=ppt/slides/slide13.xml><?xml version="1.0" encoding="utf-8"?>
+<file path=ppt/slides/slide14.xml><?xml version="1.0" encoding="utf-8"?>
 <p:sld xmlns:a="http://schemas.openxmlformats.org/drawingml/2006/main" xmlns:r="http://schemas.openxmlformats.org/officeDocument/2006/relationships" xmlns:p="http://schemas.openxmlformats.org/presentationml/2006/main">
   <p:cSld>
     <p:bg>
@@ -19177,10 +21344,10 @@
       </p:grpSpPr>
       <p:sp useBgFill="1">
         <p:nvSpPr>
-          <p:cNvPr id="43" name="Rectangle 42">
+          <p:cNvPr id="58" name="Rectangle 57">
             <a:extLst>
               <a:ext uri="{FF2B5EF4-FFF2-40B4-BE49-F238E27FC236}">
-                <a16:creationId xmlns:a16="http://schemas.microsoft.com/office/drawing/2014/main" id="{777A147A-9ED8-46B4-8660-1B3C2AA880B5}"/>
+                <a16:creationId xmlns:a16="http://schemas.microsoft.com/office/drawing/2014/main" id="{F12E7CC5-C78B-4EBD-9565-3FA00FAA6CF2}"/>
               </a:ext>
               <a:ext uri="{C183D7F6-B498-43B3-948B-1728B52AA6E4}">
                 <adec:decorative xmlns:adec="http://schemas.microsoft.com/office/drawing/2017/decorative" val="1"/>
@@ -19235,6 +21402,334 @@
           </a:p>
         </p:txBody>
       </p:sp>
+      <p:pic>
+        <p:nvPicPr>
+          <p:cNvPr id="48" name="Graphic 47" descr="Smiling Face with No Fill">
+            <a:extLst>
+              <a:ext uri="{FF2B5EF4-FFF2-40B4-BE49-F238E27FC236}">
+                <a16:creationId xmlns:a16="http://schemas.microsoft.com/office/drawing/2014/main" id="{832C5B3F-E9D8-1565-468D-CF59162AB2A4}"/>
+              </a:ext>
+            </a:extLst>
+          </p:cNvPr>
+          <p:cNvPicPr>
+            <a:picLocks noChangeAspect="1"/>
+          </p:cNvPicPr>
+          <p:nvPr/>
+        </p:nvPicPr>
+        <p:blipFill>
+          <a:blip r:embed="rId2">
+            <a:extLst>
+              <a:ext uri="{28A0092B-C50C-407E-A947-70E740481C1C}">
+                <a14:useLocalDpi xmlns:a14="http://schemas.microsoft.com/office/drawing/2010/main" val="0"/>
+              </a:ext>
+              <a:ext uri="{96DAC541-7B7A-43D3-8B79-37D633B846F1}">
+                <asvg:svgBlip xmlns:asvg="http://schemas.microsoft.com/office/drawing/2016/SVG/main" r:embed="rId3"/>
+              </a:ext>
+            </a:extLst>
+          </a:blip>
+          <a:stretch>
+            <a:fillRect/>
+          </a:stretch>
+        </p:blipFill>
+        <p:spPr>
+          <a:xfrm>
+            <a:off x="764988" y="1744515"/>
+            <a:ext cx="3368969" cy="3368969"/>
+          </a:xfrm>
+          <a:prstGeom prst="rect">
+            <a:avLst/>
+          </a:prstGeom>
+        </p:spPr>
+      </p:pic>
+      <p:sp>
+        <p:nvSpPr>
+          <p:cNvPr id="60" name="Freeform: Shape 59">
+            <a:extLst>
+              <a:ext uri="{FF2B5EF4-FFF2-40B4-BE49-F238E27FC236}">
+                <a16:creationId xmlns:a16="http://schemas.microsoft.com/office/drawing/2014/main" id="{3A4529A5-F675-429F-8044-01372BB13422}"/>
+              </a:ext>
+              <a:ext uri="{C183D7F6-B498-43B3-948B-1728B52AA6E4}">
+                <adec:decorative xmlns:adec="http://schemas.microsoft.com/office/drawing/2017/decorative" val="1"/>
+              </a:ext>
+            </a:extLst>
+          </p:cNvPr>
+          <p:cNvSpPr>
+            <a:spLocks noGrp="1" noRot="1" noChangeAspect="1" noMove="1" noResize="1" noEditPoints="1" noAdjustHandles="1" noChangeArrowheads="1" noChangeShapeType="1" noTextEdit="1"/>
+          </p:cNvSpPr>
+          <p:nvPr>
+            <p:extLst>
+              <p:ext uri="{386F3935-93C4-4BCD-93E2-E3B085C9AB24}">
+                <p16:designElem xmlns:p16="http://schemas.microsoft.com/office/powerpoint/2015/main" val="1"/>
+              </p:ext>
+            </p:extLst>
+          </p:nvPr>
+        </p:nvSpPr>
+        <p:spPr>
+          <a:xfrm>
+            <a:off x="4629992" y="0"/>
+            <a:ext cx="7562008" cy="6858000"/>
+          </a:xfrm>
+          <a:custGeom>
+            <a:avLst/>
+            <a:gdLst>
+              <a:gd name="connsiteX0" fmla="*/ 7529613 w 7529613"/>
+              <a:gd name="connsiteY0" fmla="*/ 0 h 6858000"/>
+              <a:gd name="connsiteX1" fmla="*/ 1222331 w 7529613"/>
+              <a:gd name="connsiteY1" fmla="*/ 0 h 6858000"/>
+              <a:gd name="connsiteX2" fmla="*/ 1126483 w 7529613"/>
+              <a:gd name="connsiteY2" fmla="*/ 148742 h 6858000"/>
+              <a:gd name="connsiteX3" fmla="*/ 767554 w 7529613"/>
+              <a:gd name="connsiteY3" fmla="*/ 819975 h 6858000"/>
+              <a:gd name="connsiteX4" fmla="*/ 742103 w 7529613"/>
+              <a:gd name="connsiteY4" fmla="*/ 854514 h 6858000"/>
+              <a:gd name="connsiteX5" fmla="*/ 785881 w 7529613"/>
+              <a:gd name="connsiteY5" fmla="*/ 750263 h 6858000"/>
+              <a:gd name="connsiteX6" fmla="*/ 978978 w 7529613"/>
+              <a:gd name="connsiteY6" fmla="*/ 331786 h 6858000"/>
+              <a:gd name="connsiteX7" fmla="*/ 1155717 w 7529613"/>
+              <a:gd name="connsiteY7" fmla="*/ 0 h 6858000"/>
+              <a:gd name="connsiteX8" fmla="*/ 1098249 w 7529613"/>
+              <a:gd name="connsiteY8" fmla="*/ 0 h 6858000"/>
+              <a:gd name="connsiteX9" fmla="*/ 991458 w 7529613"/>
+              <a:gd name="connsiteY9" fmla="*/ 196614 h 6858000"/>
+              <a:gd name="connsiteX10" fmla="*/ 493941 w 7529613"/>
+              <a:gd name="connsiteY10" fmla="*/ 1371196 h 6858000"/>
+              <a:gd name="connsiteX11" fmla="*/ 46485 w 7529613"/>
+              <a:gd name="connsiteY11" fmla="*/ 3331516 h 6858000"/>
+              <a:gd name="connsiteX12" fmla="*/ 12252 w 7529613"/>
+              <a:gd name="connsiteY12" fmla="*/ 4357388 h 6858000"/>
+              <a:gd name="connsiteX13" fmla="*/ 170821 w 7529613"/>
+              <a:gd name="connsiteY13" fmla="*/ 5552906 h 6858000"/>
+              <a:gd name="connsiteX14" fmla="*/ 537265 w 7529613"/>
+              <a:gd name="connsiteY14" fmla="*/ 6828295 h 6858000"/>
+              <a:gd name="connsiteX15" fmla="*/ 549692 w 7529613"/>
+              <a:gd name="connsiteY15" fmla="*/ 6858000 h 6858000"/>
+              <a:gd name="connsiteX16" fmla="*/ 602234 w 7529613"/>
+              <a:gd name="connsiteY16" fmla="*/ 6858000 h 6858000"/>
+              <a:gd name="connsiteX17" fmla="*/ 595414 w 7529613"/>
+              <a:gd name="connsiteY17" fmla="*/ 6841549 h 6858000"/>
+              <a:gd name="connsiteX18" fmla="*/ 364260 w 7529613"/>
+              <a:gd name="connsiteY18" fmla="*/ 6142729 h 6858000"/>
+              <a:gd name="connsiteX19" fmla="*/ 213071 w 7529613"/>
+              <a:gd name="connsiteY19" fmla="*/ 5513923 h 6858000"/>
+              <a:gd name="connsiteX20" fmla="*/ 211290 w 7529613"/>
+              <a:gd name="connsiteY20" fmla="*/ 5480401 h 6858000"/>
+              <a:gd name="connsiteX21" fmla="*/ 311446 w 7529613"/>
+              <a:gd name="connsiteY21" fmla="*/ 5830359 h 6858000"/>
+              <a:gd name="connsiteX22" fmla="*/ 622963 w 7529613"/>
+              <a:gd name="connsiteY22" fmla="*/ 6670527 h 6858000"/>
+              <a:gd name="connsiteX23" fmla="*/ 710464 w 7529613"/>
+              <a:gd name="connsiteY23" fmla="*/ 6858000 h 6858000"/>
+              <a:gd name="connsiteX24" fmla="*/ 7529613 w 7529613"/>
+              <a:gd name="connsiteY24" fmla="*/ 6858000 h 6858000"/>
+            </a:gdLst>
+            <a:ahLst/>
+            <a:cxnLst>
+              <a:cxn ang="0">
+                <a:pos x="connsiteX0" y="connsiteY0"/>
+              </a:cxn>
+              <a:cxn ang="0">
+                <a:pos x="connsiteX1" y="connsiteY1"/>
+              </a:cxn>
+              <a:cxn ang="0">
+                <a:pos x="connsiteX2" y="connsiteY2"/>
+              </a:cxn>
+              <a:cxn ang="0">
+                <a:pos x="connsiteX3" y="connsiteY3"/>
+              </a:cxn>
+              <a:cxn ang="0">
+                <a:pos x="connsiteX4" y="connsiteY4"/>
+              </a:cxn>
+              <a:cxn ang="0">
+                <a:pos x="connsiteX5" y="connsiteY5"/>
+              </a:cxn>
+              <a:cxn ang="0">
+                <a:pos x="connsiteX6" y="connsiteY6"/>
+              </a:cxn>
+              <a:cxn ang="0">
+                <a:pos x="connsiteX7" y="connsiteY7"/>
+              </a:cxn>
+              <a:cxn ang="0">
+                <a:pos x="connsiteX8" y="connsiteY8"/>
+              </a:cxn>
+              <a:cxn ang="0">
+                <a:pos x="connsiteX9" y="connsiteY9"/>
+              </a:cxn>
+              <a:cxn ang="0">
+                <a:pos x="connsiteX10" y="connsiteY10"/>
+              </a:cxn>
+              <a:cxn ang="0">
+                <a:pos x="connsiteX11" y="connsiteY11"/>
+              </a:cxn>
+              <a:cxn ang="0">
+                <a:pos x="connsiteX12" y="connsiteY12"/>
+              </a:cxn>
+              <a:cxn ang="0">
+                <a:pos x="connsiteX13" y="connsiteY13"/>
+              </a:cxn>
+              <a:cxn ang="0">
+                <a:pos x="connsiteX14" y="connsiteY14"/>
+              </a:cxn>
+              <a:cxn ang="0">
+                <a:pos x="connsiteX15" y="connsiteY15"/>
+              </a:cxn>
+              <a:cxn ang="0">
+                <a:pos x="connsiteX16" y="connsiteY16"/>
+              </a:cxn>
+              <a:cxn ang="0">
+                <a:pos x="connsiteX17" y="connsiteY17"/>
+              </a:cxn>
+              <a:cxn ang="0">
+                <a:pos x="connsiteX18" y="connsiteY18"/>
+              </a:cxn>
+              <a:cxn ang="0">
+                <a:pos x="connsiteX19" y="connsiteY19"/>
+              </a:cxn>
+              <a:cxn ang="0">
+                <a:pos x="connsiteX20" y="connsiteY20"/>
+              </a:cxn>
+              <a:cxn ang="0">
+                <a:pos x="connsiteX21" y="connsiteY21"/>
+              </a:cxn>
+              <a:cxn ang="0">
+                <a:pos x="connsiteX22" y="connsiteY22"/>
+              </a:cxn>
+              <a:cxn ang="0">
+                <a:pos x="connsiteX23" y="connsiteY23"/>
+              </a:cxn>
+              <a:cxn ang="0">
+                <a:pos x="connsiteX24" y="connsiteY24"/>
+              </a:cxn>
+            </a:cxnLst>
+            <a:rect l="l" t="t" r="r" b="b"/>
+            <a:pathLst>
+              <a:path w="7529613" h="6858000">
+                <a:moveTo>
+                  <a:pt x="7529613" y="0"/>
+                </a:moveTo>
+                <a:lnTo>
+                  <a:pt x="1222331" y="0"/>
+                </a:lnTo>
+                <a:lnTo>
+                  <a:pt x="1126483" y="148742"/>
+                </a:lnTo>
+                <a:cubicBezTo>
+                  <a:pt x="995323" y="365513"/>
+                  <a:pt x="876174" y="589569"/>
+                  <a:pt x="767554" y="819975"/>
+                </a:cubicBezTo>
+                <a:cubicBezTo>
+                  <a:pt x="762210" y="833492"/>
+                  <a:pt x="753441" y="845393"/>
+                  <a:pt x="742103" y="854514"/>
+                </a:cubicBezTo>
+                <a:cubicBezTo>
+                  <a:pt x="756737" y="819849"/>
+                  <a:pt x="770991" y="784928"/>
+                  <a:pt x="785881" y="750263"/>
+                </a:cubicBezTo>
+                <a:cubicBezTo>
+                  <a:pt x="846713" y="608712"/>
+                  <a:pt x="910948" y="469145"/>
+                  <a:pt x="978978" y="331786"/>
+                </a:cubicBezTo>
+                <a:lnTo>
+                  <a:pt x="1155717" y="0"/>
+                </a:lnTo>
+                <a:lnTo>
+                  <a:pt x="1098249" y="0"/>
+                </a:lnTo>
+                <a:lnTo>
+                  <a:pt x="991458" y="196614"/>
+                </a:lnTo>
+                <a:cubicBezTo>
+                  <a:pt x="797017" y="573253"/>
+                  <a:pt x="633548" y="966066"/>
+                  <a:pt x="493941" y="1371196"/>
+                </a:cubicBezTo>
+                <a:cubicBezTo>
+                  <a:pt x="276630" y="2007265"/>
+                  <a:pt x="126659" y="2664286"/>
+                  <a:pt x="46485" y="3331516"/>
+                </a:cubicBezTo>
+                <a:cubicBezTo>
+                  <a:pt x="4488" y="3672965"/>
+                  <a:pt x="-14219" y="4013908"/>
+                  <a:pt x="12252" y="4357388"/>
+                </a:cubicBezTo>
+                <a:cubicBezTo>
+                  <a:pt x="43558" y="4758899"/>
+                  <a:pt x="90773" y="5157998"/>
+                  <a:pt x="170821" y="5552906"/>
+                </a:cubicBezTo>
+                <a:cubicBezTo>
+                  <a:pt x="259109" y="5988893"/>
+                  <a:pt x="378967" y="6414594"/>
+                  <a:pt x="537265" y="6828295"/>
+                </a:cubicBezTo>
+                <a:lnTo>
+                  <a:pt x="549692" y="6858000"/>
+                </a:lnTo>
+                <a:lnTo>
+                  <a:pt x="602234" y="6858000"/>
+                </a:lnTo>
+                <a:lnTo>
+                  <a:pt x="595414" y="6841549"/>
+                </a:lnTo>
+                <a:cubicBezTo>
+                  <a:pt x="507884" y="6614016"/>
+                  <a:pt x="431296" y="6380817"/>
+                  <a:pt x="364260" y="6142729"/>
+                </a:cubicBezTo>
+                <a:cubicBezTo>
+                  <a:pt x="305974" y="5935370"/>
+                  <a:pt x="262958" y="5723695"/>
+                  <a:pt x="213071" y="5513923"/>
+                </a:cubicBezTo>
+                <a:cubicBezTo>
+                  <a:pt x="211892" y="5502788"/>
+                  <a:pt x="211299" y="5491601"/>
+                  <a:pt x="211290" y="5480401"/>
+                </a:cubicBezTo>
+                <a:cubicBezTo>
+                  <a:pt x="247814" y="5607635"/>
+                  <a:pt x="276958" y="5719759"/>
+                  <a:pt x="311446" y="5830359"/>
+                </a:cubicBezTo>
+                <a:cubicBezTo>
+                  <a:pt x="401357" y="6118381"/>
+                  <a:pt x="505060" y="6398531"/>
+                  <a:pt x="622963" y="6670527"/>
+                </a:cubicBezTo>
+                <a:lnTo>
+                  <a:pt x="710464" y="6858000"/>
+                </a:lnTo>
+                <a:lnTo>
+                  <a:pt x="7529613" y="6858000"/>
+                </a:lnTo>
+                <a:close/>
+              </a:path>
+            </a:pathLst>
+          </a:custGeom>
+          <a:solidFill>
+            <a:schemeClr val="accent2"/>
+          </a:solidFill>
+          <a:ln w="6857" cap="flat">
+            <a:noFill/>
+            <a:prstDash val="solid"/>
+            <a:miter/>
+          </a:ln>
+        </p:spPr>
+        <p:txBody>
+          <a:bodyPr wrap="square" rtlCol="0" anchor="ctr">
+            <a:noAutofit/>
+          </a:bodyPr>
+          <a:lstStyle/>
+          <a:p>
+            <a:endParaRPr lang="en-US"/>
+          </a:p>
+        </p:txBody>
+      </p:sp>
       <p:sp>
         <p:nvSpPr>
           <p:cNvPr id="2" name="Title 1">
@@ -19253,33 +21748,36 @@
         </p:nvSpPr>
         <p:spPr>
           <a:xfrm>
-            <a:off x="841248" y="548640"/>
-            <a:ext cx="3915582" cy="5431536"/>
+            <a:off x="5622061" y="762538"/>
+            <a:ext cx="5649349" cy="3199862"/>
           </a:xfrm>
         </p:spPr>
         <p:txBody>
-          <a:bodyPr>
+          <a:bodyPr vert="horz" lIns="91440" tIns="45720" rIns="91440" bIns="45720" rtlCol="0" anchor="b">
             <a:normAutofit/>
           </a:bodyPr>
           <a:lstStyle/>
           <a:p>
             <a:r>
-              <a:rPr lang="en-US" sz="5400" dirty="0"/>
-              <a:t> </a:t>
-            </a:r>
-            <a:r>
-              <a:rPr lang="en-US" sz="6000" dirty="0"/>
-              <a:t>Thank-You </a:t>
+              <a:rPr lang="en-US" sz="6600" kern="1200">
+                <a:solidFill>
+                  <a:srgbClr val="FFFFFF"/>
+                </a:solidFill>
+                <a:latin typeface="+mj-lt"/>
+                <a:ea typeface="+mj-ea"/>
+                <a:cs typeface="+mj-cs"/>
+              </a:rPr>
+              <a:t> Thank-You </a:t>
             </a:r>
           </a:p>
         </p:txBody>
       </p:sp>
       <p:sp>
         <p:nvSpPr>
-          <p:cNvPr id="44" name="sketch line">
+          <p:cNvPr id="62" name="sketch line">
             <a:extLst>
               <a:ext uri="{FF2B5EF4-FFF2-40B4-BE49-F238E27FC236}">
-                <a16:creationId xmlns:a16="http://schemas.microsoft.com/office/drawing/2014/main" id="{5D6C15A0-C087-4593-8414-2B4EC1CDC3DE}"/>
+                <a16:creationId xmlns:a16="http://schemas.microsoft.com/office/drawing/2014/main" id="{63DAB858-5A0C-4AFF-AAC6-705EDF8DB733}"/>
               </a:ext>
               <a:ext uri="{C183D7F6-B498-43B3-948B-1728B52AA6E4}">
                 <adec:decorative xmlns:adec="http://schemas.microsoft.com/office/drawing/2017/decorative" val="1"/>
@@ -19298,47 +21796,51 @@
           </p:nvPr>
         </p:nvSpPr>
         <p:spPr>
-          <a:xfrm rot="5400000">
-            <a:off x="2543983" y="3258715"/>
-            <a:ext cx="4480560" cy="18288"/>
+          <a:xfrm>
+            <a:off x="5717682" y="4043302"/>
+            <a:ext cx="5303520" cy="18288"/>
           </a:xfrm>
           <a:custGeom>
             <a:avLst/>
             <a:gdLst>
-              <a:gd name="connsiteX0" fmla="*/ 0 w 4480560"/>
+              <a:gd name="connsiteX0" fmla="*/ 0 w 5303520"/>
               <a:gd name="connsiteY0" fmla="*/ 0 h 18288"/>
-              <a:gd name="connsiteX1" fmla="*/ 595274 w 4480560"/>
+              <a:gd name="connsiteX1" fmla="*/ 556870 w 5303520"/>
               <a:gd name="connsiteY1" fmla="*/ 0 h 18288"/>
-              <a:gd name="connsiteX2" fmla="*/ 1100938 w 4480560"/>
+              <a:gd name="connsiteX2" fmla="*/ 1272845 w 5303520"/>
               <a:gd name="connsiteY2" fmla="*/ 0 h 18288"/>
-              <a:gd name="connsiteX3" fmla="*/ 1651406 w 4480560"/>
+              <a:gd name="connsiteX3" fmla="*/ 1882750 w 5303520"/>
               <a:gd name="connsiteY3" fmla="*/ 0 h 18288"/>
-              <a:gd name="connsiteX4" fmla="*/ 2336292 w 4480560"/>
+              <a:gd name="connsiteX4" fmla="*/ 2439619 w 5303520"/>
               <a:gd name="connsiteY4" fmla="*/ 0 h 18288"/>
-              <a:gd name="connsiteX5" fmla="*/ 2931566 w 4480560"/>
+              <a:gd name="connsiteX5" fmla="*/ 3155594 w 5303520"/>
               <a:gd name="connsiteY5" fmla="*/ 0 h 18288"/>
-              <a:gd name="connsiteX6" fmla="*/ 3482035 w 4480560"/>
+              <a:gd name="connsiteX6" fmla="*/ 3818534 w 5303520"/>
               <a:gd name="connsiteY6" fmla="*/ 0 h 18288"/>
-              <a:gd name="connsiteX7" fmla="*/ 4480560 w 4480560"/>
+              <a:gd name="connsiteX7" fmla="*/ 4481474 w 5303520"/>
               <a:gd name="connsiteY7" fmla="*/ 0 h 18288"/>
-              <a:gd name="connsiteX8" fmla="*/ 4480560 w 4480560"/>
-              <a:gd name="connsiteY8" fmla="*/ 18288 h 18288"/>
-              <a:gd name="connsiteX9" fmla="*/ 3840480 w 4480560"/>
+              <a:gd name="connsiteX8" fmla="*/ 5303520 w 5303520"/>
+              <a:gd name="connsiteY8" fmla="*/ 0 h 18288"/>
+              <a:gd name="connsiteX9" fmla="*/ 5303520 w 5303520"/>
               <a:gd name="connsiteY9" fmla="*/ 18288 h 18288"/>
-              <a:gd name="connsiteX10" fmla="*/ 3290011 w 4480560"/>
+              <a:gd name="connsiteX10" fmla="*/ 4746650 w 5303520"/>
               <a:gd name="connsiteY10" fmla="*/ 18288 h 18288"/>
-              <a:gd name="connsiteX11" fmla="*/ 2560320 w 4480560"/>
+              <a:gd name="connsiteX11" fmla="*/ 4242816 w 5303520"/>
               <a:gd name="connsiteY11" fmla="*/ 18288 h 18288"/>
-              <a:gd name="connsiteX12" fmla="*/ 1965046 w 4480560"/>
+              <a:gd name="connsiteX12" fmla="*/ 3526841 w 5303520"/>
               <a:gd name="connsiteY12" fmla="*/ 18288 h 18288"/>
-              <a:gd name="connsiteX13" fmla="*/ 1459382 w 4480560"/>
+              <a:gd name="connsiteX13" fmla="*/ 2969971 w 5303520"/>
               <a:gd name="connsiteY13" fmla="*/ 18288 h 18288"/>
-              <a:gd name="connsiteX14" fmla="*/ 774497 w 4480560"/>
+              <a:gd name="connsiteX14" fmla="*/ 2253996 w 5303520"/>
               <a:gd name="connsiteY14" fmla="*/ 18288 h 18288"/>
-              <a:gd name="connsiteX15" fmla="*/ 0 w 4480560"/>
+              <a:gd name="connsiteX15" fmla="*/ 1484986 w 5303520"/>
               <a:gd name="connsiteY15" fmla="*/ 18288 h 18288"/>
-              <a:gd name="connsiteX16" fmla="*/ 0 w 4480560"/>
-              <a:gd name="connsiteY16" fmla="*/ 0 h 18288"/>
+              <a:gd name="connsiteX16" fmla="*/ 875081 w 5303520"/>
+              <a:gd name="connsiteY16" fmla="*/ 18288 h 18288"/>
+              <a:gd name="connsiteX17" fmla="*/ 0 w 5303520"/>
+              <a:gd name="connsiteY17" fmla="*/ 18288 h 18288"/>
+              <a:gd name="connsiteX18" fmla="*/ 0 w 5303520"/>
+              <a:gd name="connsiteY18" fmla="*/ 0 h 18288"/>
             </a:gdLst>
             <a:ahLst/>
             <a:cxnLst>
@@ -19393,177 +21895,203 @@
               <a:cxn ang="0">
                 <a:pos x="connsiteX16" y="connsiteY16"/>
               </a:cxn>
+              <a:cxn ang="0">
+                <a:pos x="connsiteX17" y="connsiteY17"/>
+              </a:cxn>
+              <a:cxn ang="0">
+                <a:pos x="connsiteX18" y="connsiteY18"/>
+              </a:cxn>
             </a:cxnLst>
             <a:rect l="l" t="t" r="r" b="b"/>
             <a:pathLst>
-              <a:path w="4480560" h="18288" fill="none" extrusionOk="0">
+              <a:path w="5303520" h="18288" fill="none" extrusionOk="0">
                 <a:moveTo>
                   <a:pt x="0" y="0"/>
                 </a:moveTo>
                 <a:cubicBezTo>
-                  <a:pt x="267821" y="8731"/>
-                  <a:pt x="334105" y="2629"/>
-                  <a:pt x="595274" y="0"/>
-                </a:cubicBezTo>
-                <a:cubicBezTo>
-                  <a:pt x="856443" y="-2629"/>
-                  <a:pt x="863808" y="-13353"/>
-                  <a:pt x="1100938" y="0"/>
-                </a:cubicBezTo>
-                <a:cubicBezTo>
-                  <a:pt x="1338068" y="13353"/>
-                  <a:pt x="1431663" y="-25862"/>
-                  <a:pt x="1651406" y="0"/>
-                </a:cubicBezTo>
-                <a:cubicBezTo>
-                  <a:pt x="1871149" y="25862"/>
-                  <a:pt x="2173163" y="23827"/>
-                  <a:pt x="2336292" y="0"/>
-                </a:cubicBezTo>
-                <a:cubicBezTo>
-                  <a:pt x="2499421" y="-23827"/>
-                  <a:pt x="2720589" y="28148"/>
-                  <a:pt x="2931566" y="0"/>
-                </a:cubicBezTo>
-                <a:cubicBezTo>
-                  <a:pt x="3142543" y="-28148"/>
-                  <a:pt x="3323630" y="27022"/>
-                  <a:pt x="3482035" y="0"/>
-                </a:cubicBezTo>
-                <a:cubicBezTo>
-                  <a:pt x="3640440" y="-27022"/>
-                  <a:pt x="4012110" y="-20118"/>
-                  <a:pt x="4480560" y="0"/>
-                </a:cubicBezTo>
-                <a:cubicBezTo>
-                  <a:pt x="4480958" y="7429"/>
-                  <a:pt x="4480540" y="10822"/>
-                  <a:pt x="4480560" y="18288"/>
-                </a:cubicBezTo>
-                <a:cubicBezTo>
-                  <a:pt x="4314132" y="14924"/>
-                  <a:pt x="4028383" y="36632"/>
-                  <a:pt x="3840480" y="18288"/>
-                </a:cubicBezTo>
-                <a:cubicBezTo>
-                  <a:pt x="3652577" y="-56"/>
-                  <a:pt x="3547615" y="2848"/>
-                  <a:pt x="3290011" y="18288"/>
-                </a:cubicBezTo>
-                <a:cubicBezTo>
-                  <a:pt x="3032407" y="33728"/>
-                  <a:pt x="2830268" y="8719"/>
-                  <a:pt x="2560320" y="18288"/>
-                </a:cubicBezTo>
-                <a:cubicBezTo>
-                  <a:pt x="2290372" y="27857"/>
-                  <a:pt x="2147422" y="6728"/>
-                  <a:pt x="1965046" y="18288"/>
-                </a:cubicBezTo>
-                <a:cubicBezTo>
-                  <a:pt x="1782670" y="29848"/>
-                  <a:pt x="1689791" y="40680"/>
-                  <a:pt x="1459382" y="18288"/>
-                </a:cubicBezTo>
-                <a:cubicBezTo>
-                  <a:pt x="1228973" y="-4104"/>
-                  <a:pt x="915486" y="36501"/>
-                  <a:pt x="774497" y="18288"/>
-                </a:cubicBezTo>
-                <a:cubicBezTo>
-                  <a:pt x="633508" y="75"/>
-                  <a:pt x="361442" y="-11107"/>
+                  <a:pt x="191807" y="-19560"/>
+                  <a:pt x="373092" y="14032"/>
+                  <a:pt x="556870" y="0"/>
+                </a:cubicBezTo>
+                <a:cubicBezTo>
+                  <a:pt x="740648" y="-14032"/>
+                  <a:pt x="1109645" y="5886"/>
+                  <a:pt x="1272845" y="0"/>
+                </a:cubicBezTo>
+                <a:cubicBezTo>
+                  <a:pt x="1436045" y="-5886"/>
+                  <a:pt x="1723352" y="-21940"/>
+                  <a:pt x="1882750" y="0"/>
+                </a:cubicBezTo>
+                <a:cubicBezTo>
+                  <a:pt x="2042148" y="21940"/>
+                  <a:pt x="2308812" y="-23394"/>
+                  <a:pt x="2439619" y="0"/>
+                </a:cubicBezTo>
+                <a:cubicBezTo>
+                  <a:pt x="2570426" y="23394"/>
+                  <a:pt x="2936980" y="-3315"/>
+                  <a:pt x="3155594" y="0"/>
+                </a:cubicBezTo>
+                <a:cubicBezTo>
+                  <a:pt x="3374208" y="3315"/>
+                  <a:pt x="3528026" y="24519"/>
+                  <a:pt x="3818534" y="0"/>
+                </a:cubicBezTo>
+                <a:cubicBezTo>
+                  <a:pt x="4109042" y="-24519"/>
+                  <a:pt x="4161759" y="-18720"/>
+                  <a:pt x="4481474" y="0"/>
+                </a:cubicBezTo>
+                <a:cubicBezTo>
+                  <a:pt x="4801189" y="18720"/>
+                  <a:pt x="5011126" y="27308"/>
+                  <a:pt x="5303520" y="0"/>
+                </a:cubicBezTo>
+                <a:cubicBezTo>
+                  <a:pt x="5304050" y="6954"/>
+                  <a:pt x="5304254" y="12839"/>
+                  <a:pt x="5303520" y="18288"/>
+                </a:cubicBezTo>
+                <a:cubicBezTo>
+                  <a:pt x="5132450" y="501"/>
+                  <a:pt x="4953391" y="18714"/>
+                  <a:pt x="4746650" y="18288"/>
+                </a:cubicBezTo>
+                <a:cubicBezTo>
+                  <a:pt x="4539909" y="17863"/>
+                  <a:pt x="4361261" y="7168"/>
+                  <a:pt x="4242816" y="18288"/>
+                </a:cubicBezTo>
+                <a:cubicBezTo>
+                  <a:pt x="4124371" y="29408"/>
+                  <a:pt x="3754907" y="21026"/>
+                  <a:pt x="3526841" y="18288"/>
+                </a:cubicBezTo>
+                <a:cubicBezTo>
+                  <a:pt x="3298775" y="15550"/>
+                  <a:pt x="3164473" y="3913"/>
+                  <a:pt x="2969971" y="18288"/>
+                </a:cubicBezTo>
+                <a:cubicBezTo>
+                  <a:pt x="2775469" y="32664"/>
+                  <a:pt x="2608536" y="2050"/>
+                  <a:pt x="2253996" y="18288"/>
+                </a:cubicBezTo>
+                <a:cubicBezTo>
+                  <a:pt x="1899456" y="34526"/>
+                  <a:pt x="1752044" y="28789"/>
+                  <a:pt x="1484986" y="18288"/>
+                </a:cubicBezTo>
+                <a:cubicBezTo>
+                  <a:pt x="1217928" y="7788"/>
+                  <a:pt x="1060609" y="-4784"/>
+                  <a:pt x="875081" y="18288"/>
+                </a:cubicBezTo>
+                <a:cubicBezTo>
+                  <a:pt x="689553" y="41360"/>
+                  <a:pt x="188846" y="25228"/>
                   <a:pt x="0" y="18288"/>
                 </a:cubicBezTo>
                 <a:cubicBezTo>
-                  <a:pt x="-591" y="13205"/>
-                  <a:pt x="-663" y="6329"/>
+                  <a:pt x="-570" y="9279"/>
+                  <a:pt x="132" y="5100"/>
                   <a:pt x="0" y="0"/>
                 </a:cubicBezTo>
                 <a:close/>
               </a:path>
-              <a:path w="4480560" h="18288" stroke="0" extrusionOk="0">
+              <a:path w="5303520" h="18288" stroke="0" extrusionOk="0">
                 <a:moveTo>
                   <a:pt x="0" y="0"/>
                 </a:moveTo>
                 <a:cubicBezTo>
-                  <a:pt x="285465" y="225"/>
-                  <a:pt x="322691" y="16223"/>
-                  <a:pt x="595274" y="0"/>
-                </a:cubicBezTo>
-                <a:cubicBezTo>
-                  <a:pt x="867857" y="-16223"/>
-                  <a:pt x="989129" y="-11242"/>
-                  <a:pt x="1100938" y="0"/>
-                </a:cubicBezTo>
-                <a:cubicBezTo>
-                  <a:pt x="1212747" y="11242"/>
-                  <a:pt x="1574350" y="-36410"/>
-                  <a:pt x="1830629" y="0"/>
-                </a:cubicBezTo>
-                <a:cubicBezTo>
-                  <a:pt x="2086908" y="36410"/>
-                  <a:pt x="2180922" y="4645"/>
-                  <a:pt x="2425903" y="0"/>
-                </a:cubicBezTo>
-                <a:cubicBezTo>
-                  <a:pt x="2670884" y="-4645"/>
-                  <a:pt x="2782024" y="22929"/>
-                  <a:pt x="3021178" y="0"/>
-                </a:cubicBezTo>
-                <a:cubicBezTo>
-                  <a:pt x="3260332" y="-22929"/>
-                  <a:pt x="3456982" y="-1586"/>
-                  <a:pt x="3750869" y="0"/>
-                </a:cubicBezTo>
-                <a:cubicBezTo>
-                  <a:pt x="4044756" y="1586"/>
-                  <a:pt x="4302726" y="17043"/>
-                  <a:pt x="4480560" y="0"/>
-                </a:cubicBezTo>
-                <a:cubicBezTo>
-                  <a:pt x="4479674" y="5429"/>
-                  <a:pt x="4481381" y="14046"/>
-                  <a:pt x="4480560" y="18288"/>
-                </a:cubicBezTo>
-                <a:cubicBezTo>
-                  <a:pt x="4279652" y="-6850"/>
-                  <a:pt x="4200762" y="41566"/>
-                  <a:pt x="3930091" y="18288"/>
-                </a:cubicBezTo>
-                <a:cubicBezTo>
-                  <a:pt x="3659420" y="-4990"/>
-                  <a:pt x="3456052" y="22294"/>
-                  <a:pt x="3290011" y="18288"/>
-                </a:cubicBezTo>
-                <a:cubicBezTo>
-                  <a:pt x="3123970" y="14282"/>
-                  <a:pt x="2882392" y="32818"/>
-                  <a:pt x="2649931" y="18288"/>
-                </a:cubicBezTo>
-                <a:cubicBezTo>
-                  <a:pt x="2417470" y="3758"/>
-                  <a:pt x="2238426" y="7337"/>
-                  <a:pt x="2054657" y="18288"/>
-                </a:cubicBezTo>
-                <a:cubicBezTo>
-                  <a:pt x="1870888" y="29239"/>
-                  <a:pt x="1566368" y="45040"/>
-                  <a:pt x="1324966" y="18288"/>
-                </a:cubicBezTo>
-                <a:cubicBezTo>
-                  <a:pt x="1083564" y="-8464"/>
-                  <a:pt x="787410" y="10946"/>
-                  <a:pt x="595274" y="18288"/>
-                </a:cubicBezTo>
-                <a:cubicBezTo>
-                  <a:pt x="403138" y="25630"/>
-                  <a:pt x="169622" y="10499"/>
+                  <a:pt x="181149" y="2038"/>
+                  <a:pt x="442175" y="-27591"/>
+                  <a:pt x="609905" y="0"/>
+                </a:cubicBezTo>
+                <a:cubicBezTo>
+                  <a:pt x="777636" y="27591"/>
+                  <a:pt x="947554" y="-24271"/>
+                  <a:pt x="1113739" y="0"/>
+                </a:cubicBezTo>
+                <a:cubicBezTo>
+                  <a:pt x="1279924" y="24271"/>
+                  <a:pt x="1721318" y="-30891"/>
+                  <a:pt x="1882750" y="0"/>
+                </a:cubicBezTo>
+                <a:cubicBezTo>
+                  <a:pt x="2044182" y="30891"/>
+                  <a:pt x="2270822" y="-14002"/>
+                  <a:pt x="2492654" y="0"/>
+                </a:cubicBezTo>
+                <a:cubicBezTo>
+                  <a:pt x="2714486" y="14002"/>
+                  <a:pt x="2822632" y="27292"/>
+                  <a:pt x="3102559" y="0"/>
+                </a:cubicBezTo>
+                <a:cubicBezTo>
+                  <a:pt x="3382487" y="-27292"/>
+                  <a:pt x="3489743" y="-31235"/>
+                  <a:pt x="3871570" y="0"/>
+                </a:cubicBezTo>
+                <a:cubicBezTo>
+                  <a:pt x="4253397" y="31235"/>
+                  <a:pt x="4301475" y="22800"/>
+                  <a:pt x="4428439" y="0"/>
+                </a:cubicBezTo>
+                <a:cubicBezTo>
+                  <a:pt x="4555403" y="-22800"/>
+                  <a:pt x="5018410" y="43534"/>
+                  <a:pt x="5303520" y="0"/>
+                </a:cubicBezTo>
+                <a:cubicBezTo>
+                  <a:pt x="5302837" y="5414"/>
+                  <a:pt x="5302800" y="12510"/>
+                  <a:pt x="5303520" y="18288"/>
+                </a:cubicBezTo>
+                <a:cubicBezTo>
+                  <a:pt x="5082751" y="18456"/>
+                  <a:pt x="4993374" y="24100"/>
+                  <a:pt x="4746650" y="18288"/>
+                </a:cubicBezTo>
+                <a:cubicBezTo>
+                  <a:pt x="4499926" y="12477"/>
+                  <a:pt x="4368648" y="-7187"/>
+                  <a:pt x="4083710" y="18288"/>
+                </a:cubicBezTo>
+                <a:cubicBezTo>
+                  <a:pt x="3798772" y="43763"/>
+                  <a:pt x="3729434" y="5501"/>
+                  <a:pt x="3473806" y="18288"/>
+                </a:cubicBezTo>
+                <a:cubicBezTo>
+                  <a:pt x="3218178" y="31075"/>
+                  <a:pt x="3056855" y="30003"/>
+                  <a:pt x="2704795" y="18288"/>
+                </a:cubicBezTo>
+                <a:cubicBezTo>
+                  <a:pt x="2352735" y="6573"/>
+                  <a:pt x="2319447" y="29257"/>
+                  <a:pt x="1935785" y="18288"/>
+                </a:cubicBezTo>
+                <a:cubicBezTo>
+                  <a:pt x="1552123" y="7320"/>
+                  <a:pt x="1532619" y="-467"/>
+                  <a:pt x="1378915" y="18288"/>
+                </a:cubicBezTo>
+                <a:cubicBezTo>
+                  <a:pt x="1225211" y="37043"/>
+                  <a:pt x="1038692" y="34308"/>
+                  <a:pt x="715975" y="18288"/>
+                </a:cubicBezTo>
+                <a:cubicBezTo>
+                  <a:pt x="393258" y="2268"/>
+                  <a:pt x="303768" y="26944"/>
                   <a:pt x="0" y="18288"/>
                 </a:cubicBezTo>
                 <a:cubicBezTo>
-                  <a:pt x="668" y="13665"/>
-                  <a:pt x="578" y="5675"/>
+                  <a:pt x="-306" y="11061"/>
+                  <a:pt x="-655" y="7751"/>
                   <a:pt x="0" y="0"/>
                 </a:cubicBezTo>
                 <a:close/>
@@ -19571,11 +22099,11 @@
             </a:pathLst>
           </a:custGeom>
           <a:solidFill>
-            <a:schemeClr val="accent2"/>
+            <a:srgbClr val="FFFFFF"/>
           </a:solidFill>
           <a:ln w="41275" cap="rnd">
             <a:solidFill>
-              <a:schemeClr val="accent2"/>
+              <a:srgbClr val="FFFFFF"/>
             </a:solidFill>
             <a:round/>
             <a:extLst>
@@ -19614,38 +22142,6 @@
           <a:p>
             <a:pPr algn="ctr"/>
             <a:endParaRPr lang="en-US"/>
-          </a:p>
-        </p:txBody>
-      </p:sp>
-      <p:sp>
-        <p:nvSpPr>
-          <p:cNvPr id="3" name="Content Placeholder 2">
-            <a:extLst>
-              <a:ext uri="{FF2B5EF4-FFF2-40B4-BE49-F238E27FC236}">
-                <a16:creationId xmlns:a16="http://schemas.microsoft.com/office/drawing/2014/main" id="{5433DD4C-F8A2-12AC-68C8-D4A8996D3ABB}"/>
-              </a:ext>
-            </a:extLst>
-          </p:cNvPr>
-          <p:cNvSpPr>
-            <a:spLocks noGrp="1"/>
-          </p:cNvSpPr>
-          <p:nvPr>
-            <p:ph idx="1"/>
-          </p:nvPr>
-        </p:nvSpPr>
-        <p:spPr>
-          <a:xfrm>
-            <a:off x="5126418" y="552091"/>
-            <a:ext cx="6224335" cy="5431536"/>
-          </a:xfrm>
-        </p:spPr>
-        <p:txBody>
-          <a:bodyPr anchor="ctr">
-            <a:normAutofit/>
-          </a:bodyPr>
-          <a:lstStyle/>
-          <a:p>
-            <a:endParaRPr lang="en-US" sz="2200" dirty="0"/>
           </a:p>
         </p:txBody>
       </p:sp>
@@ -31789,7 +34285,7 @@
             </a:pPr>
             <a:r>
               <a:rPr lang="en-US" dirty="0"/>
-              <a:t> Refer to the </a:t>
+              <a:t> Refer t o the </a:t>
             </a:r>
             <a:r>
               <a:rPr lang="en-US" dirty="0" err="1"/>
@@ -31799,6 +34295,68 @@
               <a:rPr lang="en-US" dirty="0"/>
               <a:t> Notebook at :</a:t>
             </a:r>
+          </a:p>
+          <a:p>
+            <a:pPr marL="0" indent="0">
+              <a:buNone/>
+            </a:pPr>
+            <a:r>
+              <a:rPr lang="en-US" dirty="0"/>
+              <a:t> https://</a:t>
+            </a:r>
+            <a:r>
+              <a:rPr lang="en-US" dirty="0" err="1"/>
+              <a:t>github.com</a:t>
+            </a:r>
+            <a:r>
+              <a:rPr lang="en-US" dirty="0"/>
+              <a:t>/EdGonz44/Crime-Chronicles-Inflation-in-the-Golden-State/blob/main/</a:t>
+            </a:r>
+            <a:r>
+              <a:rPr lang="en-US" dirty="0" err="1"/>
+              <a:t>group_project</a:t>
+            </a:r>
+            <a:r>
+              <a:rPr lang="en-US" dirty="0"/>
+              <a:t>/</a:t>
+            </a:r>
+            <a:r>
+              <a:rPr lang="en-US" dirty="0" err="1"/>
+              <a:t>VisualizationData.ipynb</a:t>
+            </a:r>
+            <a:endParaRPr lang="en-US" dirty="0"/>
+          </a:p>
+        </p:txBody>
+      </p:sp>
+      <p:sp>
+        <p:nvSpPr>
+          <p:cNvPr id="4" name="TextBox 3">
+            <a:extLst>
+              <a:ext uri="{FF2B5EF4-FFF2-40B4-BE49-F238E27FC236}">
+                <a16:creationId xmlns:a16="http://schemas.microsoft.com/office/drawing/2014/main" id="{7BA37519-12D5-C80D-935A-B812B48A9FBB}"/>
+              </a:ext>
+            </a:extLst>
+          </p:cNvPr>
+          <p:cNvSpPr txBox="1"/>
+          <p:nvPr/>
+        </p:nvSpPr>
+        <p:spPr>
+          <a:xfrm>
+            <a:off x="6606540" y="2617470"/>
+            <a:ext cx="184731" cy="369332"/>
+          </a:xfrm>
+          <a:prstGeom prst="rect">
+            <a:avLst/>
+          </a:prstGeom>
+          <a:noFill/>
+        </p:spPr>
+        <p:txBody>
+          <a:bodyPr wrap="none" rtlCol="0">
+            <a:spAutoFit/>
+          </a:bodyPr>
+          <a:lstStyle/>
+          <a:p>
+            <a:endParaRPr lang="en-US" dirty="0"/>
           </a:p>
         </p:txBody>
       </p:sp>
@@ -32711,13 +35269,13 @@
         </p:nvSpPr>
         <p:spPr>
           <a:xfrm>
-            <a:off x="572493" y="2071316"/>
-            <a:ext cx="4744604" cy="4119172"/>
+            <a:off x="572492" y="2071316"/>
+            <a:ext cx="5325387" cy="4119172"/>
           </a:xfrm>
         </p:spPr>
         <p:txBody>
           <a:bodyPr anchor="t">
-            <a:normAutofit fontScale="92500" lnSpcReduction="20000"/>
+            <a:normAutofit lnSpcReduction="10000"/>
           </a:bodyPr>
           <a:lstStyle/>
           <a:p>
@@ -32731,120 +35289,320 @@
             </a:endParaRPr>
           </a:p>
           <a:p>
-            <a:pPr marL="0" indent="0">
+            <a:pPr marL="0" marR="0" indent="0">
+              <a:spcBef>
+                <a:spcPts val="0"/>
+              </a:spcBef>
+              <a:spcAft>
+                <a:spcPts val="0"/>
+              </a:spcAft>
               <a:buNone/>
             </a:pPr>
             <a:r>
-              <a:rPr kumimoji="0" lang="en-US" altLang="en-US" sz="1600" b="1" i="0" u="none" strike="noStrike" cap="none" normalizeH="0" baseline="0" dirty="0">
-                <a:ln>
-                  <a:noFill/>
-                </a:ln>
-                <a:effectLst/>
-                <a:latin typeface="Aptos" panose="020B0004020202020204" pitchFamily="34" charset="0"/>
-                <a:ea typeface="Times New Roman" panose="02020603050405020304" pitchFamily="18" charset="0"/>
+              <a:rPr lang="en-US" sz="1500" b="1" kern="0" dirty="0">
+                <a:solidFill>
+                  <a:srgbClr val="000000"/>
+                </a:solidFill>
+                <a:latin typeface="Times New Roman" panose="02020603050405020304" pitchFamily="18" charset="0"/>
+                <a:ea typeface="Aptos" panose="020B0004020202020204" pitchFamily="34" charset="0"/>
                 <a:cs typeface="Times New Roman" panose="02020603050405020304" pitchFamily="18" charset="0"/>
               </a:rPr>
               <a:t>Summary Analysis:</a:t>
             </a:r>
+            <a:endParaRPr lang="en-US" sz="1500" kern="100" dirty="0">
+              <a:effectLst/>
+              <a:latin typeface="Aptos" panose="020B0004020202020204" pitchFamily="34" charset="0"/>
+              <a:ea typeface="Aptos" panose="020B0004020202020204" pitchFamily="34" charset="0"/>
+              <a:cs typeface="Times New Roman" panose="02020603050405020304" pitchFamily="18" charset="0"/>
+            </a:endParaRPr>
           </a:p>
           <a:p>
-            <a:pPr marL="0" indent="0">
+            <a:pPr marL="0" marR="0" indent="0">
+              <a:spcBef>
+                <a:spcPts val="0"/>
+              </a:spcBef>
+              <a:spcAft>
+                <a:spcPts val="0"/>
+              </a:spcAft>
               <a:buNone/>
             </a:pPr>
             <a:r>
-              <a:rPr lang="en-US" sz="1600" kern="0" dirty="0">
-                <a:effectLst/>
-                <a:latin typeface="Times New Roman" panose="02020603050405020304" pitchFamily="18" charset="0"/>
-                <a:ea typeface="Times New Roman" panose="02020603050405020304" pitchFamily="18" charset="0"/>
-              </a:rPr>
-              <a:t>It shows the crime count in California from </a:t>
-            </a:r>
-            <a:r>
-              <a:rPr lang="en-US" sz="1600" kern="0" dirty="0">
-                <a:latin typeface="Times New Roman" panose="02020603050405020304" pitchFamily="18" charset="0"/>
-                <a:ea typeface="Times New Roman" panose="02020603050405020304" pitchFamily="18" charset="0"/>
-              </a:rPr>
-              <a:t>1998</a:t>
-            </a:r>
-            <a:r>
-              <a:rPr lang="en-US" sz="1600" kern="0" dirty="0">
-                <a:effectLst/>
-                <a:latin typeface="Times New Roman" panose="02020603050405020304" pitchFamily="18" charset="0"/>
-                <a:ea typeface="Times New Roman" panose="02020603050405020304" pitchFamily="18" charset="0"/>
-              </a:rPr>
-              <a:t> to 2023. The y-axis is the scaled count of crimes, and the x-axis is the year. The three lines represent violent crimes, property crimes, and larceny-theft.</a:t>
-            </a:r>
-          </a:p>
-          <a:p>
-            <a:pPr marL="0" indent="0">
-              <a:buNone/>
-            </a:pPr>
-            <a:r>
-              <a:rPr lang="en-US" sz="1600" b="1" kern="0" dirty="0">
+              <a:rPr lang="en-US" sz="1500" kern="0" dirty="0">
+                <a:solidFill>
+                  <a:srgbClr val="000000"/>
+                </a:solidFill>
                 <a:effectLst/>
                 <a:latin typeface="Times New Roman" panose="02020603050405020304" pitchFamily="18" charset="0"/>
                 <a:ea typeface="Times New Roman" panose="02020603050405020304" pitchFamily="18" charset="0"/>
                 <a:cs typeface="Times New Roman" panose="02020603050405020304" pitchFamily="18" charset="0"/>
               </a:rPr>
-              <a:t>General Trends</a:t>
+              <a:t>The chart titled "Total Crimes Over the Course of 25 Years" illustrates the following key points:</a:t>
             </a:r>
+            <a:endParaRPr lang="en-US" sz="1500" kern="100" dirty="0">
+              <a:effectLst/>
+              <a:latin typeface="Aptos" panose="020B0004020202020204" pitchFamily="34" charset="0"/>
+              <a:ea typeface="Aptos" panose="020B0004020202020204" pitchFamily="34" charset="0"/>
+              <a:cs typeface="Times New Roman" panose="02020603050405020304" pitchFamily="18" charset="0"/>
+            </a:endParaRPr>
+          </a:p>
+          <a:p>
+            <a:pPr marL="342900" marR="0" lvl="0" indent="-342900">
+              <a:spcBef>
+                <a:spcPts val="0"/>
+              </a:spcBef>
+              <a:spcAft>
+                <a:spcPts val="0"/>
+              </a:spcAft>
+              <a:buFont typeface="+mj-lt"/>
+              <a:buAutoNum type="arabicPeriod"/>
+              <a:tabLst>
+                <a:tab pos="457200" algn="l"/>
+              </a:tabLst>
+            </a:pPr>
             <a:r>
-              <a:rPr lang="en-US" sz="1600" kern="0" dirty="0">
+              <a:rPr lang="en-US" sz="1500" b="1" kern="0" dirty="0">
+                <a:solidFill>
+                  <a:srgbClr val="000000"/>
+                </a:solidFill>
                 <a:effectLst/>
                 <a:latin typeface="Times New Roman" panose="02020603050405020304" pitchFamily="18" charset="0"/>
                 <a:ea typeface="Times New Roman" panose="02020603050405020304" pitchFamily="18" charset="0"/>
                 <a:cs typeface="Times New Roman" panose="02020603050405020304" pitchFamily="18" charset="0"/>
               </a:rPr>
-              <a:t>: </a:t>
+              <a:t>Overall Decline:</a:t>
             </a:r>
-          </a:p>
-          <a:p>
-            <a:pPr marL="0" indent="0">
-              <a:buNone/>
-            </a:pPr>
             <a:r>
-              <a:rPr lang="en-US" sz="1600" kern="0" dirty="0">
+              <a:rPr lang="en-US" sz="1500" kern="0" dirty="0">
+                <a:solidFill>
+                  <a:srgbClr val="000000"/>
+                </a:solidFill>
                 <a:effectLst/>
                 <a:latin typeface="Times New Roman" panose="02020603050405020304" pitchFamily="18" charset="0"/>
                 <a:ea typeface="Times New Roman" panose="02020603050405020304" pitchFamily="18" charset="0"/>
                 <a:cs typeface="Times New Roman" panose="02020603050405020304" pitchFamily="18" charset="0"/>
               </a:rPr>
-              <a:t>From 2000 to 2005, the crime rate in California increased for all three categories. From 2005 to 2010, the crime rate decreased for all three categories. From 2010 to 2015, the crime rate increased for violent crimes and property crimes, but decreased for larceny-theft. From 2015 to 2020, the crime rate decreased for all three categories.</a:t>
+              <a:t> From 1998 to 2023, total crimes significantly decreased from approximately 5.4 million to around 4.0 million.</a:t>
+            </a:r>
+            <a:endParaRPr lang="en-US" sz="1500" kern="100" dirty="0">
+              <a:solidFill>
+                <a:srgbClr val="000000"/>
+              </a:solidFill>
+              <a:effectLst/>
+              <a:latin typeface="Aptos" panose="020B0004020202020204" pitchFamily="34" charset="0"/>
+              <a:ea typeface="Aptos" panose="020B0004020202020204" pitchFamily="34" charset="0"/>
+              <a:cs typeface="Times New Roman" panose="02020603050405020304" pitchFamily="18" charset="0"/>
+            </a:endParaRPr>
+          </a:p>
+          <a:p>
+            <a:pPr marL="342900" marR="0" lvl="0" indent="-342900">
+              <a:spcBef>
+                <a:spcPts val="0"/>
+              </a:spcBef>
+              <a:spcAft>
+                <a:spcPts val="0"/>
+              </a:spcAft>
+              <a:buFont typeface="+mj-lt"/>
+              <a:buAutoNum type="arabicPeriod"/>
+              <a:tabLst>
+                <a:tab pos="457200" algn="l"/>
+              </a:tabLst>
+            </a:pPr>
+            <a:r>
+              <a:rPr lang="en-US" sz="1500" b="1" kern="0" dirty="0">
+                <a:solidFill>
+                  <a:srgbClr val="000000"/>
+                </a:solidFill>
+                <a:effectLst/>
+                <a:latin typeface="Times New Roman" panose="02020603050405020304" pitchFamily="18" charset="0"/>
+                <a:ea typeface="Times New Roman" panose="02020603050405020304" pitchFamily="18" charset="0"/>
+                <a:cs typeface="Times New Roman" panose="02020603050405020304" pitchFamily="18" charset="0"/>
+              </a:rPr>
+              <a:t>Fluctuations:</a:t>
+            </a:r>
+            <a:r>
+              <a:rPr lang="en-US" sz="1500" kern="0" dirty="0">
+                <a:solidFill>
+                  <a:srgbClr val="000000"/>
+                </a:solidFill>
+                <a:effectLst/>
+                <a:latin typeface="Times New Roman" panose="02020603050405020304" pitchFamily="18" charset="0"/>
+                <a:ea typeface="Times New Roman" panose="02020603050405020304" pitchFamily="18" charset="0"/>
+                <a:cs typeface="Times New Roman" panose="02020603050405020304" pitchFamily="18" charset="0"/>
+              </a:rPr>
+              <a:t> Despite the general decline, there were periods of fluctuation, particularly in the early 2000s and around 2015.</a:t>
+            </a:r>
+            <a:endParaRPr lang="en-US" sz="1500" kern="100" dirty="0">
+              <a:solidFill>
+                <a:srgbClr val="000000"/>
+              </a:solidFill>
+              <a:effectLst/>
+              <a:latin typeface="Aptos" panose="020B0004020202020204" pitchFamily="34" charset="0"/>
+              <a:ea typeface="Aptos" panose="020B0004020202020204" pitchFamily="34" charset="0"/>
+              <a:cs typeface="Times New Roman" panose="02020603050405020304" pitchFamily="18" charset="0"/>
+            </a:endParaRPr>
+          </a:p>
+          <a:p>
+            <a:pPr marL="342900" marR="0" lvl="0" indent="-342900">
+              <a:spcBef>
+                <a:spcPts val="0"/>
+              </a:spcBef>
+              <a:spcAft>
+                <a:spcPts val="0"/>
+              </a:spcAft>
+              <a:buFont typeface="+mj-lt"/>
+              <a:buAutoNum type="arabicPeriod"/>
+              <a:tabLst>
+                <a:tab pos="457200" algn="l"/>
+              </a:tabLst>
+            </a:pPr>
+            <a:r>
+              <a:rPr lang="en-US" sz="1500" b="1" kern="0" dirty="0">
+                <a:solidFill>
+                  <a:srgbClr val="000000"/>
+                </a:solidFill>
+                <a:effectLst/>
+                <a:latin typeface="Times New Roman" panose="02020603050405020304" pitchFamily="18" charset="0"/>
+                <a:ea typeface="Times New Roman" panose="02020603050405020304" pitchFamily="18" charset="0"/>
+                <a:cs typeface="Times New Roman" panose="02020603050405020304" pitchFamily="18" charset="0"/>
+              </a:rPr>
+              <a:t>Recent Trends:</a:t>
+            </a:r>
+            <a:r>
+              <a:rPr lang="en-US" sz="1500" kern="0" dirty="0">
+                <a:solidFill>
+                  <a:srgbClr val="000000"/>
+                </a:solidFill>
+                <a:effectLst/>
+                <a:latin typeface="Times New Roman" panose="02020603050405020304" pitchFamily="18" charset="0"/>
+                <a:ea typeface="Times New Roman" panose="02020603050405020304" pitchFamily="18" charset="0"/>
+                <a:cs typeface="Times New Roman" panose="02020603050405020304" pitchFamily="18" charset="0"/>
+              </a:rPr>
+              <a:t> Post-2018, crime rates decreased further, reaching a low around 2020, followed by a slight increase up to 2023.</a:t>
             </a:r>
           </a:p>
           <a:p>
-            <a:pPr marL="0" indent="0">
+            <a:pPr marL="342900" marR="0" lvl="0" indent="-342900">
+              <a:spcBef>
+                <a:spcPts val="0"/>
+              </a:spcBef>
+              <a:spcAft>
+                <a:spcPts val="0"/>
+              </a:spcAft>
+              <a:buFont typeface="+mj-lt"/>
+              <a:buAutoNum type="arabicPeriod"/>
+              <a:tabLst>
+                <a:tab pos="457200" algn="l"/>
+              </a:tabLst>
+            </a:pPr>
+            <a:endParaRPr lang="en-US" sz="1500" kern="0" dirty="0">
+              <a:solidFill>
+                <a:srgbClr val="000000"/>
+              </a:solidFill>
+              <a:effectLst/>
+              <a:latin typeface="Times New Roman" panose="02020603050405020304" pitchFamily="18" charset="0"/>
+              <a:ea typeface="Times New Roman" panose="02020603050405020304" pitchFamily="18" charset="0"/>
+              <a:cs typeface="Times New Roman" panose="02020603050405020304" pitchFamily="18" charset="0"/>
+            </a:endParaRPr>
+          </a:p>
+          <a:p>
+            <a:pPr marL="0" marR="0" indent="0">
+              <a:spcBef>
+                <a:spcPts val="0"/>
+              </a:spcBef>
+              <a:spcAft>
+                <a:spcPts val="0"/>
+              </a:spcAft>
               <a:buNone/>
             </a:pPr>
             <a:r>
-              <a:rPr lang="en-US" sz="1600" b="1" kern="0" dirty="0">
+              <a:rPr lang="en-US" sz="1500" b="1" kern="0" dirty="0">
+                <a:solidFill>
+                  <a:srgbClr val="000000"/>
+                </a:solidFill>
+                <a:effectLst/>
                 <a:latin typeface="Times New Roman" panose="02020603050405020304" pitchFamily="18" charset="0"/>
-                <a:ea typeface="Aptos" panose="020B0004020202020204" pitchFamily="34" charset="0"/>
+                <a:ea typeface="Times New Roman" panose="02020603050405020304" pitchFamily="18" charset="0"/>
                 <a:cs typeface="Times New Roman" panose="02020603050405020304" pitchFamily="18" charset="0"/>
               </a:rPr>
-              <a:t>Conclusion: </a:t>
+              <a:t>Conclusion:</a:t>
             </a:r>
+            <a:endParaRPr lang="en-US" sz="1500" kern="100" dirty="0">
+              <a:effectLst/>
+              <a:latin typeface="Aptos" panose="020B0004020202020204" pitchFamily="34" charset="0"/>
+              <a:ea typeface="Aptos" panose="020B0004020202020204" pitchFamily="34" charset="0"/>
+              <a:cs typeface="Times New Roman" panose="02020603050405020304" pitchFamily="18" charset="0"/>
+            </a:endParaRPr>
           </a:p>
           <a:p>
-            <a:pPr marL="0" indent="0">
+            <a:pPr marL="0" marR="0" indent="0">
+              <a:spcBef>
+                <a:spcPts val="0"/>
+              </a:spcBef>
+              <a:spcAft>
+                <a:spcPts val="0"/>
+              </a:spcAft>
               <a:buNone/>
             </a:pPr>
             <a:r>
-              <a:rPr lang="en-US" sz="1600" kern="0" dirty="0">
+              <a:rPr lang="en-US" sz="1500" kern="0" dirty="0">
+                <a:solidFill>
+                  <a:srgbClr val="000000"/>
+                </a:solidFill>
                 <a:effectLst/>
                 <a:latin typeface="Times New Roman" panose="02020603050405020304" pitchFamily="18" charset="0"/>
                 <a:ea typeface="Times New Roman" panose="02020603050405020304" pitchFamily="18" charset="0"/>
+                <a:cs typeface="Times New Roman" panose="02020603050405020304" pitchFamily="18" charset="0"/>
               </a:rPr>
-              <a:t>Overall, the crime rate in California has decreased from 1998 to 2023. However, there are some fluctuations in the data. For example, the crime rate increased from 2000 to 2005, then decreased from 2005 to 2010. This could be due to a number of factors, such as changes in the economy, law enforcement, or demographics</a:t>
+              <a:t>The data shows a notable long-term reduction in crime rates over the past 25 years. However, the observed fluctuations and recent minor increases suggest that ongoing efforts are needed to understand and address the factors influencing these trends. Continuous research and policy adjustments are essential to maintain and further the progress in reducing crime rates.</a:t>
             </a:r>
-            <a:r>
-              <a:rPr lang="en-US" sz="1600" kern="0" dirty="0">
-                <a:latin typeface="Times New Roman" panose="02020603050405020304" pitchFamily="18" charset="0"/>
-                <a:ea typeface="Times New Roman" panose="02020603050405020304" pitchFamily="18" charset="0"/>
-              </a:rPr>
-              <a:t>.</a:t>
-            </a:r>
-            <a:endParaRPr lang="en-US" sz="1600" kern="100" dirty="0">
+            <a:endParaRPr lang="en-US" sz="1500" kern="100" dirty="0">
+              <a:effectLst/>
+              <a:latin typeface="Aptos" panose="020B0004020202020204" pitchFamily="34" charset="0"/>
+              <a:ea typeface="Aptos" panose="020B0004020202020204" pitchFamily="34" charset="0"/>
+              <a:cs typeface="Times New Roman" panose="02020603050405020304" pitchFamily="18" charset="0"/>
+            </a:endParaRPr>
+          </a:p>
+          <a:p>
+            <a:pPr marL="342900" marR="0" lvl="0" indent="-342900">
+              <a:spcBef>
+                <a:spcPts val="0"/>
+              </a:spcBef>
+              <a:spcAft>
+                <a:spcPts val="0"/>
+              </a:spcAft>
+              <a:buFont typeface="+mj-lt"/>
+              <a:buAutoNum type="arabicPeriod"/>
+              <a:tabLst>
+                <a:tab pos="457200" algn="l"/>
+              </a:tabLst>
+            </a:pPr>
+            <a:endParaRPr lang="en-US" sz="1800" kern="0" dirty="0">
+              <a:solidFill>
+                <a:srgbClr val="000000"/>
+              </a:solidFill>
+              <a:effectLst/>
+              <a:latin typeface="Times New Roman" panose="02020603050405020304" pitchFamily="18" charset="0"/>
+              <a:ea typeface="Times New Roman" panose="02020603050405020304" pitchFamily="18" charset="0"/>
+              <a:cs typeface="Times New Roman" panose="02020603050405020304" pitchFamily="18" charset="0"/>
+            </a:endParaRPr>
+          </a:p>
+          <a:p>
+            <a:pPr marL="0" marR="0" lvl="0" indent="0">
+              <a:spcBef>
+                <a:spcPts val="0"/>
+              </a:spcBef>
+              <a:spcAft>
+                <a:spcPts val="0"/>
+              </a:spcAft>
+              <a:buNone/>
+              <a:tabLst>
+                <a:tab pos="457200" algn="l"/>
+              </a:tabLst>
+            </a:pPr>
+            <a:endParaRPr lang="en-US" sz="1800" kern="100" dirty="0">
+              <a:solidFill>
+                <a:srgbClr val="000000"/>
+              </a:solidFill>
               <a:effectLst/>
               <a:latin typeface="Aptos" panose="020B0004020202020204" pitchFamily="34" charset="0"/>
               <a:ea typeface="Aptos" panose="020B0004020202020204" pitchFamily="34" charset="0"/>
@@ -32856,1374 +35614,81 @@
           </a:p>
         </p:txBody>
       </p:sp>
-      <p:pic>
-        <p:nvPicPr>
-          <p:cNvPr id="5" name="Picture 4">
+      <p:sp>
+        <p:nvSpPr>
+          <p:cNvPr id="7" name="Rectangle 2">
             <a:extLst>
               <a:ext uri="{FF2B5EF4-FFF2-40B4-BE49-F238E27FC236}">
-                <a16:creationId xmlns:a16="http://schemas.microsoft.com/office/drawing/2014/main" id="{C0D1E435-4F9F-0A1A-88F0-A26A7F68CCBF}"/>
+                <a16:creationId xmlns:a16="http://schemas.microsoft.com/office/drawing/2014/main" id="{86A5C78F-8516-5289-BF10-5B22F8160416}"/>
               </a:ext>
             </a:extLst>
           </p:cNvPr>
-          <p:cNvPicPr>
-            <a:picLocks noChangeAspect="1"/>
-          </p:cNvPicPr>
+          <p:cNvSpPr>
+            <a:spLocks noChangeArrowheads="1"/>
+          </p:cNvSpPr>
           <p:nvPr/>
-        </p:nvPicPr>
-        <p:blipFill rotWithShape="1">
-          <a:blip r:embed="rId2"/>
-          <a:srcRect l="-1343" t="-3576" r="3" b="6048"/>
-          <a:stretch/>
-        </p:blipFill>
-        <p:spPr>
+        </p:nvSpPr>
+        <p:spPr bwMode="auto">
           <a:xfrm>
-            <a:off x="5320144" y="2217620"/>
-            <a:ext cx="6871855" cy="3972868"/>
+            <a:off x="6102040" y="2507699"/>
+            <a:ext cx="12157327" cy="0"/>
           </a:xfrm>
           <a:prstGeom prst="rect">
             <a:avLst/>
           </a:prstGeom>
-        </p:spPr>
-      </p:pic>
-    </p:spTree>
-    <p:extLst>
-      <p:ext uri="{BB962C8B-B14F-4D97-AF65-F5344CB8AC3E}">
-        <p14:creationId xmlns:p14="http://schemas.microsoft.com/office/powerpoint/2010/main" val="4245527970"/>
-      </p:ext>
-    </p:extLst>
-  </p:cSld>
-  <p:clrMapOvr>
-    <a:masterClrMapping/>
-  </p:clrMapOvr>
-</p:sld>
-</file>
-
-<file path=ppt/slides/slide8.xml><?xml version="1.0" encoding="utf-8"?>
-<p:sld xmlns:a="http://schemas.openxmlformats.org/drawingml/2006/main" xmlns:r="http://schemas.openxmlformats.org/officeDocument/2006/relationships" xmlns:p="http://schemas.openxmlformats.org/presentationml/2006/main">
-  <p:cSld>
-    <p:bg>
-      <p:bgPr>
-        <a:solidFill>
-          <a:schemeClr val="bg1"/>
-        </a:solidFill>
-        <a:effectLst/>
-      </p:bgPr>
-    </p:bg>
-    <p:spTree>
-      <p:nvGrpSpPr>
-        <p:cNvPr id="1" name=""/>
-        <p:cNvGrpSpPr/>
-        <p:nvPr/>
-      </p:nvGrpSpPr>
-      <p:grpSpPr>
-        <a:xfrm>
-          <a:off x="0" y="0"/>
-          <a:ext cx="0" cy="0"/>
-          <a:chOff x="0" y="0"/>
-          <a:chExt cx="0" cy="0"/>
-        </a:xfrm>
-      </p:grpSpPr>
-      <p:sp useBgFill="1">
-        <p:nvSpPr>
-          <p:cNvPr id="1092" name="Rectangle 1091">
-            <a:extLst>
-              <a:ext uri="{FF2B5EF4-FFF2-40B4-BE49-F238E27FC236}">
-                <a16:creationId xmlns:a16="http://schemas.microsoft.com/office/drawing/2014/main" id="{45D37F4E-DDB4-456B-97E0-9937730A039F}"/>
-              </a:ext>
-              <a:ext uri="{C183D7F6-B498-43B3-948B-1728B52AA6E4}">
-                <adec:decorative xmlns:adec="http://schemas.microsoft.com/office/drawing/2017/decorative" val="1"/>
-              </a:ext>
-            </a:extLst>
-          </p:cNvPr>
-          <p:cNvSpPr>
-            <a:spLocks noGrp="1" noRot="1" noChangeAspect="1" noMove="1" noResize="1" noEditPoints="1" noAdjustHandles="1" noChangeArrowheads="1" noChangeShapeType="1" noTextEdit="1"/>
-          </p:cNvSpPr>
-          <p:nvPr>
-            <p:extLst>
-              <p:ext uri="{386F3935-93C4-4BCD-93E2-E3B085C9AB24}">
-                <p16:designElem xmlns:p16="http://schemas.microsoft.com/office/powerpoint/2015/main" val="1"/>
-              </p:ext>
-            </p:extLst>
-          </p:nvPr>
-        </p:nvSpPr>
-        <p:spPr>
-          <a:xfrm>
-            <a:off x="0" y="0"/>
-            <a:ext cx="12188952" cy="6858000"/>
-          </a:xfrm>
-          <a:prstGeom prst="rect">
-            <a:avLst/>
-          </a:prstGeom>
+          <a:noFill/>
           <a:ln>
             <a:noFill/>
           </a:ln>
-        </p:spPr>
-        <p:style>
-          <a:lnRef idx="2">
-            <a:schemeClr val="accent1">
-              <a:shade val="50000"/>
-            </a:schemeClr>
-          </a:lnRef>
-          <a:fillRef idx="1">
-            <a:schemeClr val="accent1"/>
-          </a:fillRef>
-          <a:effectRef idx="0">
-            <a:schemeClr val="accent1"/>
-          </a:effectRef>
-          <a:fontRef idx="minor">
-            <a:schemeClr val="lt1"/>
-          </a:fontRef>
-        </p:style>
-        <p:txBody>
-          <a:bodyPr rtlCol="0" anchor="ctr"/>
-          <a:lstStyle/>
-          <a:p>
-            <a:pPr algn="ctr"/>
-            <a:endParaRPr lang="en-US"/>
-          </a:p>
-        </p:txBody>
-      </p:sp>
-      <p:sp>
-        <p:nvSpPr>
-          <p:cNvPr id="2" name="Title 1">
-            <a:extLst>
-              <a:ext uri="{FF2B5EF4-FFF2-40B4-BE49-F238E27FC236}">
-                <a16:creationId xmlns:a16="http://schemas.microsoft.com/office/drawing/2014/main" id="{9876E34C-1D4C-3AF3-F2B1-41F1D13103C5}"/>
-              </a:ext>
-            </a:extLst>
-          </p:cNvPr>
-          <p:cNvSpPr>
-            <a:spLocks noGrp="1"/>
-          </p:cNvSpPr>
-          <p:nvPr>
-            <p:ph type="title"/>
-          </p:nvPr>
-        </p:nvSpPr>
-        <p:spPr>
-          <a:xfrm>
-            <a:off x="572493" y="238539"/>
-            <a:ext cx="11018520" cy="1434415"/>
-          </a:xfrm>
+          <a:effectLst/>
+          <a:extLst>
+            <a:ext uri="{909E8E84-426E-40DD-AFC4-6F175D3DCCD1}">
+              <a14:hiddenFill xmlns:a14="http://schemas.microsoft.com/office/drawing/2010/main">
+                <a:solidFill>
+                  <a:schemeClr val="accent1"/>
+                </a:solidFill>
+              </a14:hiddenFill>
+            </a:ext>
+            <a:ext uri="{91240B29-F687-4F45-9708-019B960494DF}">
+              <a14:hiddenLine xmlns:a14="http://schemas.microsoft.com/office/drawing/2010/main" w="9525">
+                <a:solidFill>
+                  <a:schemeClr val="tx1"/>
+                </a:solidFill>
+                <a:miter lim="800000"/>
+                <a:headEnd/>
+                <a:tailEnd/>
+              </a14:hiddenLine>
+            </a:ext>
+            <a:ext uri="{AF507438-7753-43E0-B8FC-AC1667EBCBE1}">
+              <a14:hiddenEffects xmlns:a14="http://schemas.microsoft.com/office/drawing/2010/main">
+                <a:effectLst>
+                  <a:outerShdw dist="35921" dir="2700000" algn="ctr" rotWithShape="0">
+                    <a:schemeClr val="bg2"/>
+                  </a:outerShdw>
+                </a:effectLst>
+              </a14:hiddenEffects>
+            </a:ext>
+          </a:extLst>
         </p:spPr>
         <p:txBody>
-          <a:bodyPr anchor="b">
-            <a:normAutofit/>
+          <a:bodyPr vert="horz" wrap="square" lIns="91440" tIns="45720" rIns="91440" bIns="45720" numCol="1" anchor="ctr" anchorCtr="0" compatLnSpc="1">
+            <a:prstTxWarp prst="textNoShape">
+              <a:avLst/>
+            </a:prstTxWarp>
+            <a:spAutoFit/>
           </a:bodyPr>
           <a:lstStyle/>
           <a:p>
-            <a:pPr marL="342900" marR="0" lvl="0" indent="-342900" defTabSz="914400" rtl="0" eaLnBrk="0" fontAlgn="base" latinLnBrk="0" hangingPunct="0">
-              <a:spcBef>
-                <a:spcPct val="0"/>
-              </a:spcBef>
-              <a:spcAft>
-                <a:spcPct val="0"/>
-              </a:spcAft>
-              <a:buClrTx/>
-              <a:buSzTx/>
-              <a:buFont typeface="Wingdings" pitchFamily="2" charset="2"/>
-              <a:buChar char="Ø"/>
-              <a:tabLst/>
-            </a:pPr>
-            <a:r>
-              <a:rPr kumimoji="0" lang="en-US" altLang="en-US" sz="3400" b="0" i="0" u="none" strike="noStrike" cap="none" normalizeH="0" baseline="0" dirty="0">
-                <a:ln>
-                  <a:noFill/>
-                </a:ln>
-                <a:effectLst/>
-                <a:latin typeface="Aptos" panose="020B0004020202020204" pitchFamily="34" charset="0"/>
-                <a:ea typeface="Aptos" panose="020B0004020202020204" pitchFamily="34" charset="0"/>
-                <a:cs typeface="Times New Roman" panose="02020603050405020304" pitchFamily="18" charset="0"/>
-              </a:rPr>
-              <a:t>Is there a correlation between annual inflation rates and violent crime rates in California over the past 25 years?</a:t>
-            </a:r>
-            <a:endParaRPr kumimoji="0" lang="en-US" altLang="en-US" sz="3400" b="0" i="0" u="none" strike="noStrike" cap="none" normalizeH="0" baseline="0" dirty="0">
-              <a:ln>
-                <a:noFill/>
-              </a:ln>
-              <a:effectLst/>
-            </a:endParaRPr>
-          </a:p>
-          <a:p>
-            <a:pPr marL="0" marR="0" lvl="0" indent="0" defTabSz="914400" rtl="0" eaLnBrk="0" fontAlgn="base" latinLnBrk="0" hangingPunct="0">
-              <a:spcBef>
-                <a:spcPct val="0"/>
-              </a:spcBef>
-              <a:spcAft>
-                <a:spcPct val="0"/>
-              </a:spcAft>
-              <a:buClrTx/>
-              <a:buSzTx/>
-              <a:buFontTx/>
-              <a:buNone/>
-              <a:tabLst/>
-            </a:pPr>
-            <a:endParaRPr kumimoji="0" lang="en-US" altLang="en-US" sz="3400" b="0" i="0" u="none" strike="noStrike" cap="none" normalizeH="0" baseline="0" dirty="0">
-              <a:ln>
-                <a:noFill/>
-              </a:ln>
-              <a:effectLst/>
-              <a:latin typeface="Arial" panose="020B0604020202020204" pitchFamily="34" charset="0"/>
-            </a:endParaRPr>
-          </a:p>
-        </p:txBody>
-      </p:sp>
-      <p:sp>
-        <p:nvSpPr>
-          <p:cNvPr id="1094" name="sketchy line">
-            <a:extLst>
-              <a:ext uri="{FF2B5EF4-FFF2-40B4-BE49-F238E27FC236}">
-                <a16:creationId xmlns:a16="http://schemas.microsoft.com/office/drawing/2014/main" id="{B2DD41CD-8F47-4F56-AD12-4E2FF7696987}"/>
-              </a:ext>
-              <a:ext uri="{C183D7F6-B498-43B3-948B-1728B52AA6E4}">
-                <adec:decorative xmlns:adec="http://schemas.microsoft.com/office/drawing/2017/decorative" val="1"/>
-              </a:ext>
-            </a:extLst>
-          </p:cNvPr>
-          <p:cNvSpPr>
-            <a:spLocks noGrp="1" noRot="1" noChangeAspect="1" noMove="1" noResize="1" noEditPoints="1" noAdjustHandles="1" noChangeArrowheads="1" noChangeShapeType="1" noTextEdit="1"/>
-          </p:cNvSpPr>
-          <p:nvPr>
-            <p:extLst>
-              <p:ext uri="{386F3935-93C4-4BCD-93E2-E3B085C9AB24}">
-                <p16:designElem xmlns:p16="http://schemas.microsoft.com/office/powerpoint/2015/main" val="1"/>
-              </p:ext>
-            </p:extLst>
-          </p:nvPr>
-        </p:nvSpPr>
-        <p:spPr>
-          <a:xfrm>
-            <a:off x="572493" y="1681544"/>
-            <a:ext cx="10972800" cy="18288"/>
-          </a:xfrm>
-          <a:custGeom>
-            <a:avLst/>
-            <a:gdLst>
-              <a:gd name="connsiteX0" fmla="*/ 0 w 10972800"/>
-              <a:gd name="connsiteY0" fmla="*/ 0 h 18288"/>
-              <a:gd name="connsiteX1" fmla="*/ 356616 w 10972800"/>
-              <a:gd name="connsiteY1" fmla="*/ 0 h 18288"/>
-              <a:gd name="connsiteX2" fmla="*/ 1042416 w 10972800"/>
-              <a:gd name="connsiteY2" fmla="*/ 0 h 18288"/>
-              <a:gd name="connsiteX3" fmla="*/ 1947672 w 10972800"/>
-              <a:gd name="connsiteY3" fmla="*/ 0 h 18288"/>
-              <a:gd name="connsiteX4" fmla="*/ 2633472 w 10972800"/>
-              <a:gd name="connsiteY4" fmla="*/ 0 h 18288"/>
-              <a:gd name="connsiteX5" fmla="*/ 2990088 w 10972800"/>
-              <a:gd name="connsiteY5" fmla="*/ 0 h 18288"/>
-              <a:gd name="connsiteX6" fmla="*/ 3456432 w 10972800"/>
-              <a:gd name="connsiteY6" fmla="*/ 0 h 18288"/>
-              <a:gd name="connsiteX7" fmla="*/ 4361688 w 10972800"/>
-              <a:gd name="connsiteY7" fmla="*/ 0 h 18288"/>
-              <a:gd name="connsiteX8" fmla="*/ 5266944 w 10972800"/>
-              <a:gd name="connsiteY8" fmla="*/ 0 h 18288"/>
-              <a:gd name="connsiteX9" fmla="*/ 6172200 w 10972800"/>
-              <a:gd name="connsiteY9" fmla="*/ 0 h 18288"/>
-              <a:gd name="connsiteX10" fmla="*/ 6528816 w 10972800"/>
-              <a:gd name="connsiteY10" fmla="*/ 0 h 18288"/>
-              <a:gd name="connsiteX11" fmla="*/ 7214616 w 10972800"/>
-              <a:gd name="connsiteY11" fmla="*/ 0 h 18288"/>
-              <a:gd name="connsiteX12" fmla="*/ 7790688 w 10972800"/>
-              <a:gd name="connsiteY12" fmla="*/ 0 h 18288"/>
-              <a:gd name="connsiteX13" fmla="*/ 8147304 w 10972800"/>
-              <a:gd name="connsiteY13" fmla="*/ 0 h 18288"/>
-              <a:gd name="connsiteX14" fmla="*/ 9052560 w 10972800"/>
-              <a:gd name="connsiteY14" fmla="*/ 0 h 18288"/>
-              <a:gd name="connsiteX15" fmla="*/ 9409176 w 10972800"/>
-              <a:gd name="connsiteY15" fmla="*/ 0 h 18288"/>
-              <a:gd name="connsiteX16" fmla="*/ 9765792 w 10972800"/>
-              <a:gd name="connsiteY16" fmla="*/ 0 h 18288"/>
-              <a:gd name="connsiteX17" fmla="*/ 10341864 w 10972800"/>
-              <a:gd name="connsiteY17" fmla="*/ 0 h 18288"/>
-              <a:gd name="connsiteX18" fmla="*/ 10972800 w 10972800"/>
-              <a:gd name="connsiteY18" fmla="*/ 0 h 18288"/>
-              <a:gd name="connsiteX19" fmla="*/ 10972800 w 10972800"/>
-              <a:gd name="connsiteY19" fmla="*/ 18288 h 18288"/>
-              <a:gd name="connsiteX20" fmla="*/ 10177272 w 10972800"/>
-              <a:gd name="connsiteY20" fmla="*/ 18288 h 18288"/>
-              <a:gd name="connsiteX21" fmla="*/ 9820656 w 10972800"/>
-              <a:gd name="connsiteY21" fmla="*/ 18288 h 18288"/>
-              <a:gd name="connsiteX22" fmla="*/ 9464040 w 10972800"/>
-              <a:gd name="connsiteY22" fmla="*/ 18288 h 18288"/>
-              <a:gd name="connsiteX23" fmla="*/ 8778240 w 10972800"/>
-              <a:gd name="connsiteY23" fmla="*/ 18288 h 18288"/>
-              <a:gd name="connsiteX24" fmla="*/ 8421624 w 10972800"/>
-              <a:gd name="connsiteY24" fmla="*/ 18288 h 18288"/>
-              <a:gd name="connsiteX25" fmla="*/ 7735824 w 10972800"/>
-              <a:gd name="connsiteY25" fmla="*/ 18288 h 18288"/>
-              <a:gd name="connsiteX26" fmla="*/ 6940296 w 10972800"/>
-              <a:gd name="connsiteY26" fmla="*/ 18288 h 18288"/>
-              <a:gd name="connsiteX27" fmla="*/ 6254496 w 10972800"/>
-              <a:gd name="connsiteY27" fmla="*/ 18288 h 18288"/>
-              <a:gd name="connsiteX28" fmla="*/ 5458968 w 10972800"/>
-              <a:gd name="connsiteY28" fmla="*/ 18288 h 18288"/>
-              <a:gd name="connsiteX29" fmla="*/ 4663440 w 10972800"/>
-              <a:gd name="connsiteY29" fmla="*/ 18288 h 18288"/>
-              <a:gd name="connsiteX30" fmla="*/ 4306824 w 10972800"/>
-              <a:gd name="connsiteY30" fmla="*/ 18288 h 18288"/>
-              <a:gd name="connsiteX31" fmla="*/ 3840480 w 10972800"/>
-              <a:gd name="connsiteY31" fmla="*/ 18288 h 18288"/>
-              <a:gd name="connsiteX32" fmla="*/ 3264408 w 10972800"/>
-              <a:gd name="connsiteY32" fmla="*/ 18288 h 18288"/>
-              <a:gd name="connsiteX33" fmla="*/ 2578608 w 10972800"/>
-              <a:gd name="connsiteY33" fmla="*/ 18288 h 18288"/>
-              <a:gd name="connsiteX34" fmla="*/ 1673352 w 10972800"/>
-              <a:gd name="connsiteY34" fmla="*/ 18288 h 18288"/>
-              <a:gd name="connsiteX35" fmla="*/ 877824 w 10972800"/>
-              <a:gd name="connsiteY35" fmla="*/ 18288 h 18288"/>
-              <a:gd name="connsiteX36" fmla="*/ 0 w 10972800"/>
-              <a:gd name="connsiteY36" fmla="*/ 18288 h 18288"/>
-              <a:gd name="connsiteX37" fmla="*/ 0 w 10972800"/>
-              <a:gd name="connsiteY37" fmla="*/ 0 h 18288"/>
-            </a:gdLst>
-            <a:ahLst/>
-            <a:cxnLst>
-              <a:cxn ang="0">
-                <a:pos x="connsiteX0" y="connsiteY0"/>
-              </a:cxn>
-              <a:cxn ang="0">
-                <a:pos x="connsiteX1" y="connsiteY1"/>
-              </a:cxn>
-              <a:cxn ang="0">
-                <a:pos x="connsiteX2" y="connsiteY2"/>
-              </a:cxn>
-              <a:cxn ang="0">
-                <a:pos x="connsiteX3" y="connsiteY3"/>
-              </a:cxn>
-              <a:cxn ang="0">
-                <a:pos x="connsiteX4" y="connsiteY4"/>
-              </a:cxn>
-              <a:cxn ang="0">
-                <a:pos x="connsiteX5" y="connsiteY5"/>
-              </a:cxn>
-              <a:cxn ang="0">
-                <a:pos x="connsiteX6" y="connsiteY6"/>
-              </a:cxn>
-              <a:cxn ang="0">
-                <a:pos x="connsiteX7" y="connsiteY7"/>
-              </a:cxn>
-              <a:cxn ang="0">
-                <a:pos x="connsiteX8" y="connsiteY8"/>
-              </a:cxn>
-              <a:cxn ang="0">
-                <a:pos x="connsiteX9" y="connsiteY9"/>
-              </a:cxn>
-              <a:cxn ang="0">
-                <a:pos x="connsiteX10" y="connsiteY10"/>
-              </a:cxn>
-              <a:cxn ang="0">
-                <a:pos x="connsiteX11" y="connsiteY11"/>
-              </a:cxn>
-              <a:cxn ang="0">
-                <a:pos x="connsiteX12" y="connsiteY12"/>
-              </a:cxn>
-              <a:cxn ang="0">
-                <a:pos x="connsiteX13" y="connsiteY13"/>
-              </a:cxn>
-              <a:cxn ang="0">
-                <a:pos x="connsiteX14" y="connsiteY14"/>
-              </a:cxn>
-              <a:cxn ang="0">
-                <a:pos x="connsiteX15" y="connsiteY15"/>
-              </a:cxn>
-              <a:cxn ang="0">
-                <a:pos x="connsiteX16" y="connsiteY16"/>
-              </a:cxn>
-              <a:cxn ang="0">
-                <a:pos x="connsiteX17" y="connsiteY17"/>
-              </a:cxn>
-              <a:cxn ang="0">
-                <a:pos x="connsiteX18" y="connsiteY18"/>
-              </a:cxn>
-              <a:cxn ang="0">
-                <a:pos x="connsiteX19" y="connsiteY19"/>
-              </a:cxn>
-              <a:cxn ang="0">
-                <a:pos x="connsiteX20" y="connsiteY20"/>
-              </a:cxn>
-              <a:cxn ang="0">
-                <a:pos x="connsiteX21" y="connsiteY21"/>
-              </a:cxn>
-              <a:cxn ang="0">
-                <a:pos x="connsiteX22" y="connsiteY22"/>
-              </a:cxn>
-              <a:cxn ang="0">
-                <a:pos x="connsiteX23" y="connsiteY23"/>
-              </a:cxn>
-              <a:cxn ang="0">
-                <a:pos x="connsiteX24" y="connsiteY24"/>
-              </a:cxn>
-              <a:cxn ang="0">
-                <a:pos x="connsiteX25" y="connsiteY25"/>
-              </a:cxn>
-              <a:cxn ang="0">
-                <a:pos x="connsiteX26" y="connsiteY26"/>
-              </a:cxn>
-              <a:cxn ang="0">
-                <a:pos x="connsiteX27" y="connsiteY27"/>
-              </a:cxn>
-              <a:cxn ang="0">
-                <a:pos x="connsiteX28" y="connsiteY28"/>
-              </a:cxn>
-              <a:cxn ang="0">
-                <a:pos x="connsiteX29" y="connsiteY29"/>
-              </a:cxn>
-              <a:cxn ang="0">
-                <a:pos x="connsiteX30" y="connsiteY30"/>
-              </a:cxn>
-              <a:cxn ang="0">
-                <a:pos x="connsiteX31" y="connsiteY31"/>
-              </a:cxn>
-              <a:cxn ang="0">
-                <a:pos x="connsiteX32" y="connsiteY32"/>
-              </a:cxn>
-              <a:cxn ang="0">
-                <a:pos x="connsiteX33" y="connsiteY33"/>
-              </a:cxn>
-              <a:cxn ang="0">
-                <a:pos x="connsiteX34" y="connsiteY34"/>
-              </a:cxn>
-              <a:cxn ang="0">
-                <a:pos x="connsiteX35" y="connsiteY35"/>
-              </a:cxn>
-              <a:cxn ang="0">
-                <a:pos x="connsiteX36" y="connsiteY36"/>
-              </a:cxn>
-              <a:cxn ang="0">
-                <a:pos x="connsiteX37" y="connsiteY37"/>
-              </a:cxn>
-            </a:cxnLst>
-            <a:rect l="l" t="t" r="r" b="b"/>
-            <a:pathLst>
-              <a:path w="10972800" h="18288" fill="none" extrusionOk="0">
-                <a:moveTo>
-                  <a:pt x="0" y="0"/>
-                </a:moveTo>
-                <a:cubicBezTo>
-                  <a:pt x="165916" y="-1866"/>
-                  <a:pt x="188720" y="13756"/>
-                  <a:pt x="356616" y="0"/>
-                </a:cubicBezTo>
-                <a:cubicBezTo>
-                  <a:pt x="524512" y="-13756"/>
-                  <a:pt x="734781" y="8922"/>
-                  <a:pt x="1042416" y="0"/>
-                </a:cubicBezTo>
-                <a:cubicBezTo>
-                  <a:pt x="1350051" y="-8922"/>
-                  <a:pt x="1595982" y="-26315"/>
-                  <a:pt x="1947672" y="0"/>
-                </a:cubicBezTo>
-                <a:cubicBezTo>
-                  <a:pt x="2299362" y="26315"/>
-                  <a:pt x="2292691" y="-19526"/>
-                  <a:pt x="2633472" y="0"/>
-                </a:cubicBezTo>
-                <a:cubicBezTo>
-                  <a:pt x="2974253" y="19526"/>
-                  <a:pt x="2857309" y="10773"/>
-                  <a:pt x="2990088" y="0"/>
-                </a:cubicBezTo>
-                <a:cubicBezTo>
-                  <a:pt x="3122867" y="-10773"/>
-                  <a:pt x="3359343" y="7194"/>
-                  <a:pt x="3456432" y="0"/>
-                </a:cubicBezTo>
-                <a:cubicBezTo>
-                  <a:pt x="3553521" y="-7194"/>
-                  <a:pt x="4136258" y="5108"/>
-                  <a:pt x="4361688" y="0"/>
-                </a:cubicBezTo>
-                <a:cubicBezTo>
-                  <a:pt x="4587118" y="-5108"/>
-                  <a:pt x="4992424" y="-42958"/>
-                  <a:pt x="5266944" y="0"/>
-                </a:cubicBezTo>
-                <a:cubicBezTo>
-                  <a:pt x="5541464" y="42958"/>
-                  <a:pt x="5882966" y="-3430"/>
-                  <a:pt x="6172200" y="0"/>
-                </a:cubicBezTo>
-                <a:cubicBezTo>
-                  <a:pt x="6461434" y="3430"/>
-                  <a:pt x="6432127" y="6688"/>
-                  <a:pt x="6528816" y="0"/>
-                </a:cubicBezTo>
-                <a:cubicBezTo>
-                  <a:pt x="6625505" y="-6688"/>
-                  <a:pt x="6916805" y="-436"/>
-                  <a:pt x="7214616" y="0"/>
-                </a:cubicBezTo>
-                <a:cubicBezTo>
-                  <a:pt x="7512427" y="436"/>
-                  <a:pt x="7626159" y="-6909"/>
-                  <a:pt x="7790688" y="0"/>
-                </a:cubicBezTo>
-                <a:cubicBezTo>
-                  <a:pt x="7955217" y="6909"/>
-                  <a:pt x="8048891" y="15307"/>
-                  <a:pt x="8147304" y="0"/>
-                </a:cubicBezTo>
-                <a:cubicBezTo>
-                  <a:pt x="8245717" y="-15307"/>
-                  <a:pt x="8645618" y="-11734"/>
-                  <a:pt x="9052560" y="0"/>
-                </a:cubicBezTo>
-                <a:cubicBezTo>
-                  <a:pt x="9459502" y="11734"/>
-                  <a:pt x="9320584" y="8388"/>
-                  <a:pt x="9409176" y="0"/>
-                </a:cubicBezTo>
-                <a:cubicBezTo>
-                  <a:pt x="9497768" y="-8388"/>
-                  <a:pt x="9644192" y="8379"/>
-                  <a:pt x="9765792" y="0"/>
-                </a:cubicBezTo>
-                <a:cubicBezTo>
-                  <a:pt x="9887392" y="-8379"/>
-                  <a:pt x="10105220" y="-12663"/>
-                  <a:pt x="10341864" y="0"/>
-                </a:cubicBezTo>
-                <a:cubicBezTo>
-                  <a:pt x="10578508" y="12663"/>
-                  <a:pt x="10773103" y="-5786"/>
-                  <a:pt x="10972800" y="0"/>
-                </a:cubicBezTo>
-                <a:cubicBezTo>
-                  <a:pt x="10972146" y="8818"/>
-                  <a:pt x="10972240" y="13823"/>
-                  <a:pt x="10972800" y="18288"/>
-                </a:cubicBezTo>
-                <a:cubicBezTo>
-                  <a:pt x="10588778" y="31598"/>
-                  <a:pt x="10543381" y="-12698"/>
-                  <a:pt x="10177272" y="18288"/>
-                </a:cubicBezTo>
-                <a:cubicBezTo>
-                  <a:pt x="9811163" y="49274"/>
-                  <a:pt x="9996817" y="25662"/>
-                  <a:pt x="9820656" y="18288"/>
-                </a:cubicBezTo>
-                <a:cubicBezTo>
-                  <a:pt x="9644495" y="10914"/>
-                  <a:pt x="9607007" y="31631"/>
-                  <a:pt x="9464040" y="18288"/>
-                </a:cubicBezTo>
-                <a:cubicBezTo>
-                  <a:pt x="9321073" y="4945"/>
-                  <a:pt x="9114189" y="28940"/>
-                  <a:pt x="8778240" y="18288"/>
-                </a:cubicBezTo>
-                <a:cubicBezTo>
-                  <a:pt x="8442291" y="7636"/>
-                  <a:pt x="8594763" y="987"/>
-                  <a:pt x="8421624" y="18288"/>
-                </a:cubicBezTo>
-                <a:cubicBezTo>
-                  <a:pt x="8248485" y="35589"/>
-                  <a:pt x="7929515" y="37573"/>
-                  <a:pt x="7735824" y="18288"/>
-                </a:cubicBezTo>
-                <a:cubicBezTo>
-                  <a:pt x="7542133" y="-997"/>
-                  <a:pt x="7252504" y="33858"/>
-                  <a:pt x="6940296" y="18288"/>
-                </a:cubicBezTo>
-                <a:cubicBezTo>
-                  <a:pt x="6628088" y="2718"/>
-                  <a:pt x="6528503" y="48389"/>
-                  <a:pt x="6254496" y="18288"/>
-                </a:cubicBezTo>
-                <a:cubicBezTo>
-                  <a:pt x="5980489" y="-11813"/>
-                  <a:pt x="5695784" y="-3740"/>
-                  <a:pt x="5458968" y="18288"/>
-                </a:cubicBezTo>
-                <a:cubicBezTo>
-                  <a:pt x="5222152" y="40316"/>
-                  <a:pt x="5010751" y="19095"/>
-                  <a:pt x="4663440" y="18288"/>
-                </a:cubicBezTo>
-                <a:cubicBezTo>
-                  <a:pt x="4316129" y="17481"/>
-                  <a:pt x="4425552" y="1606"/>
-                  <a:pt x="4306824" y="18288"/>
-                </a:cubicBezTo>
-                <a:cubicBezTo>
-                  <a:pt x="4188096" y="34970"/>
-                  <a:pt x="3941535" y="7481"/>
-                  <a:pt x="3840480" y="18288"/>
-                </a:cubicBezTo>
-                <a:cubicBezTo>
-                  <a:pt x="3739425" y="29095"/>
-                  <a:pt x="3402388" y="17641"/>
-                  <a:pt x="3264408" y="18288"/>
-                </a:cubicBezTo>
-                <a:cubicBezTo>
-                  <a:pt x="3126428" y="18935"/>
-                  <a:pt x="2776779" y="9983"/>
-                  <a:pt x="2578608" y="18288"/>
-                </a:cubicBezTo>
-                <a:cubicBezTo>
-                  <a:pt x="2380437" y="26593"/>
-                  <a:pt x="1909468" y="25818"/>
-                  <a:pt x="1673352" y="18288"/>
-                </a:cubicBezTo>
-                <a:cubicBezTo>
-                  <a:pt x="1437236" y="10758"/>
-                  <a:pt x="1131180" y="49884"/>
-                  <a:pt x="877824" y="18288"/>
-                </a:cubicBezTo>
-                <a:cubicBezTo>
-                  <a:pt x="624468" y="-13308"/>
-                  <a:pt x="206753" y="2195"/>
-                  <a:pt x="0" y="18288"/>
-                </a:cubicBezTo>
-                <a:cubicBezTo>
-                  <a:pt x="313" y="10654"/>
-                  <a:pt x="-263" y="4056"/>
-                  <a:pt x="0" y="0"/>
-                </a:cubicBezTo>
-                <a:close/>
-              </a:path>
-              <a:path w="10972800" h="18288" stroke="0" extrusionOk="0">
-                <a:moveTo>
-                  <a:pt x="0" y="0"/>
-                </a:moveTo>
-                <a:cubicBezTo>
-                  <a:pt x="164017" y="-17675"/>
-                  <a:pt x="309425" y="9913"/>
-                  <a:pt x="466344" y="0"/>
-                </a:cubicBezTo>
-                <a:cubicBezTo>
-                  <a:pt x="623263" y="-9913"/>
-                  <a:pt x="659300" y="-14524"/>
-                  <a:pt x="822960" y="0"/>
-                </a:cubicBezTo>
-                <a:cubicBezTo>
-                  <a:pt x="986620" y="14524"/>
-                  <a:pt x="1105222" y="-16481"/>
-                  <a:pt x="1289304" y="0"/>
-                </a:cubicBezTo>
-                <a:cubicBezTo>
-                  <a:pt x="1473386" y="16481"/>
-                  <a:pt x="1693223" y="26161"/>
-                  <a:pt x="1975104" y="0"/>
-                </a:cubicBezTo>
-                <a:cubicBezTo>
-                  <a:pt x="2256985" y="-26161"/>
-                  <a:pt x="2435781" y="23061"/>
-                  <a:pt x="2770632" y="0"/>
-                </a:cubicBezTo>
-                <a:cubicBezTo>
-                  <a:pt x="3105483" y="-23061"/>
-                  <a:pt x="3247479" y="-44011"/>
-                  <a:pt x="3675888" y="0"/>
-                </a:cubicBezTo>
-                <a:cubicBezTo>
-                  <a:pt x="4104297" y="44011"/>
-                  <a:pt x="4280918" y="4017"/>
-                  <a:pt x="4581144" y="0"/>
-                </a:cubicBezTo>
-                <a:cubicBezTo>
-                  <a:pt x="4881370" y="-4017"/>
-                  <a:pt x="5021699" y="-11889"/>
-                  <a:pt x="5157216" y="0"/>
-                </a:cubicBezTo>
-                <a:cubicBezTo>
-                  <a:pt x="5292733" y="11889"/>
-                  <a:pt x="5603398" y="-17698"/>
-                  <a:pt x="5952744" y="0"/>
-                </a:cubicBezTo>
-                <a:cubicBezTo>
-                  <a:pt x="6302090" y="17698"/>
-                  <a:pt x="6353093" y="-11909"/>
-                  <a:pt x="6638544" y="0"/>
-                </a:cubicBezTo>
-                <a:cubicBezTo>
-                  <a:pt x="6923995" y="11909"/>
-                  <a:pt x="7053404" y="21630"/>
-                  <a:pt x="7214616" y="0"/>
-                </a:cubicBezTo>
-                <a:cubicBezTo>
-                  <a:pt x="7375828" y="-21630"/>
-                  <a:pt x="7837963" y="3886"/>
-                  <a:pt x="8010144" y="0"/>
-                </a:cubicBezTo>
-                <a:cubicBezTo>
-                  <a:pt x="8182325" y="-3886"/>
-                  <a:pt x="8224183" y="16009"/>
-                  <a:pt x="8366760" y="0"/>
-                </a:cubicBezTo>
-                <a:cubicBezTo>
-                  <a:pt x="8509337" y="-16009"/>
-                  <a:pt x="8687920" y="-5720"/>
-                  <a:pt x="8942832" y="0"/>
-                </a:cubicBezTo>
-                <a:cubicBezTo>
-                  <a:pt x="9197744" y="5720"/>
-                  <a:pt x="9368437" y="20479"/>
-                  <a:pt x="9628632" y="0"/>
-                </a:cubicBezTo>
-                <a:cubicBezTo>
-                  <a:pt x="9888827" y="-20479"/>
-                  <a:pt x="10560858" y="-20746"/>
-                  <a:pt x="10972800" y="0"/>
-                </a:cubicBezTo>
-                <a:cubicBezTo>
-                  <a:pt x="10972186" y="5722"/>
-                  <a:pt x="10972980" y="12495"/>
-                  <a:pt x="10972800" y="18288"/>
-                </a:cubicBezTo>
-                <a:cubicBezTo>
-                  <a:pt x="10786146" y="12536"/>
-                  <a:pt x="10623717" y="14033"/>
-                  <a:pt x="10506456" y="18288"/>
-                </a:cubicBezTo>
-                <a:cubicBezTo>
-                  <a:pt x="10389195" y="22543"/>
-                  <a:pt x="10296178" y="20107"/>
-                  <a:pt x="10149840" y="18288"/>
-                </a:cubicBezTo>
-                <a:cubicBezTo>
-                  <a:pt x="10003502" y="16469"/>
-                  <a:pt x="9767530" y="28891"/>
-                  <a:pt x="9464040" y="18288"/>
-                </a:cubicBezTo>
-                <a:cubicBezTo>
-                  <a:pt x="9160550" y="7685"/>
-                  <a:pt x="9229050" y="2659"/>
-                  <a:pt x="8997696" y="18288"/>
-                </a:cubicBezTo>
-                <a:cubicBezTo>
-                  <a:pt x="8766342" y="33917"/>
-                  <a:pt x="8340136" y="34864"/>
-                  <a:pt x="8092440" y="18288"/>
-                </a:cubicBezTo>
-                <a:cubicBezTo>
-                  <a:pt x="7844744" y="1712"/>
-                  <a:pt x="7863720" y="27405"/>
-                  <a:pt x="7735824" y="18288"/>
-                </a:cubicBezTo>
-                <a:cubicBezTo>
-                  <a:pt x="7607928" y="9171"/>
-                  <a:pt x="7323619" y="461"/>
-                  <a:pt x="7050024" y="18288"/>
-                </a:cubicBezTo>
-                <a:cubicBezTo>
-                  <a:pt x="6776429" y="36115"/>
-                  <a:pt x="6787899" y="28206"/>
-                  <a:pt x="6693408" y="18288"/>
-                </a:cubicBezTo>
-                <a:cubicBezTo>
-                  <a:pt x="6598917" y="8370"/>
-                  <a:pt x="6395231" y="19114"/>
-                  <a:pt x="6227064" y="18288"/>
-                </a:cubicBezTo>
-                <a:cubicBezTo>
-                  <a:pt x="6058897" y="17462"/>
-                  <a:pt x="5618582" y="1091"/>
-                  <a:pt x="5431536" y="18288"/>
-                </a:cubicBezTo>
-                <a:cubicBezTo>
-                  <a:pt x="5244490" y="35485"/>
-                  <a:pt x="4729797" y="-9650"/>
-                  <a:pt x="4526280" y="18288"/>
-                </a:cubicBezTo>
-                <a:cubicBezTo>
-                  <a:pt x="4322763" y="46226"/>
-                  <a:pt x="4216797" y="756"/>
-                  <a:pt x="4059936" y="18288"/>
-                </a:cubicBezTo>
-                <a:cubicBezTo>
-                  <a:pt x="3903075" y="35820"/>
-                  <a:pt x="3537912" y="42098"/>
-                  <a:pt x="3374136" y="18288"/>
-                </a:cubicBezTo>
-                <a:cubicBezTo>
-                  <a:pt x="3210360" y="-5522"/>
-                  <a:pt x="3126842" y="39135"/>
-                  <a:pt x="2907792" y="18288"/>
-                </a:cubicBezTo>
-                <a:cubicBezTo>
-                  <a:pt x="2688742" y="-2559"/>
-                  <a:pt x="2490436" y="34100"/>
-                  <a:pt x="2112264" y="18288"/>
-                </a:cubicBezTo>
-                <a:cubicBezTo>
-                  <a:pt x="1734092" y="2476"/>
-                  <a:pt x="1744622" y="-7274"/>
-                  <a:pt x="1536192" y="18288"/>
-                </a:cubicBezTo>
-                <a:cubicBezTo>
-                  <a:pt x="1327762" y="43850"/>
-                  <a:pt x="1189025" y="6435"/>
-                  <a:pt x="1069848" y="18288"/>
-                </a:cubicBezTo>
-                <a:cubicBezTo>
-                  <a:pt x="950671" y="30141"/>
-                  <a:pt x="858345" y="33684"/>
-                  <a:pt x="713232" y="18288"/>
-                </a:cubicBezTo>
-                <a:cubicBezTo>
-                  <a:pt x="568119" y="2892"/>
-                  <a:pt x="250292" y="5410"/>
-                  <a:pt x="0" y="18288"/>
-                </a:cubicBezTo>
-                <a:cubicBezTo>
-                  <a:pt x="465" y="13062"/>
-                  <a:pt x="-894" y="9029"/>
-                  <a:pt x="0" y="0"/>
-                </a:cubicBezTo>
-                <a:close/>
-              </a:path>
-            </a:pathLst>
-          </a:custGeom>
-          <a:solidFill>
-            <a:schemeClr val="accent2">
-              <a:alpha val="75000"/>
-            </a:schemeClr>
-          </a:solidFill>
-          <a:ln w="44450" cap="rnd">
-            <a:solidFill>
-              <a:schemeClr val="accent2">
-                <a:alpha val="75000"/>
-              </a:schemeClr>
-            </a:solidFill>
-            <a:round/>
-            <a:extLst>
-              <a:ext uri="{C807C97D-BFC1-408E-A445-0C87EB9F89A2}">
-                <ask:lineSketchStyleProps xmlns:ask="http://schemas.microsoft.com/office/drawing/2018/sketchyshapes" sd="2727557108">
-                  <a:prstGeom prst="rect">
-                    <a:avLst/>
-                  </a:prstGeom>
-                  <ask:type>
-                    <ask:lineSketchFreehand/>
-                  </ask:type>
-                </ask:lineSketchStyleProps>
-              </a:ext>
-            </a:extLst>
-          </a:ln>
-        </p:spPr>
-        <p:style>
-          <a:lnRef idx="2">
-            <a:schemeClr val="accent1">
-              <a:shade val="50000"/>
-            </a:schemeClr>
-          </a:lnRef>
-          <a:fillRef idx="1">
-            <a:schemeClr val="accent1"/>
-          </a:fillRef>
-          <a:effectRef idx="0">
-            <a:schemeClr val="accent1"/>
-          </a:effectRef>
-          <a:fontRef idx="minor">
-            <a:schemeClr val="lt1"/>
-          </a:fontRef>
-        </p:style>
-        <p:txBody>
-          <a:bodyPr rtlCol="0" anchor="ctr"/>
-          <a:lstStyle/>
-          <a:p>
-            <a:pPr algn="ctr"/>
             <a:endParaRPr lang="en-US"/>
-          </a:p>
-        </p:txBody>
-      </p:sp>
-      <p:sp>
-        <p:nvSpPr>
-          <p:cNvPr id="3" name="Content Placeholder 2">
-            <a:extLst>
-              <a:ext uri="{FF2B5EF4-FFF2-40B4-BE49-F238E27FC236}">
-                <a16:creationId xmlns:a16="http://schemas.microsoft.com/office/drawing/2014/main" id="{69F6331D-1503-4E77-02B7-2C0957367D02}"/>
-              </a:ext>
-            </a:extLst>
-          </p:cNvPr>
-          <p:cNvSpPr>
-            <a:spLocks noGrp="1"/>
-          </p:cNvSpPr>
-          <p:nvPr>
-            <p:ph idx="1"/>
-          </p:nvPr>
-        </p:nvSpPr>
-        <p:spPr>
-          <a:xfrm>
-            <a:off x="138545" y="2071316"/>
-            <a:ext cx="6303819" cy="4119172"/>
-          </a:xfrm>
-        </p:spPr>
-        <p:txBody>
-          <a:bodyPr anchor="t">
-            <a:normAutofit/>
-          </a:bodyPr>
-          <a:lstStyle/>
-          <a:p>
-            <a:pPr marL="0" marR="0" lvl="0" indent="0" defTabSz="914400" rtl="0" eaLnBrk="0" fontAlgn="base" latinLnBrk="0" hangingPunct="0">
-              <a:spcBef>
-                <a:spcPct val="0"/>
-              </a:spcBef>
-              <a:spcAft>
-                <a:spcPts val="600"/>
-              </a:spcAft>
-              <a:buClrTx/>
-              <a:buSzTx/>
-              <a:buFontTx/>
-              <a:buNone/>
-              <a:tabLst/>
-            </a:pPr>
-            <a:r>
-              <a:rPr kumimoji="0" lang="en-US" altLang="en-US" sz="1100" b="1" i="0" u="none" strike="noStrike" cap="none" normalizeH="0" baseline="0" dirty="0">
-                <a:ln>
-                  <a:noFill/>
-                </a:ln>
-                <a:effectLst/>
-                <a:latin typeface="Aptos" panose="020B0004020202020204" pitchFamily="34" charset="0"/>
-                <a:ea typeface="Times New Roman" panose="02020603050405020304" pitchFamily="18" charset="0"/>
-                <a:cs typeface="Times New Roman" panose="02020603050405020304" pitchFamily="18" charset="0"/>
-              </a:rPr>
-              <a:t>Summary Analysis of Inflation Rate vs. Violent Crimes by Year (1998-2023)</a:t>
-            </a:r>
-            <a:endParaRPr kumimoji="0" lang="en-US" altLang="en-US" sz="1100" b="0" i="0" u="none" strike="noStrike" cap="none" normalizeH="0" baseline="0" dirty="0">
-              <a:ln>
-                <a:noFill/>
-              </a:ln>
-              <a:effectLst/>
-            </a:endParaRPr>
-          </a:p>
-          <a:p>
-            <a:pPr marL="0" marR="0" lvl="0" indent="0" defTabSz="914400" rtl="0" eaLnBrk="0" fontAlgn="base" latinLnBrk="0" hangingPunct="0">
-              <a:spcBef>
-                <a:spcPct val="0"/>
-              </a:spcBef>
-              <a:spcAft>
-                <a:spcPts val="600"/>
-              </a:spcAft>
-              <a:buClrTx/>
-              <a:buSzTx/>
-              <a:buFontTx/>
-              <a:buNone/>
-              <a:tabLst/>
-            </a:pPr>
-            <a:r>
-              <a:rPr kumimoji="0" lang="en-US" altLang="en-US" sz="1100" b="0" i="0" u="none" strike="noStrike" cap="none" normalizeH="0" baseline="0" dirty="0">
-                <a:ln>
-                  <a:noFill/>
-                </a:ln>
-                <a:effectLst/>
-                <a:latin typeface="Aptos" panose="020B0004020202020204" pitchFamily="34" charset="0"/>
-                <a:ea typeface="Times New Roman" panose="02020603050405020304" pitchFamily="18" charset="0"/>
-                <a:cs typeface="Times New Roman" panose="02020603050405020304" pitchFamily="18" charset="0"/>
-              </a:rPr>
-              <a:t>The bar chart illustrates the relationship between the inflation rate and the number of violent crimes in the United States from 1998 to 2023. Key observations include:</a:t>
-            </a:r>
-            <a:endParaRPr kumimoji="0" lang="en-US" altLang="en-US" sz="1100" b="0" i="0" u="none" strike="noStrike" cap="none" normalizeH="0" baseline="0" dirty="0">
-              <a:ln>
-                <a:noFill/>
-              </a:ln>
-              <a:effectLst/>
-            </a:endParaRPr>
-          </a:p>
-          <a:p>
-            <a:pPr marL="0" marR="0" lvl="0" indent="0" defTabSz="914400" rtl="0" eaLnBrk="0" fontAlgn="base" latinLnBrk="0" hangingPunct="0">
-              <a:spcBef>
-                <a:spcPct val="0"/>
-              </a:spcBef>
-              <a:spcAft>
-                <a:spcPts val="600"/>
-              </a:spcAft>
-              <a:buClrTx/>
-              <a:buSzTx/>
-              <a:buFontTx/>
-              <a:buAutoNum type="arabicPeriod"/>
-              <a:tabLst/>
-            </a:pPr>
-            <a:r>
-              <a:rPr kumimoji="0" lang="en-US" altLang="en-US" sz="1100" b="1" i="0" u="none" strike="noStrike" cap="none" normalizeH="0" baseline="0" dirty="0">
-                <a:ln>
-                  <a:noFill/>
-                </a:ln>
-                <a:effectLst/>
-                <a:latin typeface="Aptos" panose="020B0004020202020204" pitchFamily="34" charset="0"/>
-                <a:ea typeface="Times New Roman" panose="02020603050405020304" pitchFamily="18" charset="0"/>
-                <a:cs typeface="Times New Roman" panose="02020603050405020304" pitchFamily="18" charset="0"/>
-              </a:rPr>
-              <a:t>General Trends</a:t>
-            </a:r>
-            <a:r>
-              <a:rPr kumimoji="0" lang="en-US" altLang="en-US" sz="1100" b="0" i="0" u="none" strike="noStrike" cap="none" normalizeH="0" baseline="0" dirty="0">
-                <a:ln>
-                  <a:noFill/>
-                </a:ln>
-                <a:effectLst/>
-                <a:latin typeface="Aptos" panose="020B0004020202020204" pitchFamily="34" charset="0"/>
-                <a:ea typeface="Times New Roman" panose="02020603050405020304" pitchFamily="18" charset="0"/>
-                <a:cs typeface="Times New Roman" panose="02020603050405020304" pitchFamily="18" charset="0"/>
-              </a:rPr>
-              <a:t>:</a:t>
-            </a:r>
-            <a:endParaRPr kumimoji="0" lang="en-US" altLang="en-US" sz="1100" b="0" i="0" u="none" strike="noStrike" cap="none" normalizeH="0" baseline="0" dirty="0">
-              <a:ln>
-                <a:noFill/>
-              </a:ln>
-              <a:effectLst/>
-            </a:endParaRPr>
-          </a:p>
-          <a:p>
-            <a:pPr marL="457200" marR="0" lvl="1" indent="0" defTabSz="914400" rtl="0" eaLnBrk="0" fontAlgn="base" latinLnBrk="0" hangingPunct="0">
-              <a:spcBef>
-                <a:spcPct val="0"/>
-              </a:spcBef>
-              <a:spcAft>
-                <a:spcPts val="600"/>
-              </a:spcAft>
-              <a:buClrTx/>
-              <a:buSzTx/>
-              <a:buFontTx/>
-              <a:buChar char="•"/>
-              <a:tabLst/>
-            </a:pPr>
-            <a:r>
-              <a:rPr kumimoji="0" lang="en-US" altLang="en-US" sz="1100" b="1" i="0" u="none" strike="noStrike" cap="none" normalizeH="0" baseline="0" dirty="0">
-                <a:ln>
-                  <a:noFill/>
-                </a:ln>
-                <a:effectLst/>
-                <a:latin typeface="Aptos" panose="020B0004020202020204" pitchFamily="34" charset="0"/>
-                <a:ea typeface="Times New Roman" panose="02020603050405020304" pitchFamily="18" charset="0"/>
-                <a:cs typeface="Times New Roman" panose="02020603050405020304" pitchFamily="18" charset="0"/>
-              </a:rPr>
-              <a:t>Inflation Rate</a:t>
-            </a:r>
-            <a:r>
-              <a:rPr kumimoji="0" lang="en-US" altLang="en-US" sz="1100" b="0" i="0" u="none" strike="noStrike" cap="none" normalizeH="0" baseline="0" dirty="0">
-                <a:ln>
-                  <a:noFill/>
-                </a:ln>
-                <a:effectLst/>
-                <a:latin typeface="Aptos" panose="020B0004020202020204" pitchFamily="34" charset="0"/>
-                <a:ea typeface="Times New Roman" panose="02020603050405020304" pitchFamily="18" charset="0"/>
-                <a:cs typeface="Times New Roman" panose="02020603050405020304" pitchFamily="18" charset="0"/>
-              </a:rPr>
-              <a:t>: High in the late 1990s, decreasing in the early 2000s, and relatively stable with a significant increase in the early 2020s.</a:t>
-            </a:r>
-            <a:endParaRPr kumimoji="0" lang="en-US" altLang="en-US" sz="1100" b="0" i="0" u="none" strike="noStrike" cap="none" normalizeH="0" baseline="0" dirty="0">
-              <a:ln>
-                <a:noFill/>
-              </a:ln>
-              <a:effectLst/>
-              <a:latin typeface="Aptos" panose="020B0004020202020204" pitchFamily="34" charset="0"/>
-              <a:ea typeface="Aptos" panose="020B0004020202020204" pitchFamily="34" charset="0"/>
-              <a:cs typeface="Times New Roman" panose="02020603050405020304" pitchFamily="18" charset="0"/>
-            </a:endParaRPr>
-          </a:p>
-          <a:p>
-            <a:pPr marL="457200" marR="0" lvl="1" indent="0" defTabSz="914400" rtl="0" eaLnBrk="0" fontAlgn="base" latinLnBrk="0" hangingPunct="0">
-              <a:spcBef>
-                <a:spcPct val="0"/>
-              </a:spcBef>
-              <a:spcAft>
-                <a:spcPts val="600"/>
-              </a:spcAft>
-              <a:buClrTx/>
-              <a:buSzTx/>
-              <a:buFontTx/>
-              <a:buChar char="•"/>
-              <a:tabLst/>
-            </a:pPr>
-            <a:r>
-              <a:rPr kumimoji="0" lang="en-US" altLang="en-US" sz="1100" b="1" i="0" u="none" strike="noStrike" cap="none" normalizeH="0" baseline="0" dirty="0">
-                <a:ln>
-                  <a:noFill/>
-                </a:ln>
-                <a:effectLst/>
-                <a:latin typeface="Aptos" panose="020B0004020202020204" pitchFamily="34" charset="0"/>
-                <a:ea typeface="Times New Roman" panose="02020603050405020304" pitchFamily="18" charset="0"/>
-                <a:cs typeface="Times New Roman" panose="02020603050405020304" pitchFamily="18" charset="0"/>
-              </a:rPr>
-              <a:t>Violent Crimes</a:t>
-            </a:r>
-            <a:r>
-              <a:rPr kumimoji="0" lang="en-US" altLang="en-US" sz="1100" b="0" i="0" u="none" strike="noStrike" cap="none" normalizeH="0" baseline="0" dirty="0">
-                <a:ln>
-                  <a:noFill/>
-                </a:ln>
-                <a:effectLst/>
-                <a:latin typeface="Aptos" panose="020B0004020202020204" pitchFamily="34" charset="0"/>
-                <a:ea typeface="Times New Roman" panose="02020603050405020304" pitchFamily="18" charset="0"/>
-                <a:cs typeface="Times New Roman" panose="02020603050405020304" pitchFamily="18" charset="0"/>
-              </a:rPr>
-              <a:t>: Decreased from the late 1990s to the mid-2010s, then increased notably in the early 2020s.</a:t>
-            </a:r>
-            <a:endParaRPr kumimoji="0" lang="en-US" altLang="en-US" sz="1100" b="0" i="0" u="none" strike="noStrike" cap="none" normalizeH="0" baseline="0" dirty="0">
-              <a:ln>
-                <a:noFill/>
-              </a:ln>
-              <a:effectLst/>
-            </a:endParaRPr>
-          </a:p>
-          <a:p>
-            <a:pPr marL="0" marR="0" lvl="0" indent="0" defTabSz="914400" rtl="0" eaLnBrk="0" fontAlgn="base" latinLnBrk="0" hangingPunct="0">
-              <a:spcBef>
-                <a:spcPct val="0"/>
-              </a:spcBef>
-              <a:spcAft>
-                <a:spcPts val="600"/>
-              </a:spcAft>
-              <a:buClrTx/>
-              <a:buSzTx/>
-              <a:buFontTx/>
-              <a:buAutoNum type="arabicPeriod"/>
-              <a:tabLst/>
-            </a:pPr>
-            <a:r>
-              <a:rPr kumimoji="0" lang="en-US" altLang="en-US" sz="1100" b="1" i="0" u="none" strike="noStrike" cap="none" normalizeH="0" baseline="0" dirty="0">
-                <a:ln>
-                  <a:noFill/>
-                </a:ln>
-                <a:effectLst/>
-                <a:latin typeface="Aptos" panose="020B0004020202020204" pitchFamily="34" charset="0"/>
-                <a:ea typeface="Times New Roman" panose="02020603050405020304" pitchFamily="18" charset="0"/>
-                <a:cs typeface="Times New Roman" panose="02020603050405020304" pitchFamily="18" charset="0"/>
-              </a:rPr>
-              <a:t>Late 1990s to Early 2000s</a:t>
-            </a:r>
-            <a:r>
-              <a:rPr kumimoji="0" lang="en-US" altLang="en-US" sz="1100" b="0" i="0" u="none" strike="noStrike" cap="none" normalizeH="0" baseline="0" dirty="0">
-                <a:ln>
-                  <a:noFill/>
-                </a:ln>
-                <a:effectLst/>
-                <a:latin typeface="Aptos" panose="020B0004020202020204" pitchFamily="34" charset="0"/>
-                <a:ea typeface="Times New Roman" panose="02020603050405020304" pitchFamily="18" charset="0"/>
-                <a:cs typeface="Times New Roman" panose="02020603050405020304" pitchFamily="18" charset="0"/>
-              </a:rPr>
-              <a:t>: High inflation rates coincide with high violent crime rates, which then decline as inflation decreases.</a:t>
-            </a:r>
-            <a:endParaRPr kumimoji="0" lang="en-US" altLang="en-US" sz="1100" b="0" i="0" u="none" strike="noStrike" cap="none" normalizeH="0" baseline="0" dirty="0">
-              <a:ln>
-                <a:noFill/>
-              </a:ln>
-              <a:effectLst/>
-              <a:latin typeface="Aptos" panose="020B0004020202020204" pitchFamily="34" charset="0"/>
-              <a:ea typeface="Aptos" panose="020B0004020202020204" pitchFamily="34" charset="0"/>
-              <a:cs typeface="Times New Roman" panose="02020603050405020304" pitchFamily="18" charset="0"/>
-            </a:endParaRPr>
-          </a:p>
-          <a:p>
-            <a:pPr marL="0" marR="0" lvl="0" indent="0" defTabSz="914400" rtl="0" eaLnBrk="0" fontAlgn="base" latinLnBrk="0" hangingPunct="0">
-              <a:spcBef>
-                <a:spcPct val="0"/>
-              </a:spcBef>
-              <a:spcAft>
-                <a:spcPts val="600"/>
-              </a:spcAft>
-              <a:buClrTx/>
-              <a:buSzTx/>
-              <a:buFontTx/>
-              <a:buAutoNum type="arabicPeriod"/>
-              <a:tabLst/>
-            </a:pPr>
-            <a:r>
-              <a:rPr kumimoji="0" lang="en-US" altLang="en-US" sz="1100" b="1" i="0" u="none" strike="noStrike" cap="none" normalizeH="0" baseline="0" dirty="0">
-                <a:ln>
-                  <a:noFill/>
-                </a:ln>
-                <a:effectLst/>
-                <a:latin typeface="Aptos" panose="020B0004020202020204" pitchFamily="34" charset="0"/>
-                <a:ea typeface="Times New Roman" panose="02020603050405020304" pitchFamily="18" charset="0"/>
-                <a:cs typeface="Times New Roman" panose="02020603050405020304" pitchFamily="18" charset="0"/>
-              </a:rPr>
-              <a:t>Mid-2000s to Early 2010s</a:t>
-            </a:r>
-            <a:r>
-              <a:rPr kumimoji="0" lang="en-US" altLang="en-US" sz="1100" b="0" i="0" u="none" strike="noStrike" cap="none" normalizeH="0" baseline="0" dirty="0">
-                <a:ln>
-                  <a:noFill/>
-                </a:ln>
-                <a:effectLst/>
-                <a:latin typeface="Aptos" panose="020B0004020202020204" pitchFamily="34" charset="0"/>
-                <a:ea typeface="Times New Roman" panose="02020603050405020304" pitchFamily="18" charset="0"/>
-                <a:cs typeface="Times New Roman" panose="02020603050405020304" pitchFamily="18" charset="0"/>
-              </a:rPr>
-              <a:t>: Stable, lower inflation rates accompany a continued decline in violent crimes.</a:t>
-            </a:r>
-            <a:endParaRPr kumimoji="0" lang="en-US" altLang="en-US" sz="1100" b="0" i="0" u="none" strike="noStrike" cap="none" normalizeH="0" baseline="0" dirty="0">
-              <a:ln>
-                <a:noFill/>
-              </a:ln>
-              <a:effectLst/>
-              <a:latin typeface="Aptos" panose="020B0004020202020204" pitchFamily="34" charset="0"/>
-              <a:ea typeface="Aptos" panose="020B0004020202020204" pitchFamily="34" charset="0"/>
-              <a:cs typeface="Times New Roman" panose="02020603050405020304" pitchFamily="18" charset="0"/>
-            </a:endParaRPr>
-          </a:p>
-          <a:p>
-            <a:pPr marL="0" marR="0" lvl="0" indent="0" defTabSz="914400" rtl="0" eaLnBrk="0" fontAlgn="base" latinLnBrk="0" hangingPunct="0">
-              <a:spcBef>
-                <a:spcPct val="0"/>
-              </a:spcBef>
-              <a:spcAft>
-                <a:spcPts val="600"/>
-              </a:spcAft>
-              <a:buClrTx/>
-              <a:buSzTx/>
-              <a:buFontTx/>
-              <a:buAutoNum type="arabicPeriod"/>
-              <a:tabLst/>
-            </a:pPr>
-            <a:r>
-              <a:rPr kumimoji="0" lang="en-US" altLang="en-US" sz="1100" b="1" i="0" u="none" strike="noStrike" cap="none" normalizeH="0" baseline="0" dirty="0">
-                <a:ln>
-                  <a:noFill/>
-                </a:ln>
-                <a:effectLst/>
-                <a:latin typeface="Aptos" panose="020B0004020202020204" pitchFamily="34" charset="0"/>
-                <a:ea typeface="Times New Roman" panose="02020603050405020304" pitchFamily="18" charset="0"/>
-                <a:cs typeface="Times New Roman" panose="02020603050405020304" pitchFamily="18" charset="0"/>
-              </a:rPr>
-              <a:t>Mid-2010s to Early 2020s</a:t>
-            </a:r>
-            <a:r>
-              <a:rPr kumimoji="0" lang="en-US" altLang="en-US" sz="1100" b="0" i="0" u="none" strike="noStrike" cap="none" normalizeH="0" baseline="0" dirty="0">
-                <a:ln>
-                  <a:noFill/>
-                </a:ln>
-                <a:effectLst/>
-                <a:latin typeface="Aptos" panose="020B0004020202020204" pitchFamily="34" charset="0"/>
-                <a:ea typeface="Times New Roman" panose="02020603050405020304" pitchFamily="18" charset="0"/>
-                <a:cs typeface="Times New Roman" panose="02020603050405020304" pitchFamily="18" charset="0"/>
-              </a:rPr>
-              <a:t>: Violent crimes remain low until a spike in the early 2020s, concurrent with rising inflation rates.</a:t>
-            </a:r>
-            <a:endParaRPr kumimoji="0" lang="en-US" altLang="en-US" sz="1100" b="0" i="0" u="none" strike="noStrike" cap="none" normalizeH="0" baseline="0" dirty="0">
-              <a:ln>
-                <a:noFill/>
-              </a:ln>
-              <a:effectLst/>
-              <a:latin typeface="Aptos" panose="020B0004020202020204" pitchFamily="34" charset="0"/>
-              <a:ea typeface="Aptos" panose="020B0004020202020204" pitchFamily="34" charset="0"/>
-              <a:cs typeface="Times New Roman" panose="02020603050405020304" pitchFamily="18" charset="0"/>
-            </a:endParaRPr>
-          </a:p>
-          <a:p>
-            <a:pPr marL="0" marR="0" lvl="0" indent="0" defTabSz="914400" rtl="0" eaLnBrk="0" fontAlgn="base" latinLnBrk="0" hangingPunct="0">
-              <a:spcBef>
-                <a:spcPct val="0"/>
-              </a:spcBef>
-              <a:spcAft>
-                <a:spcPts val="600"/>
-              </a:spcAft>
-              <a:buClrTx/>
-              <a:buSzTx/>
-              <a:buFontTx/>
-              <a:buAutoNum type="arabicPeriod"/>
-              <a:tabLst/>
-            </a:pPr>
-            <a:r>
-              <a:rPr kumimoji="0" lang="en-US" altLang="en-US" sz="1100" b="1" i="0" u="none" strike="noStrike" cap="none" normalizeH="0" baseline="0" dirty="0">
-                <a:ln>
-                  <a:noFill/>
-                </a:ln>
-                <a:effectLst/>
-                <a:latin typeface="Aptos" panose="020B0004020202020204" pitchFamily="34" charset="0"/>
-                <a:ea typeface="Times New Roman" panose="02020603050405020304" pitchFamily="18" charset="0"/>
-                <a:cs typeface="Times New Roman" panose="02020603050405020304" pitchFamily="18" charset="0"/>
-              </a:rPr>
-              <a:t>Early 2020s</a:t>
-            </a:r>
-            <a:r>
-              <a:rPr kumimoji="0" lang="en-US" altLang="en-US" sz="1100" b="0" i="0" u="none" strike="noStrike" cap="none" normalizeH="0" baseline="0" dirty="0">
-                <a:ln>
-                  <a:noFill/>
-                </a:ln>
-                <a:effectLst/>
-                <a:latin typeface="Aptos" panose="020B0004020202020204" pitchFamily="34" charset="0"/>
-                <a:ea typeface="Times New Roman" panose="02020603050405020304" pitchFamily="18" charset="0"/>
-                <a:cs typeface="Times New Roman" panose="02020603050405020304" pitchFamily="18" charset="0"/>
-              </a:rPr>
-              <a:t>: A significant increase in both inflation and violent crimes suggests a potential direct correlation.</a:t>
-            </a:r>
-            <a:endParaRPr kumimoji="0" lang="en-US" altLang="en-US" sz="1100" b="0" i="0" u="none" strike="noStrike" cap="none" normalizeH="0" baseline="0" dirty="0">
-              <a:ln>
-                <a:noFill/>
-              </a:ln>
-              <a:effectLst/>
-            </a:endParaRPr>
-          </a:p>
-          <a:p>
-            <a:pPr marL="0" marR="0" lvl="0" indent="0" defTabSz="914400" rtl="0" eaLnBrk="0" fontAlgn="base" latinLnBrk="0" hangingPunct="0">
-              <a:spcBef>
-                <a:spcPct val="0"/>
-              </a:spcBef>
-              <a:spcAft>
-                <a:spcPts val="600"/>
-              </a:spcAft>
-              <a:buClrTx/>
-              <a:buSzTx/>
-              <a:buFontTx/>
-              <a:buNone/>
-              <a:tabLst/>
-            </a:pPr>
-            <a:r>
-              <a:rPr kumimoji="0" lang="en-US" altLang="en-US" sz="1100" b="1" i="0" u="none" strike="noStrike" cap="none" normalizeH="0" baseline="0" dirty="0">
-                <a:ln>
-                  <a:noFill/>
-                </a:ln>
-                <a:effectLst/>
-                <a:latin typeface="Aptos" panose="020B0004020202020204" pitchFamily="34" charset="0"/>
-                <a:ea typeface="Times New Roman" panose="02020603050405020304" pitchFamily="18" charset="0"/>
-                <a:cs typeface="Times New Roman" panose="02020603050405020304" pitchFamily="18" charset="0"/>
-              </a:rPr>
-              <a:t>Conclusion</a:t>
-            </a:r>
-            <a:endParaRPr kumimoji="0" lang="en-US" altLang="en-US" sz="1100" b="0" i="0" u="none" strike="noStrike" cap="none" normalizeH="0" baseline="0" dirty="0">
-              <a:ln>
-                <a:noFill/>
-              </a:ln>
-              <a:effectLst/>
-            </a:endParaRPr>
-          </a:p>
-          <a:p>
-            <a:pPr marL="0" marR="0" lvl="0" indent="0" defTabSz="914400" rtl="0" eaLnBrk="0" fontAlgn="base" latinLnBrk="0" hangingPunct="0">
-              <a:spcBef>
-                <a:spcPct val="0"/>
-              </a:spcBef>
-              <a:spcAft>
-                <a:spcPts val="600"/>
-              </a:spcAft>
-              <a:buClrTx/>
-              <a:buSzTx/>
-              <a:buFontTx/>
-              <a:buNone/>
-              <a:tabLst/>
-            </a:pPr>
-            <a:r>
-              <a:rPr kumimoji="0" lang="en-US" altLang="en-US" sz="1100" b="0" i="0" u="none" strike="noStrike" cap="none" normalizeH="0" baseline="0" dirty="0">
-                <a:ln>
-                  <a:noFill/>
-                </a:ln>
-                <a:effectLst/>
-                <a:latin typeface="Aptos" panose="020B0004020202020204" pitchFamily="34" charset="0"/>
-                <a:ea typeface="Times New Roman" panose="02020603050405020304" pitchFamily="18" charset="0"/>
-                <a:cs typeface="Times New Roman" panose="02020603050405020304" pitchFamily="18" charset="0"/>
-              </a:rPr>
-              <a:t>The data indicates a complex relationship between inflation and violent crime rates, with possible inverse correlation in earlier years and a direct correlation in recent years. Further analysis of additional economic variables is needed to fully understand this relationship.</a:t>
-            </a:r>
-            <a:endParaRPr kumimoji="0" lang="en-US" altLang="en-US" sz="1100" b="0" i="0" u="none" strike="noStrike" cap="none" normalizeH="0" baseline="0" dirty="0">
-              <a:ln>
-                <a:noFill/>
-              </a:ln>
-              <a:effectLst/>
-              <a:latin typeface="Arial" panose="020B0604020202020204" pitchFamily="34" charset="0"/>
-            </a:endParaRPr>
           </a:p>
         </p:txBody>
       </p:sp>
       <p:pic>
         <p:nvPicPr>
-          <p:cNvPr id="1025" name="Picture 1" descr="A graph of blue and pink lines&#10;&#10;Description automatically generated">
+          <p:cNvPr id="1025" name="Picture 1" descr="Uploaded image">
             <a:extLst>
               <a:ext uri="{FF2B5EF4-FFF2-40B4-BE49-F238E27FC236}">
-                <a16:creationId xmlns:a16="http://schemas.microsoft.com/office/drawing/2014/main" id="{645FA40E-48D9-EBBC-2223-70EF89886871}"/>
+                <a16:creationId xmlns:a16="http://schemas.microsoft.com/office/drawing/2014/main" id="{918EE3B8-1D20-77F5-F991-E9D4165396FC}"/>
               </a:ext>
             </a:extLst>
           </p:cNvPr>
@@ -34233,20 +35698,22 @@
           <p:nvPr/>
         </p:nvPicPr>
         <p:blipFill rotWithShape="1">
-          <a:blip r:embed="rId2">
+          <a:blip r:embed="rId2" r:link="rId3">
             <a:extLst>
               <a:ext uri="{28A0092B-C50C-407E-A947-70E740481C1C}">
                 <a14:useLocalDpi xmlns:a14="http://schemas.microsoft.com/office/drawing/2010/main" val="0"/>
               </a:ext>
             </a:extLst>
           </a:blip>
-          <a:srcRect l="-17458" t="-3286" r="-17221" b="-32212"/>
-          <a:stretch/>
+          <a:srcRect l="184" t="-4591" b="372"/>
+          <a:stretch>
+            <a:fillRect/>
+          </a:stretch>
         </p:blipFill>
         <p:spPr bwMode="auto">
           <a:xfrm>
-            <a:off x="5489771" y="2327443"/>
-            <a:ext cx="7651774" cy="4292018"/>
+            <a:off x="5989321" y="2071317"/>
+            <a:ext cx="6199632" cy="3835708"/>
           </a:xfrm>
           <a:prstGeom prst="rect">
             <a:avLst/>
@@ -34266,7 +35733,7 @@
     </p:spTree>
     <p:extLst>
       <p:ext uri="{BB962C8B-B14F-4D97-AF65-F5344CB8AC3E}">
-        <p14:creationId xmlns:p14="http://schemas.microsoft.com/office/powerpoint/2010/main" val="2237908284"/>
+        <p14:creationId xmlns:p14="http://schemas.microsoft.com/office/powerpoint/2010/main" val="1909526015"/>
       </p:ext>
     </p:extLst>
   </p:cSld>
@@ -34276,7 +35743,7 @@
 </p:sld>
 </file>
 
-<file path=ppt/slides/slide9.xml><?xml version="1.0" encoding="utf-8"?>
+<file path=ppt/slides/slide8.xml><?xml version="1.0" encoding="utf-8"?>
 <p:sld xmlns:a="http://schemas.openxmlformats.org/drawingml/2006/main" xmlns:r="http://schemas.openxmlformats.org/officeDocument/2006/relationships" xmlns:p="http://schemas.openxmlformats.org/presentationml/2006/main">
   <p:cSld>
     <p:bg>
@@ -34366,7 +35833,7 @@
           <p:cNvPr id="2" name="Title 1">
             <a:extLst>
               <a:ext uri="{FF2B5EF4-FFF2-40B4-BE49-F238E27FC236}">
-                <a16:creationId xmlns:a16="http://schemas.microsoft.com/office/drawing/2014/main" id="{003AFD64-FF08-1F7E-D7AC-E6D2C55403FE}"/>
+                <a16:creationId xmlns:a16="http://schemas.microsoft.com/office/drawing/2014/main" id="{D24780E9-DD46-1494-D6C3-1FE0B7F070EC}"/>
               </a:ext>
             </a:extLst>
           </p:cNvPr>
@@ -34379,24 +35846,38 @@
         </p:nvSpPr>
         <p:spPr>
           <a:xfrm>
-            <a:off x="516336" y="116251"/>
+            <a:off x="572493" y="238539"/>
             <a:ext cx="11018520" cy="1434415"/>
           </a:xfrm>
         </p:spPr>
         <p:txBody>
           <a:bodyPr anchor="b">
-            <a:normAutofit/>
+            <a:normAutofit fontScale="90000"/>
           </a:bodyPr>
           <a:lstStyle/>
           <a:p>
-            <a:pPr marL="342900" indent="-342900">
+            <a:pPr marL="571500" indent="-571500">
               <a:buFont typeface="Wingdings" pitchFamily="2" charset="2"/>
               <a:buChar char="Ø"/>
             </a:pPr>
             <a:r>
-              <a:rPr lang="en-US" sz="3600" dirty="0"/>
-              <a:t>Is there a significant difference in the number of crimes at residences and non-residences during the day and night?</a:t>
+              <a:rPr lang="en-US" sz="3200" kern="100" dirty="0">
+                <a:effectLst/>
+                <a:latin typeface="Aptos" panose="020B0004020202020204" pitchFamily="34" charset="0"/>
+                <a:ea typeface="Aptos" panose="020B0004020202020204" pitchFamily="34" charset="0"/>
+                <a:cs typeface="Times New Roman" panose="02020603050405020304" pitchFamily="18" charset="0"/>
+              </a:rPr>
+              <a:t>What are the long-term trends in different types of crime over this 25-year period?</a:t>
             </a:r>
+            <a:br>
+              <a:rPr lang="en-US" sz="1800" kern="100" dirty="0">
+                <a:effectLst/>
+                <a:latin typeface="Aptos" panose="020B0004020202020204" pitchFamily="34" charset="0"/>
+                <a:ea typeface="Aptos" panose="020B0004020202020204" pitchFamily="34" charset="0"/>
+                <a:cs typeface="Times New Roman" panose="02020603050405020304" pitchFamily="18" charset="0"/>
+              </a:rPr>
+            </a:br>
+            <a:endParaRPr lang="en-US" sz="4600" dirty="0"/>
           </a:p>
         </p:txBody>
       </p:sp>
@@ -35067,7 +36548,7 @@
           <p:cNvPr id="3" name="Content Placeholder 2">
             <a:extLst>
               <a:ext uri="{FF2B5EF4-FFF2-40B4-BE49-F238E27FC236}">
-                <a16:creationId xmlns:a16="http://schemas.microsoft.com/office/drawing/2014/main" id="{F269BDF4-4981-EAD4-3397-D2575673DCE2}"/>
+                <a16:creationId xmlns:a16="http://schemas.microsoft.com/office/drawing/2014/main" id="{D7A62477-A2D7-A8F1-CB7B-F13FF442B2C4}"/>
               </a:ext>
             </a:extLst>
           </p:cNvPr>
@@ -35080,17 +36561,541 @@
         </p:nvSpPr>
         <p:spPr>
           <a:xfrm>
-            <a:off x="572493" y="2071316"/>
-            <a:ext cx="5703616" cy="4119172"/>
+            <a:off x="572492" y="2071316"/>
+            <a:ext cx="4868187" cy="4119172"/>
           </a:xfrm>
         </p:spPr>
         <p:txBody>
           <a:bodyPr anchor="t">
-            <a:normAutofit/>
+            <a:normAutofit fontScale="25000" lnSpcReduction="20000"/>
           </a:bodyPr>
           <a:lstStyle/>
           <a:p>
-            <a:endParaRPr lang="en-US" sz="2200" dirty="0"/>
+            <a:pPr marL="0" marR="0" indent="0">
+              <a:spcBef>
+                <a:spcPts val="0"/>
+              </a:spcBef>
+              <a:spcAft>
+                <a:spcPts val="0"/>
+              </a:spcAft>
+              <a:buNone/>
+            </a:pPr>
+            <a:r>
+              <a:rPr lang="en-US" sz="5600" b="1" kern="0" dirty="0">
+                <a:effectLst/>
+                <a:latin typeface="Times New Roman" panose="02020603050405020304" pitchFamily="18" charset="0"/>
+                <a:ea typeface="Times New Roman" panose="02020603050405020304" pitchFamily="18" charset="0"/>
+              </a:rPr>
+              <a:t>Summary A</a:t>
+            </a:r>
+            <a:r>
+              <a:rPr lang="en-US" sz="5600" b="1" kern="0" dirty="0">
+                <a:latin typeface="Times New Roman" panose="02020603050405020304" pitchFamily="18" charset="0"/>
+                <a:ea typeface="Times New Roman" panose="02020603050405020304" pitchFamily="18" charset="0"/>
+              </a:rPr>
+              <a:t>nalysis : </a:t>
+            </a:r>
+          </a:p>
+          <a:p>
+            <a:pPr marL="0" marR="0" indent="0">
+              <a:spcBef>
+                <a:spcPts val="0"/>
+              </a:spcBef>
+              <a:spcAft>
+                <a:spcPts val="0"/>
+              </a:spcAft>
+              <a:buNone/>
+            </a:pPr>
+            <a:endParaRPr lang="en-US" sz="5600" kern="0" dirty="0">
+              <a:latin typeface="Times New Roman" panose="02020603050405020304" pitchFamily="18" charset="0"/>
+              <a:ea typeface="Times New Roman" panose="02020603050405020304" pitchFamily="18" charset="0"/>
+            </a:endParaRPr>
+          </a:p>
+          <a:p>
+            <a:pPr marL="0" marR="0" indent="0">
+              <a:spcBef>
+                <a:spcPts val="0"/>
+              </a:spcBef>
+              <a:spcAft>
+                <a:spcPts val="0"/>
+              </a:spcAft>
+              <a:buNone/>
+            </a:pPr>
+            <a:r>
+              <a:rPr lang="en-US" sz="5600" kern="0" dirty="0">
+                <a:solidFill>
+                  <a:srgbClr val="000000"/>
+                </a:solidFill>
+                <a:effectLst/>
+                <a:latin typeface="Times New Roman" panose="02020603050405020304" pitchFamily="18" charset="0"/>
+                <a:ea typeface="Times New Roman" panose="02020603050405020304" pitchFamily="18" charset="0"/>
+                <a:cs typeface="Times New Roman" panose="02020603050405020304" pitchFamily="18" charset="0"/>
+              </a:rPr>
+              <a:t> The chart "Crime Count over the Years" illustrates the trends in Violent Crimes, Property Crimes, and Larceny-Theft from the late 1990s to 2023.</a:t>
+            </a:r>
+          </a:p>
+          <a:p>
+            <a:pPr marL="0" marR="0" indent="0">
+              <a:spcBef>
+                <a:spcPts val="0"/>
+              </a:spcBef>
+              <a:spcAft>
+                <a:spcPts val="0"/>
+              </a:spcAft>
+              <a:buNone/>
+            </a:pPr>
+            <a:endParaRPr lang="en-US" sz="5600" kern="100" dirty="0">
+              <a:effectLst/>
+              <a:latin typeface="Aptos" panose="020B0004020202020204" pitchFamily="34" charset="0"/>
+              <a:ea typeface="Aptos" panose="020B0004020202020204" pitchFamily="34" charset="0"/>
+              <a:cs typeface="Times New Roman" panose="02020603050405020304" pitchFamily="18" charset="0"/>
+            </a:endParaRPr>
+          </a:p>
+          <a:p>
+            <a:pPr marL="342900" marR="0" lvl="0" indent="-342900">
+              <a:spcBef>
+                <a:spcPts val="0"/>
+              </a:spcBef>
+              <a:spcAft>
+                <a:spcPts val="0"/>
+              </a:spcAft>
+              <a:buSzPts val="1000"/>
+              <a:buFont typeface="Symbol" pitchFamily="2" charset="2"/>
+              <a:buChar char=""/>
+              <a:tabLst>
+                <a:tab pos="457200" algn="l"/>
+              </a:tabLst>
+            </a:pPr>
+            <a:r>
+              <a:rPr lang="en-US" sz="5600" b="1" kern="0" dirty="0">
+                <a:solidFill>
+                  <a:srgbClr val="000000"/>
+                </a:solidFill>
+                <a:effectLst/>
+                <a:latin typeface="Times New Roman" panose="02020603050405020304" pitchFamily="18" charset="0"/>
+                <a:ea typeface="Times New Roman" panose="02020603050405020304" pitchFamily="18" charset="0"/>
+                <a:cs typeface="Times New Roman" panose="02020603050405020304" pitchFamily="18" charset="0"/>
+              </a:rPr>
+              <a:t>Violent Crimes (Blue Line):</a:t>
+            </a:r>
+            <a:endParaRPr lang="en-US" sz="5600" kern="100" dirty="0">
+              <a:solidFill>
+                <a:srgbClr val="000000"/>
+              </a:solidFill>
+              <a:effectLst/>
+              <a:latin typeface="Aptos" panose="020B0004020202020204" pitchFamily="34" charset="0"/>
+              <a:ea typeface="Aptos" panose="020B0004020202020204" pitchFamily="34" charset="0"/>
+              <a:cs typeface="Times New Roman" panose="02020603050405020304" pitchFamily="18" charset="0"/>
+            </a:endParaRPr>
+          </a:p>
+          <a:p>
+            <a:pPr marL="742950" marR="0" lvl="1" indent="-285750">
+              <a:spcBef>
+                <a:spcPts val="0"/>
+              </a:spcBef>
+              <a:spcAft>
+                <a:spcPts val="0"/>
+              </a:spcAft>
+              <a:buSzPts val="1000"/>
+              <a:buFont typeface="Courier New" panose="02070309020205020404" pitchFamily="49" charset="0"/>
+              <a:buChar char="o"/>
+              <a:tabLst>
+                <a:tab pos="914400" algn="l"/>
+              </a:tabLst>
+            </a:pPr>
+            <a:r>
+              <a:rPr lang="en-US" sz="5600" kern="0" dirty="0">
+                <a:solidFill>
+                  <a:srgbClr val="000000"/>
+                </a:solidFill>
+                <a:effectLst/>
+                <a:latin typeface="Times New Roman" panose="02020603050405020304" pitchFamily="18" charset="0"/>
+                <a:ea typeface="Times New Roman" panose="02020603050405020304" pitchFamily="18" charset="0"/>
+                <a:cs typeface="Times New Roman" panose="02020603050405020304" pitchFamily="18" charset="0"/>
+              </a:rPr>
+              <a:t>Declined significantly from the late 1990s to 2013.</a:t>
+            </a:r>
+            <a:endParaRPr lang="en-US" sz="5600" kern="100" dirty="0">
+              <a:solidFill>
+                <a:srgbClr val="000000"/>
+              </a:solidFill>
+              <a:effectLst/>
+              <a:latin typeface="Aptos" panose="020B0004020202020204" pitchFamily="34" charset="0"/>
+              <a:ea typeface="Aptos" panose="020B0004020202020204" pitchFamily="34" charset="0"/>
+              <a:cs typeface="Times New Roman" panose="02020603050405020304" pitchFamily="18" charset="0"/>
+            </a:endParaRPr>
+          </a:p>
+          <a:p>
+            <a:pPr marL="742950" marR="0" lvl="1" indent="-285750">
+              <a:spcBef>
+                <a:spcPts val="0"/>
+              </a:spcBef>
+              <a:spcAft>
+                <a:spcPts val="0"/>
+              </a:spcAft>
+              <a:buSzPts val="1000"/>
+              <a:buFont typeface="Courier New" panose="02070309020205020404" pitchFamily="49" charset="0"/>
+              <a:buChar char="o"/>
+              <a:tabLst>
+                <a:tab pos="914400" algn="l"/>
+              </a:tabLst>
+            </a:pPr>
+            <a:r>
+              <a:rPr lang="en-US" sz="5600" kern="0" dirty="0">
+                <a:solidFill>
+                  <a:srgbClr val="000000"/>
+                </a:solidFill>
+                <a:effectLst/>
+                <a:latin typeface="Times New Roman" panose="02020603050405020304" pitchFamily="18" charset="0"/>
+                <a:ea typeface="Times New Roman" panose="02020603050405020304" pitchFamily="18" charset="0"/>
+                <a:cs typeface="Times New Roman" panose="02020603050405020304" pitchFamily="18" charset="0"/>
+              </a:rPr>
+              <a:t>Increased notably post-2017, peaking around 2023.</a:t>
+            </a:r>
+            <a:endParaRPr lang="en-US" sz="5600" kern="100" dirty="0">
+              <a:solidFill>
+                <a:srgbClr val="000000"/>
+              </a:solidFill>
+              <a:effectLst/>
+              <a:latin typeface="Aptos" panose="020B0004020202020204" pitchFamily="34" charset="0"/>
+              <a:ea typeface="Aptos" panose="020B0004020202020204" pitchFamily="34" charset="0"/>
+              <a:cs typeface="Times New Roman" panose="02020603050405020304" pitchFamily="18" charset="0"/>
+            </a:endParaRPr>
+          </a:p>
+          <a:p>
+            <a:pPr marL="342900" marR="0" lvl="0" indent="-342900">
+              <a:spcBef>
+                <a:spcPts val="0"/>
+              </a:spcBef>
+              <a:spcAft>
+                <a:spcPts val="0"/>
+              </a:spcAft>
+              <a:buSzPts val="1000"/>
+              <a:buFont typeface="Symbol" pitchFamily="2" charset="2"/>
+              <a:buChar char=""/>
+              <a:tabLst>
+                <a:tab pos="457200" algn="l"/>
+              </a:tabLst>
+            </a:pPr>
+            <a:r>
+              <a:rPr lang="en-US" sz="5600" b="1" kern="0" dirty="0">
+                <a:solidFill>
+                  <a:srgbClr val="000000"/>
+                </a:solidFill>
+                <a:effectLst/>
+                <a:latin typeface="Times New Roman" panose="02020603050405020304" pitchFamily="18" charset="0"/>
+                <a:ea typeface="Times New Roman" panose="02020603050405020304" pitchFamily="18" charset="0"/>
+                <a:cs typeface="Times New Roman" panose="02020603050405020304" pitchFamily="18" charset="0"/>
+              </a:rPr>
+              <a:t>Property Crimes (yellow Line):</a:t>
+            </a:r>
+            <a:endParaRPr lang="en-US" sz="5600" kern="100" dirty="0">
+              <a:solidFill>
+                <a:srgbClr val="000000"/>
+              </a:solidFill>
+              <a:effectLst/>
+              <a:latin typeface="Aptos" panose="020B0004020202020204" pitchFamily="34" charset="0"/>
+              <a:ea typeface="Aptos" panose="020B0004020202020204" pitchFamily="34" charset="0"/>
+              <a:cs typeface="Times New Roman" panose="02020603050405020304" pitchFamily="18" charset="0"/>
+            </a:endParaRPr>
+          </a:p>
+          <a:p>
+            <a:pPr marL="742950" marR="0" lvl="1" indent="-285750">
+              <a:spcBef>
+                <a:spcPts val="0"/>
+              </a:spcBef>
+              <a:spcAft>
+                <a:spcPts val="0"/>
+              </a:spcAft>
+              <a:buSzPts val="1000"/>
+              <a:buFont typeface="Courier New" panose="02070309020205020404" pitchFamily="49" charset="0"/>
+              <a:buChar char="o"/>
+              <a:tabLst>
+                <a:tab pos="914400" algn="l"/>
+              </a:tabLst>
+            </a:pPr>
+            <a:r>
+              <a:rPr lang="en-US" sz="5600" kern="0" dirty="0">
+                <a:solidFill>
+                  <a:srgbClr val="000000"/>
+                </a:solidFill>
+                <a:effectLst/>
+                <a:latin typeface="Times New Roman" panose="02020603050405020304" pitchFamily="18" charset="0"/>
+                <a:ea typeface="Times New Roman" panose="02020603050405020304" pitchFamily="18" charset="0"/>
+                <a:cs typeface="Times New Roman" panose="02020603050405020304" pitchFamily="18" charset="0"/>
+              </a:rPr>
+              <a:t>Fluctuated with a general decline from the late 1990s to 2020.</a:t>
+            </a:r>
+            <a:endParaRPr lang="en-US" sz="5600" kern="100" dirty="0">
+              <a:solidFill>
+                <a:srgbClr val="000000"/>
+              </a:solidFill>
+              <a:effectLst/>
+              <a:latin typeface="Aptos" panose="020B0004020202020204" pitchFamily="34" charset="0"/>
+              <a:ea typeface="Aptos" panose="020B0004020202020204" pitchFamily="34" charset="0"/>
+              <a:cs typeface="Times New Roman" panose="02020603050405020304" pitchFamily="18" charset="0"/>
+            </a:endParaRPr>
+          </a:p>
+          <a:p>
+            <a:pPr marL="742950" marR="0" lvl="1" indent="-285750">
+              <a:spcBef>
+                <a:spcPts val="0"/>
+              </a:spcBef>
+              <a:spcAft>
+                <a:spcPts val="0"/>
+              </a:spcAft>
+              <a:buSzPts val="1000"/>
+              <a:buFont typeface="Courier New" panose="02070309020205020404" pitchFamily="49" charset="0"/>
+              <a:buChar char="o"/>
+              <a:tabLst>
+                <a:tab pos="914400" algn="l"/>
+              </a:tabLst>
+            </a:pPr>
+            <a:r>
+              <a:rPr lang="en-US" sz="5600" kern="0" dirty="0">
+                <a:solidFill>
+                  <a:srgbClr val="000000"/>
+                </a:solidFill>
+                <a:effectLst/>
+                <a:latin typeface="Times New Roman" panose="02020603050405020304" pitchFamily="18" charset="0"/>
+                <a:ea typeface="Times New Roman" panose="02020603050405020304" pitchFamily="18" charset="0"/>
+                <a:cs typeface="Times New Roman" panose="02020603050405020304" pitchFamily="18" charset="0"/>
+              </a:rPr>
+              <a:t>Slight increase post-2020.</a:t>
+            </a:r>
+            <a:endParaRPr lang="en-US" sz="5600" kern="100" dirty="0">
+              <a:solidFill>
+                <a:srgbClr val="000000"/>
+              </a:solidFill>
+              <a:effectLst/>
+              <a:latin typeface="Aptos" panose="020B0004020202020204" pitchFamily="34" charset="0"/>
+              <a:ea typeface="Aptos" panose="020B0004020202020204" pitchFamily="34" charset="0"/>
+              <a:cs typeface="Times New Roman" panose="02020603050405020304" pitchFamily="18" charset="0"/>
+            </a:endParaRPr>
+          </a:p>
+          <a:p>
+            <a:pPr>
+              <a:spcAft>
+                <a:spcPts val="0"/>
+              </a:spcAft>
+            </a:pPr>
+            <a:r>
+              <a:rPr lang="en-US" sz="5600" b="1" kern="0" dirty="0">
+                <a:solidFill>
+                  <a:srgbClr val="000000"/>
+                </a:solidFill>
+                <a:effectLst/>
+                <a:latin typeface="Times New Roman" panose="02020603050405020304" pitchFamily="18" charset="0"/>
+                <a:ea typeface="Times New Roman" panose="02020603050405020304" pitchFamily="18" charset="0"/>
+                <a:cs typeface="Times New Roman" panose="02020603050405020304" pitchFamily="18" charset="0"/>
+              </a:rPr>
+              <a:t>Larceny-Theft (grey Line) : </a:t>
+            </a:r>
+            <a:endParaRPr lang="en-US" sz="5600" dirty="0">
+              <a:effectLst/>
+            </a:endParaRPr>
+          </a:p>
+          <a:p>
+            <a:pPr marL="742950" marR="0" lvl="1" indent="-285750">
+              <a:spcBef>
+                <a:spcPts val="0"/>
+              </a:spcBef>
+              <a:spcAft>
+                <a:spcPts val="0"/>
+              </a:spcAft>
+              <a:buSzPts val="1000"/>
+              <a:buFont typeface="Courier New" panose="02070309020205020404" pitchFamily="49" charset="0"/>
+              <a:buChar char="o"/>
+              <a:tabLst>
+                <a:tab pos="914400" algn="l"/>
+              </a:tabLst>
+            </a:pPr>
+            <a:r>
+              <a:rPr lang="en-US" sz="5600" kern="0" dirty="0">
+                <a:solidFill>
+                  <a:srgbClr val="000000"/>
+                </a:solidFill>
+                <a:effectLst/>
+                <a:latin typeface="Times New Roman" panose="02020603050405020304" pitchFamily="18" charset="0"/>
+                <a:ea typeface="Times New Roman" panose="02020603050405020304" pitchFamily="18" charset="0"/>
+                <a:cs typeface="Times New Roman" panose="02020603050405020304" pitchFamily="18" charset="0"/>
+              </a:rPr>
+              <a:t>Showed similar fluctuation and decline to property crimes.</a:t>
+            </a:r>
+            <a:endParaRPr lang="en-US" sz="5600" kern="100" dirty="0">
+              <a:solidFill>
+                <a:srgbClr val="000000"/>
+              </a:solidFill>
+              <a:effectLst/>
+              <a:latin typeface="Aptos" panose="020B0004020202020204" pitchFamily="34" charset="0"/>
+              <a:ea typeface="Aptos" panose="020B0004020202020204" pitchFamily="34" charset="0"/>
+              <a:cs typeface="Times New Roman" panose="02020603050405020304" pitchFamily="18" charset="0"/>
+            </a:endParaRPr>
+          </a:p>
+          <a:p>
+            <a:pPr marL="742950" marR="0" lvl="1" indent="-285750">
+              <a:spcBef>
+                <a:spcPts val="0"/>
+              </a:spcBef>
+              <a:spcAft>
+                <a:spcPts val="0"/>
+              </a:spcAft>
+              <a:buSzPts val="1000"/>
+              <a:buFont typeface="Courier New" panose="02070309020205020404" pitchFamily="49" charset="0"/>
+              <a:buChar char="o"/>
+              <a:tabLst>
+                <a:tab pos="914400" algn="l"/>
+              </a:tabLst>
+            </a:pPr>
+            <a:r>
+              <a:rPr lang="en-US" sz="5600" kern="0" dirty="0">
+                <a:solidFill>
+                  <a:srgbClr val="000000"/>
+                </a:solidFill>
+                <a:effectLst/>
+                <a:latin typeface="Times New Roman" panose="02020603050405020304" pitchFamily="18" charset="0"/>
+                <a:ea typeface="Times New Roman" panose="02020603050405020304" pitchFamily="18" charset="0"/>
+                <a:cs typeface="Times New Roman" panose="02020603050405020304" pitchFamily="18" charset="0"/>
+              </a:rPr>
+              <a:t>Slight increase post-2020.</a:t>
+            </a:r>
+            <a:endParaRPr lang="en-US" sz="5600" kern="100" dirty="0">
+              <a:solidFill>
+                <a:srgbClr val="000000"/>
+              </a:solidFill>
+              <a:effectLst/>
+              <a:latin typeface="Aptos" panose="020B0004020202020204" pitchFamily="34" charset="0"/>
+              <a:ea typeface="Aptos" panose="020B0004020202020204" pitchFamily="34" charset="0"/>
+              <a:cs typeface="Times New Roman" panose="02020603050405020304" pitchFamily="18" charset="0"/>
+            </a:endParaRPr>
+          </a:p>
+          <a:p>
+            <a:pPr marL="0" marR="0" lvl="0" indent="0">
+              <a:spcBef>
+                <a:spcPts val="0"/>
+              </a:spcBef>
+              <a:spcAft>
+                <a:spcPts val="0"/>
+              </a:spcAft>
+              <a:buSzPts val="1000"/>
+              <a:buNone/>
+              <a:tabLst>
+                <a:tab pos="457200" algn="l"/>
+              </a:tabLst>
+            </a:pPr>
+            <a:endParaRPr lang="en-US" sz="5600" kern="100" dirty="0">
+              <a:solidFill>
+                <a:srgbClr val="000000"/>
+              </a:solidFill>
+              <a:effectLst/>
+              <a:latin typeface="Aptos" panose="020B0004020202020204" pitchFamily="34" charset="0"/>
+              <a:ea typeface="Aptos" panose="020B0004020202020204" pitchFamily="34" charset="0"/>
+              <a:cs typeface="Times New Roman" panose="02020603050405020304" pitchFamily="18" charset="0"/>
+            </a:endParaRPr>
+          </a:p>
+          <a:p>
+            <a:pPr marL="0" indent="0">
+              <a:spcBef>
+                <a:spcPts val="0"/>
+              </a:spcBef>
+              <a:buSzPts val="1000"/>
+              <a:buNone/>
+              <a:tabLst>
+                <a:tab pos="457200" algn="l"/>
+              </a:tabLst>
+            </a:pPr>
+            <a:r>
+              <a:rPr lang="en-US" sz="5600" b="1" kern="0" dirty="0">
+                <a:solidFill>
+                  <a:srgbClr val="000000"/>
+                </a:solidFill>
+                <a:effectLst/>
+                <a:latin typeface="Times New Roman" panose="02020603050405020304" pitchFamily="18" charset="0"/>
+                <a:ea typeface="Times New Roman" panose="02020603050405020304" pitchFamily="18" charset="0"/>
+                <a:cs typeface="Times New Roman" panose="02020603050405020304" pitchFamily="18" charset="0"/>
+              </a:rPr>
+              <a:t>Conclusion:</a:t>
+            </a:r>
+          </a:p>
+          <a:p>
+            <a:pPr marL="0" indent="0">
+              <a:spcBef>
+                <a:spcPts val="0"/>
+              </a:spcBef>
+              <a:buSzPts val="1000"/>
+              <a:buNone/>
+              <a:tabLst>
+                <a:tab pos="457200" algn="l"/>
+              </a:tabLst>
+            </a:pPr>
+            <a:endParaRPr lang="en-US" sz="5600" b="1" kern="0" dirty="0">
+              <a:solidFill>
+                <a:srgbClr val="000000"/>
+              </a:solidFill>
+              <a:effectLst/>
+              <a:latin typeface="Times New Roman" panose="02020603050405020304" pitchFamily="18" charset="0"/>
+              <a:ea typeface="Times New Roman" panose="02020603050405020304" pitchFamily="18" charset="0"/>
+              <a:cs typeface="Times New Roman" panose="02020603050405020304" pitchFamily="18" charset="0"/>
+            </a:endParaRPr>
+          </a:p>
+          <a:p>
+            <a:pPr marL="0" indent="0">
+              <a:spcBef>
+                <a:spcPts val="0"/>
+              </a:spcBef>
+              <a:buSzPts val="1000"/>
+              <a:buNone/>
+              <a:tabLst>
+                <a:tab pos="457200" algn="l"/>
+              </a:tabLst>
+            </a:pPr>
+            <a:r>
+              <a:rPr lang="en-US" sz="5600" kern="0" dirty="0">
+                <a:solidFill>
+                  <a:srgbClr val="000000"/>
+                </a:solidFill>
+                <a:effectLst/>
+                <a:latin typeface="Times New Roman" panose="02020603050405020304" pitchFamily="18" charset="0"/>
+                <a:ea typeface="Times New Roman" panose="02020603050405020304" pitchFamily="18" charset="0"/>
+              </a:rPr>
+              <a:t>The chart indicates a significant long-term decline in all crime categories from the late 1990s to 2020, reflecting improvements in public safety. However, the recent uptick in violent crimes and slight increases in property crimes and larceny-theft post-2020 suggest emerging challenges that need to be addressed to maintain the progress in crime reduction.</a:t>
+            </a:r>
+            <a:r>
+              <a:rPr lang="en-US" sz="5600" dirty="0">
+                <a:effectLst/>
+              </a:rPr>
+              <a:t> </a:t>
+            </a:r>
+            <a:endParaRPr lang="en-US" sz="5600" kern="100" dirty="0">
+              <a:effectLst/>
+              <a:latin typeface="Aptos" panose="020B0004020202020204" pitchFamily="34" charset="0"/>
+              <a:ea typeface="Aptos" panose="020B0004020202020204" pitchFamily="34" charset="0"/>
+              <a:cs typeface="Times New Roman" panose="02020603050405020304" pitchFamily="18" charset="0"/>
+            </a:endParaRPr>
+          </a:p>
+          <a:p>
+            <a:pPr marL="0" marR="0" lvl="0" indent="0">
+              <a:spcBef>
+                <a:spcPts val="0"/>
+              </a:spcBef>
+              <a:spcAft>
+                <a:spcPts val="0"/>
+              </a:spcAft>
+              <a:buSzPts val="1000"/>
+              <a:buNone/>
+              <a:tabLst>
+                <a:tab pos="457200" algn="l"/>
+              </a:tabLst>
+            </a:pPr>
+            <a:endParaRPr lang="en-US" sz="1200" kern="100" dirty="0">
+              <a:solidFill>
+                <a:srgbClr val="000000"/>
+              </a:solidFill>
+              <a:effectLst/>
+              <a:latin typeface="Aptos" panose="020B0004020202020204" pitchFamily="34" charset="0"/>
+              <a:ea typeface="Aptos" panose="020B0004020202020204" pitchFamily="34" charset="0"/>
+              <a:cs typeface="Times New Roman" panose="02020603050405020304" pitchFamily="18" charset="0"/>
+            </a:endParaRPr>
           </a:p>
         </p:txBody>
       </p:sp>
@@ -35099,7 +37104,7 @@
           <p:cNvPr id="5" name="Picture 4">
             <a:extLst>
               <a:ext uri="{FF2B5EF4-FFF2-40B4-BE49-F238E27FC236}">
-                <a16:creationId xmlns:a16="http://schemas.microsoft.com/office/drawing/2014/main" id="{BB1BF77D-5160-0300-F67F-77F3A7DD3466}"/>
+                <a16:creationId xmlns:a16="http://schemas.microsoft.com/office/drawing/2014/main" id="{C0D1E435-4F9F-0A1A-88F0-A26A7F68CCBF}"/>
               </a:ext>
             </a:extLst>
           </p:cNvPr>
@@ -35110,13 +37115,13 @@
         </p:nvPicPr>
         <p:blipFill rotWithShape="1">
           <a:blip r:embed="rId2"/>
-          <a:srcRect l="448" t="-6410" r="1740" b="-5871"/>
+          <a:srcRect l="-1343" t="-3806" r="3"/>
           <a:stretch/>
         </p:blipFill>
         <p:spPr>
           <a:xfrm>
-            <a:off x="6428508" y="1736408"/>
-            <a:ext cx="5703617" cy="4681885"/>
+            <a:off x="5320144" y="2217620"/>
+            <a:ext cx="6871855" cy="3972868"/>
           </a:xfrm>
           <a:prstGeom prst="rect">
             <a:avLst/>
@@ -35126,7 +37131,1398 @@
     </p:spTree>
     <p:extLst>
       <p:ext uri="{BB962C8B-B14F-4D97-AF65-F5344CB8AC3E}">
-        <p14:creationId xmlns:p14="http://schemas.microsoft.com/office/powerpoint/2010/main" val="3953094778"/>
+        <p14:creationId xmlns:p14="http://schemas.microsoft.com/office/powerpoint/2010/main" val="4245527970"/>
+      </p:ext>
+    </p:extLst>
+  </p:cSld>
+  <p:clrMapOvr>
+    <a:masterClrMapping/>
+  </p:clrMapOvr>
+</p:sld>
+</file>
+
+<file path=ppt/slides/slide9.xml><?xml version="1.0" encoding="utf-8"?>
+<p:sld xmlns:a="http://schemas.openxmlformats.org/drawingml/2006/main" xmlns:r="http://schemas.openxmlformats.org/officeDocument/2006/relationships" xmlns:p="http://schemas.openxmlformats.org/presentationml/2006/main">
+  <p:cSld>
+    <p:bg>
+      <p:bgPr>
+        <a:solidFill>
+          <a:schemeClr val="bg1"/>
+        </a:solidFill>
+        <a:effectLst/>
+      </p:bgPr>
+    </p:bg>
+    <p:spTree>
+      <p:nvGrpSpPr>
+        <p:cNvPr id="1" name=""/>
+        <p:cNvGrpSpPr/>
+        <p:nvPr/>
+      </p:nvGrpSpPr>
+      <p:grpSpPr>
+        <a:xfrm>
+          <a:off x="0" y="0"/>
+          <a:ext cx="0" cy="0"/>
+          <a:chOff x="0" y="0"/>
+          <a:chExt cx="0" cy="0"/>
+        </a:xfrm>
+      </p:grpSpPr>
+      <p:sp useBgFill="1">
+        <p:nvSpPr>
+          <p:cNvPr id="21" name="Rectangle 20">
+            <a:extLst>
+              <a:ext uri="{FF2B5EF4-FFF2-40B4-BE49-F238E27FC236}">
+                <a16:creationId xmlns:a16="http://schemas.microsoft.com/office/drawing/2014/main" id="{53B475F8-50AE-46A0-9943-B2B63183D50C}"/>
+              </a:ext>
+              <a:ext uri="{C183D7F6-B498-43B3-948B-1728B52AA6E4}">
+                <adec:decorative xmlns:adec="http://schemas.microsoft.com/office/drawing/2017/decorative" val="1"/>
+              </a:ext>
+            </a:extLst>
+          </p:cNvPr>
+          <p:cNvSpPr>
+            <a:spLocks noGrp="1" noRot="1" noChangeAspect="1" noMove="1" noResize="1" noEditPoints="1" noAdjustHandles="1" noChangeArrowheads="1" noChangeShapeType="1" noTextEdit="1"/>
+          </p:cNvSpPr>
+          <p:nvPr>
+            <p:extLst>
+              <p:ext uri="{386F3935-93C4-4BCD-93E2-E3B085C9AB24}">
+                <p16:designElem xmlns:p16="http://schemas.microsoft.com/office/powerpoint/2015/main" val="1"/>
+              </p:ext>
+            </p:extLst>
+          </p:nvPr>
+        </p:nvSpPr>
+        <p:spPr>
+          <a:xfrm>
+            <a:off x="0" y="0"/>
+            <a:ext cx="12188952" cy="6858000"/>
+          </a:xfrm>
+          <a:prstGeom prst="rect">
+            <a:avLst/>
+          </a:prstGeom>
+          <a:ln>
+            <a:noFill/>
+          </a:ln>
+        </p:spPr>
+        <p:style>
+          <a:lnRef idx="2">
+            <a:schemeClr val="accent1">
+              <a:shade val="50000"/>
+            </a:schemeClr>
+          </a:lnRef>
+          <a:fillRef idx="1">
+            <a:schemeClr val="accent1"/>
+          </a:fillRef>
+          <a:effectRef idx="0">
+            <a:schemeClr val="accent1"/>
+          </a:effectRef>
+          <a:fontRef idx="minor">
+            <a:schemeClr val="lt1"/>
+          </a:fontRef>
+        </p:style>
+        <p:txBody>
+          <a:bodyPr rtlCol="0" anchor="ctr"/>
+          <a:lstStyle/>
+          <a:p>
+            <a:pPr algn="ctr"/>
+            <a:endParaRPr lang="en-US"/>
+          </a:p>
+        </p:txBody>
+      </p:sp>
+      <p:sp>
+        <p:nvSpPr>
+          <p:cNvPr id="2" name="Title 1">
+            <a:extLst>
+              <a:ext uri="{FF2B5EF4-FFF2-40B4-BE49-F238E27FC236}">
+                <a16:creationId xmlns:a16="http://schemas.microsoft.com/office/drawing/2014/main" id="{5D0B3553-3429-CD10-ADE5-2B75D5D051C9}"/>
+              </a:ext>
+            </a:extLst>
+          </p:cNvPr>
+          <p:cNvSpPr>
+            <a:spLocks noGrp="1"/>
+          </p:cNvSpPr>
+          <p:nvPr>
+            <p:ph type="title"/>
+          </p:nvPr>
+        </p:nvSpPr>
+        <p:spPr>
+          <a:xfrm>
+            <a:off x="612648" y="365125"/>
+            <a:ext cx="6986015" cy="1776484"/>
+          </a:xfrm>
+        </p:spPr>
+        <p:txBody>
+          <a:bodyPr anchor="b">
+            <a:normAutofit/>
+          </a:bodyPr>
+          <a:lstStyle/>
+          <a:p>
+            <a:pPr marL="571500" indent="-571500">
+              <a:buFont typeface="Wingdings" pitchFamily="2" charset="2"/>
+              <a:buChar char="Ø"/>
+            </a:pPr>
+            <a:r>
+              <a:rPr lang="en-US" sz="2600" b="0" i="0" dirty="0">
+                <a:effectLst/>
+                <a:latin typeface="Arial" panose="020B0604020202020204" pitchFamily="34" charset="0"/>
+              </a:rPr>
+              <a:t>Is there a correlation between annual inflation rates and  overall crime rates in California over the past 25 years?</a:t>
+            </a:r>
+            <a:br>
+              <a:rPr lang="en-US" sz="2600" b="0" i="0" dirty="0">
+                <a:effectLst/>
+                <a:latin typeface="Arial" panose="020B0604020202020204" pitchFamily="34" charset="0"/>
+              </a:rPr>
+            </a:br>
+            <a:endParaRPr lang="en-US" sz="2600" dirty="0"/>
+          </a:p>
+        </p:txBody>
+      </p:sp>
+      <p:pic>
+        <p:nvPicPr>
+          <p:cNvPr id="5" name="Picture 4">
+            <a:extLst>
+              <a:ext uri="{FF2B5EF4-FFF2-40B4-BE49-F238E27FC236}">
+                <a16:creationId xmlns:a16="http://schemas.microsoft.com/office/drawing/2014/main" id="{0502A279-8C73-5D54-75D6-5D3C4EF0A273}"/>
+              </a:ext>
+            </a:extLst>
+          </p:cNvPr>
+          <p:cNvPicPr>
+            <a:picLocks noChangeAspect="1"/>
+          </p:cNvPicPr>
+          <p:nvPr/>
+        </p:nvPicPr>
+        <p:blipFill rotWithShape="1">
+          <a:blip r:embed="rId3"/>
+          <a:srcRect l="3031" r="6364" b="13208"/>
+          <a:stretch/>
+        </p:blipFill>
+        <p:spPr>
+          <a:xfrm>
+            <a:off x="8089721" y="261991"/>
+            <a:ext cx="3727963" cy="1890220"/>
+          </a:xfrm>
+          <a:prstGeom prst="rect">
+            <a:avLst/>
+          </a:prstGeom>
+        </p:spPr>
+      </p:pic>
+      <p:sp>
+        <p:nvSpPr>
+          <p:cNvPr id="23" name="sketch line">
+            <a:extLst>
+              <a:ext uri="{FF2B5EF4-FFF2-40B4-BE49-F238E27FC236}">
+                <a16:creationId xmlns:a16="http://schemas.microsoft.com/office/drawing/2014/main" id="{75F6FDB4-2351-48C2-A863-2364A02343C0}"/>
+              </a:ext>
+              <a:ext uri="{C183D7F6-B498-43B3-948B-1728B52AA6E4}">
+                <adec:decorative xmlns:adec="http://schemas.microsoft.com/office/drawing/2017/decorative" val="1"/>
+              </a:ext>
+            </a:extLst>
+          </p:cNvPr>
+          <p:cNvSpPr>
+            <a:spLocks noGrp="1" noRot="1" noChangeAspect="1" noMove="1" noResize="1" noEditPoints="1" noAdjustHandles="1" noChangeArrowheads="1" noChangeShapeType="1" noTextEdit="1"/>
+          </p:cNvSpPr>
+          <p:nvPr>
+            <p:extLst>
+              <p:ext uri="{386F3935-93C4-4BCD-93E2-E3B085C9AB24}">
+                <p16:designElem xmlns:p16="http://schemas.microsoft.com/office/powerpoint/2015/main" val="1"/>
+              </p:ext>
+            </p:extLst>
+          </p:nvPr>
+        </p:nvSpPr>
+        <p:spPr>
+          <a:xfrm>
+            <a:off x="838200" y="2315691"/>
+            <a:ext cx="4343400" cy="18288"/>
+          </a:xfrm>
+          <a:custGeom>
+            <a:avLst/>
+            <a:gdLst>
+              <a:gd name="connsiteX0" fmla="*/ 0 w 4343400"/>
+              <a:gd name="connsiteY0" fmla="*/ 0 h 18288"/>
+              <a:gd name="connsiteX1" fmla="*/ 577052 w 4343400"/>
+              <a:gd name="connsiteY1" fmla="*/ 0 h 18288"/>
+              <a:gd name="connsiteX2" fmla="*/ 1067235 w 4343400"/>
+              <a:gd name="connsiteY2" fmla="*/ 0 h 18288"/>
+              <a:gd name="connsiteX3" fmla="*/ 1600853 w 4343400"/>
+              <a:gd name="connsiteY3" fmla="*/ 0 h 18288"/>
+              <a:gd name="connsiteX4" fmla="*/ 2264773 w 4343400"/>
+              <a:gd name="connsiteY4" fmla="*/ 0 h 18288"/>
+              <a:gd name="connsiteX5" fmla="*/ 2841825 w 4343400"/>
+              <a:gd name="connsiteY5" fmla="*/ 0 h 18288"/>
+              <a:gd name="connsiteX6" fmla="*/ 3375442 w 4343400"/>
+              <a:gd name="connsiteY6" fmla="*/ 0 h 18288"/>
+              <a:gd name="connsiteX7" fmla="*/ 4343400 w 4343400"/>
+              <a:gd name="connsiteY7" fmla="*/ 0 h 18288"/>
+              <a:gd name="connsiteX8" fmla="*/ 4343400 w 4343400"/>
+              <a:gd name="connsiteY8" fmla="*/ 18288 h 18288"/>
+              <a:gd name="connsiteX9" fmla="*/ 3722914 w 4343400"/>
+              <a:gd name="connsiteY9" fmla="*/ 18288 h 18288"/>
+              <a:gd name="connsiteX10" fmla="*/ 3189297 w 4343400"/>
+              <a:gd name="connsiteY10" fmla="*/ 18288 h 18288"/>
+              <a:gd name="connsiteX11" fmla="*/ 2481943 w 4343400"/>
+              <a:gd name="connsiteY11" fmla="*/ 18288 h 18288"/>
+              <a:gd name="connsiteX12" fmla="*/ 1904891 w 4343400"/>
+              <a:gd name="connsiteY12" fmla="*/ 18288 h 18288"/>
+              <a:gd name="connsiteX13" fmla="*/ 1414707 w 4343400"/>
+              <a:gd name="connsiteY13" fmla="*/ 18288 h 18288"/>
+              <a:gd name="connsiteX14" fmla="*/ 750788 w 4343400"/>
+              <a:gd name="connsiteY14" fmla="*/ 18288 h 18288"/>
+              <a:gd name="connsiteX15" fmla="*/ 0 w 4343400"/>
+              <a:gd name="connsiteY15" fmla="*/ 18288 h 18288"/>
+              <a:gd name="connsiteX16" fmla="*/ 0 w 4343400"/>
+              <a:gd name="connsiteY16" fmla="*/ 0 h 18288"/>
+            </a:gdLst>
+            <a:ahLst/>
+            <a:cxnLst>
+              <a:cxn ang="0">
+                <a:pos x="connsiteX0" y="connsiteY0"/>
+              </a:cxn>
+              <a:cxn ang="0">
+                <a:pos x="connsiteX1" y="connsiteY1"/>
+              </a:cxn>
+              <a:cxn ang="0">
+                <a:pos x="connsiteX2" y="connsiteY2"/>
+              </a:cxn>
+              <a:cxn ang="0">
+                <a:pos x="connsiteX3" y="connsiteY3"/>
+              </a:cxn>
+              <a:cxn ang="0">
+                <a:pos x="connsiteX4" y="connsiteY4"/>
+              </a:cxn>
+              <a:cxn ang="0">
+                <a:pos x="connsiteX5" y="connsiteY5"/>
+              </a:cxn>
+              <a:cxn ang="0">
+                <a:pos x="connsiteX6" y="connsiteY6"/>
+              </a:cxn>
+              <a:cxn ang="0">
+                <a:pos x="connsiteX7" y="connsiteY7"/>
+              </a:cxn>
+              <a:cxn ang="0">
+                <a:pos x="connsiteX8" y="connsiteY8"/>
+              </a:cxn>
+              <a:cxn ang="0">
+                <a:pos x="connsiteX9" y="connsiteY9"/>
+              </a:cxn>
+              <a:cxn ang="0">
+                <a:pos x="connsiteX10" y="connsiteY10"/>
+              </a:cxn>
+              <a:cxn ang="0">
+                <a:pos x="connsiteX11" y="connsiteY11"/>
+              </a:cxn>
+              <a:cxn ang="0">
+                <a:pos x="connsiteX12" y="connsiteY12"/>
+              </a:cxn>
+              <a:cxn ang="0">
+                <a:pos x="connsiteX13" y="connsiteY13"/>
+              </a:cxn>
+              <a:cxn ang="0">
+                <a:pos x="connsiteX14" y="connsiteY14"/>
+              </a:cxn>
+              <a:cxn ang="0">
+                <a:pos x="connsiteX15" y="connsiteY15"/>
+              </a:cxn>
+              <a:cxn ang="0">
+                <a:pos x="connsiteX16" y="connsiteY16"/>
+              </a:cxn>
+            </a:cxnLst>
+            <a:rect l="l" t="t" r="r" b="b"/>
+            <a:pathLst>
+              <a:path w="4343400" h="18288" fill="none" extrusionOk="0">
+                <a:moveTo>
+                  <a:pt x="0" y="0"/>
+                </a:moveTo>
+                <a:cubicBezTo>
+                  <a:pt x="233209" y="-19550"/>
+                  <a:pt x="330816" y="19068"/>
+                  <a:pt x="577052" y="0"/>
+                </a:cubicBezTo>
+                <a:cubicBezTo>
+                  <a:pt x="823288" y="-19068"/>
+                  <a:pt x="875077" y="10360"/>
+                  <a:pt x="1067235" y="0"/>
+                </a:cubicBezTo>
+                <a:cubicBezTo>
+                  <a:pt x="1259393" y="-10360"/>
+                  <a:pt x="1410699" y="2939"/>
+                  <a:pt x="1600853" y="0"/>
+                </a:cubicBezTo>
+                <a:cubicBezTo>
+                  <a:pt x="1791007" y="-2939"/>
+                  <a:pt x="2101644" y="-26225"/>
+                  <a:pt x="2264773" y="0"/>
+                </a:cubicBezTo>
+                <a:cubicBezTo>
+                  <a:pt x="2427902" y="26225"/>
+                  <a:pt x="2690426" y="-27726"/>
+                  <a:pt x="2841825" y="0"/>
+                </a:cubicBezTo>
+                <a:cubicBezTo>
+                  <a:pt x="2993224" y="27726"/>
+                  <a:pt x="3172320" y="-18569"/>
+                  <a:pt x="3375442" y="0"/>
+                </a:cubicBezTo>
+                <a:cubicBezTo>
+                  <a:pt x="3578564" y="18569"/>
+                  <a:pt x="4003119" y="21909"/>
+                  <a:pt x="4343400" y="0"/>
+                </a:cubicBezTo>
+                <a:cubicBezTo>
+                  <a:pt x="4343798" y="7429"/>
+                  <a:pt x="4343380" y="10822"/>
+                  <a:pt x="4343400" y="18288"/>
+                </a:cubicBezTo>
+                <a:cubicBezTo>
+                  <a:pt x="4109047" y="14709"/>
+                  <a:pt x="3996986" y="7919"/>
+                  <a:pt x="3722914" y="18288"/>
+                </a:cubicBezTo>
+                <a:cubicBezTo>
+                  <a:pt x="3448842" y="28657"/>
+                  <a:pt x="3340973" y="29252"/>
+                  <a:pt x="3189297" y="18288"/>
+                </a:cubicBezTo>
+                <a:cubicBezTo>
+                  <a:pt x="3037621" y="7324"/>
+                  <a:pt x="2636891" y="-9539"/>
+                  <a:pt x="2481943" y="18288"/>
+                </a:cubicBezTo>
+                <a:cubicBezTo>
+                  <a:pt x="2326995" y="46115"/>
+                  <a:pt x="2131632" y="740"/>
+                  <a:pt x="1904891" y="18288"/>
+                </a:cubicBezTo>
+                <a:cubicBezTo>
+                  <a:pt x="1678150" y="35836"/>
+                  <a:pt x="1575362" y="-3381"/>
+                  <a:pt x="1414707" y="18288"/>
+                </a:cubicBezTo>
+                <a:cubicBezTo>
+                  <a:pt x="1254052" y="39957"/>
+                  <a:pt x="1051093" y="-335"/>
+                  <a:pt x="750788" y="18288"/>
+                </a:cubicBezTo>
+                <a:cubicBezTo>
+                  <a:pt x="450483" y="36911"/>
+                  <a:pt x="293781" y="22900"/>
+                  <a:pt x="0" y="18288"/>
+                </a:cubicBezTo>
+                <a:cubicBezTo>
+                  <a:pt x="-591" y="13205"/>
+                  <a:pt x="-663" y="6329"/>
+                  <a:pt x="0" y="0"/>
+                </a:cubicBezTo>
+                <a:close/>
+              </a:path>
+              <a:path w="4343400" h="18288" stroke="0" extrusionOk="0">
+                <a:moveTo>
+                  <a:pt x="0" y="0"/>
+                </a:moveTo>
+                <a:cubicBezTo>
+                  <a:pt x="212719" y="-28531"/>
+                  <a:pt x="340561" y="-1164"/>
+                  <a:pt x="577052" y="0"/>
+                </a:cubicBezTo>
+                <a:cubicBezTo>
+                  <a:pt x="813543" y="1164"/>
+                  <a:pt x="866967" y="-9376"/>
+                  <a:pt x="1067235" y="0"/>
+                </a:cubicBezTo>
+                <a:cubicBezTo>
+                  <a:pt x="1267503" y="9376"/>
+                  <a:pt x="1485778" y="-20470"/>
+                  <a:pt x="1774589" y="0"/>
+                </a:cubicBezTo>
+                <a:cubicBezTo>
+                  <a:pt x="2063400" y="20470"/>
+                  <a:pt x="2090152" y="-14502"/>
+                  <a:pt x="2351641" y="0"/>
+                </a:cubicBezTo>
+                <a:cubicBezTo>
+                  <a:pt x="2613130" y="14502"/>
+                  <a:pt x="2802864" y="19125"/>
+                  <a:pt x="2928693" y="0"/>
+                </a:cubicBezTo>
+                <a:cubicBezTo>
+                  <a:pt x="3054522" y="-19125"/>
+                  <a:pt x="3482611" y="-2038"/>
+                  <a:pt x="3636046" y="0"/>
+                </a:cubicBezTo>
+                <a:cubicBezTo>
+                  <a:pt x="3789481" y="2038"/>
+                  <a:pt x="4012363" y="973"/>
+                  <a:pt x="4343400" y="0"/>
+                </a:cubicBezTo>
+                <a:cubicBezTo>
+                  <a:pt x="4342514" y="5429"/>
+                  <a:pt x="4344221" y="14046"/>
+                  <a:pt x="4343400" y="18288"/>
+                </a:cubicBezTo>
+                <a:cubicBezTo>
+                  <a:pt x="4078870" y="-6138"/>
+                  <a:pt x="4015967" y="29658"/>
+                  <a:pt x="3809782" y="18288"/>
+                </a:cubicBezTo>
+                <a:cubicBezTo>
+                  <a:pt x="3603597" y="6918"/>
+                  <a:pt x="3495552" y="24439"/>
+                  <a:pt x="3189297" y="18288"/>
+                </a:cubicBezTo>
+                <a:cubicBezTo>
+                  <a:pt x="2883042" y="12137"/>
+                  <a:pt x="2850610" y="32583"/>
+                  <a:pt x="2568811" y="18288"/>
+                </a:cubicBezTo>
+                <a:cubicBezTo>
+                  <a:pt x="2287012" y="3993"/>
+                  <a:pt x="2279820" y="23580"/>
+                  <a:pt x="1991759" y="18288"/>
+                </a:cubicBezTo>
+                <a:cubicBezTo>
+                  <a:pt x="1703698" y="12996"/>
+                  <a:pt x="1616455" y="23157"/>
+                  <a:pt x="1284405" y="18288"/>
+                </a:cubicBezTo>
+                <a:cubicBezTo>
+                  <a:pt x="952355" y="13419"/>
+                  <a:pt x="783530" y="16053"/>
+                  <a:pt x="577052" y="18288"/>
+                </a:cubicBezTo>
+                <a:cubicBezTo>
+                  <a:pt x="370574" y="20523"/>
+                  <a:pt x="173929" y="5195"/>
+                  <a:pt x="0" y="18288"/>
+                </a:cubicBezTo>
+                <a:cubicBezTo>
+                  <a:pt x="668" y="13665"/>
+                  <a:pt x="578" y="5675"/>
+                  <a:pt x="0" y="0"/>
+                </a:cubicBezTo>
+                <a:close/>
+              </a:path>
+            </a:pathLst>
+          </a:custGeom>
+          <a:solidFill>
+            <a:schemeClr val="accent2"/>
+          </a:solidFill>
+          <a:ln w="41275" cap="rnd">
+            <a:solidFill>
+              <a:schemeClr val="accent2"/>
+            </a:solidFill>
+            <a:round/>
+            <a:extLst>
+              <a:ext uri="{C807C97D-BFC1-408E-A445-0C87EB9F89A2}">
+                <ask:lineSketchStyleProps xmlns:ask="http://schemas.microsoft.com/office/drawing/2018/sketchyshapes" sd="1219033472">
+                  <a:prstGeom prst="rect">
+                    <a:avLst/>
+                  </a:prstGeom>
+                  <ask:type>
+                    <ask:lineSketchFreehand/>
+                  </ask:type>
+                </ask:lineSketchStyleProps>
+              </a:ext>
+            </a:extLst>
+          </a:ln>
+        </p:spPr>
+        <p:style>
+          <a:lnRef idx="2">
+            <a:schemeClr val="accent1">
+              <a:shade val="50000"/>
+            </a:schemeClr>
+          </a:lnRef>
+          <a:fillRef idx="1">
+            <a:schemeClr val="accent1"/>
+          </a:fillRef>
+          <a:effectRef idx="0">
+            <a:schemeClr val="accent1"/>
+          </a:effectRef>
+          <a:fontRef idx="minor">
+            <a:schemeClr val="lt1"/>
+          </a:fontRef>
+        </p:style>
+        <p:txBody>
+          <a:bodyPr rtlCol="0" anchor="ctr"/>
+          <a:lstStyle/>
+          <a:p>
+            <a:pPr algn="ctr"/>
+            <a:endParaRPr lang="en-US"/>
+          </a:p>
+        </p:txBody>
+      </p:sp>
+      <p:sp>
+        <p:nvSpPr>
+          <p:cNvPr id="3" name="Content Placeholder 2">
+            <a:extLst>
+              <a:ext uri="{FF2B5EF4-FFF2-40B4-BE49-F238E27FC236}">
+                <a16:creationId xmlns:a16="http://schemas.microsoft.com/office/drawing/2014/main" id="{3AA83CD4-4477-6048-01AE-C49B89BB7CBA}"/>
+              </a:ext>
+            </a:extLst>
+          </p:cNvPr>
+          <p:cNvSpPr>
+            <a:spLocks noGrp="1"/>
+          </p:cNvSpPr>
+          <p:nvPr>
+            <p:ph idx="1"/>
+          </p:nvPr>
+        </p:nvSpPr>
+        <p:spPr>
+          <a:xfrm>
+            <a:off x="612647" y="2504819"/>
+            <a:ext cx="7284443" cy="3672144"/>
+          </a:xfrm>
+        </p:spPr>
+        <p:txBody>
+          <a:bodyPr>
+            <a:normAutofit fontScale="77500" lnSpcReduction="20000"/>
+          </a:bodyPr>
+          <a:lstStyle/>
+          <a:p>
+            <a:pPr marL="0" indent="0">
+              <a:spcBef>
+                <a:spcPts val="0"/>
+              </a:spcBef>
+              <a:buNone/>
+            </a:pPr>
+            <a:r>
+              <a:rPr lang="en-US" sz="1400" b="1" kern="0" dirty="0">
+                <a:effectLst/>
+                <a:latin typeface="Times New Roman" panose="02020603050405020304" pitchFamily="18" charset="0"/>
+                <a:ea typeface="Times New Roman" panose="02020603050405020304" pitchFamily="18" charset="0"/>
+              </a:rPr>
+              <a:t>Summary A</a:t>
+            </a:r>
+            <a:r>
+              <a:rPr lang="en-US" sz="1400" b="1" kern="0" dirty="0">
+                <a:latin typeface="Times New Roman" panose="02020603050405020304" pitchFamily="18" charset="0"/>
+                <a:ea typeface="Times New Roman" panose="02020603050405020304" pitchFamily="18" charset="0"/>
+              </a:rPr>
+              <a:t>nalysis : </a:t>
+            </a:r>
+          </a:p>
+          <a:p>
+            <a:pPr marL="0" marR="0" indent="0">
+              <a:spcBef>
+                <a:spcPts val="0"/>
+              </a:spcBef>
+              <a:spcAft>
+                <a:spcPts val="0"/>
+              </a:spcAft>
+              <a:buNone/>
+            </a:pPr>
+            <a:endParaRPr lang="en-US" sz="900" kern="100" dirty="0">
+              <a:effectLst/>
+              <a:latin typeface="Aptos" panose="020B0004020202020204" pitchFamily="34" charset="0"/>
+              <a:ea typeface="Aptos" panose="020B0004020202020204" pitchFamily="34" charset="0"/>
+              <a:cs typeface="Times New Roman" panose="02020603050405020304" pitchFamily="18" charset="0"/>
+            </a:endParaRPr>
+          </a:p>
+          <a:p>
+            <a:pPr marL="0" marR="0" indent="0">
+              <a:spcBef>
+                <a:spcPts val="0"/>
+              </a:spcBef>
+              <a:spcAft>
+                <a:spcPts val="0"/>
+              </a:spcAft>
+              <a:buNone/>
+            </a:pPr>
+            <a:r>
+              <a:rPr lang="en-US" sz="1200" b="1" kern="0" dirty="0">
+                <a:effectLst/>
+                <a:latin typeface="Times New Roman" panose="02020603050405020304" pitchFamily="18" charset="0"/>
+                <a:ea typeface="Times New Roman" panose="02020603050405020304" pitchFamily="18" charset="0"/>
+                <a:cs typeface="Times New Roman" panose="02020603050405020304" pitchFamily="18" charset="0"/>
+              </a:rPr>
+              <a:t> Inflation Rate and Property Crimes Over Years</a:t>
+            </a:r>
+            <a:endParaRPr lang="en-US" sz="1200" kern="100" dirty="0">
+              <a:effectLst/>
+              <a:latin typeface="Aptos" panose="020B0004020202020204" pitchFamily="34" charset="0"/>
+              <a:ea typeface="Aptos" panose="020B0004020202020204" pitchFamily="34" charset="0"/>
+              <a:cs typeface="Times New Roman" panose="02020603050405020304" pitchFamily="18" charset="0"/>
+            </a:endParaRPr>
+          </a:p>
+          <a:p>
+            <a:pPr marL="0" marR="0" lvl="0" indent="0">
+              <a:spcBef>
+                <a:spcPts val="0"/>
+              </a:spcBef>
+              <a:spcAft>
+                <a:spcPts val="0"/>
+              </a:spcAft>
+              <a:buSzPts val="1000"/>
+              <a:buNone/>
+              <a:tabLst>
+                <a:tab pos="457200" algn="l"/>
+              </a:tabLst>
+            </a:pPr>
+            <a:r>
+              <a:rPr lang="en-US" sz="1200" b="1" kern="0" dirty="0">
+                <a:effectLst/>
+                <a:latin typeface="Times New Roman" panose="02020603050405020304" pitchFamily="18" charset="0"/>
+                <a:ea typeface="Times New Roman" panose="02020603050405020304" pitchFamily="18" charset="0"/>
+                <a:cs typeface="Times New Roman" panose="02020603050405020304" pitchFamily="18" charset="0"/>
+              </a:rPr>
+              <a:t>Inflation Rate (Blue Line):</a:t>
+            </a:r>
+            <a:r>
+              <a:rPr lang="en-US" sz="1200" kern="0" dirty="0">
+                <a:effectLst/>
+                <a:latin typeface="Times New Roman" panose="02020603050405020304" pitchFamily="18" charset="0"/>
+                <a:ea typeface="Times New Roman" panose="02020603050405020304" pitchFamily="18" charset="0"/>
+                <a:cs typeface="Times New Roman" panose="02020603050405020304" pitchFamily="18" charset="0"/>
+              </a:rPr>
+              <a:t> Peaks around 2008-2009 and 2021-2022.</a:t>
+            </a:r>
+            <a:endParaRPr lang="en-US" sz="1200" kern="100" dirty="0">
+              <a:effectLst/>
+              <a:latin typeface="Aptos" panose="020B0004020202020204" pitchFamily="34" charset="0"/>
+              <a:ea typeface="Aptos" panose="020B0004020202020204" pitchFamily="34" charset="0"/>
+              <a:cs typeface="Times New Roman" panose="02020603050405020304" pitchFamily="18" charset="0"/>
+            </a:endParaRPr>
+          </a:p>
+          <a:p>
+            <a:pPr marL="0" marR="0" lvl="0" indent="0">
+              <a:spcBef>
+                <a:spcPts val="0"/>
+              </a:spcBef>
+              <a:spcAft>
+                <a:spcPts val="0"/>
+              </a:spcAft>
+              <a:buSzPts val="1000"/>
+              <a:buNone/>
+              <a:tabLst>
+                <a:tab pos="457200" algn="l"/>
+              </a:tabLst>
+            </a:pPr>
+            <a:r>
+              <a:rPr lang="en-US" sz="1200" b="1" kern="0" dirty="0">
+                <a:effectLst/>
+                <a:latin typeface="Times New Roman" panose="02020603050405020304" pitchFamily="18" charset="0"/>
+                <a:ea typeface="Times New Roman" panose="02020603050405020304" pitchFamily="18" charset="0"/>
+                <a:cs typeface="Times New Roman" panose="02020603050405020304" pitchFamily="18" charset="0"/>
+              </a:rPr>
+              <a:t>Property Crimes (Black Line):</a:t>
+            </a:r>
+            <a:r>
+              <a:rPr lang="en-US" sz="1200" kern="0" dirty="0">
+                <a:effectLst/>
+                <a:latin typeface="Times New Roman" panose="02020603050405020304" pitchFamily="18" charset="0"/>
+                <a:ea typeface="Times New Roman" panose="02020603050405020304" pitchFamily="18" charset="0"/>
+                <a:cs typeface="Times New Roman" panose="02020603050405020304" pitchFamily="18" charset="0"/>
+              </a:rPr>
+              <a:t> General decline from 1998 to 2023 with fluctuations.</a:t>
+            </a:r>
+            <a:endParaRPr lang="en-US" sz="1200" kern="100" dirty="0">
+              <a:effectLst/>
+              <a:latin typeface="Aptos" panose="020B0004020202020204" pitchFamily="34" charset="0"/>
+              <a:ea typeface="Aptos" panose="020B0004020202020204" pitchFamily="34" charset="0"/>
+              <a:cs typeface="Times New Roman" panose="02020603050405020304" pitchFamily="18" charset="0"/>
+            </a:endParaRPr>
+          </a:p>
+          <a:p>
+            <a:pPr marL="0" marR="0" lvl="0" indent="0">
+              <a:spcBef>
+                <a:spcPts val="0"/>
+              </a:spcBef>
+              <a:spcAft>
+                <a:spcPts val="0"/>
+              </a:spcAft>
+              <a:buSzPts val="1000"/>
+              <a:buNone/>
+              <a:tabLst>
+                <a:tab pos="457200" algn="l"/>
+              </a:tabLst>
+            </a:pPr>
+            <a:r>
+              <a:rPr lang="en-US" sz="1200" b="1" kern="0" dirty="0">
+                <a:effectLst/>
+                <a:latin typeface="Times New Roman" panose="02020603050405020304" pitchFamily="18" charset="0"/>
+                <a:ea typeface="Times New Roman" panose="02020603050405020304" pitchFamily="18" charset="0"/>
+                <a:cs typeface="Times New Roman" panose="02020603050405020304" pitchFamily="18" charset="0"/>
+              </a:rPr>
+              <a:t>Correlation Coefficient:</a:t>
+            </a:r>
+            <a:r>
+              <a:rPr lang="en-US" sz="1200" kern="0" dirty="0">
+                <a:effectLst/>
+                <a:latin typeface="Times New Roman" panose="02020603050405020304" pitchFamily="18" charset="0"/>
+                <a:ea typeface="Times New Roman" panose="02020603050405020304" pitchFamily="18" charset="0"/>
+                <a:cs typeface="Times New Roman" panose="02020603050405020304" pitchFamily="18" charset="0"/>
+              </a:rPr>
+              <a:t> -0.2155044188456208, indicating a weak negative correlation.</a:t>
+            </a:r>
+          </a:p>
+          <a:p>
+            <a:pPr marL="0" marR="0" lvl="0" indent="0">
+              <a:spcBef>
+                <a:spcPts val="0"/>
+              </a:spcBef>
+              <a:spcAft>
+                <a:spcPts val="0"/>
+              </a:spcAft>
+              <a:buSzPts val="1000"/>
+              <a:buNone/>
+              <a:tabLst>
+                <a:tab pos="457200" algn="l"/>
+              </a:tabLst>
+            </a:pPr>
+            <a:endParaRPr lang="en-US" sz="1200" kern="100" dirty="0">
+              <a:effectLst/>
+              <a:latin typeface="Aptos" panose="020B0004020202020204" pitchFamily="34" charset="0"/>
+              <a:ea typeface="Aptos" panose="020B0004020202020204" pitchFamily="34" charset="0"/>
+              <a:cs typeface="Times New Roman" panose="02020603050405020304" pitchFamily="18" charset="0"/>
+            </a:endParaRPr>
+          </a:p>
+          <a:p>
+            <a:pPr marL="0" marR="0" indent="0">
+              <a:spcBef>
+                <a:spcPts val="0"/>
+              </a:spcBef>
+              <a:spcAft>
+                <a:spcPts val="0"/>
+              </a:spcAft>
+              <a:buNone/>
+            </a:pPr>
+            <a:r>
+              <a:rPr lang="en-US" sz="1200" b="1" kern="0" dirty="0">
+                <a:effectLst/>
+                <a:latin typeface="Times New Roman" panose="02020603050405020304" pitchFamily="18" charset="0"/>
+                <a:ea typeface="Times New Roman" panose="02020603050405020304" pitchFamily="18" charset="0"/>
+                <a:cs typeface="Times New Roman" panose="02020603050405020304" pitchFamily="18" charset="0"/>
+              </a:rPr>
+              <a:t>Inflation Rate vs Violent Crimes by Year</a:t>
+            </a:r>
+            <a:endParaRPr lang="en-US" sz="1200" kern="100" dirty="0">
+              <a:effectLst/>
+              <a:latin typeface="Aptos" panose="020B0004020202020204" pitchFamily="34" charset="0"/>
+              <a:ea typeface="Aptos" panose="020B0004020202020204" pitchFamily="34" charset="0"/>
+              <a:cs typeface="Times New Roman" panose="02020603050405020304" pitchFamily="18" charset="0"/>
+            </a:endParaRPr>
+          </a:p>
+          <a:p>
+            <a:pPr marL="0" marR="0" lvl="0" indent="0">
+              <a:spcBef>
+                <a:spcPts val="0"/>
+              </a:spcBef>
+              <a:spcAft>
+                <a:spcPts val="0"/>
+              </a:spcAft>
+              <a:buSzPts val="1000"/>
+              <a:buNone/>
+              <a:tabLst>
+                <a:tab pos="457200" algn="l"/>
+              </a:tabLst>
+            </a:pPr>
+            <a:r>
+              <a:rPr lang="en-US" sz="1200" b="1" kern="0" dirty="0">
+                <a:effectLst/>
+                <a:latin typeface="Times New Roman" panose="02020603050405020304" pitchFamily="18" charset="0"/>
+                <a:ea typeface="Times New Roman" panose="02020603050405020304" pitchFamily="18" charset="0"/>
+                <a:cs typeface="Times New Roman" panose="02020603050405020304" pitchFamily="18" charset="0"/>
+              </a:rPr>
+              <a:t>Inflation Rate (Blue Line):</a:t>
+            </a:r>
+            <a:r>
+              <a:rPr lang="en-US" sz="1200" kern="0" dirty="0">
+                <a:effectLst/>
+                <a:latin typeface="Times New Roman" panose="02020603050405020304" pitchFamily="18" charset="0"/>
+                <a:ea typeface="Times New Roman" panose="02020603050405020304" pitchFamily="18" charset="0"/>
+                <a:cs typeface="Times New Roman" panose="02020603050405020304" pitchFamily="18" charset="0"/>
+              </a:rPr>
+              <a:t> Shows significant peaks similar to the previous graph.</a:t>
+            </a:r>
+            <a:endParaRPr lang="en-US" sz="1200" kern="100" dirty="0">
+              <a:effectLst/>
+              <a:latin typeface="Aptos" panose="020B0004020202020204" pitchFamily="34" charset="0"/>
+              <a:ea typeface="Aptos" panose="020B0004020202020204" pitchFamily="34" charset="0"/>
+              <a:cs typeface="Times New Roman" panose="02020603050405020304" pitchFamily="18" charset="0"/>
+            </a:endParaRPr>
+          </a:p>
+          <a:p>
+            <a:pPr marL="0" marR="0" lvl="0" indent="0">
+              <a:spcBef>
+                <a:spcPts val="0"/>
+              </a:spcBef>
+              <a:spcAft>
+                <a:spcPts val="0"/>
+              </a:spcAft>
+              <a:buSzPts val="1000"/>
+              <a:buNone/>
+              <a:tabLst>
+                <a:tab pos="457200" algn="l"/>
+              </a:tabLst>
+            </a:pPr>
+            <a:r>
+              <a:rPr lang="en-US" sz="1200" b="1" kern="0" dirty="0">
+                <a:effectLst/>
+                <a:latin typeface="Times New Roman" panose="02020603050405020304" pitchFamily="18" charset="0"/>
+                <a:ea typeface="Times New Roman" panose="02020603050405020304" pitchFamily="18" charset="0"/>
+                <a:cs typeface="Times New Roman" panose="02020603050405020304" pitchFamily="18" charset="0"/>
+              </a:rPr>
+              <a:t>Violent Crimes (Red Line):</a:t>
+            </a:r>
+            <a:r>
+              <a:rPr lang="en-US" sz="1200" kern="0" dirty="0">
+                <a:effectLst/>
+                <a:latin typeface="Times New Roman" panose="02020603050405020304" pitchFamily="18" charset="0"/>
+                <a:ea typeface="Times New Roman" panose="02020603050405020304" pitchFamily="18" charset="0"/>
+                <a:cs typeface="Times New Roman" panose="02020603050405020304" pitchFamily="18" charset="0"/>
+              </a:rPr>
+              <a:t> Generally declining trend with fluctuations, noticeable increase post-2017.</a:t>
+            </a:r>
+            <a:endParaRPr lang="en-US" sz="1200" kern="100" dirty="0">
+              <a:effectLst/>
+              <a:latin typeface="Aptos" panose="020B0004020202020204" pitchFamily="34" charset="0"/>
+              <a:ea typeface="Aptos" panose="020B0004020202020204" pitchFamily="34" charset="0"/>
+              <a:cs typeface="Times New Roman" panose="02020603050405020304" pitchFamily="18" charset="0"/>
+            </a:endParaRPr>
+          </a:p>
+          <a:p>
+            <a:pPr marL="0" marR="0" lvl="0" indent="0">
+              <a:spcBef>
+                <a:spcPts val="0"/>
+              </a:spcBef>
+              <a:spcAft>
+                <a:spcPts val="0"/>
+              </a:spcAft>
+              <a:buSzPts val="1000"/>
+              <a:buNone/>
+              <a:tabLst>
+                <a:tab pos="457200" algn="l"/>
+              </a:tabLst>
+            </a:pPr>
+            <a:r>
+              <a:rPr lang="en-US" sz="1200" b="1" kern="0" dirty="0">
+                <a:effectLst/>
+                <a:latin typeface="Times New Roman" panose="02020603050405020304" pitchFamily="18" charset="0"/>
+                <a:ea typeface="Times New Roman" panose="02020603050405020304" pitchFamily="18" charset="0"/>
+                <a:cs typeface="Times New Roman" panose="02020603050405020304" pitchFamily="18" charset="0"/>
+              </a:rPr>
+              <a:t>Correlation Coefficient:</a:t>
+            </a:r>
+            <a:r>
+              <a:rPr lang="en-US" sz="1200" kern="0" dirty="0">
+                <a:effectLst/>
+                <a:latin typeface="Times New Roman" panose="02020603050405020304" pitchFamily="18" charset="0"/>
+                <a:ea typeface="Times New Roman" panose="02020603050405020304" pitchFamily="18" charset="0"/>
+                <a:cs typeface="Times New Roman" panose="02020603050405020304" pitchFamily="18" charset="0"/>
+              </a:rPr>
+              <a:t> 0.2346761392871653, indicating a weak positive correlation.</a:t>
+            </a:r>
+          </a:p>
+          <a:p>
+            <a:pPr marL="0" marR="0" lvl="0" indent="0">
+              <a:spcBef>
+                <a:spcPts val="0"/>
+              </a:spcBef>
+              <a:spcAft>
+                <a:spcPts val="0"/>
+              </a:spcAft>
+              <a:buSzPts val="1000"/>
+              <a:buNone/>
+              <a:tabLst>
+                <a:tab pos="457200" algn="l"/>
+              </a:tabLst>
+            </a:pPr>
+            <a:endParaRPr lang="en-US" sz="1200" kern="100" dirty="0">
+              <a:effectLst/>
+              <a:latin typeface="Aptos" panose="020B0004020202020204" pitchFamily="34" charset="0"/>
+              <a:ea typeface="Aptos" panose="020B0004020202020204" pitchFamily="34" charset="0"/>
+              <a:cs typeface="Times New Roman" panose="02020603050405020304" pitchFamily="18" charset="0"/>
+            </a:endParaRPr>
+          </a:p>
+          <a:p>
+            <a:pPr marL="0" marR="0" indent="0">
+              <a:spcBef>
+                <a:spcPts val="0"/>
+              </a:spcBef>
+              <a:spcAft>
+                <a:spcPts val="0"/>
+              </a:spcAft>
+              <a:buNone/>
+            </a:pPr>
+            <a:r>
+              <a:rPr lang="en-US" sz="1200" b="1" kern="0" dirty="0">
+                <a:effectLst/>
+                <a:latin typeface="Times New Roman" panose="02020603050405020304" pitchFamily="18" charset="0"/>
+                <a:ea typeface="Times New Roman" panose="02020603050405020304" pitchFamily="18" charset="0"/>
+                <a:cs typeface="Times New Roman" panose="02020603050405020304" pitchFamily="18" charset="0"/>
+              </a:rPr>
+              <a:t> Inflation Rate vs Robbery by Year</a:t>
+            </a:r>
+            <a:endParaRPr lang="en-US" sz="1200" kern="100" dirty="0">
+              <a:effectLst/>
+              <a:latin typeface="Aptos" panose="020B0004020202020204" pitchFamily="34" charset="0"/>
+              <a:ea typeface="Aptos" panose="020B0004020202020204" pitchFamily="34" charset="0"/>
+              <a:cs typeface="Times New Roman" panose="02020603050405020304" pitchFamily="18" charset="0"/>
+            </a:endParaRPr>
+          </a:p>
+          <a:p>
+            <a:pPr marL="0" marR="0" lvl="0" indent="0">
+              <a:spcBef>
+                <a:spcPts val="0"/>
+              </a:spcBef>
+              <a:spcAft>
+                <a:spcPts val="0"/>
+              </a:spcAft>
+              <a:buSzPts val="1000"/>
+              <a:buNone/>
+              <a:tabLst>
+                <a:tab pos="457200" algn="l"/>
+              </a:tabLst>
+            </a:pPr>
+            <a:r>
+              <a:rPr lang="en-US" sz="1200" b="1" kern="0" dirty="0">
+                <a:effectLst/>
+                <a:latin typeface="Times New Roman" panose="02020603050405020304" pitchFamily="18" charset="0"/>
+                <a:ea typeface="Times New Roman" panose="02020603050405020304" pitchFamily="18" charset="0"/>
+                <a:cs typeface="Times New Roman" panose="02020603050405020304" pitchFamily="18" charset="0"/>
+              </a:rPr>
+              <a:t> Inflation Rate (Blue Line):</a:t>
+            </a:r>
+            <a:r>
+              <a:rPr lang="en-US" sz="1200" kern="0" dirty="0">
+                <a:effectLst/>
+                <a:latin typeface="Times New Roman" panose="02020603050405020304" pitchFamily="18" charset="0"/>
+                <a:ea typeface="Times New Roman" panose="02020603050405020304" pitchFamily="18" charset="0"/>
+                <a:cs typeface="Times New Roman" panose="02020603050405020304" pitchFamily="18" charset="0"/>
+              </a:rPr>
+              <a:t> Peaks in the same periods.</a:t>
+            </a:r>
+            <a:endParaRPr lang="en-US" sz="1200" kern="100" dirty="0">
+              <a:effectLst/>
+              <a:latin typeface="Aptos" panose="020B0004020202020204" pitchFamily="34" charset="0"/>
+              <a:ea typeface="Aptos" panose="020B0004020202020204" pitchFamily="34" charset="0"/>
+              <a:cs typeface="Times New Roman" panose="02020603050405020304" pitchFamily="18" charset="0"/>
+            </a:endParaRPr>
+          </a:p>
+          <a:p>
+            <a:pPr marL="0" marR="0" lvl="0" indent="0">
+              <a:spcBef>
+                <a:spcPts val="0"/>
+              </a:spcBef>
+              <a:spcAft>
+                <a:spcPts val="0"/>
+              </a:spcAft>
+              <a:buSzPts val="1000"/>
+              <a:buNone/>
+              <a:tabLst>
+                <a:tab pos="457200" algn="l"/>
+              </a:tabLst>
+            </a:pPr>
+            <a:r>
+              <a:rPr lang="en-US" sz="1200" b="1" kern="0" dirty="0">
+                <a:effectLst/>
+                <a:latin typeface="Times New Roman" panose="02020603050405020304" pitchFamily="18" charset="0"/>
+                <a:ea typeface="Times New Roman" panose="02020603050405020304" pitchFamily="18" charset="0"/>
+                <a:cs typeface="Times New Roman" panose="02020603050405020304" pitchFamily="18" charset="0"/>
+              </a:rPr>
+              <a:t>Robbery Count (Orange Line):</a:t>
+            </a:r>
+            <a:r>
+              <a:rPr lang="en-US" sz="1200" kern="0" dirty="0">
+                <a:effectLst/>
+                <a:latin typeface="Times New Roman" panose="02020603050405020304" pitchFamily="18" charset="0"/>
+                <a:ea typeface="Times New Roman" panose="02020603050405020304" pitchFamily="18" charset="0"/>
+                <a:cs typeface="Times New Roman" panose="02020603050405020304" pitchFamily="18" charset="0"/>
+              </a:rPr>
+              <a:t> General decline with fluctuations, significant spike around 2008-2009 and 2021-2022.</a:t>
+            </a:r>
+            <a:endParaRPr lang="en-US" sz="1200" kern="100" dirty="0">
+              <a:effectLst/>
+              <a:latin typeface="Aptos" panose="020B0004020202020204" pitchFamily="34" charset="0"/>
+              <a:ea typeface="Aptos" panose="020B0004020202020204" pitchFamily="34" charset="0"/>
+              <a:cs typeface="Times New Roman" panose="02020603050405020304" pitchFamily="18" charset="0"/>
+            </a:endParaRPr>
+          </a:p>
+          <a:p>
+            <a:pPr marL="0" marR="0" lvl="0" indent="0">
+              <a:spcBef>
+                <a:spcPts val="0"/>
+              </a:spcBef>
+              <a:spcAft>
+                <a:spcPts val="0"/>
+              </a:spcAft>
+              <a:buSzPts val="1000"/>
+              <a:buNone/>
+              <a:tabLst>
+                <a:tab pos="457200" algn="l"/>
+              </a:tabLst>
+            </a:pPr>
+            <a:r>
+              <a:rPr lang="en-US" sz="1200" b="1" kern="0" dirty="0">
+                <a:effectLst/>
+                <a:latin typeface="Times New Roman" panose="02020603050405020304" pitchFamily="18" charset="0"/>
+                <a:ea typeface="Times New Roman" panose="02020603050405020304" pitchFamily="18" charset="0"/>
+                <a:cs typeface="Times New Roman" panose="02020603050405020304" pitchFamily="18" charset="0"/>
+              </a:rPr>
+              <a:t>Correlation Coefficient:</a:t>
+            </a:r>
+            <a:r>
+              <a:rPr lang="en-US" sz="1200" kern="0" dirty="0">
+                <a:effectLst/>
+                <a:latin typeface="Times New Roman" panose="02020603050405020304" pitchFamily="18" charset="0"/>
+                <a:ea typeface="Times New Roman" panose="02020603050405020304" pitchFamily="18" charset="0"/>
+                <a:cs typeface="Times New Roman" panose="02020603050405020304" pitchFamily="18" charset="0"/>
+              </a:rPr>
+              <a:t> Not directly shown in the image but can be inferred as weak based on trends.</a:t>
+            </a:r>
+          </a:p>
+          <a:p>
+            <a:pPr marL="0" marR="0" lvl="0" indent="0">
+              <a:spcBef>
+                <a:spcPts val="0"/>
+              </a:spcBef>
+              <a:spcAft>
+                <a:spcPts val="0"/>
+              </a:spcAft>
+              <a:buSzPts val="1000"/>
+              <a:buNone/>
+              <a:tabLst>
+                <a:tab pos="457200" algn="l"/>
+              </a:tabLst>
+            </a:pPr>
+            <a:endParaRPr lang="en-US" sz="900" kern="0" dirty="0">
+              <a:latin typeface="Times New Roman" panose="02020603050405020304" pitchFamily="18" charset="0"/>
+              <a:ea typeface="Times New Roman" panose="02020603050405020304" pitchFamily="18" charset="0"/>
+              <a:cs typeface="Times New Roman" panose="02020603050405020304" pitchFamily="18" charset="0"/>
+            </a:endParaRPr>
+          </a:p>
+          <a:p>
+            <a:pPr marL="0" marR="0" indent="0">
+              <a:spcBef>
+                <a:spcPts val="0"/>
+              </a:spcBef>
+              <a:spcAft>
+                <a:spcPts val="0"/>
+              </a:spcAft>
+              <a:buNone/>
+            </a:pPr>
+            <a:r>
+              <a:rPr lang="en-US" sz="1400" b="1" kern="0" dirty="0">
+                <a:effectLst/>
+                <a:latin typeface="Times New Roman" panose="02020603050405020304" pitchFamily="18" charset="0"/>
+                <a:ea typeface="Times New Roman" panose="02020603050405020304" pitchFamily="18" charset="0"/>
+                <a:cs typeface="Times New Roman" panose="02020603050405020304" pitchFamily="18" charset="0"/>
+              </a:rPr>
+              <a:t>Correlation Summary:</a:t>
+            </a:r>
+            <a:endParaRPr lang="en-US" sz="1400" kern="100" dirty="0">
+              <a:effectLst/>
+              <a:latin typeface="Aptos" panose="020B0004020202020204" pitchFamily="34" charset="0"/>
+              <a:ea typeface="Aptos" panose="020B0004020202020204" pitchFamily="34" charset="0"/>
+              <a:cs typeface="Times New Roman" panose="02020603050405020304" pitchFamily="18" charset="0"/>
+            </a:endParaRPr>
+          </a:p>
+          <a:p>
+            <a:pPr marL="0" marR="0" lvl="0" indent="0">
+              <a:spcBef>
+                <a:spcPts val="0"/>
+              </a:spcBef>
+              <a:spcAft>
+                <a:spcPts val="0"/>
+              </a:spcAft>
+              <a:buSzPts val="1000"/>
+              <a:buNone/>
+              <a:tabLst>
+                <a:tab pos="457200" algn="l"/>
+              </a:tabLst>
+            </a:pPr>
+            <a:r>
+              <a:rPr lang="en-US" sz="1300" b="1" kern="0" dirty="0">
+                <a:effectLst/>
+                <a:latin typeface="Times New Roman" panose="02020603050405020304" pitchFamily="18" charset="0"/>
+                <a:ea typeface="Times New Roman" panose="02020603050405020304" pitchFamily="18" charset="0"/>
+                <a:cs typeface="Times New Roman" panose="02020603050405020304" pitchFamily="18" charset="0"/>
+              </a:rPr>
+              <a:t>Inflation Rate and Property Crimes:</a:t>
+            </a:r>
+            <a:r>
+              <a:rPr lang="en-US" sz="1300" kern="0" dirty="0">
+                <a:effectLst/>
+                <a:latin typeface="Times New Roman" panose="02020603050405020304" pitchFamily="18" charset="0"/>
+                <a:ea typeface="Times New Roman" panose="02020603050405020304" pitchFamily="18" charset="0"/>
+                <a:cs typeface="Times New Roman" panose="02020603050405020304" pitchFamily="18" charset="0"/>
+              </a:rPr>
+              <a:t> Weak negative correlation (-0.22), suggesting that higher inflation might slightly decrease property crimes.</a:t>
+            </a:r>
+            <a:endParaRPr lang="en-US" sz="1300" kern="100" dirty="0">
+              <a:effectLst/>
+              <a:latin typeface="Aptos" panose="020B0004020202020204" pitchFamily="34" charset="0"/>
+              <a:ea typeface="Aptos" panose="020B0004020202020204" pitchFamily="34" charset="0"/>
+              <a:cs typeface="Times New Roman" panose="02020603050405020304" pitchFamily="18" charset="0"/>
+            </a:endParaRPr>
+          </a:p>
+          <a:p>
+            <a:pPr marL="0" marR="0" lvl="0" indent="0">
+              <a:spcBef>
+                <a:spcPts val="0"/>
+              </a:spcBef>
+              <a:spcAft>
+                <a:spcPts val="0"/>
+              </a:spcAft>
+              <a:buSzPts val="1000"/>
+              <a:buNone/>
+              <a:tabLst>
+                <a:tab pos="457200" algn="l"/>
+              </a:tabLst>
+            </a:pPr>
+            <a:r>
+              <a:rPr lang="en-US" sz="1300" b="1" kern="0" dirty="0">
+                <a:effectLst/>
+                <a:latin typeface="Times New Roman" panose="02020603050405020304" pitchFamily="18" charset="0"/>
+                <a:ea typeface="Times New Roman" panose="02020603050405020304" pitchFamily="18" charset="0"/>
+                <a:cs typeface="Times New Roman" panose="02020603050405020304" pitchFamily="18" charset="0"/>
+              </a:rPr>
+              <a:t>Inflation Rate and Violent Crimes:</a:t>
+            </a:r>
+            <a:r>
+              <a:rPr lang="en-US" sz="1300" kern="0" dirty="0">
+                <a:effectLst/>
+                <a:latin typeface="Times New Roman" panose="02020603050405020304" pitchFamily="18" charset="0"/>
+                <a:ea typeface="Times New Roman" panose="02020603050405020304" pitchFamily="18" charset="0"/>
+                <a:cs typeface="Times New Roman" panose="02020603050405020304" pitchFamily="18" charset="0"/>
+              </a:rPr>
+              <a:t> Weak positive correlation (0.23), suggesting that higher inflation might slightly increase violent crimes.</a:t>
+            </a:r>
+            <a:endParaRPr lang="en-US" sz="1300" kern="100" dirty="0">
+              <a:effectLst/>
+              <a:latin typeface="Aptos" panose="020B0004020202020204" pitchFamily="34" charset="0"/>
+              <a:ea typeface="Aptos" panose="020B0004020202020204" pitchFamily="34" charset="0"/>
+              <a:cs typeface="Times New Roman" panose="02020603050405020304" pitchFamily="18" charset="0"/>
+            </a:endParaRPr>
+          </a:p>
+          <a:p>
+            <a:pPr marL="0" marR="0" lvl="0" indent="0">
+              <a:spcBef>
+                <a:spcPts val="0"/>
+              </a:spcBef>
+              <a:spcAft>
+                <a:spcPts val="0"/>
+              </a:spcAft>
+              <a:buSzPts val="1000"/>
+              <a:buNone/>
+              <a:tabLst>
+                <a:tab pos="457200" algn="l"/>
+              </a:tabLst>
+            </a:pPr>
+            <a:r>
+              <a:rPr lang="en-US" sz="1300" b="1" kern="0" dirty="0">
+                <a:effectLst/>
+                <a:latin typeface="Times New Roman" panose="02020603050405020304" pitchFamily="18" charset="0"/>
+                <a:ea typeface="Times New Roman" panose="02020603050405020304" pitchFamily="18" charset="0"/>
+                <a:cs typeface="Times New Roman" panose="02020603050405020304" pitchFamily="18" charset="0"/>
+              </a:rPr>
+              <a:t>Inflation Rate and Robbery:</a:t>
+            </a:r>
+            <a:r>
+              <a:rPr lang="en-US" sz="1300" kern="0" dirty="0">
+                <a:effectLst/>
+                <a:latin typeface="Times New Roman" panose="02020603050405020304" pitchFamily="18" charset="0"/>
+                <a:ea typeface="Times New Roman" panose="02020603050405020304" pitchFamily="18" charset="0"/>
+                <a:cs typeface="Times New Roman" panose="02020603050405020304" pitchFamily="18" charset="0"/>
+              </a:rPr>
+              <a:t> Trends suggest a weak correlation, likely weak positive or neutral.</a:t>
+            </a:r>
+            <a:endParaRPr lang="en-US" sz="1300" kern="100" dirty="0">
+              <a:effectLst/>
+              <a:latin typeface="Aptos" panose="020B0004020202020204" pitchFamily="34" charset="0"/>
+              <a:ea typeface="Aptos" panose="020B0004020202020204" pitchFamily="34" charset="0"/>
+              <a:cs typeface="Times New Roman" panose="02020603050405020304" pitchFamily="18" charset="0"/>
+            </a:endParaRPr>
+          </a:p>
+          <a:p>
+            <a:pPr marL="0" marR="0" lvl="0" indent="0">
+              <a:spcBef>
+                <a:spcPts val="0"/>
+              </a:spcBef>
+              <a:spcAft>
+                <a:spcPts val="0"/>
+              </a:spcAft>
+              <a:buSzPts val="1000"/>
+              <a:buNone/>
+              <a:tabLst>
+                <a:tab pos="457200" algn="l"/>
+              </a:tabLst>
+            </a:pPr>
+            <a:endParaRPr lang="en-US" sz="900" kern="0" dirty="0">
+              <a:effectLst/>
+              <a:latin typeface="Times New Roman" panose="02020603050405020304" pitchFamily="18" charset="0"/>
+              <a:ea typeface="Times New Roman" panose="02020603050405020304" pitchFamily="18" charset="0"/>
+              <a:cs typeface="Times New Roman" panose="02020603050405020304" pitchFamily="18" charset="0"/>
+            </a:endParaRPr>
+          </a:p>
+          <a:p>
+            <a:pPr marL="342900" marR="0" lvl="0" indent="-342900">
+              <a:spcBef>
+                <a:spcPts val="0"/>
+              </a:spcBef>
+              <a:spcAft>
+                <a:spcPts val="0"/>
+              </a:spcAft>
+              <a:buSzPts val="1000"/>
+              <a:buFont typeface="Symbol" pitchFamily="2" charset="2"/>
+              <a:buChar char=""/>
+              <a:tabLst>
+                <a:tab pos="457200" algn="l"/>
+              </a:tabLst>
+            </a:pPr>
+            <a:endParaRPr lang="en-US" sz="900" kern="0" dirty="0">
+              <a:latin typeface="Times New Roman" panose="02020603050405020304" pitchFamily="18" charset="0"/>
+              <a:ea typeface="Aptos" panose="020B0004020202020204" pitchFamily="34" charset="0"/>
+              <a:cs typeface="Times New Roman" panose="02020603050405020304" pitchFamily="18" charset="0"/>
+            </a:endParaRPr>
+          </a:p>
+          <a:p>
+            <a:pPr marL="342900" marR="0" lvl="0" indent="-342900">
+              <a:spcBef>
+                <a:spcPts val="0"/>
+              </a:spcBef>
+              <a:spcAft>
+                <a:spcPts val="0"/>
+              </a:spcAft>
+              <a:buSzPts val="1000"/>
+              <a:buFont typeface="Symbol" pitchFamily="2" charset="2"/>
+              <a:buChar char=""/>
+              <a:tabLst>
+                <a:tab pos="457200" algn="l"/>
+              </a:tabLst>
+            </a:pPr>
+            <a:endParaRPr lang="en-US" sz="900" kern="0" dirty="0">
+              <a:latin typeface="Times New Roman" panose="02020603050405020304" pitchFamily="18" charset="0"/>
+              <a:ea typeface="Aptos" panose="020B0004020202020204" pitchFamily="34" charset="0"/>
+              <a:cs typeface="Times New Roman" panose="02020603050405020304" pitchFamily="18" charset="0"/>
+            </a:endParaRPr>
+          </a:p>
+          <a:p>
+            <a:pPr marL="0" marR="0" lvl="0" indent="0">
+              <a:spcBef>
+                <a:spcPts val="0"/>
+              </a:spcBef>
+              <a:spcAft>
+                <a:spcPts val="0"/>
+              </a:spcAft>
+              <a:buSzPts val="1000"/>
+              <a:buNone/>
+              <a:tabLst>
+                <a:tab pos="457200" algn="l"/>
+              </a:tabLst>
+            </a:pPr>
+            <a:r>
+              <a:rPr lang="en-US" sz="1400" b="1" kern="100" dirty="0">
+                <a:effectLst/>
+                <a:latin typeface="Aptos" panose="020B0004020202020204" pitchFamily="34" charset="0"/>
+                <a:ea typeface="Aptos" panose="020B0004020202020204" pitchFamily="34" charset="0"/>
+                <a:cs typeface="Times New Roman" panose="02020603050405020304" pitchFamily="18" charset="0"/>
+              </a:rPr>
+              <a:t>Conclusion</a:t>
+            </a:r>
+            <a:r>
+              <a:rPr lang="en-US" sz="1400" kern="100" dirty="0">
+                <a:effectLst/>
+                <a:latin typeface="Aptos" panose="020B0004020202020204" pitchFamily="34" charset="0"/>
+                <a:ea typeface="Aptos" panose="020B0004020202020204" pitchFamily="34" charset="0"/>
+                <a:cs typeface="Times New Roman" panose="02020603050405020304" pitchFamily="18" charset="0"/>
+              </a:rPr>
+              <a:t>:</a:t>
+            </a:r>
+            <a:endParaRPr lang="en-US" sz="1400" b="1" kern="100" dirty="0">
+              <a:effectLst/>
+              <a:latin typeface="Aptos" panose="020B0004020202020204" pitchFamily="34" charset="0"/>
+              <a:ea typeface="Aptos" panose="020B0004020202020204" pitchFamily="34" charset="0"/>
+              <a:cs typeface="Times New Roman" panose="02020603050405020304" pitchFamily="18" charset="0"/>
+            </a:endParaRPr>
+          </a:p>
+          <a:p>
+            <a:pPr marL="0" indent="0">
+              <a:buNone/>
+            </a:pPr>
+            <a:r>
+              <a:rPr lang="en-US" sz="1400" kern="0" dirty="0">
+                <a:effectLst/>
+                <a:latin typeface="Times New Roman" panose="02020603050405020304" pitchFamily="18" charset="0"/>
+                <a:ea typeface="Times New Roman" panose="02020603050405020304" pitchFamily="18" charset="0"/>
+                <a:cs typeface="Times New Roman" panose="02020603050405020304" pitchFamily="18" charset="0"/>
+              </a:rPr>
+              <a:t>The correlations between the inflation rate and different crime types are generally weak. The weak negative correlation with property crimes and weak positive correlation with violent crimes indicate that inflation might have some influence, but other factors likely play a more significant role in crime trends. The fluctuation patterns and recent spikes in both inflation and crime rates during specific periods (e.g., economic crises) highlight the complex interplay between economic conditions and crime. Further analysis with more variables would provide a clearer understanding of these relationships.</a:t>
+            </a:r>
+            <a:endParaRPr lang="en-US" sz="1400" kern="100" dirty="0">
+              <a:effectLst/>
+              <a:latin typeface="Aptos" panose="020B0004020202020204" pitchFamily="34" charset="0"/>
+              <a:ea typeface="Aptos" panose="020B0004020202020204" pitchFamily="34" charset="0"/>
+              <a:cs typeface="Times New Roman" panose="02020603050405020304" pitchFamily="18" charset="0"/>
+            </a:endParaRPr>
+          </a:p>
+          <a:p>
+            <a:pPr marL="0" indent="0">
+              <a:buNone/>
+            </a:pPr>
+            <a:endParaRPr lang="en-US" sz="900" dirty="0"/>
+          </a:p>
+        </p:txBody>
+      </p:sp>
+      <p:pic>
+        <p:nvPicPr>
+          <p:cNvPr id="7" name="Picture 6">
+            <a:extLst>
+              <a:ext uri="{FF2B5EF4-FFF2-40B4-BE49-F238E27FC236}">
+                <a16:creationId xmlns:a16="http://schemas.microsoft.com/office/drawing/2014/main" id="{A5C40A19-6FED-F719-5B74-F3A148E96544}"/>
+              </a:ext>
+            </a:extLst>
+          </p:cNvPr>
+          <p:cNvPicPr>
+            <a:picLocks noChangeAspect="1"/>
+          </p:cNvPicPr>
+          <p:nvPr/>
+        </p:nvPicPr>
+        <p:blipFill rotWithShape="1">
+          <a:blip r:embed="rId4"/>
+          <a:srcRect r="9394" b="15666"/>
+          <a:stretch/>
+        </p:blipFill>
+        <p:spPr>
+          <a:xfrm>
+            <a:off x="8006747" y="2310086"/>
+            <a:ext cx="3770707" cy="1890220"/>
+          </a:xfrm>
+          <a:prstGeom prst="rect">
+            <a:avLst/>
+          </a:prstGeom>
+        </p:spPr>
+      </p:pic>
+      <p:pic>
+        <p:nvPicPr>
+          <p:cNvPr id="9" name="Picture 8">
+            <a:extLst>
+              <a:ext uri="{FF2B5EF4-FFF2-40B4-BE49-F238E27FC236}">
+                <a16:creationId xmlns:a16="http://schemas.microsoft.com/office/drawing/2014/main" id="{0F968D98-1FF7-FA1F-90FD-EA76F70B37FF}"/>
+              </a:ext>
+            </a:extLst>
+          </p:cNvPr>
+          <p:cNvPicPr>
+            <a:picLocks noChangeAspect="1"/>
+          </p:cNvPicPr>
+          <p:nvPr/>
+        </p:nvPicPr>
+        <p:blipFill>
+          <a:blip r:embed="rId5"/>
+          <a:stretch>
+            <a:fillRect/>
+          </a:stretch>
+        </p:blipFill>
+        <p:spPr>
+          <a:xfrm>
+            <a:off x="8006747" y="4358181"/>
+            <a:ext cx="3727963" cy="1890220"/>
+          </a:xfrm>
+          <a:prstGeom prst="rect">
+            <a:avLst/>
+          </a:prstGeom>
+        </p:spPr>
+      </p:pic>
+    </p:spTree>
+    <p:extLst>
+      <p:ext uri="{BB962C8B-B14F-4D97-AF65-F5344CB8AC3E}">
+        <p14:creationId xmlns:p14="http://schemas.microsoft.com/office/powerpoint/2010/main" val="1043685915"/>
       </p:ext>
     </p:extLst>
   </p:cSld>
